--- a/강의자료/chapter25.pptx
+++ b/강의자료/chapter25.pptx
@@ -192,6 +192,35 @@
     </p:ext>
   </p:extLst>
 </p:presentation>
+</file>
+
+<file path=ppt/changesInfos/changesInfo1.xml><?xml version="1.0" encoding="utf-8"?>
+<pc:chgInfo xmlns:a="http://schemas.openxmlformats.org/drawingml/2006/main" xmlns:r="http://schemas.openxmlformats.org/officeDocument/2006/relationships" xmlns:ac="http://schemas.microsoft.com/office/drawing/2013/main/command" xmlns:pc="http://schemas.microsoft.com/office/powerpoint/2013/main/command">
+  <pc:docChgLst>
+    <pc:chgData name="태화 김" userId="259b61d2-9729-4474-b7b7-48c44ad9d088" providerId="ADAL" clId="{27FF6D84-7528-4674-B6A4-4CC889C75C1E}"/>
+    <pc:docChg chg="modSld">
+      <pc:chgData name="태화 김" userId="259b61d2-9729-4474-b7b7-48c44ad9d088" providerId="ADAL" clId="{27FF6D84-7528-4674-B6A4-4CC889C75C1E}" dt="2018-06-12T03:58:37.182" v="0" actId="1076"/>
+      <pc:docMkLst>
+        <pc:docMk/>
+      </pc:docMkLst>
+      <pc:sldChg chg="modSp">
+        <pc:chgData name="태화 김" userId="259b61d2-9729-4474-b7b7-48c44ad9d088" providerId="ADAL" clId="{27FF6D84-7528-4674-B6A4-4CC889C75C1E}" dt="2018-06-12T03:58:37.182" v="0" actId="1076"/>
+        <pc:sldMkLst>
+          <pc:docMk/>
+          <pc:sldMk cId="1241462459" sldId="687"/>
+        </pc:sldMkLst>
+        <pc:spChg chg="mod">
+          <ac:chgData name="태화 김" userId="259b61d2-9729-4474-b7b7-48c44ad9d088" providerId="ADAL" clId="{27FF6D84-7528-4674-B6A4-4CC889C75C1E}" dt="2018-06-12T03:58:37.182" v="0" actId="1076"/>
+          <ac:spMkLst>
+            <pc:docMk/>
+            <pc:sldMk cId="1241462459" sldId="687"/>
+            <ac:spMk id="11" creationId="{00000000-0000-0000-0000-000000000000}"/>
+          </ac:spMkLst>
+        </pc:spChg>
+      </pc:sldChg>
+    </pc:docChg>
+  </pc:docChgLst>
+</pc:chgInfo>
 </file>
 
 <file path=ppt/handoutMasters/handoutMaster1.xml><?xml version="1.0" encoding="utf-8"?>
@@ -10147,17 +10176,9 @@
             <a:pPr eaLnBrk="1" hangingPunct="1">
               <a:defRPr/>
             </a:pPr>
-            <a:r>
-              <a:rPr lang="en-US" altLang="ko-KR" i="0" dirty="0"/>
-              <a:t/>
-            </a:r>
             <a:br>
               <a:rPr lang="en-US" altLang="ko-KR" i="0" dirty="0"/>
             </a:br>
-            <a:r>
-              <a:rPr lang="en-US" altLang="ko-KR" i="0" dirty="0"/>
-              <a:t/>
-            </a:r>
             <a:br>
               <a:rPr lang="en-US" altLang="ko-KR" i="0" dirty="0"/>
             </a:br>
@@ -10173,15 +10194,15 @@
               <a:t> </a:t>
             </a:r>
             <a:r>
-              <a:rPr lang="ko-KR" altLang="en-US" i="0" dirty="0" smtClean="0"/>
+              <a:rPr lang="ko-KR" altLang="en-US" i="0" dirty="0"/>
               <a:t>부동산 </a:t>
             </a:r>
             <a:r>
-              <a:rPr lang="ko-KR" altLang="en-US" i="0" dirty="0" err="1" smtClean="0"/>
+              <a:rPr lang="ko-KR" altLang="en-US" i="0" dirty="0" err="1"/>
               <a:t>텔레그램</a:t>
             </a:r>
             <a:r>
-              <a:rPr lang="ko-KR" altLang="en-US" i="0" dirty="0" smtClean="0"/>
+              <a:rPr lang="ko-KR" altLang="en-US" i="0" dirty="0"/>
               <a:t> 봇</a:t>
             </a:r>
             <a:endParaRPr lang="en-US" altLang="ko-KR" i="0" dirty="0"/>
@@ -10319,11 +10340,7 @@
             </a:pPr>
             <a:r>
               <a:rPr lang="en-US" altLang="ko-KR" sz="1200" dirty="0"/>
-              <a:t> </a:t>
-            </a:r>
-            <a:r>
-              <a:rPr lang="en-US" altLang="ko-KR" sz="1200" dirty="0" smtClean="0"/>
-              <a:t>25-</a:t>
+              <a:t> 25-</a:t>
             </a:r>
             <a:fld id="{EE621CE6-D308-4D61-B822-3D065891D4D7}" type="slidenum">
               <a:rPr lang="en-US" altLang="ko-KR" sz="1200" smtClean="0">
@@ -10391,19 +10408,19 @@
               <a:defRPr/>
             </a:pPr>
             <a:r>
-              <a:rPr lang="ko-KR" altLang="en-US" dirty="0" err="1" smtClean="0"/>
+              <a:rPr lang="ko-KR" altLang="en-US" dirty="0" err="1"/>
               <a:t>공공데이터</a:t>
             </a:r>
             <a:r>
-              <a:rPr lang="ko-KR" altLang="en-US" dirty="0" smtClean="0"/>
+              <a:rPr lang="ko-KR" altLang="en-US" dirty="0"/>
               <a:t> 포털 </a:t>
             </a:r>
             <a:r>
-              <a:rPr lang="en-US" altLang="ko-KR" dirty="0" smtClean="0"/>
+              <a:rPr lang="en-US" altLang="ko-KR" dirty="0"/>
               <a:t>(data.go.kr) </a:t>
             </a:r>
             <a:r>
-              <a:rPr lang="ko-KR" altLang="en-US" dirty="0" smtClean="0"/>
+              <a:rPr lang="ko-KR" altLang="en-US" dirty="0"/>
               <a:t>부동산 정보</a:t>
             </a:r>
             <a:endParaRPr lang="en-US" altLang="ko-KR" dirty="0"/>
@@ -10626,25 +10643,17 @@
                   <a:schemeClr val="accent2"/>
                 </a:solidFill>
               </a:rPr>
-              <a:t>월 </a:t>
-            </a:r>
-            <a:r>
-              <a:rPr lang="ko-KR" altLang="en-US" sz="2000" b="1" dirty="0" smtClean="0">
+              <a:t>월 아파트 매매 </a:t>
+            </a:r>
+            <a:r>
+              <a:rPr lang="ko-KR" altLang="en-US" sz="2000" b="1" dirty="0" err="1">
                 <a:solidFill>
                   <a:schemeClr val="accent2"/>
                 </a:solidFill>
               </a:rPr>
-              <a:t>아파트 매매 </a:t>
-            </a:r>
-            <a:r>
-              <a:rPr lang="ko-KR" altLang="en-US" sz="2000" b="1" dirty="0" err="1" smtClean="0">
-                <a:solidFill>
-                  <a:schemeClr val="accent2"/>
-                </a:solidFill>
-              </a:rPr>
               <a:t>실거래자료</a:t>
             </a:r>
-            <a:endParaRPr lang="en-US" altLang="ko-KR" sz="2000" b="1" dirty="0" smtClean="0">
+            <a:endParaRPr lang="en-US" altLang="ko-KR" sz="2000" b="1" dirty="0">
               <a:solidFill>
                 <a:schemeClr val="accent2"/>
               </a:solidFill>
@@ -10698,7 +10707,7 @@
               <a:buFont typeface="Wingdings" panose="05000000000000000000" pitchFamily="2" charset="2"/>
               <a:buChar char="§"/>
             </a:pPr>
-            <a:endParaRPr lang="en-US" altLang="ko-KR" sz="2000" b="1" dirty="0" smtClean="0">
+            <a:endParaRPr lang="en-US" altLang="ko-KR" sz="2000" b="1" dirty="0">
               <a:solidFill>
                 <a:schemeClr val="accent2"/>
               </a:solidFill>
@@ -10709,7 +10718,7 @@
               <a:buFont typeface="Wingdings" panose="05000000000000000000" pitchFamily="2" charset="2"/>
               <a:buChar char="§"/>
             </a:pPr>
-            <a:endParaRPr lang="en-US" altLang="ko-KR" sz="2000" b="1" dirty="0" smtClean="0">
+            <a:endParaRPr lang="en-US" altLang="ko-KR" sz="2000" b="1" dirty="0">
               <a:solidFill>
                 <a:schemeClr val="accent2"/>
               </a:solidFill>
@@ -10758,25 +10767,17 @@
                   <a:schemeClr val="accent2"/>
                 </a:solidFill>
               </a:rPr>
-              <a:t>월 </a:t>
-            </a:r>
-            <a:r>
-              <a:rPr lang="ko-KR" altLang="en-US" sz="2000" b="1" dirty="0" smtClean="0">
+              <a:t>월 연립주택 매매 </a:t>
+            </a:r>
+            <a:r>
+              <a:rPr lang="ko-KR" altLang="en-US" sz="2000" b="1" dirty="0" err="1">
                 <a:solidFill>
                   <a:schemeClr val="accent2"/>
                 </a:solidFill>
               </a:rPr>
-              <a:t>연립주택 매매 </a:t>
-            </a:r>
-            <a:r>
-              <a:rPr lang="ko-KR" altLang="en-US" sz="2000" b="1" dirty="0" err="1" smtClean="0">
-                <a:solidFill>
-                  <a:schemeClr val="accent2"/>
-                </a:solidFill>
-              </a:rPr>
               <a:t>실거래자료</a:t>
             </a:r>
-            <a:endParaRPr lang="en-US" altLang="ko-KR" sz="2000" b="1" dirty="0" smtClean="0">
+            <a:endParaRPr lang="en-US" altLang="ko-KR" sz="2000" b="1" dirty="0">
               <a:solidFill>
                 <a:schemeClr val="accent2"/>
               </a:solidFill>
@@ -10800,7 +10801,7 @@
               <a:t>getRTMSDataSvcRHTrade?</a:t>
             </a:r>
             <a:r>
-              <a:rPr lang="en-US" altLang="ko-KR" sz="1800" dirty="0" smtClean="0">
+              <a:rPr lang="en-US" altLang="ko-KR" sz="1800" dirty="0">
                 <a:solidFill>
                   <a:schemeClr val="accent2"/>
                 </a:solidFill>
@@ -10808,11 +10809,11 @@
               <a:t>serviceKey</a:t>
             </a:r>
             <a:r>
-              <a:rPr lang="en-US" altLang="ko-KR" sz="1800" dirty="0" smtClean="0"/>
+              <a:rPr lang="en-US" altLang="ko-KR" sz="1800" dirty="0"/>
               <a:t>=sea100UMmw23Xycs33F1EQnumONR%2F9ElxBLzkilU9Yr1oT4TrCot8Y2p0jyuJP72x9rG9D8CN5yuEs6AS2sAiw%3D%3D</a:t>
             </a:r>
             <a:r>
-              <a:rPr lang="en-US" altLang="ko-KR" sz="1800" dirty="0" smtClean="0">
+              <a:rPr lang="en-US" altLang="ko-KR" sz="1800" dirty="0">
                 <a:solidFill>
                   <a:schemeClr val="accent2"/>
                 </a:solidFill>
@@ -10830,7 +10831,7 @@
               <a:buFont typeface="Wingdings" panose="05000000000000000000" pitchFamily="2" charset="2"/>
               <a:buChar char="§"/>
             </a:pPr>
-            <a:endParaRPr lang="en-US" altLang="ko-KR" sz="1600" dirty="0" smtClean="0"/>
+            <a:endParaRPr lang="en-US" altLang="ko-KR" sz="1600" dirty="0"/>
           </a:p>
           <a:p>
             <a:pPr eaLnBrk="1" hangingPunct="1">
@@ -10967,11 +10968,7 @@
             </a:pPr>
             <a:r>
               <a:rPr lang="en-US" altLang="ko-KR" sz="1200" dirty="0"/>
-              <a:t> </a:t>
-            </a:r>
-            <a:r>
-              <a:rPr lang="en-US" altLang="ko-KR" sz="1200" dirty="0" smtClean="0"/>
-              <a:t>25-</a:t>
+              <a:t> 25-</a:t>
             </a:r>
             <a:fld id="{E543E660-5BD7-4DE8-B2D5-3B53773227AF}" type="slidenum">
               <a:rPr lang="en-US" altLang="ko-KR" sz="1200" smtClean="0">
@@ -11376,11 +11373,7 @@
             </a:pPr>
             <a:r>
               <a:rPr lang="en-US" altLang="ko-KR" sz="1200" dirty="0"/>
-              <a:t> </a:t>
-            </a:r>
-            <a:r>
-              <a:rPr lang="en-US" altLang="ko-KR" sz="1200" dirty="0" smtClean="0"/>
-              <a:t>25-</a:t>
+              <a:t> 25-</a:t>
             </a:r>
             <a:fld id="{E543E660-5BD7-4DE8-B2D5-3B53773227AF}" type="slidenum">
               <a:rPr lang="en-US" altLang="ko-KR" sz="1200" smtClean="0">
@@ -11450,14 +11443,14 @@
           <a:lstStyle/>
           <a:p>
             <a:r>
-              <a:rPr lang="ko-KR" altLang="en-US" sz="1800" dirty="0" smtClean="0">
+              <a:rPr lang="ko-KR" altLang="en-US" sz="1800" dirty="0">
                 <a:solidFill>
                   <a:schemeClr val="accent2"/>
                 </a:solidFill>
               </a:rPr>
               <a:t>지역코드</a:t>
             </a:r>
-            <a:endParaRPr lang="en-US" altLang="ko-KR" sz="1800" dirty="0" smtClean="0">
+            <a:endParaRPr lang="en-US" altLang="ko-KR" sz="1800" dirty="0">
               <a:solidFill>
                 <a:schemeClr val="accent2"/>
               </a:solidFill>
@@ -11465,33 +11458,17 @@
           </a:p>
           <a:p>
             <a:r>
-              <a:rPr lang="en-US" altLang="ko-KR" sz="1800" dirty="0" smtClean="0">
+              <a:rPr lang="en-US" altLang="ko-KR" sz="1800" dirty="0">
                 <a:solidFill>
                   <a:schemeClr val="accent2"/>
                 </a:solidFill>
               </a:rPr>
-              <a:t>LAWD_CD=("</a:t>
-            </a:r>
-            <a:r>
-              <a:rPr lang="en-US" altLang="ko-KR" sz="1800" dirty="0">
-                <a:solidFill>
-                  <a:schemeClr val="accent2"/>
-                </a:solidFill>
-              </a:rPr>
-              <a:t>11110","11140","11170","11200","11215","11230","11260","11290","11305","11320","11350","11380","11410","11440","11470","11500","11530","11545","11560","11590","11620","11650","11680","11710","11740</a:t>
-            </a:r>
-            <a:r>
-              <a:rPr lang="en-US" altLang="ko-KR" sz="1800" dirty="0" smtClean="0">
-                <a:solidFill>
-                  <a:schemeClr val="accent2"/>
-                </a:solidFill>
-              </a:rPr>
-              <a:t>")</a:t>
+              <a:t>LAWD_CD=("11110","11140","11170","11200","11215","11230","11260","11290","11305","11320","11350","11380","11410","11440","11470","11500","11530","11545","11560","11590","11620","11650","11680","11710","11740")</a:t>
             </a:r>
           </a:p>
           <a:p>
             <a:r>
-              <a:rPr lang="en-US" altLang="ko-KR" sz="1800" dirty="0" smtClean="0">
+              <a:rPr lang="en-US" altLang="ko-KR" sz="1800" dirty="0">
                 <a:solidFill>
                   <a:schemeClr val="accent2"/>
                 </a:solidFill>
@@ -12162,11 +12139,7 @@
             </a:pPr>
             <a:r>
               <a:rPr lang="en-US" altLang="ko-KR" sz="1200" dirty="0"/>
-              <a:t> </a:t>
-            </a:r>
-            <a:r>
-              <a:rPr lang="en-US" altLang="ko-KR" sz="1200" dirty="0" smtClean="0"/>
-              <a:t>25-</a:t>
+              <a:t> 25-</a:t>
             </a:r>
             <a:fld id="{E543E660-5BD7-4DE8-B2D5-3B53773227AF}" type="slidenum">
               <a:rPr lang="en-US" altLang="ko-KR" sz="1200" smtClean="0">
@@ -12207,7 +12180,7 @@
           <a:lstStyle/>
           <a:p>
             <a:r>
-              <a:rPr lang="ko-KR" altLang="en-US" sz="1800" dirty="0" smtClean="0">
+              <a:rPr lang="ko-KR" altLang="en-US" sz="1800" dirty="0">
                 <a:solidFill>
                   <a:schemeClr val="accent2"/>
                 </a:solidFill>
@@ -12215,7 +12188,7 @@
               <a:t>충청북도 천안시 </a:t>
             </a:r>
             <a:r>
-              <a:rPr lang="ko-KR" altLang="en-US" sz="1800" dirty="0" err="1" smtClean="0">
+              <a:rPr lang="ko-KR" altLang="en-US" sz="1800" dirty="0" err="1">
                 <a:solidFill>
                   <a:schemeClr val="accent2"/>
                 </a:solidFill>
@@ -12223,7 +12196,7 @@
               <a:t>서북구</a:t>
             </a:r>
             <a:r>
-              <a:rPr lang="ko-KR" altLang="en-US" sz="1800" dirty="0" smtClean="0">
+              <a:rPr lang="ko-KR" altLang="en-US" sz="1800" dirty="0">
                 <a:solidFill>
                   <a:schemeClr val="accent2"/>
                 </a:solidFill>
@@ -12231,7 +12204,7 @@
               <a:t> </a:t>
             </a:r>
             <a:r>
-              <a:rPr lang="en-US" altLang="ko-KR" sz="1800" dirty="0" smtClean="0">
+              <a:rPr lang="en-US" altLang="ko-KR" sz="1800" dirty="0">
                 <a:solidFill>
                   <a:schemeClr val="accent2"/>
                 </a:solidFill>
@@ -12272,28 +12245,24 @@
               <a:buChar char="§"/>
             </a:pPr>
             <a:r>
-              <a:rPr lang="en-US" altLang="ko-KR" sz="1600" dirty="0" smtClean="0"/>
+              <a:rPr lang="en-US" altLang="ko-KR" sz="1600" dirty="0"/>
               <a:t>LAWD_CD </a:t>
             </a:r>
             <a:r>
-              <a:rPr lang="ko-KR" altLang="en-US" sz="1600" dirty="0" smtClean="0"/>
+              <a:rPr lang="ko-KR" altLang="en-US" sz="1600" dirty="0"/>
               <a:t> </a:t>
             </a:r>
             <a:r>
-              <a:rPr lang="ko-KR" altLang="en-US" sz="1600" dirty="0" err="1" smtClean="0"/>
+              <a:rPr lang="ko-KR" altLang="en-US" sz="1600" dirty="0" err="1"/>
               <a:t>지역코드는</a:t>
             </a:r>
             <a:r>
-              <a:rPr lang="ko-KR" altLang="en-US" sz="1600" dirty="0" smtClean="0"/>
+              <a:rPr lang="ko-KR" altLang="en-US" sz="1600" dirty="0"/>
               <a:t> </a:t>
             </a:r>
             <a:r>
-              <a:rPr lang="en-US" altLang="ko-KR" sz="1600" dirty="0" smtClean="0"/>
-              <a:t>http</a:t>
-            </a:r>
-            <a:r>
               <a:rPr lang="en-US" altLang="ko-KR" sz="1600" dirty="0"/>
-              <a:t>://www.code.go.kr </a:t>
+              <a:t>http://www.code.go.kr </a:t>
             </a:r>
             <a:r>
               <a:rPr lang="ko-KR" altLang="en-US" sz="1600" dirty="0"/>
@@ -12305,11 +12274,7 @@
             </a:r>
             <a:r>
               <a:rPr lang="ko-KR" altLang="en-US" sz="1600" dirty="0"/>
-              <a:t> </a:t>
-            </a:r>
-            <a:r>
-              <a:rPr lang="ko-KR" altLang="en-US" sz="1600" dirty="0" smtClean="0"/>
-              <a:t>코드에서 앞 </a:t>
+              <a:t> 코드에서 앞 </a:t>
             </a:r>
             <a:r>
               <a:rPr lang="en-US" altLang="ko-KR" sz="1600" dirty="0"/>
@@ -12332,22 +12297,13 @@
               <a:t>)</a:t>
             </a:r>
             <a:r>
-              <a:rPr lang="ko-KR" altLang="en-US" sz="1600" dirty="0" smtClean="0"/>
-              <a:t>로 </a:t>
-            </a:r>
-            <a:r>
               <a:rPr lang="ko-KR" altLang="en-US" sz="1600" dirty="0"/>
-              <a:t>조회가 </a:t>
-            </a:r>
-            <a:r>
-              <a:rPr lang="ko-KR" altLang="en-US" sz="1600" dirty="0" smtClean="0"/>
-              <a:t>가능</a:t>
-            </a:r>
-            <a:r>
-              <a:rPr lang="en-US" altLang="ko-KR" sz="1600" dirty="0" smtClean="0"/>
+              <a:t>로 조회가 가능</a:t>
+            </a:r>
+            <a:r>
+              <a:rPr lang="en-US" altLang="ko-KR" sz="1600" dirty="0"/>
               <a:t>.</a:t>
             </a:r>
-            <a:endParaRPr lang="en-US" altLang="ko-KR" sz="1600" dirty="0"/>
           </a:p>
         </p:txBody>
       </p:sp>
@@ -12632,31 +12588,31 @@
               <a:buChar char="§"/>
             </a:pPr>
             <a:r>
-              <a:rPr lang="ko-KR" altLang="en-US" sz="2000" b="1" dirty="0" smtClean="0"/>
+              <a:rPr lang="ko-KR" altLang="en-US" sz="2000" b="1" dirty="0"/>
               <a:t>종로구 </a:t>
             </a:r>
             <a:r>
-              <a:rPr lang="en-US" altLang="ko-KR" sz="2000" b="1" dirty="0" smtClean="0"/>
+              <a:rPr lang="en-US" altLang="ko-KR" sz="2000" b="1" dirty="0"/>
               <a:t>2017</a:t>
             </a:r>
             <a:r>
-              <a:rPr lang="ko-KR" altLang="en-US" sz="2000" b="1" dirty="0" smtClean="0"/>
+              <a:rPr lang="ko-KR" altLang="en-US" sz="2000" b="1" dirty="0"/>
               <a:t>년</a:t>
             </a:r>
             <a:r>
-              <a:rPr lang="en-US" altLang="ko-KR" sz="2000" b="1" dirty="0" smtClean="0"/>
+              <a:rPr lang="en-US" altLang="ko-KR" sz="2000" b="1" dirty="0"/>
               <a:t>12</a:t>
             </a:r>
             <a:r>
-              <a:rPr lang="ko-KR" altLang="en-US" sz="2000" b="1" dirty="0" smtClean="0"/>
+              <a:rPr lang="ko-KR" altLang="en-US" sz="2000" b="1" dirty="0"/>
               <a:t>월 아파트 매매 </a:t>
             </a:r>
             <a:r>
-              <a:rPr lang="ko-KR" altLang="en-US" sz="2000" b="1" dirty="0" err="1" smtClean="0"/>
+              <a:rPr lang="ko-KR" altLang="en-US" sz="2000" b="1" dirty="0" err="1"/>
               <a:t>실거래</a:t>
             </a:r>
             <a:r>
-              <a:rPr lang="ko-KR" altLang="en-US" sz="2000" b="1" dirty="0" smtClean="0"/>
+              <a:rPr lang="ko-KR" altLang="en-US" sz="2000" b="1" dirty="0"/>
               <a:t> 정보 조회</a:t>
             </a:r>
             <a:endParaRPr lang="en-US" altLang="ko-KR" sz="1600" dirty="0"/>
@@ -12789,11 +12745,7 @@
             </a:pPr>
             <a:r>
               <a:rPr lang="en-US" altLang="ko-KR" sz="1200" dirty="0"/>
-              <a:t> </a:t>
-            </a:r>
-            <a:r>
-              <a:rPr lang="en-US" altLang="ko-KR" sz="1200" dirty="0" smtClean="0"/>
-              <a:t>25-</a:t>
+              <a:t> 25-</a:t>
             </a:r>
             <a:fld id="{E543E660-5BD7-4DE8-B2D5-3B53773227AF}" type="slidenum">
               <a:rPr lang="en-US" altLang="ko-KR" sz="1200" smtClean="0">
@@ -13043,7 +12995,7 @@
           <a:lstStyle/>
           <a:p>
             <a:r>
-              <a:rPr lang="en-US" altLang="ko-KR" sz="1800" b="1" dirty="0" smtClean="0">
+              <a:rPr lang="en-US" altLang="ko-KR" sz="1800" b="1" dirty="0">
                 <a:solidFill>
                   <a:schemeClr val="tx1"/>
                 </a:solidFill>
@@ -13051,7 +13003,7 @@
               <a:t>&gt;&gt; </a:t>
             </a:r>
             <a:r>
-              <a:rPr lang="en-US" altLang="ko-KR" sz="1800" b="1" dirty="0" smtClean="0">
+              <a:rPr lang="en-US" altLang="ko-KR" sz="1800" b="1" dirty="0">
                 <a:solidFill>
                   <a:schemeClr val="accent2"/>
                 </a:solidFill>
@@ -13090,7 +13042,7 @@
           </a:p>
           <a:p>
             <a:r>
-              <a:rPr lang="en-US" altLang="ko-KR" sz="1800" b="1" dirty="0" smtClean="0">
+              <a:rPr lang="en-US" altLang="ko-KR" sz="1800" b="1" dirty="0">
                 <a:solidFill>
                   <a:schemeClr val="tx1"/>
                 </a:solidFill>
@@ -13098,7 +13050,7 @@
               <a:t>&gt;&gt; </a:t>
             </a:r>
             <a:r>
-              <a:rPr lang="en-US" altLang="ko-KR" sz="1800" b="1" dirty="0" err="1" smtClean="0">
+              <a:rPr lang="en-US" altLang="ko-KR" sz="1800" b="1" dirty="0" err="1">
                 <a:solidFill>
                   <a:schemeClr val="accent2"/>
                 </a:solidFill>
@@ -13106,36 +13058,12 @@
               <a:t>url</a:t>
             </a:r>
             <a:r>
-              <a:rPr lang="en-US" altLang="ko-KR" sz="1800" b="1" dirty="0" smtClean="0">
+              <a:rPr lang="en-US" altLang="ko-KR" sz="1800" b="1" dirty="0">
                 <a:solidFill>
                   <a:schemeClr val="accent2"/>
                 </a:solidFill>
               </a:rPr>
-              <a:t> </a:t>
-            </a:r>
-            <a:r>
-              <a:rPr lang="en-US" altLang="ko-KR" sz="1800" b="1" dirty="0">
-                <a:solidFill>
-                  <a:schemeClr val="accent2"/>
-                </a:solidFill>
-              </a:rPr>
-              <a:t>= </a:t>
-            </a:r>
-            <a:r>
-              <a:rPr lang="en-US" altLang="ko-KR" sz="1800" b="1" dirty="0" smtClean="0">
-                <a:solidFill>
-                  <a:schemeClr val="accent2"/>
-                </a:solidFill>
-              </a:rPr>
-              <a:t>'http</a:t>
-            </a:r>
-            <a:r>
-              <a:rPr lang="en-US" altLang="ko-KR" sz="1800" b="1" dirty="0">
-                <a:solidFill>
-                  <a:schemeClr val="accent2"/>
-                </a:solidFill>
-              </a:rPr>
-              <a:t>://openapi.molit.go.kr:8081/</a:t>
+              <a:t> = 'http://openapi.molit.go.kr:8081/</a:t>
             </a:r>
             <a:r>
               <a:rPr lang="en-US" altLang="ko-KR" sz="1800" b="1" dirty="0" err="1">
@@ -13188,7 +13116,7 @@
           </a:p>
           <a:p>
             <a:r>
-              <a:rPr lang="en-US" altLang="ko-KR" sz="1800" b="1" dirty="0" smtClean="0">
+              <a:rPr lang="en-US" altLang="ko-KR" sz="1800" b="1" dirty="0">
                 <a:solidFill>
                   <a:schemeClr val="tx1"/>
                 </a:solidFill>
@@ -13196,20 +13124,12 @@
               <a:t>&gt;&gt; </a:t>
             </a:r>
             <a:r>
-              <a:rPr lang="en-US" altLang="ko-KR" sz="1800" b="1" dirty="0" smtClean="0">
+              <a:rPr lang="en-US" altLang="ko-KR" sz="1800" b="1" dirty="0">
                 <a:solidFill>
                   <a:schemeClr val="accent2"/>
                 </a:solidFill>
               </a:rPr>
-              <a:t>response </a:t>
-            </a:r>
-            <a:r>
-              <a:rPr lang="en-US" altLang="ko-KR" sz="1800" b="1" dirty="0">
-                <a:solidFill>
-                  <a:schemeClr val="accent2"/>
-                </a:solidFill>
-              </a:rPr>
-              <a:t>= </a:t>
+              <a:t>response = </a:t>
             </a:r>
             <a:r>
               <a:rPr lang="en-US" altLang="ko-KR" sz="1800" b="1" dirty="0" err="1">
@@ -13246,7 +13166,7 @@
           </a:p>
           <a:p>
             <a:r>
-              <a:rPr lang="en-US" altLang="ko-KR" sz="1800" b="1" dirty="0" smtClean="0">
+              <a:rPr lang="en-US" altLang="ko-KR" sz="1800" b="1" dirty="0">
                 <a:solidFill>
                   <a:schemeClr val="tx1"/>
                 </a:solidFill>
@@ -13254,20 +13174,12 @@
               <a:t>&gt;&gt; </a:t>
             </a:r>
             <a:r>
-              <a:rPr lang="en-US" altLang="ko-KR" sz="1800" b="1" dirty="0" smtClean="0">
+              <a:rPr lang="en-US" altLang="ko-KR" sz="1800" b="1" dirty="0">
                 <a:solidFill>
                   <a:schemeClr val="accent2"/>
                 </a:solidFill>
               </a:rPr>
-              <a:t>print(response</a:t>
-            </a:r>
-            <a:r>
-              <a:rPr lang="en-US" altLang="ko-KR" sz="1800" b="1" dirty="0">
-                <a:solidFill>
-                  <a:schemeClr val="accent2"/>
-                </a:solidFill>
-              </a:rPr>
-              <a:t>)</a:t>
+              <a:t>print(response)</a:t>
             </a:r>
           </a:p>
           <a:p>
@@ -13277,21 +13189,8 @@
                   <a:schemeClr val="tx1"/>
                 </a:solidFill>
               </a:rPr>
-              <a:t>b'&lt;?xml version="1.0" encoding="UTF-8" standalone="yes"?&gt;&lt;response&gt;&lt;header</a:t>
-            </a:r>
-            <a:r>
-              <a:rPr lang="en-US" altLang="ko-KR" sz="1800" b="1" dirty="0" smtClean="0">
-                <a:solidFill>
-                  <a:schemeClr val="tx1"/>
-                </a:solidFill>
-              </a:rPr>
-              <a:t>&gt; ……</a:t>
-            </a:r>
-            <a:endParaRPr lang="en-US" altLang="ko-KR" sz="1800" b="1" dirty="0">
-              <a:solidFill>
-                <a:schemeClr val="tx1"/>
-              </a:solidFill>
-            </a:endParaRPr>
+              <a:t>b'&lt;?xml version="1.0" encoding="UTF-8" standalone="yes"?&gt;&lt;response&gt;&lt;header&gt; ……</a:t>
+            </a:r>
           </a:p>
         </p:txBody>
       </p:sp>
@@ -13349,15 +13248,15 @@
               <a:defRPr/>
             </a:pPr>
             <a:r>
-              <a:rPr lang="ko-KR" altLang="en-US" dirty="0" smtClean="0"/>
+              <a:rPr lang="ko-KR" altLang="en-US" dirty="0"/>
               <a:t>부동산 </a:t>
             </a:r>
             <a:r>
-              <a:rPr lang="ko-KR" altLang="en-US" dirty="0" err="1" smtClean="0"/>
+              <a:rPr lang="ko-KR" altLang="en-US" dirty="0" err="1"/>
               <a:t>텔레그램</a:t>
             </a:r>
             <a:r>
-              <a:rPr lang="ko-KR" altLang="en-US" dirty="0" smtClean="0"/>
+              <a:rPr lang="ko-KR" altLang="en-US" dirty="0"/>
               <a:t> 봇</a:t>
             </a:r>
             <a:endParaRPr lang="en-US" altLang="ko-KR" dirty="0"/>
@@ -13543,18 +13442,18 @@
               <a:buChar char="§"/>
             </a:pPr>
             <a:r>
-              <a:rPr lang="en-US" altLang="ko-KR" sz="2000" b="1" dirty="0" err="1" smtClean="0"/>
+              <a:rPr lang="en-US" altLang="ko-KR" sz="2000" b="1" dirty="0" err="1"/>
               <a:t>BeautifulSoup</a:t>
             </a:r>
             <a:r>
-              <a:rPr lang="en-US" altLang="ko-KR" sz="2000" b="1" dirty="0" smtClean="0"/>
+              <a:rPr lang="en-US" altLang="ko-KR" sz="2000" b="1" dirty="0"/>
               <a:t> </a:t>
             </a:r>
             <a:r>
-              <a:rPr lang="ko-KR" altLang="en-US" sz="2000" b="1" dirty="0" smtClean="0"/>
+              <a:rPr lang="ko-KR" altLang="en-US" sz="2000" b="1" dirty="0"/>
               <a:t>외부 모듈</a:t>
             </a:r>
-            <a:endParaRPr lang="en-US" altLang="ko-KR" sz="2000" b="1" dirty="0" smtClean="0"/>
+            <a:endParaRPr lang="en-US" altLang="ko-KR" sz="2000" b="1" dirty="0"/>
           </a:p>
           <a:p>
             <a:pPr lvl="1" eaLnBrk="1" hangingPunct="1">
@@ -13562,7 +13461,7 @@
               <a:buChar char="§"/>
             </a:pPr>
             <a:r>
-              <a:rPr lang="en-US" altLang="ko-KR" sz="1600" b="1" dirty="0" smtClean="0">
+              <a:rPr lang="en-US" altLang="ko-KR" sz="1600" b="1" dirty="0">
                 <a:solidFill>
                   <a:schemeClr val="accent2"/>
                 </a:solidFill>
@@ -13570,7 +13469,7 @@
               <a:t>HTML</a:t>
             </a:r>
             <a:r>
-              <a:rPr lang="ko-KR" altLang="en-US" sz="1600" b="1" dirty="0" smtClean="0">
+              <a:rPr lang="ko-KR" altLang="en-US" sz="1600" b="1" dirty="0">
                 <a:solidFill>
                   <a:schemeClr val="accent2"/>
                 </a:solidFill>
@@ -13578,7 +13477,7 @@
               <a:t>이나 </a:t>
             </a:r>
             <a:r>
-              <a:rPr lang="en-US" altLang="ko-KR" sz="1600" b="1" dirty="0" smtClean="0">
+              <a:rPr lang="en-US" altLang="ko-KR" sz="1600" b="1" dirty="0">
                 <a:solidFill>
                   <a:schemeClr val="accent2"/>
                 </a:solidFill>
@@ -13586,7 +13485,7 @@
               <a:t>SML</a:t>
             </a:r>
             <a:r>
-              <a:rPr lang="ko-KR" altLang="en-US" sz="1600" b="1" dirty="0" smtClean="0">
+              <a:rPr lang="ko-KR" altLang="en-US" sz="1600" b="1" dirty="0">
                 <a:solidFill>
                   <a:schemeClr val="accent2"/>
                 </a:solidFill>
@@ -13594,7 +13493,7 @@
               <a:t>을 쉽게 </a:t>
             </a:r>
             <a:r>
-              <a:rPr lang="ko-KR" altLang="en-US" sz="1600" b="1" dirty="0" err="1" smtClean="0">
+              <a:rPr lang="ko-KR" altLang="en-US" sz="1600" b="1" dirty="0" err="1">
                 <a:solidFill>
                   <a:schemeClr val="accent2"/>
                 </a:solidFill>
@@ -13602,7 +13501,7 @@
               <a:t>파싱</a:t>
             </a:r>
             <a:r>
-              <a:rPr lang="en-US" altLang="ko-KR" sz="1600" b="1" dirty="0" smtClean="0">
+              <a:rPr lang="en-US" altLang="ko-KR" sz="1600" b="1" dirty="0">
                 <a:solidFill>
                   <a:schemeClr val="accent2"/>
                 </a:solidFill>
@@ -13610,7 +13509,7 @@
               <a:t>, soup(‘p’),soup(‘a’)</a:t>
             </a:r>
             <a:r>
-              <a:rPr lang="ko-KR" altLang="en-US" sz="1600" b="1" dirty="0" smtClean="0">
+              <a:rPr lang="ko-KR" altLang="en-US" sz="1600" b="1" dirty="0">
                 <a:solidFill>
                   <a:schemeClr val="accent2"/>
                 </a:solidFill>
@@ -13618,7 +13517,7 @@
               <a:t>와 같이 사용하면 </a:t>
             </a:r>
             <a:r>
-              <a:rPr lang="en-US" altLang="ko-KR" sz="1600" b="1" dirty="0" smtClean="0">
+              <a:rPr lang="en-US" altLang="ko-KR" sz="1600" b="1" dirty="0">
                 <a:solidFill>
                   <a:schemeClr val="accent2"/>
                 </a:solidFill>
@@ -13626,14 +13525,14 @@
               <a:t>&lt;p&gt; &lt;a&gt; </a:t>
             </a:r>
             <a:r>
-              <a:rPr lang="ko-KR" altLang="en-US" sz="1600" b="1" dirty="0" smtClean="0">
+              <a:rPr lang="ko-KR" altLang="en-US" sz="1600" b="1" dirty="0">
                 <a:solidFill>
                   <a:schemeClr val="accent2"/>
                 </a:solidFill>
               </a:rPr>
               <a:t>태그 내용을 모두 리스트로 반환</a:t>
             </a:r>
-            <a:endParaRPr lang="en-US" altLang="ko-KR" sz="1600" b="1" dirty="0" smtClean="0">
+            <a:endParaRPr lang="en-US" altLang="ko-KR" sz="1600" b="1" dirty="0">
               <a:solidFill>
                 <a:schemeClr val="accent2"/>
               </a:solidFill>
@@ -13645,11 +13544,11 @@
               <a:buChar char="§"/>
             </a:pPr>
             <a:r>
-              <a:rPr lang="en-US" altLang="ko-KR" sz="2000" b="1" dirty="0" smtClean="0"/>
+              <a:rPr lang="en-US" altLang="ko-KR" sz="2000" b="1" dirty="0"/>
               <a:t>HTML Parser </a:t>
             </a:r>
             <a:r>
-              <a:rPr lang="ko-KR" altLang="en-US" sz="2000" b="1" dirty="0" smtClean="0"/>
+              <a:rPr lang="ko-KR" altLang="en-US" sz="2000" b="1" dirty="0"/>
               <a:t>설치</a:t>
             </a:r>
             <a:endParaRPr lang="en-US" altLang="ko-KR" sz="2000" b="1" dirty="0"/>
@@ -13789,11 +13688,7 @@
             </a:pPr>
             <a:r>
               <a:rPr lang="en-US" altLang="ko-KR" sz="1200" dirty="0"/>
-              <a:t> </a:t>
-            </a:r>
-            <a:r>
-              <a:rPr lang="en-US" altLang="ko-KR" sz="1200" dirty="0" smtClean="0"/>
-              <a:t>25-</a:t>
+              <a:t> 25-</a:t>
             </a:r>
             <a:fld id="{E543E660-5BD7-4DE8-B2D5-3B53773227AF}" type="slidenum">
               <a:rPr lang="en-US" altLang="ko-KR" sz="1200" smtClean="0">
@@ -14181,23 +14076,23 @@
               <a:buChar char="§"/>
             </a:pPr>
             <a:r>
-              <a:rPr lang="en-US" altLang="ko-KR" sz="2000" b="1" dirty="0" smtClean="0"/>
+              <a:rPr lang="en-US" altLang="ko-KR" sz="2000" b="1" dirty="0"/>
               <a:t>3</a:t>
             </a:r>
             <a:r>
-              <a:rPr lang="ko-KR" altLang="en-US" sz="2000" b="1" dirty="0" smtClean="0"/>
+              <a:rPr lang="ko-KR" altLang="en-US" sz="2000" b="1" dirty="0"/>
               <a:t>부 </a:t>
             </a:r>
             <a:r>
-              <a:rPr lang="en-US" altLang="ko-KR" sz="2000" b="1" dirty="0" smtClean="0"/>
+              <a:rPr lang="en-US" altLang="ko-KR" sz="2000" b="1" dirty="0"/>
               <a:t>25</a:t>
             </a:r>
             <a:r>
-              <a:rPr lang="ko-KR" altLang="en-US" sz="2000" b="1" dirty="0" smtClean="0"/>
+              <a:rPr lang="ko-KR" altLang="en-US" sz="2000" b="1" dirty="0"/>
               <a:t>장</a:t>
             </a:r>
             <a:r>
-              <a:rPr lang="en-US" altLang="ko-KR" sz="2000" b="1" dirty="0" smtClean="0"/>
+              <a:rPr lang="en-US" altLang="ko-KR" sz="2000" b="1" dirty="0"/>
               <a:t>: teller.py</a:t>
             </a:r>
           </a:p>
@@ -14207,30 +14102,30 @@
               <a:buChar char="§"/>
             </a:pPr>
             <a:r>
-              <a:rPr lang="en-US" altLang="ko-KR" sz="1800" dirty="0" err="1" smtClean="0"/>
+              <a:rPr lang="en-US" altLang="ko-KR" sz="1800" dirty="0" err="1"/>
               <a:t>telepot</a:t>
             </a:r>
             <a:r>
-              <a:rPr lang="en-US" altLang="ko-KR" sz="1800" dirty="0" smtClean="0"/>
+              <a:rPr lang="en-US" altLang="ko-KR" sz="1800" dirty="0"/>
               <a:t> </a:t>
             </a:r>
             <a:r>
-              <a:rPr lang="ko-KR" altLang="en-US" sz="1800" dirty="0" smtClean="0"/>
+              <a:rPr lang="ko-KR" altLang="en-US" sz="1800" dirty="0"/>
               <a:t>에서는 </a:t>
             </a:r>
             <a:r>
-              <a:rPr lang="en-US" altLang="ko-KR" sz="1800" dirty="0" err="1" smtClean="0"/>
+              <a:rPr lang="en-US" altLang="ko-KR" sz="1800" dirty="0" err="1"/>
               <a:t>message_loop</a:t>
             </a:r>
             <a:r>
-              <a:rPr lang="en-US" altLang="ko-KR" sz="1800" dirty="0" smtClean="0"/>
+              <a:rPr lang="en-US" altLang="ko-KR" sz="1800" dirty="0"/>
               <a:t>() </a:t>
             </a:r>
             <a:r>
-              <a:rPr lang="ko-KR" altLang="en-US" sz="1800" dirty="0" smtClean="0"/>
+              <a:rPr lang="ko-KR" altLang="en-US" sz="1800" dirty="0"/>
               <a:t>입력 인자로 메시지 루틴을 처리할 함수 를 입력</a:t>
             </a:r>
-            <a:endParaRPr lang="en-US" altLang="ko-KR" sz="1800" dirty="0" smtClean="0"/>
+            <a:endParaRPr lang="en-US" altLang="ko-KR" sz="1800" dirty="0"/>
           </a:p>
           <a:p>
             <a:pPr lvl="1" eaLnBrk="1" hangingPunct="1">
@@ -14238,14 +14133,14 @@
               <a:buChar char="§"/>
             </a:pPr>
             <a:r>
-              <a:rPr lang="ko-KR" altLang="en-US" sz="1600" b="1" dirty="0" smtClean="0">
+              <a:rPr lang="ko-KR" altLang="en-US" sz="1600" b="1" dirty="0">
                 <a:solidFill>
                   <a:schemeClr val="accent2"/>
                 </a:solidFill>
               </a:rPr>
               <a:t>사용자 입력을 받아서 메시지의 종류와 사용자 아이디를 확인</a:t>
             </a:r>
-            <a:endParaRPr lang="en-US" altLang="ko-KR" sz="1600" b="1" dirty="0" smtClean="0">
+            <a:endParaRPr lang="en-US" altLang="ko-KR" sz="1600" b="1" dirty="0">
               <a:solidFill>
                 <a:schemeClr val="accent2"/>
               </a:solidFill>
@@ -14257,7 +14152,7 @@
               <a:buChar char="§"/>
             </a:pPr>
             <a:r>
-              <a:rPr lang="ko-KR" altLang="en-US" sz="1600" b="1" dirty="0" smtClean="0">
+              <a:rPr lang="ko-KR" altLang="en-US" sz="1600" b="1" dirty="0">
                 <a:solidFill>
                   <a:schemeClr val="accent2"/>
                 </a:solidFill>
@@ -14265,7 +14160,7 @@
               <a:t>지역 </a:t>
             </a:r>
             <a:r>
-              <a:rPr lang="en-US" altLang="ko-KR" sz="1600" b="1" dirty="0" smtClean="0">
+              <a:rPr lang="en-US" altLang="ko-KR" sz="1600" b="1" dirty="0">
                 <a:solidFill>
                   <a:schemeClr val="accent2"/>
                 </a:solidFill>
@@ -14273,7 +14168,7 @@
               <a:t>11650,  </a:t>
             </a:r>
             <a:r>
-              <a:rPr lang="ko-KR" altLang="en-US" sz="1600" b="1" dirty="0" smtClean="0">
+              <a:rPr lang="ko-KR" altLang="en-US" sz="1600" b="1" dirty="0">
                 <a:solidFill>
                   <a:schemeClr val="accent2"/>
                 </a:solidFill>
@@ -14281,7 +14176,7 @@
               <a:t>저장 </a:t>
             </a:r>
             <a:r>
-              <a:rPr lang="en-US" altLang="ko-KR" sz="1600" b="1" dirty="0" smtClean="0">
+              <a:rPr lang="en-US" altLang="ko-KR" sz="1600" b="1" dirty="0">
                 <a:solidFill>
                   <a:schemeClr val="accent2"/>
                 </a:solidFill>
@@ -14289,7 +14184,7 @@
               <a:t>11650,  </a:t>
             </a:r>
             <a:r>
-              <a:rPr lang="ko-KR" altLang="en-US" sz="1600" b="1" dirty="0" smtClean="0">
+              <a:rPr lang="ko-KR" altLang="en-US" sz="1600" b="1" dirty="0">
                 <a:solidFill>
                   <a:schemeClr val="accent2"/>
                 </a:solidFill>
@@ -14430,11 +14325,7 @@
             </a:pPr>
             <a:r>
               <a:rPr lang="en-US" altLang="ko-KR" sz="1200" dirty="0"/>
-              <a:t> </a:t>
-            </a:r>
-            <a:r>
-              <a:rPr lang="en-US" altLang="ko-KR" sz="1200" dirty="0" smtClean="0"/>
-              <a:t>25-</a:t>
+              <a:t> 25-</a:t>
             </a:r>
             <a:fld id="{E543E660-5BD7-4DE8-B2D5-3B53773227AF}" type="slidenum">
               <a:rPr lang="en-US" altLang="ko-KR" sz="1200" smtClean="0">
@@ -14685,7 +14576,7 @@
           <a:p>
             <a:pPr lvl="0"/>
             <a:r>
-              <a:rPr kumimoji="0" lang="ko-KR" altLang="ko-KR" sz="1200" b="1" dirty="0" err="1" smtClean="0">
+              <a:rPr kumimoji="0" lang="ko-KR" altLang="ko-KR" sz="1200" b="1" dirty="0" err="1">
                 <a:solidFill>
                   <a:srgbClr val="000080"/>
                 </a:solidFill>
@@ -14695,7 +14586,7 @@
               <a:t>def</a:t>
             </a:r>
             <a:r>
-              <a:rPr kumimoji="0" lang="ko-KR" altLang="ko-KR" sz="1200" b="1" dirty="0" smtClean="0">
+              <a:rPr kumimoji="0" lang="ko-KR" altLang="ko-KR" sz="1200" b="1" dirty="0">
                 <a:solidFill>
                   <a:srgbClr val="000080"/>
                 </a:solidFill>
@@ -14705,7 +14596,7 @@
               <a:t> </a:t>
             </a:r>
             <a:r>
-              <a:rPr kumimoji="0" lang="ko-KR" altLang="ko-KR" sz="1200" dirty="0" err="1" smtClean="0">
+              <a:rPr kumimoji="0" lang="ko-KR" altLang="ko-KR" sz="1200" dirty="0" err="1">
                 <a:solidFill>
                   <a:srgbClr val="000000"/>
                 </a:solidFill>
@@ -14715,7 +14606,7 @@
               <a:t>handle</a:t>
             </a:r>
             <a:r>
-              <a:rPr kumimoji="0" lang="ko-KR" altLang="ko-KR" sz="1200" dirty="0" smtClean="0">
+              <a:rPr kumimoji="0" lang="ko-KR" altLang="ko-KR" sz="1200" dirty="0">
                 <a:solidFill>
                   <a:srgbClr val="000000"/>
                 </a:solidFill>
@@ -14725,7 +14616,7 @@
               <a:t>(</a:t>
             </a:r>
             <a:r>
-              <a:rPr kumimoji="0" lang="ko-KR" altLang="ko-KR" sz="1200" dirty="0" err="1" smtClean="0">
+              <a:rPr kumimoji="0" lang="ko-KR" altLang="ko-KR" sz="1200" dirty="0" err="1">
                 <a:solidFill>
                   <a:srgbClr val="000000"/>
                 </a:solidFill>
@@ -14735,7 +14626,7 @@
               <a:t>msg</a:t>
             </a:r>
             <a:r>
-              <a:rPr kumimoji="0" lang="ko-KR" altLang="ko-KR" sz="1200" dirty="0" smtClean="0">
+              <a:rPr kumimoji="0" lang="ko-KR" altLang="ko-KR" sz="1200" dirty="0">
                 <a:solidFill>
                   <a:srgbClr val="000000"/>
                 </a:solidFill>
@@ -14745,7 +14636,7 @@
               <a:t>):</a:t>
             </a:r>
             <a:br>
-              <a:rPr kumimoji="0" lang="ko-KR" altLang="ko-KR" sz="1200" dirty="0" smtClean="0">
+              <a:rPr kumimoji="0" lang="ko-KR" altLang="ko-KR" sz="1200" dirty="0">
                 <a:solidFill>
                   <a:srgbClr val="000000"/>
                 </a:solidFill>
@@ -14754,7 +14645,7 @@
               </a:rPr>
             </a:br>
             <a:r>
-              <a:rPr kumimoji="0" lang="ko-KR" altLang="ko-KR" sz="1200" dirty="0" smtClean="0">
+              <a:rPr kumimoji="0" lang="ko-KR" altLang="ko-KR" sz="1200" dirty="0">
                 <a:solidFill>
                   <a:srgbClr val="000000"/>
                 </a:solidFill>
@@ -14764,7 +14655,7 @@
               <a:t>    </a:t>
             </a:r>
             <a:r>
-              <a:rPr kumimoji="0" lang="ko-KR" altLang="ko-KR" sz="1200" dirty="0" err="1" smtClean="0">
+              <a:rPr kumimoji="0" lang="ko-KR" altLang="ko-KR" sz="1200" dirty="0" err="1">
                 <a:solidFill>
                   <a:srgbClr val="000000"/>
                 </a:solidFill>
@@ -14774,7 +14665,7 @@
               <a:t>content_type</a:t>
             </a:r>
             <a:r>
-              <a:rPr kumimoji="0" lang="ko-KR" altLang="ko-KR" sz="1200" dirty="0" smtClean="0">
+              <a:rPr kumimoji="0" lang="ko-KR" altLang="ko-KR" sz="1200" dirty="0">
                 <a:solidFill>
                   <a:srgbClr val="000000"/>
                 </a:solidFill>
@@ -14784,7 +14675,7 @@
               <a:t>, </a:t>
             </a:r>
             <a:r>
-              <a:rPr kumimoji="0" lang="ko-KR" altLang="ko-KR" sz="1200" dirty="0" err="1" smtClean="0">
+              <a:rPr kumimoji="0" lang="ko-KR" altLang="ko-KR" sz="1200" dirty="0" err="1">
                 <a:solidFill>
                   <a:srgbClr val="000000"/>
                 </a:solidFill>
@@ -14794,7 +14685,7 @@
               <a:t>chat_type</a:t>
             </a:r>
             <a:r>
-              <a:rPr kumimoji="0" lang="ko-KR" altLang="ko-KR" sz="1200" dirty="0" smtClean="0">
+              <a:rPr kumimoji="0" lang="ko-KR" altLang="ko-KR" sz="1200" dirty="0">
                 <a:solidFill>
                   <a:srgbClr val="000000"/>
                 </a:solidFill>
@@ -14804,7 +14695,7 @@
               <a:t>, </a:t>
             </a:r>
             <a:r>
-              <a:rPr kumimoji="0" lang="ko-KR" altLang="ko-KR" sz="1200" dirty="0" err="1" smtClean="0">
+              <a:rPr kumimoji="0" lang="ko-KR" altLang="ko-KR" sz="1200" dirty="0" err="1">
                 <a:solidFill>
                   <a:srgbClr val="000000"/>
                 </a:solidFill>
@@ -14814,7 +14705,7 @@
               <a:t>chat_id</a:t>
             </a:r>
             <a:r>
-              <a:rPr kumimoji="0" lang="ko-KR" altLang="ko-KR" sz="1200" dirty="0" smtClean="0">
+              <a:rPr kumimoji="0" lang="ko-KR" altLang="ko-KR" sz="1200" dirty="0">
                 <a:solidFill>
                   <a:srgbClr val="000000"/>
                 </a:solidFill>
@@ -14824,7 +14715,7 @@
               <a:t> = </a:t>
             </a:r>
             <a:r>
-              <a:rPr kumimoji="0" lang="ko-KR" altLang="ko-KR" sz="1200" dirty="0" err="1" smtClean="0">
+              <a:rPr kumimoji="0" lang="ko-KR" altLang="ko-KR" sz="1200" dirty="0" err="1">
                 <a:solidFill>
                   <a:srgbClr val="000000"/>
                 </a:solidFill>
@@ -14834,7 +14725,7 @@
               <a:t>telepot.glance</a:t>
             </a:r>
             <a:r>
-              <a:rPr kumimoji="0" lang="ko-KR" altLang="ko-KR" sz="1200" dirty="0" smtClean="0">
+              <a:rPr kumimoji="0" lang="ko-KR" altLang="ko-KR" sz="1200" dirty="0">
                 <a:solidFill>
                   <a:srgbClr val="000000"/>
                 </a:solidFill>
@@ -14844,7 +14735,7 @@
               <a:t>(</a:t>
             </a:r>
             <a:r>
-              <a:rPr kumimoji="0" lang="ko-KR" altLang="ko-KR" sz="1200" dirty="0" err="1" smtClean="0">
+              <a:rPr kumimoji="0" lang="ko-KR" altLang="ko-KR" sz="1200" dirty="0" err="1">
                 <a:solidFill>
                   <a:srgbClr val="000000"/>
                 </a:solidFill>
@@ -14854,7 +14745,7 @@
               <a:t>msg</a:t>
             </a:r>
             <a:r>
-              <a:rPr kumimoji="0" lang="ko-KR" altLang="ko-KR" sz="1200" dirty="0" smtClean="0">
+              <a:rPr kumimoji="0" lang="ko-KR" altLang="ko-KR" sz="1200" dirty="0">
                 <a:solidFill>
                   <a:srgbClr val="000000"/>
                 </a:solidFill>
@@ -14864,7 +14755,7 @@
               <a:t>)</a:t>
             </a:r>
             <a:br>
-              <a:rPr kumimoji="0" lang="ko-KR" altLang="ko-KR" sz="1200" dirty="0" smtClean="0">
+              <a:rPr kumimoji="0" lang="ko-KR" altLang="ko-KR" sz="1200" dirty="0">
                 <a:solidFill>
                   <a:srgbClr val="000000"/>
                 </a:solidFill>
@@ -14873,7 +14764,7 @@
               </a:rPr>
             </a:br>
             <a:r>
-              <a:rPr kumimoji="0" lang="ko-KR" altLang="ko-KR" sz="1200" dirty="0" smtClean="0">
+              <a:rPr kumimoji="0" lang="ko-KR" altLang="ko-KR" sz="1200" dirty="0">
                 <a:solidFill>
                   <a:srgbClr val="000000"/>
                 </a:solidFill>
@@ -14883,7 +14774,7 @@
               <a:t>    </a:t>
             </a:r>
             <a:r>
-              <a:rPr kumimoji="0" lang="ko-KR" altLang="ko-KR" sz="1200" b="1" dirty="0" err="1" smtClean="0">
+              <a:rPr kumimoji="0" lang="ko-KR" altLang="ko-KR" sz="1200" b="1" dirty="0" err="1">
                 <a:solidFill>
                   <a:srgbClr val="000080"/>
                 </a:solidFill>
@@ -14893,7 +14784,7 @@
               <a:t>if</a:t>
             </a:r>
             <a:r>
-              <a:rPr kumimoji="0" lang="ko-KR" altLang="ko-KR" sz="1200" b="1" dirty="0" smtClean="0">
+              <a:rPr kumimoji="0" lang="ko-KR" altLang="ko-KR" sz="1200" b="1" dirty="0">
                 <a:solidFill>
                   <a:srgbClr val="000080"/>
                 </a:solidFill>
@@ -14903,7 +14794,7 @@
               <a:t> </a:t>
             </a:r>
             <a:r>
-              <a:rPr kumimoji="0" lang="ko-KR" altLang="ko-KR" sz="1200" dirty="0" err="1" smtClean="0">
+              <a:rPr kumimoji="0" lang="ko-KR" altLang="ko-KR" sz="1200" dirty="0" err="1">
                 <a:solidFill>
                   <a:srgbClr val="000000"/>
                 </a:solidFill>
@@ -14913,7 +14804,7 @@
               <a:t>content_type</a:t>
             </a:r>
             <a:r>
-              <a:rPr kumimoji="0" lang="ko-KR" altLang="ko-KR" sz="1200" dirty="0" smtClean="0">
+              <a:rPr kumimoji="0" lang="ko-KR" altLang="ko-KR" sz="1200" dirty="0">
                 <a:solidFill>
                   <a:srgbClr val="000000"/>
                 </a:solidFill>
@@ -14923,7 +14814,7 @@
               <a:t> != </a:t>
             </a:r>
             <a:r>
-              <a:rPr kumimoji="0" lang="ko-KR" altLang="ko-KR" sz="1200" b="1" dirty="0" smtClean="0">
+              <a:rPr kumimoji="0" lang="ko-KR" altLang="ko-KR" sz="1200" b="1" dirty="0">
                 <a:solidFill>
                   <a:srgbClr val="008080"/>
                 </a:solidFill>
@@ -14933,7 +14824,7 @@
               <a:t>'</a:t>
             </a:r>
             <a:r>
-              <a:rPr kumimoji="0" lang="ko-KR" altLang="ko-KR" sz="1200" b="1" dirty="0" err="1" smtClean="0">
+              <a:rPr kumimoji="0" lang="ko-KR" altLang="ko-KR" sz="1200" b="1" dirty="0" err="1">
                 <a:solidFill>
                   <a:srgbClr val="008080"/>
                 </a:solidFill>
@@ -14943,7 +14834,7 @@
               <a:t>text</a:t>
             </a:r>
             <a:r>
-              <a:rPr kumimoji="0" lang="ko-KR" altLang="ko-KR" sz="1200" b="1" dirty="0" smtClean="0">
+              <a:rPr kumimoji="0" lang="ko-KR" altLang="ko-KR" sz="1200" b="1" dirty="0">
                 <a:solidFill>
                   <a:srgbClr val="008080"/>
                 </a:solidFill>
@@ -14953,7 +14844,7 @@
               <a:t>'</a:t>
             </a:r>
             <a:r>
-              <a:rPr kumimoji="0" lang="ko-KR" altLang="ko-KR" sz="1200" dirty="0" smtClean="0">
+              <a:rPr kumimoji="0" lang="ko-KR" altLang="ko-KR" sz="1200" dirty="0">
                 <a:solidFill>
                   <a:srgbClr val="000000"/>
                 </a:solidFill>
@@ -14963,7 +14854,7 @@
               <a:t>:</a:t>
             </a:r>
             <a:br>
-              <a:rPr kumimoji="0" lang="ko-KR" altLang="ko-KR" sz="1200" dirty="0" smtClean="0">
+              <a:rPr kumimoji="0" lang="ko-KR" altLang="ko-KR" sz="1200" dirty="0">
                 <a:solidFill>
                   <a:srgbClr val="000000"/>
                 </a:solidFill>
@@ -14972,7 +14863,7 @@
               </a:rPr>
             </a:br>
             <a:r>
-              <a:rPr kumimoji="0" lang="ko-KR" altLang="ko-KR" sz="1200" dirty="0" smtClean="0">
+              <a:rPr kumimoji="0" lang="ko-KR" altLang="ko-KR" sz="1200" dirty="0">
                 <a:solidFill>
                   <a:srgbClr val="000000"/>
                 </a:solidFill>
@@ -14982,7 +14873,7 @@
               <a:t>        </a:t>
             </a:r>
             <a:r>
-              <a:rPr kumimoji="0" lang="ko-KR" altLang="ko-KR" sz="1200" dirty="0" err="1" smtClean="0">
+              <a:rPr kumimoji="0" lang="ko-KR" altLang="ko-KR" sz="1200" dirty="0" err="1">
                 <a:solidFill>
                   <a:srgbClr val="000000"/>
                 </a:solidFill>
@@ -14992,7 +14883,7 @@
               <a:t>noti.sendMessage</a:t>
             </a:r>
             <a:r>
-              <a:rPr kumimoji="0" lang="ko-KR" altLang="ko-KR" sz="1200" dirty="0" smtClean="0">
+              <a:rPr kumimoji="0" lang="ko-KR" altLang="ko-KR" sz="1200" dirty="0">
                 <a:solidFill>
                   <a:srgbClr val="000000"/>
                 </a:solidFill>
@@ -15002,7 +14893,7 @@
               <a:t>(</a:t>
             </a:r>
             <a:r>
-              <a:rPr kumimoji="0" lang="ko-KR" altLang="ko-KR" sz="1200" dirty="0" err="1" smtClean="0">
+              <a:rPr kumimoji="0" lang="ko-KR" altLang="ko-KR" sz="1200" dirty="0" err="1">
                 <a:solidFill>
                   <a:srgbClr val="000000"/>
                 </a:solidFill>
@@ -15012,7 +14903,7 @@
               <a:t>chat_id</a:t>
             </a:r>
             <a:r>
-              <a:rPr kumimoji="0" lang="ko-KR" altLang="ko-KR" sz="1200" dirty="0" smtClean="0">
+              <a:rPr kumimoji="0" lang="ko-KR" altLang="ko-KR" sz="1200" dirty="0">
                 <a:solidFill>
                   <a:srgbClr val="000000"/>
                 </a:solidFill>
@@ -15022,7 +14913,7 @@
               <a:t>, </a:t>
             </a:r>
             <a:r>
-              <a:rPr kumimoji="0" lang="ko-KR" altLang="ko-KR" sz="1200" b="1" dirty="0" smtClean="0">
+              <a:rPr kumimoji="0" lang="ko-KR" altLang="ko-KR" sz="1200" b="1" dirty="0">
                 <a:solidFill>
                   <a:srgbClr val="008080"/>
                 </a:solidFill>
@@ -15032,7 +14923,7 @@
               <a:t>'난 텍스트 이외의 메시지는 처리하지 못해요.'</a:t>
             </a:r>
             <a:r>
-              <a:rPr kumimoji="0" lang="ko-KR" altLang="ko-KR" sz="1200" dirty="0" smtClean="0">
+              <a:rPr kumimoji="0" lang="ko-KR" altLang="ko-KR" sz="1200" dirty="0">
                 <a:solidFill>
                   <a:srgbClr val="000000"/>
                 </a:solidFill>
@@ -15042,7 +14933,7 @@
               <a:t>)</a:t>
             </a:r>
             <a:br>
-              <a:rPr kumimoji="0" lang="ko-KR" altLang="ko-KR" sz="1200" dirty="0" smtClean="0">
+              <a:rPr kumimoji="0" lang="ko-KR" altLang="ko-KR" sz="1200" dirty="0">
                 <a:solidFill>
                   <a:srgbClr val="000000"/>
                 </a:solidFill>
@@ -15051,7 +14942,7 @@
               </a:rPr>
             </a:br>
             <a:r>
-              <a:rPr kumimoji="0" lang="ko-KR" altLang="ko-KR" sz="1200" dirty="0" smtClean="0">
+              <a:rPr kumimoji="0" lang="ko-KR" altLang="ko-KR" sz="1200" dirty="0">
                 <a:solidFill>
                   <a:srgbClr val="000000"/>
                 </a:solidFill>
@@ -15061,7 +14952,7 @@
               <a:t>        </a:t>
             </a:r>
             <a:r>
-              <a:rPr kumimoji="0" lang="ko-KR" altLang="ko-KR" sz="1200" b="1" dirty="0" err="1" smtClean="0">
+              <a:rPr kumimoji="0" lang="ko-KR" altLang="ko-KR" sz="1200" b="1" dirty="0" err="1">
                 <a:solidFill>
                   <a:srgbClr val="000080"/>
                 </a:solidFill>
@@ -15070,18 +14961,17 @@
               </a:rPr>
               <a:t>return</a:t>
             </a:r>
-            <a:r>
-              <a:rPr kumimoji="0" lang="ko-KR" altLang="ko-KR" sz="1200" b="1" dirty="0" smtClean="0">
+            <a:br>
+              <a:rPr kumimoji="0" lang="ko-KR" altLang="ko-KR" sz="1200" b="1" dirty="0">
                 <a:solidFill>
                   <a:srgbClr val="000080"/>
                 </a:solidFill>
                 <a:latin typeface="굴림체" panose="020B0609000101010101" pitchFamily="49" charset="-127"/>
                 <a:ea typeface="굴림체" panose="020B0609000101010101" pitchFamily="49" charset="-127"/>
               </a:rPr>
-              <a:t/>
-            </a:r>
+            </a:br>
             <a:br>
-              <a:rPr kumimoji="0" lang="ko-KR" altLang="ko-KR" sz="1200" b="1" dirty="0" smtClean="0">
+              <a:rPr kumimoji="0" lang="ko-KR" altLang="ko-KR" sz="1200" b="1" dirty="0">
                 <a:solidFill>
                   <a:srgbClr val="000080"/>
                 </a:solidFill>
@@ -15090,66 +14980,850 @@
               </a:rPr>
             </a:br>
             <a:r>
-              <a:rPr kumimoji="0" lang="ko-KR" altLang="ko-KR" sz="1200" b="1" dirty="0" smtClean="0">
+              <a:rPr kumimoji="0" lang="ko-KR" altLang="ko-KR" sz="1200" b="1" dirty="0">
                 <a:solidFill>
                   <a:srgbClr val="000080"/>
                 </a:solidFill>
                 <a:latin typeface="굴림체" panose="020B0609000101010101" pitchFamily="49" charset="-127"/>
                 <a:ea typeface="굴림체" panose="020B0609000101010101" pitchFamily="49" charset="-127"/>
               </a:rPr>
-              <a:t/>
+              <a:t>    </a:t>
+            </a:r>
+            <a:r>
+              <a:rPr kumimoji="0" lang="ko-KR" altLang="ko-KR" sz="1200" dirty="0" err="1">
+                <a:solidFill>
+                  <a:srgbClr val="000000"/>
+                </a:solidFill>
+                <a:latin typeface="굴림체" panose="020B0609000101010101" pitchFamily="49" charset="-127"/>
+                <a:ea typeface="굴림체" panose="020B0609000101010101" pitchFamily="49" charset="-127"/>
+              </a:rPr>
+              <a:t>text</a:t>
+            </a:r>
+            <a:r>
+              <a:rPr kumimoji="0" lang="ko-KR" altLang="ko-KR" sz="1200" dirty="0">
+                <a:solidFill>
+                  <a:srgbClr val="000000"/>
+                </a:solidFill>
+                <a:latin typeface="굴림체" panose="020B0609000101010101" pitchFamily="49" charset="-127"/>
+                <a:ea typeface="굴림체" panose="020B0609000101010101" pitchFamily="49" charset="-127"/>
+              </a:rPr>
+              <a:t> = </a:t>
+            </a:r>
+            <a:r>
+              <a:rPr kumimoji="0" lang="ko-KR" altLang="ko-KR" sz="1200" dirty="0" err="1">
+                <a:solidFill>
+                  <a:srgbClr val="000000"/>
+                </a:solidFill>
+                <a:latin typeface="굴림체" panose="020B0609000101010101" pitchFamily="49" charset="-127"/>
+                <a:ea typeface="굴림체" panose="020B0609000101010101" pitchFamily="49" charset="-127"/>
+              </a:rPr>
+              <a:t>msg</a:t>
+            </a:r>
+            <a:r>
+              <a:rPr kumimoji="0" lang="ko-KR" altLang="ko-KR" sz="1200" dirty="0">
+                <a:solidFill>
+                  <a:srgbClr val="000000"/>
+                </a:solidFill>
+                <a:latin typeface="굴림체" panose="020B0609000101010101" pitchFamily="49" charset="-127"/>
+                <a:ea typeface="굴림체" panose="020B0609000101010101" pitchFamily="49" charset="-127"/>
+              </a:rPr>
+              <a:t>[</a:t>
+            </a:r>
+            <a:r>
+              <a:rPr kumimoji="0" lang="ko-KR" altLang="ko-KR" sz="1200" b="1" dirty="0">
+                <a:solidFill>
+                  <a:srgbClr val="008080"/>
+                </a:solidFill>
+                <a:latin typeface="굴림체" panose="020B0609000101010101" pitchFamily="49" charset="-127"/>
+                <a:ea typeface="굴림체" panose="020B0609000101010101" pitchFamily="49" charset="-127"/>
+              </a:rPr>
+              <a:t>'</a:t>
+            </a:r>
+            <a:r>
+              <a:rPr kumimoji="0" lang="ko-KR" altLang="ko-KR" sz="1200" b="1" dirty="0" err="1">
+                <a:solidFill>
+                  <a:srgbClr val="008080"/>
+                </a:solidFill>
+                <a:latin typeface="굴림체" panose="020B0609000101010101" pitchFamily="49" charset="-127"/>
+                <a:ea typeface="굴림체" panose="020B0609000101010101" pitchFamily="49" charset="-127"/>
+              </a:rPr>
+              <a:t>text</a:t>
+            </a:r>
+            <a:r>
+              <a:rPr kumimoji="0" lang="ko-KR" altLang="ko-KR" sz="1200" b="1" dirty="0">
+                <a:solidFill>
+                  <a:srgbClr val="008080"/>
+                </a:solidFill>
+                <a:latin typeface="굴림체" panose="020B0609000101010101" pitchFamily="49" charset="-127"/>
+                <a:ea typeface="굴림체" panose="020B0609000101010101" pitchFamily="49" charset="-127"/>
+              </a:rPr>
+              <a:t>'</a:t>
+            </a:r>
+            <a:r>
+              <a:rPr kumimoji="0" lang="ko-KR" altLang="ko-KR" sz="1200" dirty="0">
+                <a:solidFill>
+                  <a:srgbClr val="000000"/>
+                </a:solidFill>
+                <a:latin typeface="굴림체" panose="020B0609000101010101" pitchFamily="49" charset="-127"/>
+                <a:ea typeface="굴림체" panose="020B0609000101010101" pitchFamily="49" charset="-127"/>
+              </a:rPr>
+              <a:t>]</a:t>
             </a:r>
             <a:br>
-              <a:rPr kumimoji="0" lang="ko-KR" altLang="ko-KR" sz="1200" b="1" dirty="0" smtClean="0">
+              <a:rPr kumimoji="0" lang="ko-KR" altLang="ko-KR" sz="1200" dirty="0">
+                <a:solidFill>
+                  <a:srgbClr val="000000"/>
+                </a:solidFill>
+                <a:latin typeface="굴림체" panose="020B0609000101010101" pitchFamily="49" charset="-127"/>
+                <a:ea typeface="굴림체" panose="020B0609000101010101" pitchFamily="49" charset="-127"/>
+              </a:rPr>
+            </a:br>
+            <a:r>
+              <a:rPr kumimoji="0" lang="ko-KR" altLang="ko-KR" sz="1200" dirty="0">
+                <a:solidFill>
+                  <a:srgbClr val="000000"/>
+                </a:solidFill>
+                <a:latin typeface="굴림체" panose="020B0609000101010101" pitchFamily="49" charset="-127"/>
+                <a:ea typeface="굴림체" panose="020B0609000101010101" pitchFamily="49" charset="-127"/>
+              </a:rPr>
+              <a:t>    </a:t>
+            </a:r>
+            <a:r>
+              <a:rPr kumimoji="0" lang="ko-KR" altLang="ko-KR" sz="1200" dirty="0" err="1">
+                <a:solidFill>
+                  <a:srgbClr val="000000"/>
+                </a:solidFill>
+                <a:latin typeface="굴림체" panose="020B0609000101010101" pitchFamily="49" charset="-127"/>
+                <a:ea typeface="굴림체" panose="020B0609000101010101" pitchFamily="49" charset="-127"/>
+              </a:rPr>
+              <a:t>args</a:t>
+            </a:r>
+            <a:r>
+              <a:rPr kumimoji="0" lang="ko-KR" altLang="ko-KR" sz="1200" dirty="0">
+                <a:solidFill>
+                  <a:srgbClr val="000000"/>
+                </a:solidFill>
+                <a:latin typeface="굴림체" panose="020B0609000101010101" pitchFamily="49" charset="-127"/>
+                <a:ea typeface="굴림체" panose="020B0609000101010101" pitchFamily="49" charset="-127"/>
+              </a:rPr>
+              <a:t> = </a:t>
+            </a:r>
+            <a:r>
+              <a:rPr kumimoji="0" lang="ko-KR" altLang="ko-KR" sz="1200" dirty="0" err="1">
+                <a:solidFill>
+                  <a:srgbClr val="000000"/>
+                </a:solidFill>
+                <a:latin typeface="굴림체" panose="020B0609000101010101" pitchFamily="49" charset="-127"/>
+                <a:ea typeface="굴림체" panose="020B0609000101010101" pitchFamily="49" charset="-127"/>
+              </a:rPr>
+              <a:t>text.split</a:t>
+            </a:r>
+            <a:r>
+              <a:rPr kumimoji="0" lang="ko-KR" altLang="ko-KR" sz="1200" dirty="0">
+                <a:solidFill>
+                  <a:srgbClr val="000000"/>
+                </a:solidFill>
+                <a:latin typeface="굴림체" panose="020B0609000101010101" pitchFamily="49" charset="-127"/>
+                <a:ea typeface="굴림체" panose="020B0609000101010101" pitchFamily="49" charset="-127"/>
+              </a:rPr>
+              <a:t>(</a:t>
+            </a:r>
+            <a:r>
+              <a:rPr kumimoji="0" lang="ko-KR" altLang="ko-KR" sz="1200" b="1" dirty="0">
+                <a:solidFill>
+                  <a:srgbClr val="008080"/>
+                </a:solidFill>
+                <a:latin typeface="굴림체" panose="020B0609000101010101" pitchFamily="49" charset="-127"/>
+                <a:ea typeface="굴림체" panose="020B0609000101010101" pitchFamily="49" charset="-127"/>
+              </a:rPr>
+              <a:t>' '</a:t>
+            </a:r>
+            <a:r>
+              <a:rPr kumimoji="0" lang="ko-KR" altLang="ko-KR" sz="1200" dirty="0">
+                <a:solidFill>
+                  <a:srgbClr val="000000"/>
+                </a:solidFill>
+                <a:latin typeface="굴림체" panose="020B0609000101010101" pitchFamily="49" charset="-127"/>
+                <a:ea typeface="굴림체" panose="020B0609000101010101" pitchFamily="49" charset="-127"/>
+              </a:rPr>
+              <a:t>)</a:t>
+            </a:r>
+            <a:br>
+              <a:rPr kumimoji="0" lang="ko-KR" altLang="ko-KR" sz="1200" dirty="0">
+                <a:solidFill>
+                  <a:srgbClr val="000000"/>
+                </a:solidFill>
+                <a:latin typeface="굴림체" panose="020B0609000101010101" pitchFamily="49" charset="-127"/>
+                <a:ea typeface="굴림체" panose="020B0609000101010101" pitchFamily="49" charset="-127"/>
+              </a:rPr>
+            </a:br>
+            <a:br>
+              <a:rPr kumimoji="0" lang="ko-KR" altLang="ko-KR" sz="1200" dirty="0">
+                <a:solidFill>
+                  <a:srgbClr val="000000"/>
+                </a:solidFill>
+                <a:latin typeface="굴림체" panose="020B0609000101010101" pitchFamily="49" charset="-127"/>
+                <a:ea typeface="굴림체" panose="020B0609000101010101" pitchFamily="49" charset="-127"/>
+              </a:rPr>
+            </a:br>
+            <a:r>
+              <a:rPr kumimoji="0" lang="ko-KR" altLang="ko-KR" sz="1200" dirty="0">
+                <a:solidFill>
+                  <a:srgbClr val="000000"/>
+                </a:solidFill>
+                <a:latin typeface="굴림체" panose="020B0609000101010101" pitchFamily="49" charset="-127"/>
+                <a:ea typeface="굴림체" panose="020B0609000101010101" pitchFamily="49" charset="-127"/>
+              </a:rPr>
+              <a:t>    </a:t>
+            </a:r>
+            <a:r>
+              <a:rPr kumimoji="0" lang="ko-KR" altLang="ko-KR" sz="1200" b="1" dirty="0" err="1">
                 <a:solidFill>
                   <a:srgbClr val="000080"/>
                 </a:solidFill>
                 <a:latin typeface="굴림체" panose="020B0609000101010101" pitchFamily="49" charset="-127"/>
                 <a:ea typeface="굴림체" panose="020B0609000101010101" pitchFamily="49" charset="-127"/>
               </a:rPr>
+              <a:t>if</a:t>
+            </a:r>
+            <a:r>
+              <a:rPr kumimoji="0" lang="ko-KR" altLang="ko-KR" sz="1200" b="1" dirty="0">
+                <a:solidFill>
+                  <a:srgbClr val="000080"/>
+                </a:solidFill>
+                <a:latin typeface="굴림체" panose="020B0609000101010101" pitchFamily="49" charset="-127"/>
+                <a:ea typeface="굴림체" panose="020B0609000101010101" pitchFamily="49" charset="-127"/>
+              </a:rPr>
+              <a:t> </a:t>
+            </a:r>
+            <a:r>
+              <a:rPr kumimoji="0" lang="ko-KR" altLang="ko-KR" sz="1200" dirty="0" err="1">
+                <a:solidFill>
+                  <a:srgbClr val="000000"/>
+                </a:solidFill>
+                <a:latin typeface="굴림체" panose="020B0609000101010101" pitchFamily="49" charset="-127"/>
+                <a:ea typeface="굴림체" panose="020B0609000101010101" pitchFamily="49" charset="-127"/>
+              </a:rPr>
+              <a:t>text.startswith</a:t>
+            </a:r>
+            <a:r>
+              <a:rPr kumimoji="0" lang="ko-KR" altLang="ko-KR" sz="1200" dirty="0">
+                <a:solidFill>
+                  <a:srgbClr val="000000"/>
+                </a:solidFill>
+                <a:latin typeface="굴림체" panose="020B0609000101010101" pitchFamily="49" charset="-127"/>
+                <a:ea typeface="굴림체" panose="020B0609000101010101" pitchFamily="49" charset="-127"/>
+              </a:rPr>
+              <a:t>(</a:t>
+            </a:r>
+            <a:r>
+              <a:rPr kumimoji="0" lang="ko-KR" altLang="ko-KR" sz="1200" b="1" dirty="0">
+                <a:solidFill>
+                  <a:srgbClr val="008080"/>
+                </a:solidFill>
+                <a:latin typeface="굴림체" panose="020B0609000101010101" pitchFamily="49" charset="-127"/>
+                <a:ea typeface="굴림체" panose="020B0609000101010101" pitchFamily="49" charset="-127"/>
+              </a:rPr>
+              <a:t>'지역'</a:t>
+            </a:r>
+            <a:r>
+              <a:rPr kumimoji="0" lang="ko-KR" altLang="ko-KR" sz="1200" dirty="0">
+                <a:solidFill>
+                  <a:srgbClr val="000000"/>
+                </a:solidFill>
+                <a:latin typeface="굴림체" panose="020B0609000101010101" pitchFamily="49" charset="-127"/>
+                <a:ea typeface="굴림체" panose="020B0609000101010101" pitchFamily="49" charset="-127"/>
+              </a:rPr>
+              <a:t>) </a:t>
+            </a:r>
+            <a:r>
+              <a:rPr kumimoji="0" lang="ko-KR" altLang="ko-KR" sz="1200" b="1" dirty="0">
+                <a:solidFill>
+                  <a:srgbClr val="000080"/>
+                </a:solidFill>
+                <a:latin typeface="굴림체" panose="020B0609000101010101" pitchFamily="49" charset="-127"/>
+                <a:ea typeface="굴림체" panose="020B0609000101010101" pitchFamily="49" charset="-127"/>
+              </a:rPr>
+              <a:t>and </a:t>
+            </a:r>
+            <a:r>
+              <a:rPr kumimoji="0" lang="ko-KR" altLang="ko-KR" sz="1200" dirty="0" err="1">
+                <a:solidFill>
+                  <a:srgbClr val="000080"/>
+                </a:solidFill>
+                <a:latin typeface="굴림체" panose="020B0609000101010101" pitchFamily="49" charset="-127"/>
+                <a:ea typeface="굴림체" panose="020B0609000101010101" pitchFamily="49" charset="-127"/>
+              </a:rPr>
+              <a:t>len</a:t>
+            </a:r>
+            <a:r>
+              <a:rPr kumimoji="0" lang="ko-KR" altLang="ko-KR" sz="1200" dirty="0">
+                <a:solidFill>
+                  <a:srgbClr val="000000"/>
+                </a:solidFill>
+                <a:latin typeface="굴림체" panose="020B0609000101010101" pitchFamily="49" charset="-127"/>
+                <a:ea typeface="굴림체" panose="020B0609000101010101" pitchFamily="49" charset="-127"/>
+              </a:rPr>
+              <a:t>(</a:t>
+            </a:r>
+            <a:r>
+              <a:rPr kumimoji="0" lang="ko-KR" altLang="ko-KR" sz="1200" dirty="0" err="1">
+                <a:solidFill>
+                  <a:srgbClr val="000000"/>
+                </a:solidFill>
+                <a:latin typeface="굴림체" panose="020B0609000101010101" pitchFamily="49" charset="-127"/>
+                <a:ea typeface="굴림체" panose="020B0609000101010101" pitchFamily="49" charset="-127"/>
+              </a:rPr>
+              <a:t>args</a:t>
+            </a:r>
+            <a:r>
+              <a:rPr kumimoji="0" lang="ko-KR" altLang="ko-KR" sz="1200" dirty="0">
+                <a:solidFill>
+                  <a:srgbClr val="000000"/>
+                </a:solidFill>
+                <a:latin typeface="굴림체" panose="020B0609000101010101" pitchFamily="49" charset="-127"/>
+                <a:ea typeface="굴림체" panose="020B0609000101010101" pitchFamily="49" charset="-127"/>
+              </a:rPr>
+              <a:t>)&gt;</a:t>
+            </a:r>
+            <a:r>
+              <a:rPr kumimoji="0" lang="ko-KR" altLang="ko-KR" sz="1200" dirty="0">
+                <a:solidFill>
+                  <a:srgbClr val="0000FF"/>
+                </a:solidFill>
+                <a:latin typeface="굴림체" panose="020B0609000101010101" pitchFamily="49" charset="-127"/>
+                <a:ea typeface="굴림체" panose="020B0609000101010101" pitchFamily="49" charset="-127"/>
+              </a:rPr>
+              <a:t>1</a:t>
+            </a:r>
+            <a:r>
+              <a:rPr kumimoji="0" lang="ko-KR" altLang="ko-KR" sz="1200" dirty="0">
+                <a:solidFill>
+                  <a:srgbClr val="000000"/>
+                </a:solidFill>
+                <a:latin typeface="굴림체" panose="020B0609000101010101" pitchFamily="49" charset="-127"/>
+                <a:ea typeface="굴림체" panose="020B0609000101010101" pitchFamily="49" charset="-127"/>
+              </a:rPr>
+              <a:t>:</a:t>
+            </a:r>
+            <a:br>
+              <a:rPr kumimoji="0" lang="ko-KR" altLang="ko-KR" sz="1200" dirty="0">
+                <a:solidFill>
+                  <a:srgbClr val="000000"/>
+                </a:solidFill>
+                <a:latin typeface="굴림체" panose="020B0609000101010101" pitchFamily="49" charset="-127"/>
+                <a:ea typeface="굴림체" panose="020B0609000101010101" pitchFamily="49" charset="-127"/>
+              </a:rPr>
             </a:br>
             <a:r>
-              <a:rPr kumimoji="0" lang="ko-KR" altLang="ko-KR" sz="1200" b="1" dirty="0" smtClean="0">
+              <a:rPr kumimoji="0" lang="ko-KR" altLang="ko-KR" sz="1200" dirty="0">
+                <a:solidFill>
+                  <a:srgbClr val="000000"/>
+                </a:solidFill>
+                <a:latin typeface="굴림체" panose="020B0609000101010101" pitchFamily="49" charset="-127"/>
+                <a:ea typeface="굴림체" panose="020B0609000101010101" pitchFamily="49" charset="-127"/>
+              </a:rPr>
+              <a:t>        </a:t>
+            </a:r>
+            <a:r>
+              <a:rPr kumimoji="0" lang="ko-KR" altLang="ko-KR" sz="1200" dirty="0" err="1">
                 <a:solidFill>
                   <a:srgbClr val="000080"/>
                 </a:solidFill>
                 <a:latin typeface="굴림체" panose="020B0609000101010101" pitchFamily="49" charset="-127"/>
                 <a:ea typeface="굴림체" panose="020B0609000101010101" pitchFamily="49" charset="-127"/>
               </a:rPr>
+              <a:t>print</a:t>
+            </a:r>
+            <a:r>
+              <a:rPr kumimoji="0" lang="ko-KR" altLang="ko-KR" sz="1200" dirty="0">
+                <a:solidFill>
+                  <a:srgbClr val="000000"/>
+                </a:solidFill>
+                <a:latin typeface="굴림체" panose="020B0609000101010101" pitchFamily="49" charset="-127"/>
+                <a:ea typeface="굴림체" panose="020B0609000101010101" pitchFamily="49" charset="-127"/>
+              </a:rPr>
+              <a:t>(</a:t>
+            </a:r>
+            <a:r>
+              <a:rPr kumimoji="0" lang="ko-KR" altLang="ko-KR" sz="1200" b="1" dirty="0">
+                <a:solidFill>
+                  <a:srgbClr val="008080"/>
+                </a:solidFill>
+                <a:latin typeface="굴림체" panose="020B0609000101010101" pitchFamily="49" charset="-127"/>
+                <a:ea typeface="굴림체" panose="020B0609000101010101" pitchFamily="49" charset="-127"/>
+              </a:rPr>
+              <a:t>'</a:t>
+            </a:r>
+            <a:r>
+              <a:rPr kumimoji="0" lang="ko-KR" altLang="ko-KR" sz="1200" b="1" dirty="0" err="1">
+                <a:solidFill>
+                  <a:srgbClr val="008080"/>
+                </a:solidFill>
+                <a:latin typeface="굴림체" panose="020B0609000101010101" pitchFamily="49" charset="-127"/>
+                <a:ea typeface="굴림체" panose="020B0609000101010101" pitchFamily="49" charset="-127"/>
+              </a:rPr>
+              <a:t>try</a:t>
+            </a:r>
+            <a:r>
+              <a:rPr kumimoji="0" lang="ko-KR" altLang="ko-KR" sz="1200" b="1" dirty="0">
+                <a:solidFill>
+                  <a:srgbClr val="008080"/>
+                </a:solidFill>
+                <a:latin typeface="굴림체" panose="020B0609000101010101" pitchFamily="49" charset="-127"/>
+                <a:ea typeface="굴림체" panose="020B0609000101010101" pitchFamily="49" charset="-127"/>
+              </a:rPr>
+              <a:t> </a:t>
+            </a:r>
+            <a:r>
+              <a:rPr kumimoji="0" lang="ko-KR" altLang="ko-KR" sz="1200" b="1" dirty="0" err="1">
+                <a:solidFill>
+                  <a:srgbClr val="008080"/>
+                </a:solidFill>
+                <a:latin typeface="굴림체" panose="020B0609000101010101" pitchFamily="49" charset="-127"/>
+                <a:ea typeface="굴림체" panose="020B0609000101010101" pitchFamily="49" charset="-127"/>
+              </a:rPr>
+              <a:t>to</a:t>
+            </a:r>
+            <a:r>
+              <a:rPr kumimoji="0" lang="ko-KR" altLang="ko-KR" sz="1200" b="1" dirty="0">
+                <a:solidFill>
+                  <a:srgbClr val="008080"/>
+                </a:solidFill>
+                <a:latin typeface="굴림체" panose="020B0609000101010101" pitchFamily="49" charset="-127"/>
+                <a:ea typeface="굴림체" panose="020B0609000101010101" pitchFamily="49" charset="-127"/>
+              </a:rPr>
+              <a:t> 지역'</a:t>
+            </a:r>
+            <a:r>
+              <a:rPr kumimoji="0" lang="ko-KR" altLang="ko-KR" sz="1200" dirty="0">
+                <a:solidFill>
+                  <a:srgbClr val="000000"/>
+                </a:solidFill>
+                <a:latin typeface="굴림체" panose="020B0609000101010101" pitchFamily="49" charset="-127"/>
+                <a:ea typeface="굴림체" panose="020B0609000101010101" pitchFamily="49" charset="-127"/>
+              </a:rPr>
+              <a:t>, </a:t>
+            </a:r>
+            <a:r>
+              <a:rPr kumimoji="0" lang="ko-KR" altLang="ko-KR" sz="1200" dirty="0" err="1">
+                <a:solidFill>
+                  <a:srgbClr val="000000"/>
+                </a:solidFill>
+                <a:latin typeface="굴림체" panose="020B0609000101010101" pitchFamily="49" charset="-127"/>
+                <a:ea typeface="굴림체" panose="020B0609000101010101" pitchFamily="49" charset="-127"/>
+              </a:rPr>
+              <a:t>args</a:t>
+            </a:r>
+            <a:r>
+              <a:rPr kumimoji="0" lang="ko-KR" altLang="ko-KR" sz="1200" dirty="0">
+                <a:solidFill>
+                  <a:srgbClr val="000000"/>
+                </a:solidFill>
+                <a:latin typeface="굴림체" panose="020B0609000101010101" pitchFamily="49" charset="-127"/>
+                <a:ea typeface="굴림체" panose="020B0609000101010101" pitchFamily="49" charset="-127"/>
+              </a:rPr>
+              <a:t>[</a:t>
+            </a:r>
+            <a:r>
+              <a:rPr kumimoji="0" lang="ko-KR" altLang="ko-KR" sz="1200" dirty="0">
+                <a:solidFill>
+                  <a:srgbClr val="0000FF"/>
+                </a:solidFill>
+                <a:latin typeface="굴림체" panose="020B0609000101010101" pitchFamily="49" charset="-127"/>
+                <a:ea typeface="굴림체" panose="020B0609000101010101" pitchFamily="49" charset="-127"/>
+              </a:rPr>
+              <a:t>1</a:t>
+            </a:r>
+            <a:r>
+              <a:rPr kumimoji="0" lang="ko-KR" altLang="ko-KR" sz="1200" dirty="0">
+                <a:solidFill>
+                  <a:srgbClr val="000000"/>
+                </a:solidFill>
+                <a:latin typeface="굴림체" panose="020B0609000101010101" pitchFamily="49" charset="-127"/>
+                <a:ea typeface="굴림체" panose="020B0609000101010101" pitchFamily="49" charset="-127"/>
+              </a:rPr>
+              <a:t>])</a:t>
+            </a:r>
+            <a:br>
+              <a:rPr kumimoji="0" lang="ko-KR" altLang="ko-KR" sz="1200" dirty="0">
+                <a:solidFill>
+                  <a:srgbClr val="000000"/>
+                </a:solidFill>
+                <a:latin typeface="굴림체" panose="020B0609000101010101" pitchFamily="49" charset="-127"/>
+                <a:ea typeface="굴림체" panose="020B0609000101010101" pitchFamily="49" charset="-127"/>
+              </a:rPr>
+            </a:br>
+            <a:r>
+              <a:rPr kumimoji="0" lang="ko-KR" altLang="ko-KR" sz="1200" dirty="0">
+                <a:solidFill>
+                  <a:srgbClr val="000000"/>
+                </a:solidFill>
+                <a:latin typeface="굴림체" panose="020B0609000101010101" pitchFamily="49" charset="-127"/>
+                <a:ea typeface="굴림체" panose="020B0609000101010101" pitchFamily="49" charset="-127"/>
+              </a:rPr>
+              <a:t>        </a:t>
+            </a:r>
+            <a:r>
+              <a:rPr kumimoji="0" lang="ko-KR" altLang="ko-KR" sz="1200" dirty="0" err="1">
+                <a:solidFill>
+                  <a:srgbClr val="000000"/>
+                </a:solidFill>
+                <a:latin typeface="굴림체" panose="020B0609000101010101" pitchFamily="49" charset="-127"/>
+                <a:ea typeface="굴림체" panose="020B0609000101010101" pitchFamily="49" charset="-127"/>
+              </a:rPr>
+              <a:t>replyAptData</a:t>
+            </a:r>
+            <a:r>
+              <a:rPr kumimoji="0" lang="ko-KR" altLang="ko-KR" sz="1200" dirty="0">
+                <a:solidFill>
+                  <a:srgbClr val="000000"/>
+                </a:solidFill>
+                <a:latin typeface="굴림체" panose="020B0609000101010101" pitchFamily="49" charset="-127"/>
+                <a:ea typeface="굴림체" panose="020B0609000101010101" pitchFamily="49" charset="-127"/>
+              </a:rPr>
+              <a:t>( </a:t>
+            </a:r>
+            <a:r>
+              <a:rPr kumimoji="0" lang="ko-KR" altLang="ko-KR" sz="1200" b="1" dirty="0">
+                <a:solidFill>
+                  <a:srgbClr val="008080"/>
+                </a:solidFill>
+                <a:latin typeface="굴림체" panose="020B0609000101010101" pitchFamily="49" charset="-127"/>
+                <a:ea typeface="굴림체" panose="020B0609000101010101" pitchFamily="49" charset="-127"/>
+              </a:rPr>
+              <a:t>'201801'</a:t>
+            </a:r>
+            <a:r>
+              <a:rPr kumimoji="0" lang="ko-KR" altLang="ko-KR" sz="1200" dirty="0">
+                <a:solidFill>
+                  <a:srgbClr val="000000"/>
+                </a:solidFill>
+                <a:latin typeface="굴림체" panose="020B0609000101010101" pitchFamily="49" charset="-127"/>
+                <a:ea typeface="굴림체" panose="020B0609000101010101" pitchFamily="49" charset="-127"/>
+              </a:rPr>
+              <a:t>, </a:t>
+            </a:r>
+            <a:r>
+              <a:rPr kumimoji="0" lang="ko-KR" altLang="ko-KR" sz="1200" dirty="0" err="1">
+                <a:solidFill>
+                  <a:srgbClr val="000000"/>
+                </a:solidFill>
+                <a:latin typeface="굴림체" panose="020B0609000101010101" pitchFamily="49" charset="-127"/>
+                <a:ea typeface="굴림체" panose="020B0609000101010101" pitchFamily="49" charset="-127"/>
+              </a:rPr>
+              <a:t>chat_id</a:t>
+            </a:r>
+            <a:r>
+              <a:rPr kumimoji="0" lang="ko-KR" altLang="ko-KR" sz="1200" dirty="0">
+                <a:solidFill>
+                  <a:srgbClr val="000000"/>
+                </a:solidFill>
+                <a:latin typeface="굴림체" panose="020B0609000101010101" pitchFamily="49" charset="-127"/>
+                <a:ea typeface="굴림체" panose="020B0609000101010101" pitchFamily="49" charset="-127"/>
+              </a:rPr>
+              <a:t>, </a:t>
+            </a:r>
+            <a:r>
+              <a:rPr kumimoji="0" lang="ko-KR" altLang="ko-KR" sz="1200" dirty="0" err="1">
+                <a:solidFill>
+                  <a:srgbClr val="000000"/>
+                </a:solidFill>
+                <a:latin typeface="굴림체" panose="020B0609000101010101" pitchFamily="49" charset="-127"/>
+                <a:ea typeface="굴림체" panose="020B0609000101010101" pitchFamily="49" charset="-127"/>
+              </a:rPr>
+              <a:t>args</a:t>
+            </a:r>
+            <a:r>
+              <a:rPr kumimoji="0" lang="ko-KR" altLang="ko-KR" sz="1200" dirty="0">
+                <a:solidFill>
+                  <a:srgbClr val="000000"/>
+                </a:solidFill>
+                <a:latin typeface="굴림체" panose="020B0609000101010101" pitchFamily="49" charset="-127"/>
+                <a:ea typeface="굴림체" panose="020B0609000101010101" pitchFamily="49" charset="-127"/>
+              </a:rPr>
+              <a:t>[</a:t>
+            </a:r>
+            <a:r>
+              <a:rPr kumimoji="0" lang="ko-KR" altLang="ko-KR" sz="1200" dirty="0">
+                <a:solidFill>
+                  <a:srgbClr val="0000FF"/>
+                </a:solidFill>
+                <a:latin typeface="굴림체" panose="020B0609000101010101" pitchFamily="49" charset="-127"/>
+                <a:ea typeface="굴림체" panose="020B0609000101010101" pitchFamily="49" charset="-127"/>
+              </a:rPr>
+              <a:t>1</a:t>
+            </a:r>
+            <a:r>
+              <a:rPr kumimoji="0" lang="ko-KR" altLang="ko-KR" sz="1200" dirty="0">
+                <a:solidFill>
+                  <a:srgbClr val="000000"/>
+                </a:solidFill>
+                <a:latin typeface="굴림체" panose="020B0609000101010101" pitchFamily="49" charset="-127"/>
+                <a:ea typeface="굴림체" panose="020B0609000101010101" pitchFamily="49" charset="-127"/>
+              </a:rPr>
+              <a:t>] )</a:t>
+            </a:r>
+            <a:br>
+              <a:rPr kumimoji="0" lang="ko-KR" altLang="ko-KR" sz="1200" dirty="0">
+                <a:solidFill>
+                  <a:srgbClr val="000000"/>
+                </a:solidFill>
+                <a:latin typeface="굴림체" panose="020B0609000101010101" pitchFamily="49" charset="-127"/>
+                <a:ea typeface="굴림체" panose="020B0609000101010101" pitchFamily="49" charset="-127"/>
+              </a:rPr>
+            </a:br>
+            <a:r>
+              <a:rPr kumimoji="0" lang="ko-KR" altLang="ko-KR" sz="1200" dirty="0">
+                <a:solidFill>
+                  <a:srgbClr val="000000"/>
+                </a:solidFill>
+                <a:latin typeface="굴림체" panose="020B0609000101010101" pitchFamily="49" charset="-127"/>
+                <a:ea typeface="굴림체" panose="020B0609000101010101" pitchFamily="49" charset="-127"/>
+              </a:rPr>
               <a:t>    </a:t>
             </a:r>
             <a:r>
-              <a:rPr kumimoji="0" lang="ko-KR" altLang="ko-KR" sz="1200" dirty="0" err="1" smtClean="0">
-                <a:solidFill>
-                  <a:srgbClr val="000000"/>
-                </a:solidFill>
-                <a:latin typeface="굴림체" panose="020B0609000101010101" pitchFamily="49" charset="-127"/>
-                <a:ea typeface="굴림체" panose="020B0609000101010101" pitchFamily="49" charset="-127"/>
-              </a:rPr>
-              <a:t>text</a:t>
-            </a:r>
-            <a:r>
-              <a:rPr kumimoji="0" lang="ko-KR" altLang="ko-KR" sz="1200" dirty="0" smtClean="0">
-                <a:solidFill>
-                  <a:srgbClr val="000000"/>
-                </a:solidFill>
-                <a:latin typeface="굴림체" panose="020B0609000101010101" pitchFamily="49" charset="-127"/>
-                <a:ea typeface="굴림체" panose="020B0609000101010101" pitchFamily="49" charset="-127"/>
-              </a:rPr>
-              <a:t> = </a:t>
-            </a:r>
-            <a:r>
-              <a:rPr kumimoji="0" lang="ko-KR" altLang="ko-KR" sz="1200" dirty="0" err="1" smtClean="0">
-                <a:solidFill>
-                  <a:srgbClr val="000000"/>
-                </a:solidFill>
-                <a:latin typeface="굴림체" panose="020B0609000101010101" pitchFamily="49" charset="-127"/>
-                <a:ea typeface="굴림체" panose="020B0609000101010101" pitchFamily="49" charset="-127"/>
-              </a:rPr>
-              <a:t>msg</a:t>
-            </a:r>
-            <a:r>
-              <a:rPr kumimoji="0" lang="ko-KR" altLang="ko-KR" sz="1200" dirty="0" smtClean="0">
+              <a:rPr kumimoji="0" lang="ko-KR" altLang="ko-KR" sz="1200" b="1" dirty="0" err="1">
+                <a:solidFill>
+                  <a:srgbClr val="000080"/>
+                </a:solidFill>
+                <a:latin typeface="굴림체" panose="020B0609000101010101" pitchFamily="49" charset="-127"/>
+                <a:ea typeface="굴림체" panose="020B0609000101010101" pitchFamily="49" charset="-127"/>
+              </a:rPr>
+              <a:t>elif</a:t>
+            </a:r>
+            <a:r>
+              <a:rPr kumimoji="0" lang="ko-KR" altLang="ko-KR" sz="1200" b="1" dirty="0">
+                <a:solidFill>
+                  <a:srgbClr val="000080"/>
+                </a:solidFill>
+                <a:latin typeface="굴림체" panose="020B0609000101010101" pitchFamily="49" charset="-127"/>
+                <a:ea typeface="굴림체" panose="020B0609000101010101" pitchFamily="49" charset="-127"/>
+              </a:rPr>
+              <a:t> </a:t>
+            </a:r>
+            <a:r>
+              <a:rPr kumimoji="0" lang="ko-KR" altLang="ko-KR" sz="1200" dirty="0" err="1">
+                <a:solidFill>
+                  <a:srgbClr val="000000"/>
+                </a:solidFill>
+                <a:latin typeface="굴림체" panose="020B0609000101010101" pitchFamily="49" charset="-127"/>
+                <a:ea typeface="굴림체" panose="020B0609000101010101" pitchFamily="49" charset="-127"/>
+              </a:rPr>
+              <a:t>text.startswith</a:t>
+            </a:r>
+            <a:r>
+              <a:rPr kumimoji="0" lang="ko-KR" altLang="ko-KR" sz="1200" dirty="0">
+                <a:solidFill>
+                  <a:srgbClr val="000000"/>
+                </a:solidFill>
+                <a:latin typeface="굴림체" panose="020B0609000101010101" pitchFamily="49" charset="-127"/>
+                <a:ea typeface="굴림체" panose="020B0609000101010101" pitchFamily="49" charset="-127"/>
+              </a:rPr>
+              <a:t>(</a:t>
+            </a:r>
+            <a:r>
+              <a:rPr kumimoji="0" lang="ko-KR" altLang="ko-KR" sz="1200" b="1" dirty="0">
+                <a:solidFill>
+                  <a:srgbClr val="008080"/>
+                </a:solidFill>
+                <a:latin typeface="굴림체" panose="020B0609000101010101" pitchFamily="49" charset="-127"/>
+                <a:ea typeface="굴림체" panose="020B0609000101010101" pitchFamily="49" charset="-127"/>
+              </a:rPr>
+              <a:t>'저장'</a:t>
+            </a:r>
+            <a:r>
+              <a:rPr kumimoji="0" lang="ko-KR" altLang="ko-KR" sz="1200" dirty="0">
+                <a:solidFill>
+                  <a:srgbClr val="000000"/>
+                </a:solidFill>
+                <a:latin typeface="굴림체" panose="020B0609000101010101" pitchFamily="49" charset="-127"/>
+                <a:ea typeface="굴림체" panose="020B0609000101010101" pitchFamily="49" charset="-127"/>
+              </a:rPr>
+              <a:t>)  </a:t>
+            </a:r>
+            <a:r>
+              <a:rPr kumimoji="0" lang="ko-KR" altLang="ko-KR" sz="1200" b="1" dirty="0">
+                <a:solidFill>
+                  <a:srgbClr val="000080"/>
+                </a:solidFill>
+                <a:latin typeface="굴림체" panose="020B0609000101010101" pitchFamily="49" charset="-127"/>
+                <a:ea typeface="굴림체" panose="020B0609000101010101" pitchFamily="49" charset="-127"/>
+              </a:rPr>
+              <a:t>and </a:t>
+            </a:r>
+            <a:r>
+              <a:rPr kumimoji="0" lang="ko-KR" altLang="ko-KR" sz="1200" dirty="0" err="1">
+                <a:solidFill>
+                  <a:srgbClr val="000080"/>
+                </a:solidFill>
+                <a:latin typeface="굴림체" panose="020B0609000101010101" pitchFamily="49" charset="-127"/>
+                <a:ea typeface="굴림체" panose="020B0609000101010101" pitchFamily="49" charset="-127"/>
+              </a:rPr>
+              <a:t>len</a:t>
+            </a:r>
+            <a:r>
+              <a:rPr kumimoji="0" lang="ko-KR" altLang="ko-KR" sz="1200" dirty="0">
+                <a:solidFill>
+                  <a:srgbClr val="000000"/>
+                </a:solidFill>
+                <a:latin typeface="굴림체" panose="020B0609000101010101" pitchFamily="49" charset="-127"/>
+                <a:ea typeface="굴림체" panose="020B0609000101010101" pitchFamily="49" charset="-127"/>
+              </a:rPr>
+              <a:t>(</a:t>
+            </a:r>
+            <a:r>
+              <a:rPr kumimoji="0" lang="ko-KR" altLang="ko-KR" sz="1200" dirty="0" err="1">
+                <a:solidFill>
+                  <a:srgbClr val="000000"/>
+                </a:solidFill>
+                <a:latin typeface="굴림체" panose="020B0609000101010101" pitchFamily="49" charset="-127"/>
+                <a:ea typeface="굴림체" panose="020B0609000101010101" pitchFamily="49" charset="-127"/>
+              </a:rPr>
+              <a:t>args</a:t>
+            </a:r>
+            <a:r>
+              <a:rPr kumimoji="0" lang="ko-KR" altLang="ko-KR" sz="1200" dirty="0">
+                <a:solidFill>
+                  <a:srgbClr val="000000"/>
+                </a:solidFill>
+                <a:latin typeface="굴림체" panose="020B0609000101010101" pitchFamily="49" charset="-127"/>
+                <a:ea typeface="굴림체" panose="020B0609000101010101" pitchFamily="49" charset="-127"/>
+              </a:rPr>
+              <a:t>)&gt;</a:t>
+            </a:r>
+            <a:r>
+              <a:rPr kumimoji="0" lang="ko-KR" altLang="ko-KR" sz="1200" dirty="0">
+                <a:solidFill>
+                  <a:srgbClr val="0000FF"/>
+                </a:solidFill>
+                <a:latin typeface="굴림체" panose="020B0609000101010101" pitchFamily="49" charset="-127"/>
+                <a:ea typeface="굴림체" panose="020B0609000101010101" pitchFamily="49" charset="-127"/>
+              </a:rPr>
+              <a:t>1</a:t>
+            </a:r>
+            <a:r>
+              <a:rPr kumimoji="0" lang="ko-KR" altLang="ko-KR" sz="1200" dirty="0">
+                <a:solidFill>
+                  <a:srgbClr val="000000"/>
+                </a:solidFill>
+                <a:latin typeface="굴림체" panose="020B0609000101010101" pitchFamily="49" charset="-127"/>
+                <a:ea typeface="굴림체" panose="020B0609000101010101" pitchFamily="49" charset="-127"/>
+              </a:rPr>
+              <a:t>:</a:t>
+            </a:r>
+            <a:br>
+              <a:rPr kumimoji="0" lang="ko-KR" altLang="ko-KR" sz="1200" dirty="0">
+                <a:solidFill>
+                  <a:srgbClr val="000000"/>
+                </a:solidFill>
+                <a:latin typeface="굴림체" panose="020B0609000101010101" pitchFamily="49" charset="-127"/>
+                <a:ea typeface="굴림체" panose="020B0609000101010101" pitchFamily="49" charset="-127"/>
+              </a:rPr>
+            </a:br>
+            <a:r>
+              <a:rPr kumimoji="0" lang="ko-KR" altLang="ko-KR" sz="1200" dirty="0">
+                <a:solidFill>
+                  <a:srgbClr val="000000"/>
+                </a:solidFill>
+                <a:latin typeface="굴림체" panose="020B0609000101010101" pitchFamily="49" charset="-127"/>
+                <a:ea typeface="굴림체" panose="020B0609000101010101" pitchFamily="49" charset="-127"/>
+              </a:rPr>
+              <a:t>        </a:t>
+            </a:r>
+            <a:r>
+              <a:rPr kumimoji="0" lang="ko-KR" altLang="ko-KR" sz="1200" dirty="0" err="1">
+                <a:solidFill>
+                  <a:srgbClr val="000080"/>
+                </a:solidFill>
+                <a:latin typeface="굴림체" panose="020B0609000101010101" pitchFamily="49" charset="-127"/>
+                <a:ea typeface="굴림체" panose="020B0609000101010101" pitchFamily="49" charset="-127"/>
+              </a:rPr>
+              <a:t>print</a:t>
+            </a:r>
+            <a:r>
+              <a:rPr kumimoji="0" lang="ko-KR" altLang="ko-KR" sz="1200" dirty="0">
+                <a:solidFill>
+                  <a:srgbClr val="000000"/>
+                </a:solidFill>
+                <a:latin typeface="굴림체" panose="020B0609000101010101" pitchFamily="49" charset="-127"/>
+                <a:ea typeface="굴림체" panose="020B0609000101010101" pitchFamily="49" charset="-127"/>
+              </a:rPr>
+              <a:t>(</a:t>
+            </a:r>
+            <a:r>
+              <a:rPr kumimoji="0" lang="ko-KR" altLang="ko-KR" sz="1200" b="1" dirty="0">
+                <a:solidFill>
+                  <a:srgbClr val="008080"/>
+                </a:solidFill>
+                <a:latin typeface="굴림체" panose="020B0609000101010101" pitchFamily="49" charset="-127"/>
+                <a:ea typeface="굴림체" panose="020B0609000101010101" pitchFamily="49" charset="-127"/>
+              </a:rPr>
+              <a:t>'</a:t>
+            </a:r>
+            <a:r>
+              <a:rPr kumimoji="0" lang="ko-KR" altLang="ko-KR" sz="1200" b="1" dirty="0" err="1">
+                <a:solidFill>
+                  <a:srgbClr val="008080"/>
+                </a:solidFill>
+                <a:latin typeface="굴림체" panose="020B0609000101010101" pitchFamily="49" charset="-127"/>
+                <a:ea typeface="굴림체" panose="020B0609000101010101" pitchFamily="49" charset="-127"/>
+              </a:rPr>
+              <a:t>try</a:t>
+            </a:r>
+            <a:r>
+              <a:rPr kumimoji="0" lang="ko-KR" altLang="ko-KR" sz="1200" b="1" dirty="0">
+                <a:solidFill>
+                  <a:srgbClr val="008080"/>
+                </a:solidFill>
+                <a:latin typeface="굴림체" panose="020B0609000101010101" pitchFamily="49" charset="-127"/>
+                <a:ea typeface="굴림체" panose="020B0609000101010101" pitchFamily="49" charset="-127"/>
+              </a:rPr>
+              <a:t> </a:t>
+            </a:r>
+            <a:r>
+              <a:rPr kumimoji="0" lang="ko-KR" altLang="ko-KR" sz="1200" b="1" dirty="0" err="1">
+                <a:solidFill>
+                  <a:srgbClr val="008080"/>
+                </a:solidFill>
+                <a:latin typeface="굴림체" panose="020B0609000101010101" pitchFamily="49" charset="-127"/>
+                <a:ea typeface="굴림체" panose="020B0609000101010101" pitchFamily="49" charset="-127"/>
+              </a:rPr>
+              <a:t>to</a:t>
+            </a:r>
+            <a:r>
+              <a:rPr kumimoji="0" lang="ko-KR" altLang="ko-KR" sz="1200" b="1" dirty="0">
+                <a:solidFill>
+                  <a:srgbClr val="008080"/>
+                </a:solidFill>
+                <a:latin typeface="굴림체" panose="020B0609000101010101" pitchFamily="49" charset="-127"/>
+                <a:ea typeface="굴림체" panose="020B0609000101010101" pitchFamily="49" charset="-127"/>
+              </a:rPr>
+              <a:t> 저장'</a:t>
+            </a:r>
+            <a:r>
+              <a:rPr kumimoji="0" lang="ko-KR" altLang="ko-KR" sz="1200" dirty="0">
+                <a:solidFill>
+                  <a:srgbClr val="000000"/>
+                </a:solidFill>
+                <a:latin typeface="굴림체" panose="020B0609000101010101" pitchFamily="49" charset="-127"/>
+                <a:ea typeface="굴림체" panose="020B0609000101010101" pitchFamily="49" charset="-127"/>
+              </a:rPr>
+              <a:t>, </a:t>
+            </a:r>
+            <a:r>
+              <a:rPr kumimoji="0" lang="ko-KR" altLang="ko-KR" sz="1200" dirty="0" err="1">
+                <a:solidFill>
+                  <a:srgbClr val="000000"/>
+                </a:solidFill>
+                <a:latin typeface="굴림체" panose="020B0609000101010101" pitchFamily="49" charset="-127"/>
+                <a:ea typeface="굴림체" panose="020B0609000101010101" pitchFamily="49" charset="-127"/>
+              </a:rPr>
+              <a:t>args</a:t>
+            </a:r>
+            <a:r>
+              <a:rPr kumimoji="0" lang="ko-KR" altLang="ko-KR" sz="1200" dirty="0">
                 <a:solidFill>
                   <a:srgbClr val="000000"/>
                 </a:solidFill>
@@ -15159,47 +15833,304 @@
               <a:t>[</a:t>
             </a:r>
             <a:r>
-              <a:rPr kumimoji="0" lang="ko-KR" altLang="ko-KR" sz="1200" b="1" dirty="0" smtClean="0">
+              <a:rPr kumimoji="0" lang="ko-KR" altLang="ko-KR" sz="1200" dirty="0">
+                <a:solidFill>
+                  <a:srgbClr val="0000FF"/>
+                </a:solidFill>
+                <a:latin typeface="굴림체" panose="020B0609000101010101" pitchFamily="49" charset="-127"/>
+                <a:ea typeface="굴림체" panose="020B0609000101010101" pitchFamily="49" charset="-127"/>
+              </a:rPr>
+              <a:t>1</a:t>
+            </a:r>
+            <a:r>
+              <a:rPr kumimoji="0" lang="ko-KR" altLang="ko-KR" sz="1200" dirty="0">
+                <a:solidFill>
+                  <a:srgbClr val="000000"/>
+                </a:solidFill>
+                <a:latin typeface="굴림체" panose="020B0609000101010101" pitchFamily="49" charset="-127"/>
+                <a:ea typeface="굴림체" panose="020B0609000101010101" pitchFamily="49" charset="-127"/>
+              </a:rPr>
+              <a:t>])</a:t>
+            </a:r>
+            <a:br>
+              <a:rPr kumimoji="0" lang="ko-KR" altLang="ko-KR" sz="1200" dirty="0">
+                <a:solidFill>
+                  <a:srgbClr val="000000"/>
+                </a:solidFill>
+                <a:latin typeface="굴림체" panose="020B0609000101010101" pitchFamily="49" charset="-127"/>
+                <a:ea typeface="굴림체" panose="020B0609000101010101" pitchFamily="49" charset="-127"/>
+              </a:rPr>
+            </a:br>
+            <a:r>
+              <a:rPr kumimoji="0" lang="ko-KR" altLang="ko-KR" sz="1200" dirty="0">
+                <a:solidFill>
+                  <a:srgbClr val="000000"/>
+                </a:solidFill>
+                <a:latin typeface="굴림체" panose="020B0609000101010101" pitchFamily="49" charset="-127"/>
+                <a:ea typeface="굴림체" panose="020B0609000101010101" pitchFamily="49" charset="-127"/>
+              </a:rPr>
+              <a:t>        </a:t>
+            </a:r>
+            <a:r>
+              <a:rPr kumimoji="0" lang="ko-KR" altLang="ko-KR" sz="1200" dirty="0" err="1">
+                <a:solidFill>
+                  <a:srgbClr val="000000"/>
+                </a:solidFill>
+                <a:latin typeface="굴림체" panose="020B0609000101010101" pitchFamily="49" charset="-127"/>
+                <a:ea typeface="굴림체" panose="020B0609000101010101" pitchFamily="49" charset="-127"/>
+              </a:rPr>
+              <a:t>save</a:t>
+            </a:r>
+            <a:r>
+              <a:rPr kumimoji="0" lang="ko-KR" altLang="ko-KR" sz="1200" dirty="0">
+                <a:solidFill>
+                  <a:srgbClr val="000000"/>
+                </a:solidFill>
+                <a:latin typeface="굴림체" panose="020B0609000101010101" pitchFamily="49" charset="-127"/>
+                <a:ea typeface="굴림체" panose="020B0609000101010101" pitchFamily="49" charset="-127"/>
+              </a:rPr>
+              <a:t>( </a:t>
+            </a:r>
+            <a:r>
+              <a:rPr kumimoji="0" lang="ko-KR" altLang="ko-KR" sz="1200" dirty="0" err="1">
+                <a:solidFill>
+                  <a:srgbClr val="000000"/>
+                </a:solidFill>
+                <a:latin typeface="굴림체" panose="020B0609000101010101" pitchFamily="49" charset="-127"/>
+                <a:ea typeface="굴림체" panose="020B0609000101010101" pitchFamily="49" charset="-127"/>
+              </a:rPr>
+              <a:t>chat_id</a:t>
+            </a:r>
+            <a:r>
+              <a:rPr kumimoji="0" lang="ko-KR" altLang="ko-KR" sz="1200" dirty="0">
+                <a:solidFill>
+                  <a:srgbClr val="000000"/>
+                </a:solidFill>
+                <a:latin typeface="굴림체" panose="020B0609000101010101" pitchFamily="49" charset="-127"/>
+                <a:ea typeface="굴림체" panose="020B0609000101010101" pitchFamily="49" charset="-127"/>
+              </a:rPr>
+              <a:t>, </a:t>
+            </a:r>
+            <a:r>
+              <a:rPr kumimoji="0" lang="ko-KR" altLang="ko-KR" sz="1200" dirty="0" err="1">
+                <a:solidFill>
+                  <a:srgbClr val="000000"/>
+                </a:solidFill>
+                <a:latin typeface="굴림체" panose="020B0609000101010101" pitchFamily="49" charset="-127"/>
+                <a:ea typeface="굴림체" panose="020B0609000101010101" pitchFamily="49" charset="-127"/>
+              </a:rPr>
+              <a:t>args</a:t>
+            </a:r>
+            <a:r>
+              <a:rPr kumimoji="0" lang="ko-KR" altLang="ko-KR" sz="1200" dirty="0">
+                <a:solidFill>
+                  <a:srgbClr val="000000"/>
+                </a:solidFill>
+                <a:latin typeface="굴림체" panose="020B0609000101010101" pitchFamily="49" charset="-127"/>
+                <a:ea typeface="굴림체" panose="020B0609000101010101" pitchFamily="49" charset="-127"/>
+              </a:rPr>
+              <a:t>[</a:t>
+            </a:r>
+            <a:r>
+              <a:rPr kumimoji="0" lang="ko-KR" altLang="ko-KR" sz="1200" dirty="0">
+                <a:solidFill>
+                  <a:srgbClr val="0000FF"/>
+                </a:solidFill>
+                <a:latin typeface="굴림체" panose="020B0609000101010101" pitchFamily="49" charset="-127"/>
+                <a:ea typeface="굴림체" panose="020B0609000101010101" pitchFamily="49" charset="-127"/>
+              </a:rPr>
+              <a:t>1</a:t>
+            </a:r>
+            <a:r>
+              <a:rPr kumimoji="0" lang="ko-KR" altLang="ko-KR" sz="1200" dirty="0">
+                <a:solidFill>
+                  <a:srgbClr val="000000"/>
+                </a:solidFill>
+                <a:latin typeface="굴림체" panose="020B0609000101010101" pitchFamily="49" charset="-127"/>
+                <a:ea typeface="굴림체" panose="020B0609000101010101" pitchFamily="49" charset="-127"/>
+              </a:rPr>
+              <a:t>] )</a:t>
+            </a:r>
+            <a:br>
+              <a:rPr kumimoji="0" lang="ko-KR" altLang="ko-KR" sz="1200" dirty="0">
+                <a:solidFill>
+                  <a:srgbClr val="000000"/>
+                </a:solidFill>
+                <a:latin typeface="굴림체" panose="020B0609000101010101" pitchFamily="49" charset="-127"/>
+                <a:ea typeface="굴림체" panose="020B0609000101010101" pitchFamily="49" charset="-127"/>
+              </a:rPr>
+            </a:br>
+            <a:r>
+              <a:rPr kumimoji="0" lang="ko-KR" altLang="ko-KR" sz="1200" dirty="0">
+                <a:solidFill>
+                  <a:srgbClr val="000000"/>
+                </a:solidFill>
+                <a:latin typeface="굴림체" panose="020B0609000101010101" pitchFamily="49" charset="-127"/>
+                <a:ea typeface="굴림체" panose="020B0609000101010101" pitchFamily="49" charset="-127"/>
+              </a:rPr>
+              <a:t>    </a:t>
+            </a:r>
+            <a:r>
+              <a:rPr kumimoji="0" lang="ko-KR" altLang="ko-KR" sz="1200" b="1" dirty="0" err="1">
+                <a:solidFill>
+                  <a:srgbClr val="000080"/>
+                </a:solidFill>
+                <a:latin typeface="굴림체" panose="020B0609000101010101" pitchFamily="49" charset="-127"/>
+                <a:ea typeface="굴림체" panose="020B0609000101010101" pitchFamily="49" charset="-127"/>
+              </a:rPr>
+              <a:t>elif</a:t>
+            </a:r>
+            <a:r>
+              <a:rPr kumimoji="0" lang="ko-KR" altLang="ko-KR" sz="1200" b="1" dirty="0">
+                <a:solidFill>
+                  <a:srgbClr val="000080"/>
+                </a:solidFill>
+                <a:latin typeface="굴림체" panose="020B0609000101010101" pitchFamily="49" charset="-127"/>
+                <a:ea typeface="굴림체" panose="020B0609000101010101" pitchFamily="49" charset="-127"/>
+              </a:rPr>
+              <a:t> </a:t>
+            </a:r>
+            <a:r>
+              <a:rPr kumimoji="0" lang="ko-KR" altLang="ko-KR" sz="1200" dirty="0" err="1">
+                <a:solidFill>
+                  <a:srgbClr val="000000"/>
+                </a:solidFill>
+                <a:latin typeface="굴림체" panose="020B0609000101010101" pitchFamily="49" charset="-127"/>
+                <a:ea typeface="굴림체" panose="020B0609000101010101" pitchFamily="49" charset="-127"/>
+              </a:rPr>
+              <a:t>text.startswith</a:t>
+            </a:r>
+            <a:r>
+              <a:rPr kumimoji="0" lang="ko-KR" altLang="ko-KR" sz="1200" dirty="0">
+                <a:solidFill>
+                  <a:srgbClr val="000000"/>
+                </a:solidFill>
+                <a:latin typeface="굴림체" panose="020B0609000101010101" pitchFamily="49" charset="-127"/>
+                <a:ea typeface="굴림체" panose="020B0609000101010101" pitchFamily="49" charset="-127"/>
+              </a:rPr>
+              <a:t>(</a:t>
+            </a:r>
+            <a:r>
+              <a:rPr kumimoji="0" lang="ko-KR" altLang="ko-KR" sz="1200" b="1" dirty="0">
                 <a:solidFill>
                   <a:srgbClr val="008080"/>
                 </a:solidFill>
                 <a:latin typeface="굴림체" panose="020B0609000101010101" pitchFamily="49" charset="-127"/>
                 <a:ea typeface="굴림체" panose="020B0609000101010101" pitchFamily="49" charset="-127"/>
               </a:rPr>
+              <a:t>'확인'</a:t>
+            </a:r>
+            <a:r>
+              <a:rPr kumimoji="0" lang="ko-KR" altLang="ko-KR" sz="1200" dirty="0">
+                <a:solidFill>
+                  <a:srgbClr val="000000"/>
+                </a:solidFill>
+                <a:latin typeface="굴림체" panose="020B0609000101010101" pitchFamily="49" charset="-127"/>
+                <a:ea typeface="굴림체" panose="020B0609000101010101" pitchFamily="49" charset="-127"/>
+              </a:rPr>
+              <a:t>):</a:t>
+            </a:r>
+            <a:br>
+              <a:rPr kumimoji="0" lang="ko-KR" altLang="ko-KR" sz="1200" dirty="0">
+                <a:solidFill>
+                  <a:srgbClr val="000000"/>
+                </a:solidFill>
+                <a:latin typeface="굴림체" panose="020B0609000101010101" pitchFamily="49" charset="-127"/>
+                <a:ea typeface="굴림체" panose="020B0609000101010101" pitchFamily="49" charset="-127"/>
+              </a:rPr>
+            </a:br>
+            <a:r>
+              <a:rPr kumimoji="0" lang="ko-KR" altLang="ko-KR" sz="1200" dirty="0">
+                <a:solidFill>
+                  <a:srgbClr val="000000"/>
+                </a:solidFill>
+                <a:latin typeface="굴림체" panose="020B0609000101010101" pitchFamily="49" charset="-127"/>
+                <a:ea typeface="굴림체" panose="020B0609000101010101" pitchFamily="49" charset="-127"/>
+              </a:rPr>
+              <a:t>        </a:t>
+            </a:r>
+            <a:r>
+              <a:rPr kumimoji="0" lang="ko-KR" altLang="ko-KR" sz="1200" dirty="0" err="1">
+                <a:solidFill>
+                  <a:srgbClr val="000080"/>
+                </a:solidFill>
+                <a:latin typeface="굴림체" panose="020B0609000101010101" pitchFamily="49" charset="-127"/>
+                <a:ea typeface="굴림체" panose="020B0609000101010101" pitchFamily="49" charset="-127"/>
+              </a:rPr>
+              <a:t>print</a:t>
+            </a:r>
+            <a:r>
+              <a:rPr kumimoji="0" lang="ko-KR" altLang="ko-KR" sz="1200" dirty="0">
+                <a:solidFill>
+                  <a:srgbClr val="000000"/>
+                </a:solidFill>
+                <a:latin typeface="굴림체" panose="020B0609000101010101" pitchFamily="49" charset="-127"/>
+                <a:ea typeface="굴림체" panose="020B0609000101010101" pitchFamily="49" charset="-127"/>
+              </a:rPr>
+              <a:t>(</a:t>
+            </a:r>
+            <a:r>
+              <a:rPr kumimoji="0" lang="ko-KR" altLang="ko-KR" sz="1200" b="1" dirty="0">
+                <a:solidFill>
+                  <a:srgbClr val="008080"/>
+                </a:solidFill>
+                <a:latin typeface="굴림체" panose="020B0609000101010101" pitchFamily="49" charset="-127"/>
+                <a:ea typeface="굴림체" panose="020B0609000101010101" pitchFamily="49" charset="-127"/>
+              </a:rPr>
               <a:t>'</a:t>
             </a:r>
             <a:r>
-              <a:rPr kumimoji="0" lang="ko-KR" altLang="ko-KR" sz="1200" b="1" dirty="0" err="1" smtClean="0">
+              <a:rPr kumimoji="0" lang="ko-KR" altLang="ko-KR" sz="1200" b="1" dirty="0" err="1">
                 <a:solidFill>
                   <a:srgbClr val="008080"/>
                 </a:solidFill>
                 <a:latin typeface="굴림체" panose="020B0609000101010101" pitchFamily="49" charset="-127"/>
                 <a:ea typeface="굴림체" panose="020B0609000101010101" pitchFamily="49" charset="-127"/>
               </a:rPr>
-              <a:t>text</a:t>
-            </a:r>
-            <a:r>
-              <a:rPr kumimoji="0" lang="ko-KR" altLang="ko-KR" sz="1200" b="1" dirty="0" smtClean="0">
+              <a:t>try</a:t>
+            </a:r>
+            <a:r>
+              <a:rPr kumimoji="0" lang="ko-KR" altLang="ko-KR" sz="1200" b="1" dirty="0">
                 <a:solidFill>
                   <a:srgbClr val="008080"/>
                 </a:solidFill>
                 <a:latin typeface="굴림체" panose="020B0609000101010101" pitchFamily="49" charset="-127"/>
                 <a:ea typeface="굴림체" panose="020B0609000101010101" pitchFamily="49" charset="-127"/>
               </a:rPr>
-              <a:t>'</a:t>
-            </a:r>
-            <a:r>
-              <a:rPr kumimoji="0" lang="ko-KR" altLang="ko-KR" sz="1200" dirty="0" smtClean="0">
-                <a:solidFill>
-                  <a:srgbClr val="000000"/>
-                </a:solidFill>
-                <a:latin typeface="굴림체" panose="020B0609000101010101" pitchFamily="49" charset="-127"/>
-                <a:ea typeface="굴림체" panose="020B0609000101010101" pitchFamily="49" charset="-127"/>
-              </a:rPr>
-              <a:t>]</a:t>
+              <a:t> </a:t>
+            </a:r>
+            <a:r>
+              <a:rPr kumimoji="0" lang="ko-KR" altLang="ko-KR" sz="1200" b="1" dirty="0" err="1">
+                <a:solidFill>
+                  <a:srgbClr val="008080"/>
+                </a:solidFill>
+                <a:latin typeface="굴림체" panose="020B0609000101010101" pitchFamily="49" charset="-127"/>
+                <a:ea typeface="굴림체" panose="020B0609000101010101" pitchFamily="49" charset="-127"/>
+              </a:rPr>
+              <a:t>to</a:t>
+            </a:r>
+            <a:r>
+              <a:rPr kumimoji="0" lang="ko-KR" altLang="ko-KR" sz="1200" b="1" dirty="0">
+                <a:solidFill>
+                  <a:srgbClr val="008080"/>
+                </a:solidFill>
+                <a:latin typeface="굴림체" panose="020B0609000101010101" pitchFamily="49" charset="-127"/>
+                <a:ea typeface="굴림체" panose="020B0609000101010101" pitchFamily="49" charset="-127"/>
+              </a:rPr>
+              <a:t> 확인'</a:t>
+            </a:r>
+            <a:r>
+              <a:rPr kumimoji="0" lang="ko-KR" altLang="ko-KR" sz="1200" dirty="0">
+                <a:solidFill>
+                  <a:srgbClr val="000000"/>
+                </a:solidFill>
+                <a:latin typeface="굴림체" panose="020B0609000101010101" pitchFamily="49" charset="-127"/>
+                <a:ea typeface="굴림체" panose="020B0609000101010101" pitchFamily="49" charset="-127"/>
+              </a:rPr>
+              <a:t>)</a:t>
             </a:r>
             <a:br>
-              <a:rPr kumimoji="0" lang="ko-KR" altLang="ko-KR" sz="1200" dirty="0" smtClean="0">
+              <a:rPr kumimoji="0" lang="ko-KR" altLang="ko-KR" sz="1200" dirty="0">
                 <a:solidFill>
                   <a:srgbClr val="000000"/>
                 </a:solidFill>
@@ -15208,7 +16139,66 @@
               </a:rPr>
             </a:br>
             <a:r>
-              <a:rPr kumimoji="0" lang="ko-KR" altLang="ko-KR" sz="1200" dirty="0" smtClean="0">
+              <a:rPr kumimoji="0" lang="ko-KR" altLang="ko-KR" sz="1200" dirty="0">
+                <a:solidFill>
+                  <a:srgbClr val="000000"/>
+                </a:solidFill>
+                <a:latin typeface="굴림체" panose="020B0609000101010101" pitchFamily="49" charset="-127"/>
+                <a:ea typeface="굴림체" panose="020B0609000101010101" pitchFamily="49" charset="-127"/>
+              </a:rPr>
+              <a:t>        </a:t>
+            </a:r>
+            <a:r>
+              <a:rPr kumimoji="0" lang="ko-KR" altLang="ko-KR" sz="1200" dirty="0" err="1">
+                <a:solidFill>
+                  <a:srgbClr val="000000"/>
+                </a:solidFill>
+                <a:latin typeface="굴림체" panose="020B0609000101010101" pitchFamily="49" charset="-127"/>
+                <a:ea typeface="굴림체" panose="020B0609000101010101" pitchFamily="49" charset="-127"/>
+              </a:rPr>
+              <a:t>check</a:t>
+            </a:r>
+            <a:r>
+              <a:rPr kumimoji="0" lang="ko-KR" altLang="ko-KR" sz="1200" dirty="0">
+                <a:solidFill>
+                  <a:srgbClr val="000000"/>
+                </a:solidFill>
+                <a:latin typeface="굴림체" panose="020B0609000101010101" pitchFamily="49" charset="-127"/>
+                <a:ea typeface="굴림체" panose="020B0609000101010101" pitchFamily="49" charset="-127"/>
+              </a:rPr>
+              <a:t>( </a:t>
+            </a:r>
+            <a:r>
+              <a:rPr kumimoji="0" lang="ko-KR" altLang="ko-KR" sz="1200" dirty="0" err="1">
+                <a:solidFill>
+                  <a:srgbClr val="000000"/>
+                </a:solidFill>
+                <a:latin typeface="굴림체" panose="020B0609000101010101" pitchFamily="49" charset="-127"/>
+                <a:ea typeface="굴림체" panose="020B0609000101010101" pitchFamily="49" charset="-127"/>
+              </a:rPr>
+              <a:t>chat_id</a:t>
+            </a:r>
+            <a:r>
+              <a:rPr kumimoji="0" lang="ko-KR" altLang="ko-KR" sz="1200" dirty="0">
+                <a:solidFill>
+                  <a:srgbClr val="000000"/>
+                </a:solidFill>
+                <a:latin typeface="굴림체" panose="020B0609000101010101" pitchFamily="49" charset="-127"/>
+                <a:ea typeface="굴림체" panose="020B0609000101010101" pitchFamily="49" charset="-127"/>
+              </a:rPr>
+              <a:t> )</a:t>
+            </a:r>
+            <a:br>
+              <a:rPr kumimoji="0" lang="ko-KR" altLang="ko-KR" sz="1200" dirty="0">
+                <a:solidFill>
+                  <a:srgbClr val="000000"/>
+                </a:solidFill>
+                <a:latin typeface="굴림체" panose="020B0609000101010101" pitchFamily="49" charset="-127"/>
+                <a:ea typeface="굴림체" panose="020B0609000101010101" pitchFamily="49" charset="-127"/>
+              </a:rPr>
+            </a:br>
+            <a:r>
+              <a:rPr kumimoji="0" lang="ko-KR" altLang="ko-KR" sz="1200" dirty="0">
                 <a:solidFill>
                   <a:srgbClr val="000000"/>
                 </a:solidFill>
@@ -15218,37 +16208,56 @@
               <a:t>    </a:t>
             </a:r>
             <a:r>
-              <a:rPr kumimoji="0" lang="ko-KR" altLang="ko-KR" sz="1200" dirty="0" err="1" smtClean="0">
-                <a:solidFill>
-                  <a:srgbClr val="000000"/>
-                </a:solidFill>
-                <a:latin typeface="굴림체" panose="020B0609000101010101" pitchFamily="49" charset="-127"/>
-                <a:ea typeface="굴림체" panose="020B0609000101010101" pitchFamily="49" charset="-127"/>
-              </a:rPr>
-              <a:t>args</a:t>
-            </a:r>
-            <a:r>
-              <a:rPr kumimoji="0" lang="ko-KR" altLang="ko-KR" sz="1200" dirty="0" smtClean="0">
-                <a:solidFill>
-                  <a:srgbClr val="000000"/>
-                </a:solidFill>
-                <a:latin typeface="굴림체" panose="020B0609000101010101" pitchFamily="49" charset="-127"/>
-                <a:ea typeface="굴림체" panose="020B0609000101010101" pitchFamily="49" charset="-127"/>
-              </a:rPr>
-              <a:t> = </a:t>
-            </a:r>
-            <a:r>
-              <a:rPr kumimoji="0" lang="ko-KR" altLang="ko-KR" sz="1200" dirty="0" err="1" smtClean="0">
-                <a:solidFill>
-                  <a:srgbClr val="000000"/>
-                </a:solidFill>
-                <a:latin typeface="굴림체" panose="020B0609000101010101" pitchFamily="49" charset="-127"/>
-                <a:ea typeface="굴림체" panose="020B0609000101010101" pitchFamily="49" charset="-127"/>
-              </a:rPr>
-              <a:t>text.split</a:t>
-            </a:r>
-            <a:r>
-              <a:rPr kumimoji="0" lang="ko-KR" altLang="ko-KR" sz="1200" dirty="0" smtClean="0">
+              <a:rPr kumimoji="0" lang="ko-KR" altLang="ko-KR" sz="1200" b="1" dirty="0" err="1">
+                <a:solidFill>
+                  <a:srgbClr val="000080"/>
+                </a:solidFill>
+                <a:latin typeface="굴림체" panose="020B0609000101010101" pitchFamily="49" charset="-127"/>
+                <a:ea typeface="굴림체" panose="020B0609000101010101" pitchFamily="49" charset="-127"/>
+              </a:rPr>
+              <a:t>else</a:t>
+            </a:r>
+            <a:r>
+              <a:rPr kumimoji="0" lang="ko-KR" altLang="ko-KR" sz="1200" dirty="0">
+                <a:solidFill>
+                  <a:srgbClr val="000000"/>
+                </a:solidFill>
+                <a:latin typeface="굴림체" panose="020B0609000101010101" pitchFamily="49" charset="-127"/>
+                <a:ea typeface="굴림체" panose="020B0609000101010101" pitchFamily="49" charset="-127"/>
+              </a:rPr>
+              <a:t>:</a:t>
+            </a:r>
+            <a:br>
+              <a:rPr kumimoji="0" lang="ko-KR" altLang="ko-KR" sz="1200" dirty="0">
+                <a:solidFill>
+                  <a:srgbClr val="000000"/>
+                </a:solidFill>
+                <a:latin typeface="굴림체" panose="020B0609000101010101" pitchFamily="49" charset="-127"/>
+                <a:ea typeface="굴림체" panose="020B0609000101010101" pitchFamily="49" charset="-127"/>
+              </a:rPr>
+            </a:br>
+            <a:r>
+              <a:rPr kumimoji="0" lang="ko-KR" altLang="ko-KR" sz="1200" dirty="0">
+                <a:solidFill>
+                  <a:srgbClr val="000000"/>
+                </a:solidFill>
+                <a:latin typeface="굴림체" panose="020B0609000101010101" pitchFamily="49" charset="-127"/>
+                <a:ea typeface="굴림체" panose="020B0609000101010101" pitchFamily="49" charset="-127"/>
+              </a:rPr>
+              <a:t>        </a:t>
+            </a:r>
+            <a:r>
+              <a:rPr kumimoji="0" lang="ko-KR" altLang="ko-KR" sz="1200" dirty="0" err="1">
+                <a:solidFill>
+                  <a:srgbClr val="000000"/>
+                </a:solidFill>
+                <a:latin typeface="굴림체" panose="020B0609000101010101" pitchFamily="49" charset="-127"/>
+                <a:ea typeface="굴림체" panose="020B0609000101010101" pitchFamily="49" charset="-127"/>
+              </a:rPr>
+              <a:t>noti.sendMessage</a:t>
+            </a:r>
+            <a:r>
+              <a:rPr kumimoji="0" lang="ko-KR" altLang="ko-KR" sz="1200" dirty="0">
                 <a:solidFill>
                   <a:srgbClr val="000000"/>
                 </a:solidFill>
@@ -15258,1225 +16267,77 @@
               <a:t>(</a:t>
             </a:r>
             <a:r>
-              <a:rPr kumimoji="0" lang="ko-KR" altLang="ko-KR" sz="1200" b="1" dirty="0" smtClean="0">
+              <a:rPr kumimoji="0" lang="ko-KR" altLang="ko-KR" sz="1200" dirty="0" err="1">
+                <a:solidFill>
+                  <a:srgbClr val="000000"/>
+                </a:solidFill>
+                <a:latin typeface="굴림체" panose="020B0609000101010101" pitchFamily="49" charset="-127"/>
+                <a:ea typeface="굴림체" panose="020B0609000101010101" pitchFamily="49" charset="-127"/>
+              </a:rPr>
+              <a:t>chat_id</a:t>
+            </a:r>
+            <a:r>
+              <a:rPr kumimoji="0" lang="ko-KR" altLang="ko-KR" sz="1200" dirty="0">
+                <a:solidFill>
+                  <a:srgbClr val="000000"/>
+                </a:solidFill>
+                <a:latin typeface="굴림체" panose="020B0609000101010101" pitchFamily="49" charset="-127"/>
+                <a:ea typeface="굴림체" panose="020B0609000101010101" pitchFamily="49" charset="-127"/>
+              </a:rPr>
+              <a:t>, </a:t>
+            </a:r>
+            <a:r>
+              <a:rPr kumimoji="0" lang="ko-KR" altLang="ko-KR" sz="1200" b="1" dirty="0">
                 <a:solidFill>
                   <a:srgbClr val="008080"/>
                 </a:solidFill>
                 <a:latin typeface="굴림체" panose="020B0609000101010101" pitchFamily="49" charset="-127"/>
                 <a:ea typeface="굴림체" panose="020B0609000101010101" pitchFamily="49" charset="-127"/>
               </a:rPr>
-              <a:t>' '</a:t>
-            </a:r>
-            <a:r>
-              <a:rPr kumimoji="0" lang="ko-KR" altLang="ko-KR" sz="1200" dirty="0" smtClean="0">
-                <a:solidFill>
-                  <a:srgbClr val="000000"/>
-                </a:solidFill>
-                <a:latin typeface="굴림체" panose="020B0609000101010101" pitchFamily="49" charset="-127"/>
-                <a:ea typeface="굴림체" panose="020B0609000101010101" pitchFamily="49" charset="-127"/>
-              </a:rPr>
-              <a:t>)</a:t>
-            </a:r>
-            <a:br>
-              <a:rPr kumimoji="0" lang="ko-KR" altLang="ko-KR" sz="1200" dirty="0" smtClean="0">
-                <a:solidFill>
-                  <a:srgbClr val="000000"/>
-                </a:solidFill>
-                <a:latin typeface="굴림체" panose="020B0609000101010101" pitchFamily="49" charset="-127"/>
-                <a:ea typeface="굴림체" panose="020B0609000101010101" pitchFamily="49" charset="-127"/>
-              </a:rPr>
-            </a:br>
-            <a:r>
-              <a:rPr kumimoji="0" lang="ko-KR" altLang="ko-KR" sz="1200" dirty="0" smtClean="0">
-                <a:solidFill>
-                  <a:srgbClr val="000000"/>
-                </a:solidFill>
-                <a:latin typeface="굴림체" panose="020B0609000101010101" pitchFamily="49" charset="-127"/>
-                <a:ea typeface="굴림체" panose="020B0609000101010101" pitchFamily="49" charset="-127"/>
-              </a:rPr>
-              <a:t/>
-            </a:r>
-            <a:br>
-              <a:rPr kumimoji="0" lang="ko-KR" altLang="ko-KR" sz="1200" dirty="0" smtClean="0">
-                <a:solidFill>
-                  <a:srgbClr val="000000"/>
-                </a:solidFill>
-                <a:latin typeface="굴림체" panose="020B0609000101010101" pitchFamily="49" charset="-127"/>
-                <a:ea typeface="굴림체" panose="020B0609000101010101" pitchFamily="49" charset="-127"/>
-              </a:rPr>
-            </a:br>
-            <a:r>
-              <a:rPr kumimoji="0" lang="ko-KR" altLang="ko-KR" sz="1200" dirty="0" smtClean="0">
-                <a:solidFill>
-                  <a:srgbClr val="000000"/>
-                </a:solidFill>
-                <a:latin typeface="굴림체" panose="020B0609000101010101" pitchFamily="49" charset="-127"/>
-                <a:ea typeface="굴림체" panose="020B0609000101010101" pitchFamily="49" charset="-127"/>
-              </a:rPr>
-              <a:t>    </a:t>
-            </a:r>
-            <a:r>
-              <a:rPr kumimoji="0" lang="ko-KR" altLang="ko-KR" sz="1200" b="1" dirty="0" err="1" smtClean="0">
+              <a:t>'모르는 명령어입니다.</a:t>
+            </a:r>
+            <a:r>
+              <a:rPr kumimoji="0" lang="ko-KR" altLang="ko-KR" sz="1200" b="1" dirty="0">
                 <a:solidFill>
                   <a:srgbClr val="000080"/>
                 </a:solidFill>
                 <a:latin typeface="굴림체" panose="020B0609000101010101" pitchFamily="49" charset="-127"/>
                 <a:ea typeface="굴림체" panose="020B0609000101010101" pitchFamily="49" charset="-127"/>
               </a:rPr>
-              <a:t>if</a:t>
-            </a:r>
-            <a:r>
-              <a:rPr kumimoji="0" lang="ko-KR" altLang="ko-KR" sz="1200" b="1" dirty="0" smtClean="0">
+              <a:t>\</a:t>
+            </a:r>
+            <a:r>
+              <a:rPr kumimoji="0" lang="ko-KR" altLang="ko-KR" sz="1200" b="1" dirty="0" err="1">
                 <a:solidFill>
                   <a:srgbClr val="000080"/>
                 </a:solidFill>
                 <a:latin typeface="굴림체" panose="020B0609000101010101" pitchFamily="49" charset="-127"/>
                 <a:ea typeface="굴림체" panose="020B0609000101010101" pitchFamily="49" charset="-127"/>
               </a:rPr>
-              <a:t> </a:t>
-            </a:r>
-            <a:r>
-              <a:rPr kumimoji="0" lang="ko-KR" altLang="ko-KR" sz="1200" dirty="0" err="1" smtClean="0">
-                <a:solidFill>
-                  <a:srgbClr val="000000"/>
-                </a:solidFill>
-                <a:latin typeface="굴림체" panose="020B0609000101010101" pitchFamily="49" charset="-127"/>
-                <a:ea typeface="굴림체" panose="020B0609000101010101" pitchFamily="49" charset="-127"/>
-              </a:rPr>
-              <a:t>text.startswith</a:t>
-            </a:r>
-            <a:r>
-              <a:rPr kumimoji="0" lang="ko-KR" altLang="ko-KR" sz="1200" dirty="0" smtClean="0">
-                <a:solidFill>
-                  <a:srgbClr val="000000"/>
-                </a:solidFill>
-                <a:latin typeface="굴림체" panose="020B0609000101010101" pitchFamily="49" charset="-127"/>
-                <a:ea typeface="굴림체" panose="020B0609000101010101" pitchFamily="49" charset="-127"/>
-              </a:rPr>
-              <a:t>(</a:t>
-            </a:r>
-            <a:r>
-              <a:rPr kumimoji="0" lang="ko-KR" altLang="ko-KR" sz="1200" b="1" dirty="0" smtClean="0">
+              <a:t>n</a:t>
+            </a:r>
+            <a:r>
+              <a:rPr kumimoji="0" lang="ko-KR" altLang="ko-KR" sz="1200" b="1" dirty="0" err="1">
                 <a:solidFill>
                   <a:srgbClr val="008080"/>
                 </a:solidFill>
                 <a:latin typeface="굴림체" panose="020B0609000101010101" pitchFamily="49" charset="-127"/>
                 <a:ea typeface="굴림체" panose="020B0609000101010101" pitchFamily="49" charset="-127"/>
               </a:rPr>
-              <a:t>'지역'</a:t>
-            </a:r>
-            <a:r>
-              <a:rPr kumimoji="0" lang="ko-KR" altLang="ko-KR" sz="1200" dirty="0" smtClean="0">
-                <a:solidFill>
-                  <a:srgbClr val="000000"/>
-                </a:solidFill>
-                <a:latin typeface="굴림체" panose="020B0609000101010101" pitchFamily="49" charset="-127"/>
-                <a:ea typeface="굴림체" panose="020B0609000101010101" pitchFamily="49" charset="-127"/>
-              </a:rPr>
-              <a:t>) </a:t>
-            </a:r>
-            <a:r>
-              <a:rPr kumimoji="0" lang="ko-KR" altLang="ko-KR" sz="1200" b="1" dirty="0" smtClean="0">
-                <a:solidFill>
-                  <a:srgbClr val="000080"/>
-                </a:solidFill>
-                <a:latin typeface="굴림체" panose="020B0609000101010101" pitchFamily="49" charset="-127"/>
-                <a:ea typeface="굴림체" panose="020B0609000101010101" pitchFamily="49" charset="-127"/>
-              </a:rPr>
-              <a:t>and </a:t>
-            </a:r>
-            <a:r>
-              <a:rPr kumimoji="0" lang="ko-KR" altLang="ko-KR" sz="1200" dirty="0" err="1" smtClean="0">
-                <a:solidFill>
-                  <a:srgbClr val="000080"/>
-                </a:solidFill>
-                <a:latin typeface="굴림체" panose="020B0609000101010101" pitchFamily="49" charset="-127"/>
-                <a:ea typeface="굴림체" panose="020B0609000101010101" pitchFamily="49" charset="-127"/>
-              </a:rPr>
-              <a:t>len</a:t>
-            </a:r>
-            <a:r>
-              <a:rPr kumimoji="0" lang="ko-KR" altLang="ko-KR" sz="1200" dirty="0" smtClean="0">
-                <a:solidFill>
-                  <a:srgbClr val="000000"/>
-                </a:solidFill>
-                <a:latin typeface="굴림체" panose="020B0609000101010101" pitchFamily="49" charset="-127"/>
-                <a:ea typeface="굴림체" panose="020B0609000101010101" pitchFamily="49" charset="-127"/>
-              </a:rPr>
-              <a:t>(</a:t>
-            </a:r>
-            <a:r>
-              <a:rPr kumimoji="0" lang="ko-KR" altLang="ko-KR" sz="1200" dirty="0" err="1" smtClean="0">
-                <a:solidFill>
-                  <a:srgbClr val="000000"/>
-                </a:solidFill>
-                <a:latin typeface="굴림체" panose="020B0609000101010101" pitchFamily="49" charset="-127"/>
-                <a:ea typeface="굴림체" panose="020B0609000101010101" pitchFamily="49" charset="-127"/>
-              </a:rPr>
-              <a:t>args</a:t>
-            </a:r>
-            <a:r>
-              <a:rPr kumimoji="0" lang="ko-KR" altLang="ko-KR" sz="1200" dirty="0" smtClean="0">
-                <a:solidFill>
-                  <a:srgbClr val="000000"/>
-                </a:solidFill>
-                <a:latin typeface="굴림체" panose="020B0609000101010101" pitchFamily="49" charset="-127"/>
-                <a:ea typeface="굴림체" panose="020B0609000101010101" pitchFamily="49" charset="-127"/>
-              </a:rPr>
-              <a:t>)&gt;</a:t>
-            </a:r>
-            <a:r>
-              <a:rPr kumimoji="0" lang="ko-KR" altLang="ko-KR" sz="1200" dirty="0" smtClean="0">
-                <a:solidFill>
-                  <a:srgbClr val="0000FF"/>
-                </a:solidFill>
-                <a:latin typeface="굴림체" panose="020B0609000101010101" pitchFamily="49" charset="-127"/>
-                <a:ea typeface="굴림체" panose="020B0609000101010101" pitchFamily="49" charset="-127"/>
-              </a:rPr>
-              <a:t>1</a:t>
-            </a:r>
-            <a:r>
-              <a:rPr kumimoji="0" lang="ko-KR" altLang="ko-KR" sz="1200" dirty="0" smtClean="0">
-                <a:solidFill>
-                  <a:srgbClr val="000000"/>
-                </a:solidFill>
-                <a:latin typeface="굴림체" panose="020B0609000101010101" pitchFamily="49" charset="-127"/>
-                <a:ea typeface="굴림체" panose="020B0609000101010101" pitchFamily="49" charset="-127"/>
-              </a:rPr>
-              <a:t>:</a:t>
-            </a:r>
-            <a:br>
-              <a:rPr kumimoji="0" lang="ko-KR" altLang="ko-KR" sz="1200" dirty="0" smtClean="0">
-                <a:solidFill>
-                  <a:srgbClr val="000000"/>
-                </a:solidFill>
-                <a:latin typeface="굴림체" panose="020B0609000101010101" pitchFamily="49" charset="-127"/>
-                <a:ea typeface="굴림체" panose="020B0609000101010101" pitchFamily="49" charset="-127"/>
-              </a:rPr>
-            </a:br>
-            <a:r>
-              <a:rPr kumimoji="0" lang="ko-KR" altLang="ko-KR" sz="1200" dirty="0" smtClean="0">
-                <a:solidFill>
-                  <a:srgbClr val="000000"/>
-                </a:solidFill>
-                <a:latin typeface="굴림체" panose="020B0609000101010101" pitchFamily="49" charset="-127"/>
-                <a:ea typeface="굴림체" panose="020B0609000101010101" pitchFamily="49" charset="-127"/>
-              </a:rPr>
-              <a:t>        </a:t>
-            </a:r>
-            <a:r>
-              <a:rPr kumimoji="0" lang="ko-KR" altLang="ko-KR" sz="1200" dirty="0" err="1" smtClean="0">
-                <a:solidFill>
-                  <a:srgbClr val="000080"/>
-                </a:solidFill>
-                <a:latin typeface="굴림체" panose="020B0609000101010101" pitchFamily="49" charset="-127"/>
-                <a:ea typeface="굴림체" panose="020B0609000101010101" pitchFamily="49" charset="-127"/>
-              </a:rPr>
-              <a:t>print</a:t>
-            </a:r>
-            <a:r>
-              <a:rPr kumimoji="0" lang="ko-KR" altLang="ko-KR" sz="1200" dirty="0" smtClean="0">
-                <a:solidFill>
-                  <a:srgbClr val="000000"/>
-                </a:solidFill>
-                <a:latin typeface="굴림체" panose="020B0609000101010101" pitchFamily="49" charset="-127"/>
-                <a:ea typeface="굴림체" panose="020B0609000101010101" pitchFamily="49" charset="-127"/>
-              </a:rPr>
-              <a:t>(</a:t>
-            </a:r>
-            <a:r>
-              <a:rPr kumimoji="0" lang="ko-KR" altLang="ko-KR" sz="1200" b="1" dirty="0" smtClean="0">
+              <a:t>지역</a:t>
+            </a:r>
+            <a:r>
+              <a:rPr kumimoji="0" lang="ko-KR" altLang="ko-KR" sz="1200" b="1" dirty="0">
                 <a:solidFill>
                   <a:srgbClr val="008080"/>
                 </a:solidFill>
                 <a:latin typeface="굴림체" panose="020B0609000101010101" pitchFamily="49" charset="-127"/>
                 <a:ea typeface="굴림체" panose="020B0609000101010101" pitchFamily="49" charset="-127"/>
               </a:rPr>
-              <a:t>'</a:t>
-            </a:r>
-            <a:r>
-              <a:rPr kumimoji="0" lang="ko-KR" altLang="ko-KR" sz="1200" b="1" dirty="0" err="1" smtClean="0">
-                <a:solidFill>
-                  <a:srgbClr val="008080"/>
-                </a:solidFill>
-                <a:latin typeface="굴림체" panose="020B0609000101010101" pitchFamily="49" charset="-127"/>
-                <a:ea typeface="굴림체" panose="020B0609000101010101" pitchFamily="49" charset="-127"/>
-              </a:rPr>
-              <a:t>try</a:t>
-            </a:r>
-            <a:r>
-              <a:rPr kumimoji="0" lang="ko-KR" altLang="ko-KR" sz="1200" b="1" dirty="0" smtClean="0">
-                <a:solidFill>
-                  <a:srgbClr val="008080"/>
-                </a:solidFill>
-                <a:latin typeface="굴림체" panose="020B0609000101010101" pitchFamily="49" charset="-127"/>
-                <a:ea typeface="굴림체" panose="020B0609000101010101" pitchFamily="49" charset="-127"/>
-              </a:rPr>
-              <a:t> </a:t>
-            </a:r>
-            <a:r>
-              <a:rPr kumimoji="0" lang="ko-KR" altLang="ko-KR" sz="1200" b="1" dirty="0" err="1" smtClean="0">
-                <a:solidFill>
-                  <a:srgbClr val="008080"/>
-                </a:solidFill>
-                <a:latin typeface="굴림체" panose="020B0609000101010101" pitchFamily="49" charset="-127"/>
-                <a:ea typeface="굴림체" panose="020B0609000101010101" pitchFamily="49" charset="-127"/>
-              </a:rPr>
-              <a:t>to</a:t>
-            </a:r>
-            <a:r>
-              <a:rPr kumimoji="0" lang="ko-KR" altLang="ko-KR" sz="1200" b="1" dirty="0" smtClean="0">
-                <a:solidFill>
-                  <a:srgbClr val="008080"/>
-                </a:solidFill>
-                <a:latin typeface="굴림체" panose="020B0609000101010101" pitchFamily="49" charset="-127"/>
-                <a:ea typeface="굴림체" panose="020B0609000101010101" pitchFamily="49" charset="-127"/>
-              </a:rPr>
-              <a:t> 지역'</a:t>
-            </a:r>
-            <a:r>
-              <a:rPr kumimoji="0" lang="ko-KR" altLang="ko-KR" sz="1200" dirty="0" smtClean="0">
-                <a:solidFill>
-                  <a:srgbClr val="000000"/>
-                </a:solidFill>
-                <a:latin typeface="굴림체" panose="020B0609000101010101" pitchFamily="49" charset="-127"/>
-                <a:ea typeface="굴림체" panose="020B0609000101010101" pitchFamily="49" charset="-127"/>
-              </a:rPr>
-              <a:t>, </a:t>
-            </a:r>
-            <a:r>
-              <a:rPr kumimoji="0" lang="ko-KR" altLang="ko-KR" sz="1200" dirty="0" err="1" smtClean="0">
-                <a:solidFill>
-                  <a:srgbClr val="000000"/>
-                </a:solidFill>
-                <a:latin typeface="굴림체" panose="020B0609000101010101" pitchFamily="49" charset="-127"/>
-                <a:ea typeface="굴림체" panose="020B0609000101010101" pitchFamily="49" charset="-127"/>
-              </a:rPr>
-              <a:t>args</a:t>
-            </a:r>
-            <a:r>
-              <a:rPr kumimoji="0" lang="ko-KR" altLang="ko-KR" sz="1200" dirty="0" smtClean="0">
-                <a:solidFill>
-                  <a:srgbClr val="000000"/>
-                </a:solidFill>
-                <a:latin typeface="굴림체" panose="020B0609000101010101" pitchFamily="49" charset="-127"/>
-                <a:ea typeface="굴림체" panose="020B0609000101010101" pitchFamily="49" charset="-127"/>
-              </a:rPr>
-              <a:t>[</a:t>
-            </a:r>
-            <a:r>
-              <a:rPr kumimoji="0" lang="ko-KR" altLang="ko-KR" sz="1200" dirty="0" smtClean="0">
-                <a:solidFill>
-                  <a:srgbClr val="0000FF"/>
-                </a:solidFill>
-                <a:latin typeface="굴림체" panose="020B0609000101010101" pitchFamily="49" charset="-127"/>
-                <a:ea typeface="굴림체" panose="020B0609000101010101" pitchFamily="49" charset="-127"/>
-              </a:rPr>
-              <a:t>1</a:t>
-            </a:r>
-            <a:r>
-              <a:rPr kumimoji="0" lang="ko-KR" altLang="ko-KR" sz="1200" dirty="0" smtClean="0">
-                <a:solidFill>
-                  <a:srgbClr val="000000"/>
-                </a:solidFill>
-                <a:latin typeface="굴림체" panose="020B0609000101010101" pitchFamily="49" charset="-127"/>
-                <a:ea typeface="굴림체" panose="020B0609000101010101" pitchFamily="49" charset="-127"/>
-              </a:rPr>
-              <a:t>])</a:t>
-            </a:r>
-            <a:br>
-              <a:rPr kumimoji="0" lang="ko-KR" altLang="ko-KR" sz="1200" dirty="0" smtClean="0">
-                <a:solidFill>
-                  <a:srgbClr val="000000"/>
-                </a:solidFill>
-                <a:latin typeface="굴림체" panose="020B0609000101010101" pitchFamily="49" charset="-127"/>
-                <a:ea typeface="굴림체" panose="020B0609000101010101" pitchFamily="49" charset="-127"/>
-              </a:rPr>
-            </a:br>
-            <a:r>
-              <a:rPr kumimoji="0" lang="ko-KR" altLang="ko-KR" sz="1200" dirty="0" smtClean="0">
-                <a:solidFill>
-                  <a:srgbClr val="000000"/>
-                </a:solidFill>
-                <a:latin typeface="굴림체" panose="020B0609000101010101" pitchFamily="49" charset="-127"/>
-                <a:ea typeface="굴림체" panose="020B0609000101010101" pitchFamily="49" charset="-127"/>
-              </a:rPr>
-              <a:t>        </a:t>
-            </a:r>
-            <a:r>
-              <a:rPr kumimoji="0" lang="ko-KR" altLang="ko-KR" sz="1200" dirty="0" err="1" smtClean="0">
-                <a:solidFill>
-                  <a:srgbClr val="000000"/>
-                </a:solidFill>
-                <a:latin typeface="굴림체" panose="020B0609000101010101" pitchFamily="49" charset="-127"/>
-                <a:ea typeface="굴림체" panose="020B0609000101010101" pitchFamily="49" charset="-127"/>
-              </a:rPr>
-              <a:t>replyAptData</a:t>
-            </a:r>
-            <a:r>
-              <a:rPr kumimoji="0" lang="ko-KR" altLang="ko-KR" sz="1200" dirty="0" smtClean="0">
-                <a:solidFill>
-                  <a:srgbClr val="000000"/>
-                </a:solidFill>
-                <a:latin typeface="굴림체" panose="020B0609000101010101" pitchFamily="49" charset="-127"/>
-                <a:ea typeface="굴림체" panose="020B0609000101010101" pitchFamily="49" charset="-127"/>
-              </a:rPr>
-              <a:t>( </a:t>
-            </a:r>
-            <a:r>
-              <a:rPr kumimoji="0" lang="ko-KR" altLang="ko-KR" sz="1200" b="1" dirty="0" smtClean="0">
-                <a:solidFill>
-                  <a:srgbClr val="008080"/>
-                </a:solidFill>
-                <a:latin typeface="굴림체" panose="020B0609000101010101" pitchFamily="49" charset="-127"/>
-                <a:ea typeface="굴림체" panose="020B0609000101010101" pitchFamily="49" charset="-127"/>
-              </a:rPr>
-              <a:t>'201801'</a:t>
-            </a:r>
-            <a:r>
-              <a:rPr kumimoji="0" lang="ko-KR" altLang="ko-KR" sz="1200" dirty="0" smtClean="0">
-                <a:solidFill>
-                  <a:srgbClr val="000000"/>
-                </a:solidFill>
-                <a:latin typeface="굴림체" panose="020B0609000101010101" pitchFamily="49" charset="-127"/>
-                <a:ea typeface="굴림체" panose="020B0609000101010101" pitchFamily="49" charset="-127"/>
-              </a:rPr>
-              <a:t>, </a:t>
-            </a:r>
-            <a:r>
-              <a:rPr kumimoji="0" lang="ko-KR" altLang="ko-KR" sz="1200" dirty="0" err="1" smtClean="0">
-                <a:solidFill>
-                  <a:srgbClr val="000000"/>
-                </a:solidFill>
-                <a:latin typeface="굴림체" panose="020B0609000101010101" pitchFamily="49" charset="-127"/>
-                <a:ea typeface="굴림체" panose="020B0609000101010101" pitchFamily="49" charset="-127"/>
-              </a:rPr>
-              <a:t>chat_id</a:t>
-            </a:r>
-            <a:r>
-              <a:rPr kumimoji="0" lang="ko-KR" altLang="ko-KR" sz="1200" dirty="0" smtClean="0">
-                <a:solidFill>
-                  <a:srgbClr val="000000"/>
-                </a:solidFill>
-                <a:latin typeface="굴림체" panose="020B0609000101010101" pitchFamily="49" charset="-127"/>
-                <a:ea typeface="굴림체" panose="020B0609000101010101" pitchFamily="49" charset="-127"/>
-              </a:rPr>
-              <a:t>, </a:t>
-            </a:r>
-            <a:r>
-              <a:rPr kumimoji="0" lang="ko-KR" altLang="ko-KR" sz="1200" dirty="0" err="1" smtClean="0">
-                <a:solidFill>
-                  <a:srgbClr val="000000"/>
-                </a:solidFill>
-                <a:latin typeface="굴림체" panose="020B0609000101010101" pitchFamily="49" charset="-127"/>
-                <a:ea typeface="굴림체" panose="020B0609000101010101" pitchFamily="49" charset="-127"/>
-              </a:rPr>
-              <a:t>args</a:t>
-            </a:r>
-            <a:r>
-              <a:rPr kumimoji="0" lang="ko-KR" altLang="ko-KR" sz="1200" dirty="0" smtClean="0">
-                <a:solidFill>
-                  <a:srgbClr val="000000"/>
-                </a:solidFill>
-                <a:latin typeface="굴림체" panose="020B0609000101010101" pitchFamily="49" charset="-127"/>
-                <a:ea typeface="굴림체" panose="020B0609000101010101" pitchFamily="49" charset="-127"/>
-              </a:rPr>
-              <a:t>[</a:t>
-            </a:r>
-            <a:r>
-              <a:rPr kumimoji="0" lang="ko-KR" altLang="ko-KR" sz="1200" dirty="0" smtClean="0">
-                <a:solidFill>
-                  <a:srgbClr val="0000FF"/>
-                </a:solidFill>
-                <a:latin typeface="굴림체" panose="020B0609000101010101" pitchFamily="49" charset="-127"/>
-                <a:ea typeface="굴림체" panose="020B0609000101010101" pitchFamily="49" charset="-127"/>
-              </a:rPr>
-              <a:t>1</a:t>
-            </a:r>
-            <a:r>
-              <a:rPr kumimoji="0" lang="ko-KR" altLang="ko-KR" sz="1200" dirty="0" smtClean="0">
-                <a:solidFill>
-                  <a:srgbClr val="000000"/>
-                </a:solidFill>
-                <a:latin typeface="굴림체" panose="020B0609000101010101" pitchFamily="49" charset="-127"/>
-                <a:ea typeface="굴림체" panose="020B0609000101010101" pitchFamily="49" charset="-127"/>
-              </a:rPr>
-              <a:t>] )</a:t>
-            </a:r>
-            <a:br>
-              <a:rPr kumimoji="0" lang="ko-KR" altLang="ko-KR" sz="1200" dirty="0" smtClean="0">
-                <a:solidFill>
-                  <a:srgbClr val="000000"/>
-                </a:solidFill>
-                <a:latin typeface="굴림체" panose="020B0609000101010101" pitchFamily="49" charset="-127"/>
-                <a:ea typeface="굴림체" panose="020B0609000101010101" pitchFamily="49" charset="-127"/>
-              </a:rPr>
-            </a:br>
-            <a:r>
-              <a:rPr kumimoji="0" lang="ko-KR" altLang="ko-KR" sz="1200" dirty="0" smtClean="0">
-                <a:solidFill>
-                  <a:srgbClr val="000000"/>
-                </a:solidFill>
-                <a:latin typeface="굴림체" panose="020B0609000101010101" pitchFamily="49" charset="-127"/>
-                <a:ea typeface="굴림체" panose="020B0609000101010101" pitchFamily="49" charset="-127"/>
-              </a:rPr>
-              <a:t>    </a:t>
-            </a:r>
-            <a:r>
-              <a:rPr kumimoji="0" lang="ko-KR" altLang="ko-KR" sz="1200" b="1" dirty="0" err="1" smtClean="0">
-                <a:solidFill>
-                  <a:srgbClr val="000080"/>
-                </a:solidFill>
-                <a:latin typeface="굴림체" panose="020B0609000101010101" pitchFamily="49" charset="-127"/>
-                <a:ea typeface="굴림체" panose="020B0609000101010101" pitchFamily="49" charset="-127"/>
-              </a:rPr>
-              <a:t>elif</a:t>
-            </a:r>
-            <a:r>
-              <a:rPr kumimoji="0" lang="ko-KR" altLang="ko-KR" sz="1200" b="1" dirty="0" smtClean="0">
-                <a:solidFill>
-                  <a:srgbClr val="000080"/>
-                </a:solidFill>
-                <a:latin typeface="굴림체" panose="020B0609000101010101" pitchFamily="49" charset="-127"/>
-                <a:ea typeface="굴림체" panose="020B0609000101010101" pitchFamily="49" charset="-127"/>
-              </a:rPr>
-              <a:t> </a:t>
-            </a:r>
-            <a:r>
-              <a:rPr kumimoji="0" lang="ko-KR" altLang="ko-KR" sz="1200" dirty="0" err="1" smtClean="0">
-                <a:solidFill>
-                  <a:srgbClr val="000000"/>
-                </a:solidFill>
-                <a:latin typeface="굴림체" panose="020B0609000101010101" pitchFamily="49" charset="-127"/>
-                <a:ea typeface="굴림체" panose="020B0609000101010101" pitchFamily="49" charset="-127"/>
-              </a:rPr>
-              <a:t>text.startswith</a:t>
-            </a:r>
-            <a:r>
-              <a:rPr kumimoji="0" lang="ko-KR" altLang="ko-KR" sz="1200" dirty="0" smtClean="0">
-                <a:solidFill>
-                  <a:srgbClr val="000000"/>
-                </a:solidFill>
-                <a:latin typeface="굴림체" panose="020B0609000101010101" pitchFamily="49" charset="-127"/>
-                <a:ea typeface="굴림체" panose="020B0609000101010101" pitchFamily="49" charset="-127"/>
-              </a:rPr>
-              <a:t>(</a:t>
-            </a:r>
-            <a:r>
-              <a:rPr kumimoji="0" lang="ko-KR" altLang="ko-KR" sz="1200" b="1" dirty="0" smtClean="0">
-                <a:solidFill>
-                  <a:srgbClr val="008080"/>
-                </a:solidFill>
-                <a:latin typeface="굴림체" panose="020B0609000101010101" pitchFamily="49" charset="-127"/>
-                <a:ea typeface="굴림체" panose="020B0609000101010101" pitchFamily="49" charset="-127"/>
-              </a:rPr>
-              <a:t>'저장'</a:t>
-            </a:r>
-            <a:r>
-              <a:rPr kumimoji="0" lang="ko-KR" altLang="ko-KR" sz="1200" dirty="0" smtClean="0">
-                <a:solidFill>
-                  <a:srgbClr val="000000"/>
-                </a:solidFill>
-                <a:latin typeface="굴림체" panose="020B0609000101010101" pitchFamily="49" charset="-127"/>
-                <a:ea typeface="굴림체" panose="020B0609000101010101" pitchFamily="49" charset="-127"/>
-              </a:rPr>
-              <a:t>)  </a:t>
-            </a:r>
-            <a:r>
-              <a:rPr kumimoji="0" lang="ko-KR" altLang="ko-KR" sz="1200" b="1" dirty="0" smtClean="0">
-                <a:solidFill>
-                  <a:srgbClr val="000080"/>
-                </a:solidFill>
-                <a:latin typeface="굴림체" panose="020B0609000101010101" pitchFamily="49" charset="-127"/>
-                <a:ea typeface="굴림체" panose="020B0609000101010101" pitchFamily="49" charset="-127"/>
-              </a:rPr>
-              <a:t>and </a:t>
-            </a:r>
-            <a:r>
-              <a:rPr kumimoji="0" lang="ko-KR" altLang="ko-KR" sz="1200" dirty="0" err="1" smtClean="0">
-                <a:solidFill>
-                  <a:srgbClr val="000080"/>
-                </a:solidFill>
-                <a:latin typeface="굴림체" panose="020B0609000101010101" pitchFamily="49" charset="-127"/>
-                <a:ea typeface="굴림체" panose="020B0609000101010101" pitchFamily="49" charset="-127"/>
-              </a:rPr>
-              <a:t>len</a:t>
-            </a:r>
-            <a:r>
-              <a:rPr kumimoji="0" lang="ko-KR" altLang="ko-KR" sz="1200" dirty="0" smtClean="0">
-                <a:solidFill>
-                  <a:srgbClr val="000000"/>
-                </a:solidFill>
-                <a:latin typeface="굴림체" panose="020B0609000101010101" pitchFamily="49" charset="-127"/>
-                <a:ea typeface="굴림체" panose="020B0609000101010101" pitchFamily="49" charset="-127"/>
-              </a:rPr>
-              <a:t>(</a:t>
-            </a:r>
-            <a:r>
-              <a:rPr kumimoji="0" lang="ko-KR" altLang="ko-KR" sz="1200" dirty="0" err="1" smtClean="0">
-                <a:solidFill>
-                  <a:srgbClr val="000000"/>
-                </a:solidFill>
-                <a:latin typeface="굴림체" panose="020B0609000101010101" pitchFamily="49" charset="-127"/>
-                <a:ea typeface="굴림체" panose="020B0609000101010101" pitchFamily="49" charset="-127"/>
-              </a:rPr>
-              <a:t>args</a:t>
-            </a:r>
-            <a:r>
-              <a:rPr kumimoji="0" lang="ko-KR" altLang="ko-KR" sz="1200" dirty="0" smtClean="0">
-                <a:solidFill>
-                  <a:srgbClr val="000000"/>
-                </a:solidFill>
-                <a:latin typeface="굴림체" panose="020B0609000101010101" pitchFamily="49" charset="-127"/>
-                <a:ea typeface="굴림체" panose="020B0609000101010101" pitchFamily="49" charset="-127"/>
-              </a:rPr>
-              <a:t>)&gt;</a:t>
-            </a:r>
-            <a:r>
-              <a:rPr kumimoji="0" lang="ko-KR" altLang="ko-KR" sz="1200" dirty="0" smtClean="0">
-                <a:solidFill>
-                  <a:srgbClr val="0000FF"/>
-                </a:solidFill>
-                <a:latin typeface="굴림체" panose="020B0609000101010101" pitchFamily="49" charset="-127"/>
-                <a:ea typeface="굴림체" panose="020B0609000101010101" pitchFamily="49" charset="-127"/>
-              </a:rPr>
-              <a:t>1</a:t>
-            </a:r>
-            <a:r>
-              <a:rPr kumimoji="0" lang="ko-KR" altLang="ko-KR" sz="1200" dirty="0" smtClean="0">
-                <a:solidFill>
-                  <a:srgbClr val="000000"/>
-                </a:solidFill>
-                <a:latin typeface="굴림체" panose="020B0609000101010101" pitchFamily="49" charset="-127"/>
-                <a:ea typeface="굴림체" panose="020B0609000101010101" pitchFamily="49" charset="-127"/>
-              </a:rPr>
-              <a:t>:</a:t>
-            </a:r>
-            <a:br>
-              <a:rPr kumimoji="0" lang="ko-KR" altLang="ko-KR" sz="1200" dirty="0" smtClean="0">
-                <a:solidFill>
-                  <a:srgbClr val="000000"/>
-                </a:solidFill>
-                <a:latin typeface="굴림체" panose="020B0609000101010101" pitchFamily="49" charset="-127"/>
-                <a:ea typeface="굴림체" panose="020B0609000101010101" pitchFamily="49" charset="-127"/>
-              </a:rPr>
-            </a:br>
-            <a:r>
-              <a:rPr kumimoji="0" lang="ko-KR" altLang="ko-KR" sz="1200" dirty="0" smtClean="0">
-                <a:solidFill>
-                  <a:srgbClr val="000000"/>
-                </a:solidFill>
-                <a:latin typeface="굴림체" panose="020B0609000101010101" pitchFamily="49" charset="-127"/>
-                <a:ea typeface="굴림체" panose="020B0609000101010101" pitchFamily="49" charset="-127"/>
-              </a:rPr>
-              <a:t>        </a:t>
-            </a:r>
-            <a:r>
-              <a:rPr kumimoji="0" lang="ko-KR" altLang="ko-KR" sz="1200" dirty="0" err="1" smtClean="0">
-                <a:solidFill>
-                  <a:srgbClr val="000080"/>
-                </a:solidFill>
-                <a:latin typeface="굴림체" panose="020B0609000101010101" pitchFamily="49" charset="-127"/>
-                <a:ea typeface="굴림체" panose="020B0609000101010101" pitchFamily="49" charset="-127"/>
-              </a:rPr>
-              <a:t>print</a:t>
-            </a:r>
-            <a:r>
-              <a:rPr kumimoji="0" lang="ko-KR" altLang="ko-KR" sz="1200" dirty="0" smtClean="0">
-                <a:solidFill>
-                  <a:srgbClr val="000000"/>
-                </a:solidFill>
-                <a:latin typeface="굴림체" panose="020B0609000101010101" pitchFamily="49" charset="-127"/>
-                <a:ea typeface="굴림체" panose="020B0609000101010101" pitchFamily="49" charset="-127"/>
-              </a:rPr>
-              <a:t>(</a:t>
-            </a:r>
-            <a:r>
-              <a:rPr kumimoji="0" lang="ko-KR" altLang="ko-KR" sz="1200" b="1" dirty="0" smtClean="0">
-                <a:solidFill>
-                  <a:srgbClr val="008080"/>
-                </a:solidFill>
-                <a:latin typeface="굴림체" panose="020B0609000101010101" pitchFamily="49" charset="-127"/>
-                <a:ea typeface="굴림체" panose="020B0609000101010101" pitchFamily="49" charset="-127"/>
-              </a:rPr>
-              <a:t>'</a:t>
-            </a:r>
-            <a:r>
-              <a:rPr kumimoji="0" lang="ko-KR" altLang="ko-KR" sz="1200" b="1" dirty="0" err="1" smtClean="0">
-                <a:solidFill>
-                  <a:srgbClr val="008080"/>
-                </a:solidFill>
-                <a:latin typeface="굴림체" panose="020B0609000101010101" pitchFamily="49" charset="-127"/>
-                <a:ea typeface="굴림체" panose="020B0609000101010101" pitchFamily="49" charset="-127"/>
-              </a:rPr>
-              <a:t>try</a:t>
-            </a:r>
-            <a:r>
-              <a:rPr kumimoji="0" lang="ko-KR" altLang="ko-KR" sz="1200" b="1" dirty="0" smtClean="0">
-                <a:solidFill>
-                  <a:srgbClr val="008080"/>
-                </a:solidFill>
-                <a:latin typeface="굴림체" panose="020B0609000101010101" pitchFamily="49" charset="-127"/>
-                <a:ea typeface="굴림체" panose="020B0609000101010101" pitchFamily="49" charset="-127"/>
-              </a:rPr>
-              <a:t> </a:t>
-            </a:r>
-            <a:r>
-              <a:rPr kumimoji="0" lang="ko-KR" altLang="ko-KR" sz="1200" b="1" dirty="0" err="1" smtClean="0">
-                <a:solidFill>
-                  <a:srgbClr val="008080"/>
-                </a:solidFill>
-                <a:latin typeface="굴림체" panose="020B0609000101010101" pitchFamily="49" charset="-127"/>
-                <a:ea typeface="굴림체" panose="020B0609000101010101" pitchFamily="49" charset="-127"/>
-              </a:rPr>
-              <a:t>to</a:t>
-            </a:r>
-            <a:r>
-              <a:rPr kumimoji="0" lang="ko-KR" altLang="ko-KR" sz="1200" b="1" dirty="0" smtClean="0">
-                <a:solidFill>
-                  <a:srgbClr val="008080"/>
-                </a:solidFill>
-                <a:latin typeface="굴림체" panose="020B0609000101010101" pitchFamily="49" charset="-127"/>
-                <a:ea typeface="굴림체" panose="020B0609000101010101" pitchFamily="49" charset="-127"/>
-              </a:rPr>
-              <a:t> 저장'</a:t>
-            </a:r>
-            <a:r>
-              <a:rPr kumimoji="0" lang="ko-KR" altLang="ko-KR" sz="1200" dirty="0" smtClean="0">
-                <a:solidFill>
-                  <a:srgbClr val="000000"/>
-                </a:solidFill>
-                <a:latin typeface="굴림체" panose="020B0609000101010101" pitchFamily="49" charset="-127"/>
-                <a:ea typeface="굴림체" panose="020B0609000101010101" pitchFamily="49" charset="-127"/>
-              </a:rPr>
-              <a:t>, </a:t>
-            </a:r>
-            <a:r>
-              <a:rPr kumimoji="0" lang="ko-KR" altLang="ko-KR" sz="1200" dirty="0" err="1" smtClean="0">
-                <a:solidFill>
-                  <a:srgbClr val="000000"/>
-                </a:solidFill>
-                <a:latin typeface="굴림체" panose="020B0609000101010101" pitchFamily="49" charset="-127"/>
-                <a:ea typeface="굴림체" panose="020B0609000101010101" pitchFamily="49" charset="-127"/>
-              </a:rPr>
-              <a:t>args</a:t>
-            </a:r>
-            <a:r>
-              <a:rPr kumimoji="0" lang="ko-KR" altLang="ko-KR" sz="1200" dirty="0" smtClean="0">
-                <a:solidFill>
-                  <a:srgbClr val="000000"/>
-                </a:solidFill>
-                <a:latin typeface="굴림체" panose="020B0609000101010101" pitchFamily="49" charset="-127"/>
-                <a:ea typeface="굴림체" panose="020B0609000101010101" pitchFamily="49" charset="-127"/>
-              </a:rPr>
-              <a:t>[</a:t>
-            </a:r>
-            <a:r>
-              <a:rPr kumimoji="0" lang="ko-KR" altLang="ko-KR" sz="1200" dirty="0" smtClean="0">
-                <a:solidFill>
-                  <a:srgbClr val="0000FF"/>
-                </a:solidFill>
-                <a:latin typeface="굴림체" panose="020B0609000101010101" pitchFamily="49" charset="-127"/>
-                <a:ea typeface="굴림체" panose="020B0609000101010101" pitchFamily="49" charset="-127"/>
-              </a:rPr>
-              <a:t>1</a:t>
-            </a:r>
-            <a:r>
-              <a:rPr kumimoji="0" lang="ko-KR" altLang="ko-KR" sz="1200" dirty="0" smtClean="0">
-                <a:solidFill>
-                  <a:srgbClr val="000000"/>
-                </a:solidFill>
-                <a:latin typeface="굴림체" panose="020B0609000101010101" pitchFamily="49" charset="-127"/>
-                <a:ea typeface="굴림체" panose="020B0609000101010101" pitchFamily="49" charset="-127"/>
-              </a:rPr>
-              <a:t>])</a:t>
-            </a:r>
-            <a:br>
-              <a:rPr kumimoji="0" lang="ko-KR" altLang="ko-KR" sz="1200" dirty="0" smtClean="0">
-                <a:solidFill>
-                  <a:srgbClr val="000000"/>
-                </a:solidFill>
-                <a:latin typeface="굴림체" panose="020B0609000101010101" pitchFamily="49" charset="-127"/>
-                <a:ea typeface="굴림체" panose="020B0609000101010101" pitchFamily="49" charset="-127"/>
-              </a:rPr>
-            </a:br>
-            <a:r>
-              <a:rPr kumimoji="0" lang="ko-KR" altLang="ko-KR" sz="1200" dirty="0" smtClean="0">
-                <a:solidFill>
-                  <a:srgbClr val="000000"/>
-                </a:solidFill>
-                <a:latin typeface="굴림체" panose="020B0609000101010101" pitchFamily="49" charset="-127"/>
-                <a:ea typeface="굴림체" panose="020B0609000101010101" pitchFamily="49" charset="-127"/>
-              </a:rPr>
-              <a:t>        </a:t>
-            </a:r>
-            <a:r>
-              <a:rPr kumimoji="0" lang="ko-KR" altLang="ko-KR" sz="1200" dirty="0" err="1" smtClean="0">
-                <a:solidFill>
-                  <a:srgbClr val="000000"/>
-                </a:solidFill>
-                <a:latin typeface="굴림체" panose="020B0609000101010101" pitchFamily="49" charset="-127"/>
-                <a:ea typeface="굴림체" panose="020B0609000101010101" pitchFamily="49" charset="-127"/>
-              </a:rPr>
-              <a:t>save</a:t>
-            </a:r>
-            <a:r>
-              <a:rPr kumimoji="0" lang="ko-KR" altLang="ko-KR" sz="1200" dirty="0" smtClean="0">
-                <a:solidFill>
-                  <a:srgbClr val="000000"/>
-                </a:solidFill>
-                <a:latin typeface="굴림체" panose="020B0609000101010101" pitchFamily="49" charset="-127"/>
-                <a:ea typeface="굴림체" panose="020B0609000101010101" pitchFamily="49" charset="-127"/>
-              </a:rPr>
-              <a:t>( </a:t>
-            </a:r>
-            <a:r>
-              <a:rPr kumimoji="0" lang="ko-KR" altLang="ko-KR" sz="1200" dirty="0" err="1" smtClean="0">
-                <a:solidFill>
-                  <a:srgbClr val="000000"/>
-                </a:solidFill>
-                <a:latin typeface="굴림체" panose="020B0609000101010101" pitchFamily="49" charset="-127"/>
-                <a:ea typeface="굴림체" panose="020B0609000101010101" pitchFamily="49" charset="-127"/>
-              </a:rPr>
-              <a:t>chat_id</a:t>
-            </a:r>
-            <a:r>
-              <a:rPr kumimoji="0" lang="ko-KR" altLang="ko-KR" sz="1200" dirty="0" smtClean="0">
-                <a:solidFill>
-                  <a:srgbClr val="000000"/>
-                </a:solidFill>
-                <a:latin typeface="굴림체" panose="020B0609000101010101" pitchFamily="49" charset="-127"/>
-                <a:ea typeface="굴림체" panose="020B0609000101010101" pitchFamily="49" charset="-127"/>
-              </a:rPr>
-              <a:t>, </a:t>
-            </a:r>
-            <a:r>
-              <a:rPr kumimoji="0" lang="ko-KR" altLang="ko-KR" sz="1200" dirty="0" err="1" smtClean="0">
-                <a:solidFill>
-                  <a:srgbClr val="000000"/>
-                </a:solidFill>
-                <a:latin typeface="굴림체" panose="020B0609000101010101" pitchFamily="49" charset="-127"/>
-                <a:ea typeface="굴림체" panose="020B0609000101010101" pitchFamily="49" charset="-127"/>
-              </a:rPr>
-              <a:t>args</a:t>
-            </a:r>
-            <a:r>
-              <a:rPr kumimoji="0" lang="ko-KR" altLang="ko-KR" sz="1200" dirty="0" smtClean="0">
-                <a:solidFill>
-                  <a:srgbClr val="000000"/>
-                </a:solidFill>
-                <a:latin typeface="굴림체" panose="020B0609000101010101" pitchFamily="49" charset="-127"/>
-                <a:ea typeface="굴림체" panose="020B0609000101010101" pitchFamily="49" charset="-127"/>
-              </a:rPr>
-              <a:t>[</a:t>
-            </a:r>
-            <a:r>
-              <a:rPr kumimoji="0" lang="ko-KR" altLang="ko-KR" sz="1200" dirty="0" smtClean="0">
-                <a:solidFill>
-                  <a:srgbClr val="0000FF"/>
-                </a:solidFill>
-                <a:latin typeface="굴림체" panose="020B0609000101010101" pitchFamily="49" charset="-127"/>
-                <a:ea typeface="굴림체" panose="020B0609000101010101" pitchFamily="49" charset="-127"/>
-              </a:rPr>
-              <a:t>1</a:t>
-            </a:r>
-            <a:r>
-              <a:rPr kumimoji="0" lang="ko-KR" altLang="ko-KR" sz="1200" dirty="0" smtClean="0">
-                <a:solidFill>
-                  <a:srgbClr val="000000"/>
-                </a:solidFill>
-                <a:latin typeface="굴림체" panose="020B0609000101010101" pitchFamily="49" charset="-127"/>
-                <a:ea typeface="굴림체" panose="020B0609000101010101" pitchFamily="49" charset="-127"/>
-              </a:rPr>
-              <a:t>] )</a:t>
-            </a:r>
-            <a:br>
-              <a:rPr kumimoji="0" lang="ko-KR" altLang="ko-KR" sz="1200" dirty="0" smtClean="0">
-                <a:solidFill>
-                  <a:srgbClr val="000000"/>
-                </a:solidFill>
-                <a:latin typeface="굴림체" panose="020B0609000101010101" pitchFamily="49" charset="-127"/>
-                <a:ea typeface="굴림체" panose="020B0609000101010101" pitchFamily="49" charset="-127"/>
-              </a:rPr>
-            </a:br>
-            <a:r>
-              <a:rPr kumimoji="0" lang="ko-KR" altLang="ko-KR" sz="1200" dirty="0" smtClean="0">
-                <a:solidFill>
-                  <a:srgbClr val="000000"/>
-                </a:solidFill>
-                <a:latin typeface="굴림체" panose="020B0609000101010101" pitchFamily="49" charset="-127"/>
-                <a:ea typeface="굴림체" panose="020B0609000101010101" pitchFamily="49" charset="-127"/>
-              </a:rPr>
-              <a:t>    </a:t>
-            </a:r>
-            <a:r>
-              <a:rPr kumimoji="0" lang="ko-KR" altLang="ko-KR" sz="1200" b="1" dirty="0" err="1" smtClean="0">
-                <a:solidFill>
-                  <a:srgbClr val="000080"/>
-                </a:solidFill>
-                <a:latin typeface="굴림체" panose="020B0609000101010101" pitchFamily="49" charset="-127"/>
-                <a:ea typeface="굴림체" panose="020B0609000101010101" pitchFamily="49" charset="-127"/>
-              </a:rPr>
-              <a:t>elif</a:t>
-            </a:r>
-            <a:r>
-              <a:rPr kumimoji="0" lang="ko-KR" altLang="ko-KR" sz="1200" b="1" dirty="0" smtClean="0">
-                <a:solidFill>
-                  <a:srgbClr val="000080"/>
-                </a:solidFill>
-                <a:latin typeface="굴림체" panose="020B0609000101010101" pitchFamily="49" charset="-127"/>
-                <a:ea typeface="굴림체" panose="020B0609000101010101" pitchFamily="49" charset="-127"/>
-              </a:rPr>
-              <a:t> </a:t>
-            </a:r>
-            <a:r>
-              <a:rPr kumimoji="0" lang="ko-KR" altLang="ko-KR" sz="1200" dirty="0" err="1" smtClean="0">
-                <a:solidFill>
-                  <a:srgbClr val="000000"/>
-                </a:solidFill>
-                <a:latin typeface="굴림체" panose="020B0609000101010101" pitchFamily="49" charset="-127"/>
-                <a:ea typeface="굴림체" panose="020B0609000101010101" pitchFamily="49" charset="-127"/>
-              </a:rPr>
-              <a:t>text.startswith</a:t>
-            </a:r>
-            <a:r>
-              <a:rPr kumimoji="0" lang="ko-KR" altLang="ko-KR" sz="1200" dirty="0" smtClean="0">
-                <a:solidFill>
-                  <a:srgbClr val="000000"/>
-                </a:solidFill>
-                <a:latin typeface="굴림체" panose="020B0609000101010101" pitchFamily="49" charset="-127"/>
-                <a:ea typeface="굴림체" panose="020B0609000101010101" pitchFamily="49" charset="-127"/>
-              </a:rPr>
-              <a:t>(</a:t>
-            </a:r>
-            <a:r>
-              <a:rPr kumimoji="0" lang="ko-KR" altLang="ko-KR" sz="1200" b="1" dirty="0" smtClean="0">
-                <a:solidFill>
-                  <a:srgbClr val="008080"/>
-                </a:solidFill>
-                <a:latin typeface="굴림체" panose="020B0609000101010101" pitchFamily="49" charset="-127"/>
-                <a:ea typeface="굴림체" panose="020B0609000101010101" pitchFamily="49" charset="-127"/>
-              </a:rPr>
-              <a:t>'확인'</a:t>
-            </a:r>
-            <a:r>
-              <a:rPr kumimoji="0" lang="ko-KR" altLang="ko-KR" sz="1200" dirty="0" smtClean="0">
-                <a:solidFill>
-                  <a:srgbClr val="000000"/>
-                </a:solidFill>
-                <a:latin typeface="굴림체" panose="020B0609000101010101" pitchFamily="49" charset="-127"/>
-                <a:ea typeface="굴림체" panose="020B0609000101010101" pitchFamily="49" charset="-127"/>
-              </a:rPr>
-              <a:t>):</a:t>
-            </a:r>
-            <a:br>
-              <a:rPr kumimoji="0" lang="ko-KR" altLang="ko-KR" sz="1200" dirty="0" smtClean="0">
-                <a:solidFill>
-                  <a:srgbClr val="000000"/>
-                </a:solidFill>
-                <a:latin typeface="굴림체" panose="020B0609000101010101" pitchFamily="49" charset="-127"/>
-                <a:ea typeface="굴림체" panose="020B0609000101010101" pitchFamily="49" charset="-127"/>
-              </a:rPr>
-            </a:br>
-            <a:r>
-              <a:rPr kumimoji="0" lang="ko-KR" altLang="ko-KR" sz="1200" dirty="0" smtClean="0">
-                <a:solidFill>
-                  <a:srgbClr val="000000"/>
-                </a:solidFill>
-                <a:latin typeface="굴림체" panose="020B0609000101010101" pitchFamily="49" charset="-127"/>
-                <a:ea typeface="굴림체" panose="020B0609000101010101" pitchFamily="49" charset="-127"/>
-              </a:rPr>
-              <a:t>        </a:t>
-            </a:r>
-            <a:r>
-              <a:rPr kumimoji="0" lang="ko-KR" altLang="ko-KR" sz="1200" dirty="0" err="1" smtClean="0">
-                <a:solidFill>
-                  <a:srgbClr val="000080"/>
-                </a:solidFill>
-                <a:latin typeface="굴림체" panose="020B0609000101010101" pitchFamily="49" charset="-127"/>
-                <a:ea typeface="굴림체" panose="020B0609000101010101" pitchFamily="49" charset="-127"/>
-              </a:rPr>
-              <a:t>print</a:t>
-            </a:r>
-            <a:r>
-              <a:rPr kumimoji="0" lang="ko-KR" altLang="ko-KR" sz="1200" dirty="0" smtClean="0">
-                <a:solidFill>
-                  <a:srgbClr val="000000"/>
-                </a:solidFill>
-                <a:latin typeface="굴림체" panose="020B0609000101010101" pitchFamily="49" charset="-127"/>
-                <a:ea typeface="굴림체" panose="020B0609000101010101" pitchFamily="49" charset="-127"/>
-              </a:rPr>
-              <a:t>(</a:t>
-            </a:r>
-            <a:r>
-              <a:rPr kumimoji="0" lang="ko-KR" altLang="ko-KR" sz="1200" b="1" dirty="0" smtClean="0">
-                <a:solidFill>
-                  <a:srgbClr val="008080"/>
-                </a:solidFill>
-                <a:latin typeface="굴림체" panose="020B0609000101010101" pitchFamily="49" charset="-127"/>
-                <a:ea typeface="굴림체" panose="020B0609000101010101" pitchFamily="49" charset="-127"/>
-              </a:rPr>
-              <a:t>'</a:t>
-            </a:r>
-            <a:r>
-              <a:rPr kumimoji="0" lang="ko-KR" altLang="ko-KR" sz="1200" b="1" dirty="0" err="1" smtClean="0">
-                <a:solidFill>
-                  <a:srgbClr val="008080"/>
-                </a:solidFill>
-                <a:latin typeface="굴림체" panose="020B0609000101010101" pitchFamily="49" charset="-127"/>
-                <a:ea typeface="굴림체" panose="020B0609000101010101" pitchFamily="49" charset="-127"/>
-              </a:rPr>
-              <a:t>try</a:t>
-            </a:r>
-            <a:r>
-              <a:rPr kumimoji="0" lang="ko-KR" altLang="ko-KR" sz="1200" b="1" dirty="0" smtClean="0">
-                <a:solidFill>
-                  <a:srgbClr val="008080"/>
-                </a:solidFill>
-                <a:latin typeface="굴림체" panose="020B0609000101010101" pitchFamily="49" charset="-127"/>
-                <a:ea typeface="굴림체" panose="020B0609000101010101" pitchFamily="49" charset="-127"/>
-              </a:rPr>
-              <a:t> </a:t>
-            </a:r>
-            <a:r>
-              <a:rPr kumimoji="0" lang="ko-KR" altLang="ko-KR" sz="1200" b="1" dirty="0" err="1" smtClean="0">
-                <a:solidFill>
-                  <a:srgbClr val="008080"/>
-                </a:solidFill>
-                <a:latin typeface="굴림체" panose="020B0609000101010101" pitchFamily="49" charset="-127"/>
-                <a:ea typeface="굴림체" panose="020B0609000101010101" pitchFamily="49" charset="-127"/>
-              </a:rPr>
-              <a:t>to</a:t>
-            </a:r>
-            <a:r>
-              <a:rPr kumimoji="0" lang="ko-KR" altLang="ko-KR" sz="1200" b="1" dirty="0" smtClean="0">
-                <a:solidFill>
-                  <a:srgbClr val="008080"/>
-                </a:solidFill>
-                <a:latin typeface="굴림체" panose="020B0609000101010101" pitchFamily="49" charset="-127"/>
-                <a:ea typeface="굴림체" panose="020B0609000101010101" pitchFamily="49" charset="-127"/>
-              </a:rPr>
-              <a:t> 확인'</a:t>
-            </a:r>
-            <a:r>
-              <a:rPr kumimoji="0" lang="ko-KR" altLang="ko-KR" sz="1200" dirty="0" smtClean="0">
-                <a:solidFill>
-                  <a:srgbClr val="000000"/>
-                </a:solidFill>
-                <a:latin typeface="굴림체" panose="020B0609000101010101" pitchFamily="49" charset="-127"/>
-                <a:ea typeface="굴림체" panose="020B0609000101010101" pitchFamily="49" charset="-127"/>
-              </a:rPr>
-              <a:t>)</a:t>
-            </a:r>
-            <a:br>
-              <a:rPr kumimoji="0" lang="ko-KR" altLang="ko-KR" sz="1200" dirty="0" smtClean="0">
-                <a:solidFill>
-                  <a:srgbClr val="000000"/>
-                </a:solidFill>
-                <a:latin typeface="굴림체" panose="020B0609000101010101" pitchFamily="49" charset="-127"/>
-                <a:ea typeface="굴림체" panose="020B0609000101010101" pitchFamily="49" charset="-127"/>
-              </a:rPr>
-            </a:br>
-            <a:r>
-              <a:rPr kumimoji="0" lang="ko-KR" altLang="ko-KR" sz="1200" dirty="0" smtClean="0">
-                <a:solidFill>
-                  <a:srgbClr val="000000"/>
-                </a:solidFill>
-                <a:latin typeface="굴림체" panose="020B0609000101010101" pitchFamily="49" charset="-127"/>
-                <a:ea typeface="굴림체" panose="020B0609000101010101" pitchFamily="49" charset="-127"/>
-              </a:rPr>
-              <a:t>        </a:t>
-            </a:r>
-            <a:r>
-              <a:rPr kumimoji="0" lang="ko-KR" altLang="ko-KR" sz="1200" dirty="0" err="1" smtClean="0">
-                <a:solidFill>
-                  <a:srgbClr val="000000"/>
-                </a:solidFill>
-                <a:latin typeface="굴림체" panose="020B0609000101010101" pitchFamily="49" charset="-127"/>
-                <a:ea typeface="굴림체" panose="020B0609000101010101" pitchFamily="49" charset="-127"/>
-              </a:rPr>
-              <a:t>check</a:t>
-            </a:r>
-            <a:r>
-              <a:rPr kumimoji="0" lang="ko-KR" altLang="ko-KR" sz="1200" dirty="0" smtClean="0">
-                <a:solidFill>
-                  <a:srgbClr val="000000"/>
-                </a:solidFill>
-                <a:latin typeface="굴림체" panose="020B0609000101010101" pitchFamily="49" charset="-127"/>
-                <a:ea typeface="굴림체" panose="020B0609000101010101" pitchFamily="49" charset="-127"/>
-              </a:rPr>
-              <a:t>( </a:t>
-            </a:r>
-            <a:r>
-              <a:rPr kumimoji="0" lang="ko-KR" altLang="ko-KR" sz="1200" dirty="0" err="1" smtClean="0">
-                <a:solidFill>
-                  <a:srgbClr val="000000"/>
-                </a:solidFill>
-                <a:latin typeface="굴림체" panose="020B0609000101010101" pitchFamily="49" charset="-127"/>
-                <a:ea typeface="굴림체" panose="020B0609000101010101" pitchFamily="49" charset="-127"/>
-              </a:rPr>
-              <a:t>chat_id</a:t>
-            </a:r>
-            <a:r>
-              <a:rPr kumimoji="0" lang="ko-KR" altLang="ko-KR" sz="1200" dirty="0" smtClean="0">
-                <a:solidFill>
-                  <a:srgbClr val="000000"/>
-                </a:solidFill>
-                <a:latin typeface="굴림체" panose="020B0609000101010101" pitchFamily="49" charset="-127"/>
-                <a:ea typeface="굴림체" panose="020B0609000101010101" pitchFamily="49" charset="-127"/>
-              </a:rPr>
-              <a:t> )</a:t>
-            </a:r>
-            <a:br>
-              <a:rPr kumimoji="0" lang="ko-KR" altLang="ko-KR" sz="1200" dirty="0" smtClean="0">
-                <a:solidFill>
-                  <a:srgbClr val="000000"/>
-                </a:solidFill>
-                <a:latin typeface="굴림체" panose="020B0609000101010101" pitchFamily="49" charset="-127"/>
-                <a:ea typeface="굴림체" panose="020B0609000101010101" pitchFamily="49" charset="-127"/>
-              </a:rPr>
-            </a:br>
-            <a:r>
-              <a:rPr kumimoji="0" lang="ko-KR" altLang="ko-KR" sz="1200" dirty="0" smtClean="0">
-                <a:solidFill>
-                  <a:srgbClr val="000000"/>
-                </a:solidFill>
-                <a:latin typeface="굴림체" panose="020B0609000101010101" pitchFamily="49" charset="-127"/>
-                <a:ea typeface="굴림체" panose="020B0609000101010101" pitchFamily="49" charset="-127"/>
-              </a:rPr>
-              <a:t>    </a:t>
-            </a:r>
-            <a:r>
-              <a:rPr kumimoji="0" lang="ko-KR" altLang="ko-KR" sz="1200" b="1" dirty="0" err="1" smtClean="0">
-                <a:solidFill>
-                  <a:srgbClr val="000080"/>
-                </a:solidFill>
-                <a:latin typeface="굴림체" panose="020B0609000101010101" pitchFamily="49" charset="-127"/>
-                <a:ea typeface="굴림체" panose="020B0609000101010101" pitchFamily="49" charset="-127"/>
-              </a:rPr>
-              <a:t>else</a:t>
-            </a:r>
-            <a:r>
-              <a:rPr kumimoji="0" lang="ko-KR" altLang="ko-KR" sz="1200" dirty="0" smtClean="0">
-                <a:solidFill>
-                  <a:srgbClr val="000000"/>
-                </a:solidFill>
-                <a:latin typeface="굴림체" panose="020B0609000101010101" pitchFamily="49" charset="-127"/>
-                <a:ea typeface="굴림체" panose="020B0609000101010101" pitchFamily="49" charset="-127"/>
-              </a:rPr>
-              <a:t>:</a:t>
-            </a:r>
-            <a:br>
-              <a:rPr kumimoji="0" lang="ko-KR" altLang="ko-KR" sz="1200" dirty="0" smtClean="0">
-                <a:solidFill>
-                  <a:srgbClr val="000000"/>
-                </a:solidFill>
-                <a:latin typeface="굴림체" panose="020B0609000101010101" pitchFamily="49" charset="-127"/>
-                <a:ea typeface="굴림체" panose="020B0609000101010101" pitchFamily="49" charset="-127"/>
-              </a:rPr>
-            </a:br>
-            <a:r>
-              <a:rPr kumimoji="0" lang="ko-KR" altLang="ko-KR" sz="1200" dirty="0" smtClean="0">
-                <a:solidFill>
-                  <a:srgbClr val="000000"/>
-                </a:solidFill>
-                <a:latin typeface="굴림체" panose="020B0609000101010101" pitchFamily="49" charset="-127"/>
-                <a:ea typeface="굴림체" panose="020B0609000101010101" pitchFamily="49" charset="-127"/>
-              </a:rPr>
-              <a:t>        </a:t>
-            </a:r>
-            <a:r>
-              <a:rPr kumimoji="0" lang="ko-KR" altLang="ko-KR" sz="1200" dirty="0" err="1" smtClean="0">
-                <a:solidFill>
-                  <a:srgbClr val="000000"/>
-                </a:solidFill>
-                <a:latin typeface="굴림체" panose="020B0609000101010101" pitchFamily="49" charset="-127"/>
-                <a:ea typeface="굴림체" panose="020B0609000101010101" pitchFamily="49" charset="-127"/>
-              </a:rPr>
-              <a:t>noti.sendMessage</a:t>
-            </a:r>
-            <a:r>
-              <a:rPr kumimoji="0" lang="ko-KR" altLang="ko-KR" sz="1200" dirty="0" smtClean="0">
-                <a:solidFill>
-                  <a:srgbClr val="000000"/>
-                </a:solidFill>
-                <a:latin typeface="굴림체" panose="020B0609000101010101" pitchFamily="49" charset="-127"/>
-                <a:ea typeface="굴림체" panose="020B0609000101010101" pitchFamily="49" charset="-127"/>
-              </a:rPr>
-              <a:t>(</a:t>
-            </a:r>
-            <a:r>
-              <a:rPr kumimoji="0" lang="ko-KR" altLang="ko-KR" sz="1200" dirty="0" err="1" smtClean="0">
-                <a:solidFill>
-                  <a:srgbClr val="000000"/>
-                </a:solidFill>
-                <a:latin typeface="굴림체" panose="020B0609000101010101" pitchFamily="49" charset="-127"/>
-                <a:ea typeface="굴림체" panose="020B0609000101010101" pitchFamily="49" charset="-127"/>
-              </a:rPr>
-              <a:t>chat_id</a:t>
-            </a:r>
-            <a:r>
-              <a:rPr kumimoji="0" lang="ko-KR" altLang="ko-KR" sz="1200" dirty="0" smtClean="0">
-                <a:solidFill>
-                  <a:srgbClr val="000000"/>
-                </a:solidFill>
-                <a:latin typeface="굴림체" panose="020B0609000101010101" pitchFamily="49" charset="-127"/>
-                <a:ea typeface="굴림체" panose="020B0609000101010101" pitchFamily="49" charset="-127"/>
-              </a:rPr>
-              <a:t>, </a:t>
-            </a:r>
-            <a:r>
-              <a:rPr kumimoji="0" lang="ko-KR" altLang="ko-KR" sz="1200" b="1" dirty="0" smtClean="0">
-                <a:solidFill>
-                  <a:srgbClr val="008080"/>
-                </a:solidFill>
-                <a:latin typeface="굴림체" panose="020B0609000101010101" pitchFamily="49" charset="-127"/>
-                <a:ea typeface="굴림체" panose="020B0609000101010101" pitchFamily="49" charset="-127"/>
-              </a:rPr>
-              <a:t>'모르는 명령어입니다.</a:t>
-            </a:r>
-            <a:r>
-              <a:rPr kumimoji="0" lang="ko-KR" altLang="ko-KR" sz="1200" b="1" dirty="0" smtClean="0">
-                <a:solidFill>
-                  <a:srgbClr val="000080"/>
-                </a:solidFill>
-                <a:latin typeface="굴림체" panose="020B0609000101010101" pitchFamily="49" charset="-127"/>
-                <a:ea typeface="굴림체" panose="020B0609000101010101" pitchFamily="49" charset="-127"/>
-              </a:rPr>
-              <a:t>\</a:t>
-            </a:r>
-            <a:r>
-              <a:rPr kumimoji="0" lang="ko-KR" altLang="ko-KR" sz="1200" b="1" dirty="0" err="1" smtClean="0">
-                <a:solidFill>
-                  <a:srgbClr val="000080"/>
-                </a:solidFill>
-                <a:latin typeface="굴림체" panose="020B0609000101010101" pitchFamily="49" charset="-127"/>
-                <a:ea typeface="굴림체" panose="020B0609000101010101" pitchFamily="49" charset="-127"/>
-              </a:rPr>
-              <a:t>n</a:t>
-            </a:r>
-            <a:r>
-              <a:rPr kumimoji="0" lang="ko-KR" altLang="ko-KR" sz="1200" b="1" dirty="0" err="1" smtClean="0">
-                <a:solidFill>
-                  <a:srgbClr val="008080"/>
-                </a:solidFill>
-                <a:latin typeface="굴림체" panose="020B0609000101010101" pitchFamily="49" charset="-127"/>
-                <a:ea typeface="굴림체" panose="020B0609000101010101" pitchFamily="49" charset="-127"/>
-              </a:rPr>
-              <a:t>지역</a:t>
-            </a:r>
-            <a:r>
-              <a:rPr kumimoji="0" lang="ko-KR" altLang="ko-KR" sz="1200" b="1" dirty="0" smtClean="0">
-                <a:solidFill>
-                  <a:srgbClr val="008080"/>
-                </a:solidFill>
-                <a:latin typeface="굴림체" panose="020B0609000101010101" pitchFamily="49" charset="-127"/>
-                <a:ea typeface="굴림체" panose="020B0609000101010101" pitchFamily="49" charset="-127"/>
-              </a:rPr>
               <a:t> [지역번호], 저장 [지역번호], 확인 중 하나의 명령을 입력하세요.'</a:t>
             </a:r>
             <a:r>
-              <a:rPr kumimoji="0" lang="ko-KR" altLang="ko-KR" sz="1200" dirty="0" smtClean="0">
+              <a:rPr kumimoji="0" lang="ko-KR" altLang="ko-KR" sz="1200" dirty="0">
                 <a:solidFill>
                   <a:srgbClr val="000000"/>
                 </a:solidFill>
@@ -16564,7 +16425,7 @@
               <a:buNone/>
               <a:tabLst/>
             </a:pPr>
-            <a:endParaRPr kumimoji="0" lang="ko-KR" altLang="ko-KR" sz="1800" b="0" i="0" u="none" strike="noStrike" cap="none" normalizeH="0" baseline="0" dirty="0" smtClean="0">
+            <a:endParaRPr kumimoji="0" lang="ko-KR" altLang="ko-KR" sz="1800" b="0" i="0" u="none" strike="noStrike" cap="none" normalizeH="0" baseline="0" dirty="0">
               <a:ln>
                 <a:noFill/>
               </a:ln>
@@ -16622,7 +16483,7 @@
           <a:p>
             <a:pPr lvl="0"/>
             <a:r>
-              <a:rPr kumimoji="0" lang="ko-KR" altLang="ko-KR" sz="1200" dirty="0" err="1" smtClean="0">
+              <a:rPr kumimoji="0" lang="ko-KR" altLang="ko-KR" sz="1200" dirty="0" err="1">
                 <a:solidFill>
                   <a:srgbClr val="000000"/>
                 </a:solidFill>
@@ -16632,7 +16493,7 @@
               <a:t>today</a:t>
             </a:r>
             <a:r>
-              <a:rPr kumimoji="0" lang="ko-KR" altLang="ko-KR" sz="1200" dirty="0" smtClean="0">
+              <a:rPr kumimoji="0" lang="ko-KR" altLang="ko-KR" sz="1200" dirty="0">
                 <a:solidFill>
                   <a:srgbClr val="000000"/>
                 </a:solidFill>
@@ -16642,7 +16503,7 @@
               <a:t> = </a:t>
             </a:r>
             <a:r>
-              <a:rPr kumimoji="0" lang="ko-KR" altLang="ko-KR" sz="1200" dirty="0" err="1" smtClean="0">
+              <a:rPr kumimoji="0" lang="ko-KR" altLang="ko-KR" sz="1200" dirty="0" err="1">
                 <a:solidFill>
                   <a:srgbClr val="000000"/>
                 </a:solidFill>
@@ -16652,7 +16513,7 @@
               <a:t>date.today</a:t>
             </a:r>
             <a:r>
-              <a:rPr kumimoji="0" lang="ko-KR" altLang="ko-KR" sz="1200" dirty="0" smtClean="0">
+              <a:rPr kumimoji="0" lang="ko-KR" altLang="ko-KR" sz="1200" dirty="0">
                 <a:solidFill>
                   <a:srgbClr val="000000"/>
                 </a:solidFill>
@@ -16661,7 +16522,7 @@
               </a:rPr>
               <a:t>()</a:t>
             </a:r>
-            <a:endParaRPr kumimoji="0" lang="en-US" altLang="ko-KR" sz="1200" dirty="0" smtClean="0">
+            <a:endParaRPr kumimoji="0" lang="en-US" altLang="ko-KR" sz="1200" dirty="0">
               <a:solidFill>
                 <a:srgbClr val="000000"/>
               </a:solidFill>
@@ -16671,18 +16532,8 @@
           </a:p>
           <a:p>
             <a:pPr lvl="0"/>
-            <a:r>
-              <a:rPr kumimoji="0" lang="ko-KR" altLang="ko-KR" sz="1200" dirty="0" smtClean="0">
-                <a:solidFill>
-                  <a:srgbClr val="000000"/>
-                </a:solidFill>
-                <a:latin typeface="굴림체" panose="020B0609000101010101" pitchFamily="49" charset="-127"/>
-                <a:ea typeface="굴림체" panose="020B0609000101010101" pitchFamily="49" charset="-127"/>
-              </a:rPr>
-              <a:t/>
-            </a:r>
             <a:br>
-              <a:rPr kumimoji="0" lang="ko-KR" altLang="ko-KR" sz="1200" dirty="0" smtClean="0">
+              <a:rPr kumimoji="0" lang="ko-KR" altLang="ko-KR" sz="1200" dirty="0">
                 <a:solidFill>
                   <a:srgbClr val="000000"/>
                 </a:solidFill>
@@ -16691,7 +16542,7 @@
               </a:rPr>
             </a:br>
             <a:r>
-              <a:rPr kumimoji="0" lang="ko-KR" altLang="ko-KR" sz="1200" dirty="0" err="1" smtClean="0">
+              <a:rPr kumimoji="0" lang="ko-KR" altLang="ko-KR" sz="1200" dirty="0" err="1">
                 <a:solidFill>
                   <a:srgbClr val="000000"/>
                 </a:solidFill>
@@ -16701,7 +16552,7 @@
               <a:t>current_month</a:t>
             </a:r>
             <a:r>
-              <a:rPr kumimoji="0" lang="ko-KR" altLang="ko-KR" sz="1200" dirty="0" smtClean="0">
+              <a:rPr kumimoji="0" lang="ko-KR" altLang="ko-KR" sz="1200" dirty="0">
                 <a:solidFill>
                   <a:srgbClr val="000000"/>
                 </a:solidFill>
@@ -16711,7 +16562,7 @@
               <a:t> = </a:t>
             </a:r>
             <a:r>
-              <a:rPr kumimoji="0" lang="ko-KR" altLang="ko-KR" sz="1200" dirty="0" err="1" smtClean="0">
+              <a:rPr kumimoji="0" lang="ko-KR" altLang="ko-KR" sz="1200" dirty="0" err="1">
                 <a:solidFill>
                   <a:srgbClr val="000000"/>
                 </a:solidFill>
@@ -16721,7 +16572,7 @@
               <a:t>today.strftime</a:t>
             </a:r>
             <a:r>
-              <a:rPr kumimoji="0" lang="ko-KR" altLang="ko-KR" sz="1200" dirty="0" smtClean="0">
+              <a:rPr kumimoji="0" lang="ko-KR" altLang="ko-KR" sz="1200" dirty="0">
                 <a:solidFill>
                   <a:srgbClr val="000000"/>
                 </a:solidFill>
@@ -16731,7 +16582,7 @@
               <a:t>(</a:t>
             </a:r>
             <a:r>
-              <a:rPr kumimoji="0" lang="ko-KR" altLang="ko-KR" sz="1200" b="1" dirty="0" smtClean="0">
+              <a:rPr kumimoji="0" lang="ko-KR" altLang="ko-KR" sz="1200" b="1" dirty="0">
                 <a:solidFill>
                   <a:srgbClr val="008080"/>
                 </a:solidFill>
@@ -16741,7 +16592,7 @@
               <a:t>'%</a:t>
             </a:r>
             <a:r>
-              <a:rPr kumimoji="0" lang="ko-KR" altLang="ko-KR" sz="1200" b="1" dirty="0" err="1" smtClean="0">
+              <a:rPr kumimoji="0" lang="ko-KR" altLang="ko-KR" sz="1200" b="1" dirty="0" err="1">
                 <a:solidFill>
                   <a:srgbClr val="008080"/>
                 </a:solidFill>
@@ -16751,7 +16602,7 @@
               <a:t>Y%m</a:t>
             </a:r>
             <a:r>
-              <a:rPr kumimoji="0" lang="ko-KR" altLang="ko-KR" sz="1200" b="1" dirty="0" smtClean="0">
+              <a:rPr kumimoji="0" lang="ko-KR" altLang="ko-KR" sz="1200" b="1" dirty="0">
                 <a:solidFill>
                   <a:srgbClr val="008080"/>
                 </a:solidFill>
@@ -16761,7 +16612,7 @@
               <a:t>'</a:t>
             </a:r>
             <a:r>
-              <a:rPr kumimoji="0" lang="ko-KR" altLang="ko-KR" sz="1200" dirty="0" smtClean="0">
+              <a:rPr kumimoji="0" lang="ko-KR" altLang="ko-KR" sz="1200" dirty="0">
                 <a:solidFill>
                   <a:srgbClr val="000000"/>
                 </a:solidFill>
@@ -16770,7 +16621,7 @@
               </a:rPr>
               <a:t>)</a:t>
             </a:r>
-            <a:endParaRPr kumimoji="0" lang="en-US" altLang="ko-KR" sz="1200" dirty="0" smtClean="0">
+            <a:endParaRPr kumimoji="0" lang="en-US" altLang="ko-KR" sz="1200" dirty="0">
               <a:solidFill>
                 <a:srgbClr val="000000"/>
               </a:solidFill>
@@ -16780,18 +16631,8 @@
           </a:p>
           <a:p>
             <a:pPr lvl="0"/>
-            <a:r>
-              <a:rPr kumimoji="0" lang="ko-KR" altLang="ko-KR" sz="1200" dirty="0" smtClean="0">
-                <a:solidFill>
-                  <a:srgbClr val="000000"/>
-                </a:solidFill>
-                <a:latin typeface="굴림체" panose="020B0609000101010101" pitchFamily="49" charset="-127"/>
-                <a:ea typeface="굴림체" panose="020B0609000101010101" pitchFamily="49" charset="-127"/>
-              </a:rPr>
-              <a:t/>
-            </a:r>
             <a:br>
-              <a:rPr kumimoji="0" lang="ko-KR" altLang="ko-KR" sz="1200" dirty="0" smtClean="0">
+              <a:rPr kumimoji="0" lang="ko-KR" altLang="ko-KR" sz="1200" dirty="0">
                 <a:solidFill>
                   <a:srgbClr val="000000"/>
                 </a:solidFill>
@@ -16800,7 +16641,7 @@
               </a:rPr>
             </a:br>
             <a:r>
-              <a:rPr kumimoji="0" lang="ko-KR" altLang="ko-KR" sz="1200" dirty="0" err="1" smtClean="0">
+              <a:rPr kumimoji="0" lang="ko-KR" altLang="ko-KR" sz="1200" dirty="0" err="1">
                 <a:solidFill>
                   <a:srgbClr val="000080"/>
                 </a:solidFill>
@@ -16810,7 +16651,7 @@
               <a:t>print</a:t>
             </a:r>
             <a:r>
-              <a:rPr kumimoji="0" lang="ko-KR" altLang="ko-KR" sz="1200" dirty="0" smtClean="0">
+              <a:rPr kumimoji="0" lang="ko-KR" altLang="ko-KR" sz="1200" dirty="0">
                 <a:solidFill>
                   <a:srgbClr val="000000"/>
                 </a:solidFill>
@@ -16820,7 +16661,7 @@
               <a:t>( </a:t>
             </a:r>
             <a:r>
-              <a:rPr kumimoji="0" lang="ko-KR" altLang="ko-KR" sz="1200" b="1" dirty="0" smtClean="0">
+              <a:rPr kumimoji="0" lang="ko-KR" altLang="ko-KR" sz="1200" b="1" dirty="0">
                 <a:solidFill>
                   <a:srgbClr val="008080"/>
                 </a:solidFill>
@@ -16830,7 +16671,7 @@
               <a:t>'['</a:t>
             </a:r>
             <a:r>
-              <a:rPr kumimoji="0" lang="ko-KR" altLang="ko-KR" sz="1200" dirty="0" smtClean="0">
+              <a:rPr kumimoji="0" lang="ko-KR" altLang="ko-KR" sz="1200" dirty="0">
                 <a:solidFill>
                   <a:srgbClr val="000000"/>
                 </a:solidFill>
@@ -16840,7 +16681,7 @@
               <a:t>,</a:t>
             </a:r>
             <a:r>
-              <a:rPr kumimoji="0" lang="ko-KR" altLang="ko-KR" sz="1200" dirty="0" err="1" smtClean="0">
+              <a:rPr kumimoji="0" lang="ko-KR" altLang="ko-KR" sz="1200" dirty="0" err="1">
                 <a:solidFill>
                   <a:srgbClr val="000000"/>
                 </a:solidFill>
@@ -16850,7 +16691,7 @@
               <a:t>today</a:t>
             </a:r>
             <a:r>
-              <a:rPr kumimoji="0" lang="ko-KR" altLang="ko-KR" sz="1200" dirty="0" smtClean="0">
+              <a:rPr kumimoji="0" lang="ko-KR" altLang="ko-KR" sz="1200" dirty="0">
                 <a:solidFill>
                   <a:srgbClr val="000000"/>
                 </a:solidFill>
@@ -16860,7 +16701,7 @@
               <a:t>,</a:t>
             </a:r>
             <a:r>
-              <a:rPr kumimoji="0" lang="ko-KR" altLang="ko-KR" sz="1200" b="1" dirty="0" smtClean="0">
+              <a:rPr kumimoji="0" lang="ko-KR" altLang="ko-KR" sz="1200" b="1" dirty="0">
                 <a:solidFill>
                   <a:srgbClr val="008080"/>
                 </a:solidFill>
@@ -16870,7 +16711,7 @@
               <a:t>']</a:t>
             </a:r>
             <a:r>
-              <a:rPr kumimoji="0" lang="ko-KR" altLang="ko-KR" sz="1200" b="1" dirty="0" err="1" smtClean="0">
+              <a:rPr kumimoji="0" lang="ko-KR" altLang="ko-KR" sz="1200" b="1" dirty="0" err="1">
                 <a:solidFill>
                   <a:srgbClr val="008080"/>
                 </a:solidFill>
@@ -16880,7 +16721,7 @@
               <a:t>received</a:t>
             </a:r>
             <a:r>
-              <a:rPr kumimoji="0" lang="ko-KR" altLang="ko-KR" sz="1200" b="1" dirty="0" smtClean="0">
+              <a:rPr kumimoji="0" lang="ko-KR" altLang="ko-KR" sz="1200" b="1" dirty="0">
                 <a:solidFill>
                   <a:srgbClr val="008080"/>
                 </a:solidFill>
@@ -16890,7 +16731,7 @@
               <a:t> </a:t>
             </a:r>
             <a:r>
-              <a:rPr kumimoji="0" lang="ko-KR" altLang="ko-KR" sz="1200" b="1" dirty="0" err="1" smtClean="0">
+              <a:rPr kumimoji="0" lang="ko-KR" altLang="ko-KR" sz="1200" b="1" dirty="0" err="1">
                 <a:solidFill>
                   <a:srgbClr val="008080"/>
                 </a:solidFill>
@@ -16900,7 +16741,7 @@
               <a:t>token</a:t>
             </a:r>
             <a:r>
-              <a:rPr kumimoji="0" lang="ko-KR" altLang="ko-KR" sz="1200" b="1" dirty="0" smtClean="0">
+              <a:rPr kumimoji="0" lang="ko-KR" altLang="ko-KR" sz="1200" b="1" dirty="0">
                 <a:solidFill>
                   <a:srgbClr val="008080"/>
                 </a:solidFill>
@@ -16910,7 +16751,7 @@
               <a:t> :'</a:t>
             </a:r>
             <a:r>
-              <a:rPr kumimoji="0" lang="ko-KR" altLang="ko-KR" sz="1200" dirty="0" smtClean="0">
+              <a:rPr kumimoji="0" lang="ko-KR" altLang="ko-KR" sz="1200" dirty="0">
                 <a:solidFill>
                   <a:srgbClr val="000000"/>
                 </a:solidFill>
@@ -16920,7 +16761,7 @@
               <a:t>, </a:t>
             </a:r>
             <a:r>
-              <a:rPr kumimoji="0" lang="ko-KR" altLang="ko-KR" sz="1200" dirty="0" err="1" smtClean="0">
+              <a:rPr kumimoji="0" lang="ko-KR" altLang="ko-KR" sz="1200" dirty="0" err="1">
                 <a:solidFill>
                   <a:srgbClr val="000000"/>
                 </a:solidFill>
@@ -16930,7 +16771,7 @@
               <a:t>noti.TOKEN</a:t>
             </a:r>
             <a:r>
-              <a:rPr kumimoji="0" lang="ko-KR" altLang="ko-KR" sz="1200" dirty="0" smtClean="0">
+              <a:rPr kumimoji="0" lang="ko-KR" altLang="ko-KR" sz="1200" dirty="0">
                 <a:solidFill>
                   <a:srgbClr val="000000"/>
                 </a:solidFill>
@@ -16939,7 +16780,7 @@
               </a:rPr>
               <a:t> )</a:t>
             </a:r>
-            <a:endParaRPr kumimoji="0" lang="en-US" altLang="ko-KR" sz="1200" dirty="0" smtClean="0">
+            <a:endParaRPr kumimoji="0" lang="en-US" altLang="ko-KR" sz="1200" dirty="0">
               <a:solidFill>
                 <a:srgbClr val="000000"/>
               </a:solidFill>
@@ -16949,18 +16790,8 @@
           </a:p>
           <a:p>
             <a:pPr lvl="0"/>
-            <a:r>
-              <a:rPr kumimoji="0" lang="ko-KR" altLang="ko-KR" sz="1200" dirty="0" smtClean="0">
-                <a:solidFill>
-                  <a:srgbClr val="000000"/>
-                </a:solidFill>
-                <a:latin typeface="굴림체" panose="020B0609000101010101" pitchFamily="49" charset="-127"/>
-                <a:ea typeface="굴림체" panose="020B0609000101010101" pitchFamily="49" charset="-127"/>
-              </a:rPr>
-              <a:t/>
-            </a:r>
             <a:br>
-              <a:rPr kumimoji="0" lang="ko-KR" altLang="ko-KR" sz="1200" dirty="0" smtClean="0">
+              <a:rPr kumimoji="0" lang="ko-KR" altLang="ko-KR" sz="1200" dirty="0">
                 <a:solidFill>
                   <a:srgbClr val="000000"/>
                 </a:solidFill>
@@ -16969,7 +16800,7 @@
               </a:rPr>
             </a:br>
             <a:r>
-              <a:rPr kumimoji="0" lang="ko-KR" altLang="ko-KR" sz="1200" dirty="0" err="1" smtClean="0">
+              <a:rPr kumimoji="0" lang="ko-KR" altLang="ko-KR" sz="1200" dirty="0" err="1">
                 <a:solidFill>
                   <a:srgbClr val="000000"/>
                 </a:solidFill>
@@ -16979,7 +16810,7 @@
               <a:t>bot</a:t>
             </a:r>
             <a:r>
-              <a:rPr kumimoji="0" lang="ko-KR" altLang="ko-KR" sz="1200" dirty="0" smtClean="0">
+              <a:rPr kumimoji="0" lang="ko-KR" altLang="ko-KR" sz="1200" dirty="0">
                 <a:solidFill>
                   <a:srgbClr val="000000"/>
                 </a:solidFill>
@@ -16989,7 +16820,7 @@
               <a:t> = </a:t>
             </a:r>
             <a:r>
-              <a:rPr kumimoji="0" lang="ko-KR" altLang="ko-KR" sz="1200" dirty="0" err="1" smtClean="0">
+              <a:rPr kumimoji="0" lang="ko-KR" altLang="ko-KR" sz="1200" dirty="0" err="1">
                 <a:solidFill>
                   <a:srgbClr val="000000"/>
                 </a:solidFill>
@@ -16999,7 +16830,7 @@
               <a:t>telepot.Bot</a:t>
             </a:r>
             <a:r>
-              <a:rPr kumimoji="0" lang="ko-KR" altLang="ko-KR" sz="1200" dirty="0" smtClean="0">
+              <a:rPr kumimoji="0" lang="ko-KR" altLang="ko-KR" sz="1200" dirty="0">
                 <a:solidFill>
                   <a:srgbClr val="000000"/>
                 </a:solidFill>
@@ -17009,7 +16840,7 @@
               <a:t>(</a:t>
             </a:r>
             <a:r>
-              <a:rPr kumimoji="0" lang="ko-KR" altLang="ko-KR" sz="1200" dirty="0" err="1" smtClean="0">
+              <a:rPr kumimoji="0" lang="ko-KR" altLang="ko-KR" sz="1200" dirty="0" err="1">
                 <a:solidFill>
                   <a:srgbClr val="000000"/>
                 </a:solidFill>
@@ -17019,7 +16850,7 @@
               <a:t>noti.TOKEN</a:t>
             </a:r>
             <a:r>
-              <a:rPr kumimoji="0" lang="ko-KR" altLang="ko-KR" sz="1200" dirty="0" smtClean="0">
+              <a:rPr kumimoji="0" lang="ko-KR" altLang="ko-KR" sz="1200" dirty="0">
                 <a:solidFill>
                   <a:srgbClr val="000000"/>
                 </a:solidFill>
@@ -17029,7 +16860,7 @@
               <a:t>)</a:t>
             </a:r>
             <a:br>
-              <a:rPr kumimoji="0" lang="ko-KR" altLang="ko-KR" sz="1200" dirty="0" smtClean="0">
+              <a:rPr kumimoji="0" lang="ko-KR" altLang="ko-KR" sz="1200" dirty="0">
                 <a:solidFill>
                   <a:srgbClr val="000000"/>
                 </a:solidFill>
@@ -17038,7 +16869,7 @@
               </a:rPr>
             </a:br>
             <a:r>
-              <a:rPr kumimoji="0" lang="ko-KR" altLang="ko-KR" sz="1200" dirty="0" err="1" smtClean="0">
+              <a:rPr kumimoji="0" lang="ko-KR" altLang="ko-KR" sz="1200" dirty="0" err="1">
                 <a:solidFill>
                   <a:srgbClr val="000000"/>
                 </a:solidFill>
@@ -17048,7 +16879,7 @@
               <a:t>pprint</a:t>
             </a:r>
             <a:r>
-              <a:rPr kumimoji="0" lang="ko-KR" altLang="ko-KR" sz="1200" dirty="0" smtClean="0">
+              <a:rPr kumimoji="0" lang="ko-KR" altLang="ko-KR" sz="1200" dirty="0">
                 <a:solidFill>
                   <a:srgbClr val="000000"/>
                 </a:solidFill>
@@ -17058,7 +16889,7 @@
               <a:t>( </a:t>
             </a:r>
             <a:r>
-              <a:rPr kumimoji="0" lang="ko-KR" altLang="ko-KR" sz="1200" dirty="0" err="1" smtClean="0">
+              <a:rPr kumimoji="0" lang="ko-KR" altLang="ko-KR" sz="1200" dirty="0" err="1">
                 <a:solidFill>
                   <a:srgbClr val="000000"/>
                 </a:solidFill>
@@ -17068,7 +16899,7 @@
               <a:t>bot.getMe</a:t>
             </a:r>
             <a:r>
-              <a:rPr kumimoji="0" lang="ko-KR" altLang="ko-KR" sz="1200" dirty="0" smtClean="0">
+              <a:rPr kumimoji="0" lang="ko-KR" altLang="ko-KR" sz="1200" dirty="0">
                 <a:solidFill>
                   <a:srgbClr val="000000"/>
                 </a:solidFill>
@@ -17077,7 +16908,7 @@
               </a:rPr>
               <a:t>() )</a:t>
             </a:r>
-            <a:endParaRPr kumimoji="0" lang="en-US" altLang="ko-KR" sz="1200" dirty="0" smtClean="0">
+            <a:endParaRPr kumimoji="0" lang="en-US" altLang="ko-KR" sz="1200" dirty="0">
               <a:solidFill>
                 <a:srgbClr val="000000"/>
               </a:solidFill>
@@ -17087,18 +16918,8 @@
           </a:p>
           <a:p>
             <a:pPr lvl="0"/>
-            <a:r>
-              <a:rPr kumimoji="0" lang="ko-KR" altLang="ko-KR" sz="1200" dirty="0" smtClean="0">
-                <a:solidFill>
-                  <a:srgbClr val="000000"/>
-                </a:solidFill>
-                <a:latin typeface="굴림체" panose="020B0609000101010101" pitchFamily="49" charset="-127"/>
-                <a:ea typeface="굴림체" panose="020B0609000101010101" pitchFamily="49" charset="-127"/>
-              </a:rPr>
-              <a:t/>
-            </a:r>
             <a:br>
-              <a:rPr kumimoji="0" lang="ko-KR" altLang="ko-KR" sz="1200" dirty="0" smtClean="0">
+              <a:rPr kumimoji="0" lang="ko-KR" altLang="ko-KR" sz="1200" dirty="0">
                 <a:solidFill>
                   <a:srgbClr val="000000"/>
                 </a:solidFill>
@@ -17107,7 +16928,7 @@
               </a:rPr>
             </a:br>
             <a:r>
-              <a:rPr kumimoji="0" lang="ko-KR" altLang="ko-KR" sz="1200" dirty="0" err="1" smtClean="0">
+              <a:rPr kumimoji="0" lang="ko-KR" altLang="ko-KR" sz="1200" dirty="0" err="1">
                 <a:solidFill>
                   <a:srgbClr val="000000"/>
                 </a:solidFill>
@@ -17117,7 +16938,7 @@
               <a:t>bot.message_loop</a:t>
             </a:r>
             <a:r>
-              <a:rPr kumimoji="0" lang="ko-KR" altLang="ko-KR" sz="1200" dirty="0" smtClean="0">
+              <a:rPr kumimoji="0" lang="ko-KR" altLang="ko-KR" sz="1200" dirty="0">
                 <a:solidFill>
                   <a:srgbClr val="000000"/>
                 </a:solidFill>
@@ -17127,7 +16948,7 @@
               <a:t>(</a:t>
             </a:r>
             <a:r>
-              <a:rPr kumimoji="0" lang="ko-KR" altLang="ko-KR" sz="1200" dirty="0" err="1" smtClean="0">
+              <a:rPr kumimoji="0" lang="ko-KR" altLang="ko-KR" sz="1200" dirty="0" err="1">
                 <a:solidFill>
                   <a:srgbClr val="000000"/>
                 </a:solidFill>
@@ -17137,7 +16958,7 @@
               <a:t>handle</a:t>
             </a:r>
             <a:r>
-              <a:rPr kumimoji="0" lang="ko-KR" altLang="ko-KR" sz="1200" dirty="0" smtClean="0">
+              <a:rPr kumimoji="0" lang="ko-KR" altLang="ko-KR" sz="1200" dirty="0">
                 <a:solidFill>
                   <a:srgbClr val="000000"/>
                 </a:solidFill>
@@ -17146,7 +16967,7 @@
               </a:rPr>
               <a:t>)</a:t>
             </a:r>
-            <a:endParaRPr kumimoji="0" lang="en-US" altLang="ko-KR" sz="1200" dirty="0" smtClean="0">
+            <a:endParaRPr kumimoji="0" lang="en-US" altLang="ko-KR" sz="1200" dirty="0">
               <a:solidFill>
                 <a:srgbClr val="000000"/>
               </a:solidFill>
@@ -17156,18 +16977,8 @@
           </a:p>
           <a:p>
             <a:pPr lvl="0"/>
-            <a:r>
-              <a:rPr kumimoji="0" lang="ko-KR" altLang="ko-KR" sz="1200" dirty="0" smtClean="0">
-                <a:solidFill>
-                  <a:srgbClr val="000000"/>
-                </a:solidFill>
-                <a:latin typeface="굴림체" panose="020B0609000101010101" pitchFamily="49" charset="-127"/>
-                <a:ea typeface="굴림체" panose="020B0609000101010101" pitchFamily="49" charset="-127"/>
-              </a:rPr>
-              <a:t/>
-            </a:r>
             <a:br>
-              <a:rPr kumimoji="0" lang="ko-KR" altLang="ko-KR" sz="1200" dirty="0" smtClean="0">
+              <a:rPr kumimoji="0" lang="ko-KR" altLang="ko-KR" sz="1200" dirty="0">
                 <a:solidFill>
                   <a:srgbClr val="000000"/>
                 </a:solidFill>
@@ -17176,7 +16987,7 @@
               </a:rPr>
             </a:br>
             <a:r>
-              <a:rPr kumimoji="0" lang="ko-KR" altLang="ko-KR" sz="1200" dirty="0" err="1" smtClean="0">
+              <a:rPr kumimoji="0" lang="ko-KR" altLang="ko-KR" sz="1200" dirty="0" err="1">
                 <a:solidFill>
                   <a:srgbClr val="000080"/>
                 </a:solidFill>
@@ -17186,7 +16997,7 @@
               <a:t>print</a:t>
             </a:r>
             <a:r>
-              <a:rPr kumimoji="0" lang="ko-KR" altLang="ko-KR" sz="1200" dirty="0" smtClean="0">
+              <a:rPr kumimoji="0" lang="ko-KR" altLang="ko-KR" sz="1200" dirty="0">
                 <a:solidFill>
                   <a:srgbClr val="000000"/>
                 </a:solidFill>
@@ -17196,7 +17007,7 @@
               <a:t>(</a:t>
             </a:r>
             <a:r>
-              <a:rPr kumimoji="0" lang="ko-KR" altLang="ko-KR" sz="1200" b="1" dirty="0" smtClean="0">
+              <a:rPr kumimoji="0" lang="ko-KR" altLang="ko-KR" sz="1200" b="1" dirty="0">
                 <a:solidFill>
                   <a:srgbClr val="008080"/>
                 </a:solidFill>
@@ -17206,7 +17017,7 @@
               <a:t>'</a:t>
             </a:r>
             <a:r>
-              <a:rPr kumimoji="0" lang="ko-KR" altLang="ko-KR" sz="1200" b="1" dirty="0" err="1" smtClean="0">
+              <a:rPr kumimoji="0" lang="ko-KR" altLang="ko-KR" sz="1200" b="1" dirty="0" err="1">
                 <a:solidFill>
                   <a:srgbClr val="008080"/>
                 </a:solidFill>
@@ -17216,7 +17027,7 @@
               <a:t>Listening</a:t>
             </a:r>
             <a:r>
-              <a:rPr kumimoji="0" lang="ko-KR" altLang="ko-KR" sz="1200" b="1" dirty="0" smtClean="0">
+              <a:rPr kumimoji="0" lang="ko-KR" altLang="ko-KR" sz="1200" b="1" dirty="0">
                 <a:solidFill>
                   <a:srgbClr val="008080"/>
                 </a:solidFill>
@@ -17226,7 +17037,7 @@
               <a:t>...'</a:t>
             </a:r>
             <a:r>
-              <a:rPr kumimoji="0" lang="ko-KR" altLang="ko-KR" sz="1200" dirty="0" smtClean="0">
+              <a:rPr kumimoji="0" lang="ko-KR" altLang="ko-KR" sz="1200" dirty="0">
                 <a:solidFill>
                   <a:srgbClr val="000000"/>
                 </a:solidFill>
@@ -17236,7 +17047,7 @@
               <a:t>)</a:t>
             </a:r>
             <a:br>
-              <a:rPr kumimoji="0" lang="ko-KR" altLang="ko-KR" sz="1200" dirty="0" smtClean="0">
+              <a:rPr kumimoji="0" lang="ko-KR" altLang="ko-KR" sz="1200" dirty="0">
                 <a:solidFill>
                   <a:srgbClr val="000000"/>
                 </a:solidFill>
@@ -17244,18 +17055,8 @@
                 <a:ea typeface="굴림체" panose="020B0609000101010101" pitchFamily="49" charset="-127"/>
               </a:rPr>
             </a:br>
-            <a:r>
-              <a:rPr kumimoji="0" lang="ko-KR" altLang="ko-KR" sz="1200" dirty="0" smtClean="0">
-                <a:solidFill>
-                  <a:srgbClr val="000000"/>
-                </a:solidFill>
-                <a:latin typeface="굴림체" panose="020B0609000101010101" pitchFamily="49" charset="-127"/>
-                <a:ea typeface="굴림체" panose="020B0609000101010101" pitchFamily="49" charset="-127"/>
-              </a:rPr>
-              <a:t/>
-            </a:r>
             <a:br>
-              <a:rPr kumimoji="0" lang="ko-KR" altLang="ko-KR" sz="1200" dirty="0" smtClean="0">
+              <a:rPr kumimoji="0" lang="ko-KR" altLang="ko-KR" sz="1200" dirty="0">
                 <a:solidFill>
                   <a:srgbClr val="000000"/>
                 </a:solidFill>
@@ -17264,7 +17065,7 @@
               </a:rPr>
             </a:br>
             <a:r>
-              <a:rPr kumimoji="0" lang="ko-KR" altLang="ko-KR" sz="1200" b="1" dirty="0" err="1" smtClean="0">
+              <a:rPr kumimoji="0" lang="ko-KR" altLang="ko-KR" sz="1200" b="1" dirty="0" err="1">
                 <a:solidFill>
                   <a:srgbClr val="000080"/>
                 </a:solidFill>
@@ -17274,7 +17075,7 @@
               <a:t>while</a:t>
             </a:r>
             <a:r>
-              <a:rPr kumimoji="0" lang="ko-KR" altLang="ko-KR" sz="1200" b="1" dirty="0" smtClean="0">
+              <a:rPr kumimoji="0" lang="ko-KR" altLang="ko-KR" sz="1200" b="1" dirty="0">
                 <a:solidFill>
                   <a:srgbClr val="000080"/>
                 </a:solidFill>
@@ -17284,7 +17085,7 @@
               <a:t> </a:t>
             </a:r>
             <a:r>
-              <a:rPr kumimoji="0" lang="ko-KR" altLang="ko-KR" sz="1200" dirty="0" smtClean="0">
+              <a:rPr kumimoji="0" lang="ko-KR" altLang="ko-KR" sz="1200" dirty="0">
                 <a:solidFill>
                   <a:srgbClr val="0000FF"/>
                 </a:solidFill>
@@ -17294,7 +17095,7 @@
               <a:t>1</a:t>
             </a:r>
             <a:r>
-              <a:rPr kumimoji="0" lang="ko-KR" altLang="ko-KR" sz="1200" dirty="0" smtClean="0">
+              <a:rPr kumimoji="0" lang="ko-KR" altLang="ko-KR" sz="1200" dirty="0">
                 <a:solidFill>
                   <a:srgbClr val="000000"/>
                 </a:solidFill>
@@ -17304,7 +17105,7 @@
               <a:t>:</a:t>
             </a:r>
             <a:br>
-              <a:rPr kumimoji="0" lang="ko-KR" altLang="ko-KR" sz="1200" dirty="0" smtClean="0">
+              <a:rPr kumimoji="0" lang="ko-KR" altLang="ko-KR" sz="1200" dirty="0">
                 <a:solidFill>
                   <a:srgbClr val="000000"/>
                 </a:solidFill>
@@ -17313,7 +17114,7 @@
               </a:rPr>
             </a:br>
             <a:r>
-              <a:rPr kumimoji="0" lang="ko-KR" altLang="ko-KR" sz="1200" dirty="0" smtClean="0">
+              <a:rPr kumimoji="0" lang="ko-KR" altLang="ko-KR" sz="1200" dirty="0">
                 <a:solidFill>
                   <a:srgbClr val="000000"/>
                 </a:solidFill>
@@ -17323,7 +17124,7 @@
               <a:t>  </a:t>
             </a:r>
             <a:r>
-              <a:rPr kumimoji="0" lang="ko-KR" altLang="ko-KR" sz="1200" dirty="0" err="1" smtClean="0">
+              <a:rPr kumimoji="0" lang="ko-KR" altLang="ko-KR" sz="1200" dirty="0" err="1">
                 <a:solidFill>
                   <a:srgbClr val="000000"/>
                 </a:solidFill>
@@ -17333,7 +17134,7 @@
               <a:t>time.sleep</a:t>
             </a:r>
             <a:r>
-              <a:rPr kumimoji="0" lang="ko-KR" altLang="ko-KR" sz="1200" dirty="0" smtClean="0">
+              <a:rPr kumimoji="0" lang="ko-KR" altLang="ko-KR" sz="1200" dirty="0">
                 <a:solidFill>
                   <a:srgbClr val="000000"/>
                 </a:solidFill>
@@ -17343,7 +17144,7 @@
               <a:t>(</a:t>
             </a:r>
             <a:r>
-              <a:rPr kumimoji="0" lang="ko-KR" altLang="ko-KR" sz="1200" dirty="0" smtClean="0">
+              <a:rPr kumimoji="0" lang="ko-KR" altLang="ko-KR" sz="1200" dirty="0">
                 <a:solidFill>
                   <a:srgbClr val="0000FF"/>
                 </a:solidFill>
@@ -17353,7 +17154,7 @@
               <a:t>10</a:t>
             </a:r>
             <a:r>
-              <a:rPr kumimoji="0" lang="ko-KR" altLang="ko-KR" sz="1200" dirty="0" smtClean="0">
+              <a:rPr kumimoji="0" lang="ko-KR" altLang="ko-KR" sz="1200" dirty="0">
                 <a:solidFill>
                   <a:srgbClr val="000000"/>
                 </a:solidFill>
@@ -17619,23 +17420,23 @@
               <a:buChar char="§"/>
             </a:pPr>
             <a:r>
-              <a:rPr lang="en-US" altLang="ko-KR" sz="2000" b="1" dirty="0" smtClean="0"/>
+              <a:rPr lang="en-US" altLang="ko-KR" sz="2000" b="1" dirty="0"/>
               <a:t>3</a:t>
             </a:r>
             <a:r>
-              <a:rPr lang="ko-KR" altLang="en-US" sz="2000" b="1" dirty="0" smtClean="0"/>
+              <a:rPr lang="ko-KR" altLang="en-US" sz="2000" b="1" dirty="0"/>
               <a:t>부 </a:t>
             </a:r>
             <a:r>
-              <a:rPr lang="en-US" altLang="ko-KR" sz="2000" b="1" dirty="0" smtClean="0"/>
+              <a:rPr lang="en-US" altLang="ko-KR" sz="2000" b="1" dirty="0"/>
               <a:t>25</a:t>
             </a:r>
             <a:r>
-              <a:rPr lang="ko-KR" altLang="en-US" sz="2000" b="1" dirty="0" smtClean="0"/>
+              <a:rPr lang="ko-KR" altLang="en-US" sz="2000" b="1" dirty="0"/>
               <a:t>장</a:t>
             </a:r>
             <a:r>
-              <a:rPr lang="en-US" altLang="ko-KR" sz="2000" b="1" dirty="0" smtClean="0"/>
+              <a:rPr lang="en-US" altLang="ko-KR" sz="2000" b="1" dirty="0"/>
               <a:t>: teller.py</a:t>
             </a:r>
           </a:p>
@@ -17646,49 +17447,45 @@
             </a:pPr>
             <a:r>
               <a:rPr lang="en-US" altLang="ko-KR" sz="1800" dirty="0"/>
-              <a:t>t</a:t>
-            </a:r>
-            <a:r>
-              <a:rPr lang="en-US" altLang="ko-KR" sz="1800" dirty="0" smtClean="0"/>
-              <a:t>eller.py</a:t>
-            </a:r>
-            <a:r>
-              <a:rPr lang="ko-KR" altLang="en-US" sz="1800" dirty="0" smtClean="0"/>
+              <a:t>teller.py</a:t>
+            </a:r>
+            <a:r>
+              <a:rPr lang="ko-KR" altLang="en-US" sz="1800" dirty="0"/>
               <a:t>를 실행하고 </a:t>
             </a:r>
             <a:r>
-              <a:rPr lang="ko-KR" altLang="en-US" sz="1800" dirty="0" err="1" smtClean="0"/>
+              <a:rPr lang="ko-KR" altLang="en-US" sz="1800" dirty="0" err="1"/>
               <a:t>텔레그램에서</a:t>
             </a:r>
             <a:r>
-              <a:rPr lang="ko-KR" altLang="en-US" sz="1800" dirty="0" smtClean="0"/>
+              <a:rPr lang="ko-KR" altLang="en-US" sz="1800" dirty="0"/>
               <a:t> </a:t>
             </a:r>
             <a:r>
-              <a:rPr lang="en-US" altLang="ko-KR" sz="1800" dirty="0" smtClean="0"/>
+              <a:rPr lang="en-US" altLang="ko-KR" sz="1800" dirty="0"/>
               <a:t>“</a:t>
             </a:r>
             <a:r>
-              <a:rPr lang="ko-KR" altLang="en-US" sz="1800" dirty="0" smtClean="0"/>
+              <a:rPr lang="ko-KR" altLang="en-US" sz="1800" dirty="0"/>
               <a:t>지역 </a:t>
             </a:r>
             <a:r>
-              <a:rPr lang="en-US" altLang="ko-KR" sz="1800" dirty="0" smtClean="0"/>
+              <a:rPr lang="en-US" altLang="ko-KR" sz="1800" dirty="0"/>
               <a:t>11650 “ (</a:t>
             </a:r>
             <a:r>
-              <a:rPr lang="ko-KR" altLang="en-US" sz="1800" dirty="0" smtClean="0"/>
+              <a:rPr lang="ko-KR" altLang="en-US" sz="1800" dirty="0"/>
               <a:t>서초구</a:t>
             </a:r>
             <a:r>
-              <a:rPr lang="en-US" altLang="ko-KR" sz="1800" dirty="0" smtClean="0"/>
+              <a:rPr lang="en-US" altLang="ko-KR" sz="1800" dirty="0"/>
               <a:t>) </a:t>
             </a:r>
             <a:r>
-              <a:rPr lang="ko-KR" altLang="en-US" sz="1800" dirty="0" smtClean="0"/>
+              <a:rPr lang="ko-KR" altLang="en-US" sz="1800" dirty="0"/>
               <a:t>입력 예</a:t>
             </a:r>
-            <a:endParaRPr lang="en-US" altLang="ko-KR" sz="1600" b="1" dirty="0" smtClean="0">
+            <a:endParaRPr lang="en-US" altLang="ko-KR" sz="1600" b="1" dirty="0">
               <a:solidFill>
                 <a:schemeClr val="accent2"/>
               </a:solidFill>
@@ -17822,11 +17619,7 @@
             </a:pPr>
             <a:r>
               <a:rPr lang="en-US" altLang="ko-KR" sz="1200" dirty="0"/>
-              <a:t> </a:t>
-            </a:r>
-            <a:r>
-              <a:rPr lang="en-US" altLang="ko-KR" sz="1200" dirty="0" smtClean="0"/>
-              <a:t>25-</a:t>
+              <a:t> 25-</a:t>
             </a:r>
             <a:fld id="{E543E660-5BD7-4DE8-B2D5-3B53773227AF}" type="slidenum">
               <a:rPr lang="en-US" altLang="ko-KR" sz="1200" smtClean="0">
@@ -18102,7 +17895,7 @@
               <a:buNone/>
               <a:tabLst/>
             </a:pPr>
-            <a:endParaRPr kumimoji="0" lang="ko-KR" altLang="ko-KR" sz="1800" b="0" i="0" u="none" strike="noStrike" cap="none" normalizeH="0" baseline="0" dirty="0" smtClean="0">
+            <a:endParaRPr kumimoji="0" lang="ko-KR" altLang="ko-KR" sz="1800" b="0" i="0" u="none" strike="noStrike" cap="none" normalizeH="0" baseline="0" dirty="0">
               <a:ln>
                 <a:noFill/>
               </a:ln>
@@ -18422,23 +18215,23 @@
               <a:buChar char="§"/>
             </a:pPr>
             <a:r>
-              <a:rPr lang="en-US" altLang="ko-KR" sz="2000" b="1" dirty="0" smtClean="0"/>
+              <a:rPr lang="en-US" altLang="ko-KR" sz="2000" b="1" dirty="0"/>
               <a:t>3</a:t>
             </a:r>
             <a:r>
-              <a:rPr lang="ko-KR" altLang="en-US" sz="2000" b="1" dirty="0" smtClean="0"/>
+              <a:rPr lang="ko-KR" altLang="en-US" sz="2000" b="1" dirty="0"/>
               <a:t>부 </a:t>
             </a:r>
             <a:r>
-              <a:rPr lang="en-US" altLang="ko-KR" sz="2000" b="1" dirty="0" smtClean="0"/>
+              <a:rPr lang="en-US" altLang="ko-KR" sz="2000" b="1" dirty="0"/>
               <a:t>25</a:t>
             </a:r>
             <a:r>
-              <a:rPr lang="ko-KR" altLang="en-US" sz="2000" b="1" dirty="0" smtClean="0"/>
+              <a:rPr lang="ko-KR" altLang="en-US" sz="2000" b="1" dirty="0"/>
               <a:t>장</a:t>
             </a:r>
             <a:r>
-              <a:rPr lang="en-US" altLang="ko-KR" sz="2000" b="1" dirty="0" smtClean="0"/>
+              <a:rPr lang="en-US" altLang="ko-KR" sz="2000" b="1" dirty="0"/>
               <a:t>: teller.py</a:t>
             </a:r>
           </a:p>
@@ -18448,38 +18241,38 @@
               <a:buChar char="§"/>
             </a:pPr>
             <a:r>
-              <a:rPr lang="en-US" altLang="ko-KR" sz="1800" dirty="0" err="1" smtClean="0"/>
+              <a:rPr lang="en-US" altLang="ko-KR" sz="1800" dirty="0" err="1"/>
               <a:t>replayAtpData</a:t>
             </a:r>
             <a:r>
-              <a:rPr lang="en-US" altLang="ko-KR" sz="1800" dirty="0" smtClean="0"/>
+              <a:rPr lang="en-US" altLang="ko-KR" sz="1800" dirty="0"/>
               <a:t>() </a:t>
             </a:r>
             <a:r>
-              <a:rPr lang="ko-KR" altLang="en-US" sz="1800" dirty="0" err="1" smtClean="0"/>
+              <a:rPr lang="ko-KR" altLang="en-US" sz="1800" dirty="0" err="1"/>
               <a:t>입력인자로</a:t>
             </a:r>
             <a:r>
-              <a:rPr lang="ko-KR" altLang="en-US" sz="1800" dirty="0" smtClean="0"/>
+              <a:rPr lang="ko-KR" altLang="en-US" sz="1800" dirty="0"/>
               <a:t> 날짜</a:t>
             </a:r>
             <a:r>
-              <a:rPr lang="en-US" altLang="ko-KR" sz="1800" dirty="0" smtClean="0"/>
+              <a:rPr lang="en-US" altLang="ko-KR" sz="1800" dirty="0"/>
               <a:t>, </a:t>
             </a:r>
             <a:r>
-              <a:rPr lang="ko-KR" altLang="en-US" sz="1800" dirty="0" err="1" smtClean="0"/>
+              <a:rPr lang="ko-KR" altLang="en-US" sz="1800" dirty="0" err="1"/>
               <a:t>유저정보</a:t>
             </a:r>
             <a:r>
-              <a:rPr lang="en-US" altLang="ko-KR" sz="1800" dirty="0" smtClean="0"/>
+              <a:rPr lang="en-US" altLang="ko-KR" sz="1800" dirty="0"/>
               <a:t>, </a:t>
             </a:r>
             <a:r>
-              <a:rPr lang="ko-KR" altLang="en-US" sz="1800" dirty="0" smtClean="0"/>
+              <a:rPr lang="ko-KR" altLang="en-US" sz="1800" dirty="0"/>
               <a:t>지역코드를 받음</a:t>
             </a:r>
-            <a:endParaRPr lang="en-US" altLang="ko-KR" sz="1800" dirty="0" smtClean="0"/>
+            <a:endParaRPr lang="en-US" altLang="ko-KR" sz="1800" dirty="0"/>
           </a:p>
           <a:p>
             <a:pPr lvl="1" eaLnBrk="1" hangingPunct="1">
@@ -18487,7 +18280,7 @@
               <a:buChar char="§"/>
             </a:pPr>
             <a:r>
-              <a:rPr lang="en-US" altLang="ko-KR" sz="1600" b="1" dirty="0" err="1" smtClean="0">
+              <a:rPr lang="en-US" altLang="ko-KR" sz="1600" b="1" dirty="0" err="1">
                 <a:solidFill>
                   <a:schemeClr val="accent2"/>
                 </a:solidFill>
@@ -18495,7 +18288,7 @@
               <a:t>noti.getData</a:t>
             </a:r>
             <a:r>
-              <a:rPr lang="en-US" altLang="ko-KR" sz="1600" b="1" dirty="0" smtClean="0">
+              <a:rPr lang="en-US" altLang="ko-KR" sz="1600" b="1" dirty="0">
                 <a:solidFill>
                   <a:schemeClr val="accent2"/>
                 </a:solidFill>
@@ -18503,7 +18296,7 @@
               <a:t>(). </a:t>
             </a:r>
             <a:r>
-              <a:rPr lang="en-US" altLang="ko-KR" sz="1600" b="1" dirty="0" err="1" smtClean="0">
+              <a:rPr lang="en-US" altLang="ko-KR" sz="1600" b="1" dirty="0" err="1">
                 <a:solidFill>
                   <a:schemeClr val="accent2"/>
                 </a:solidFill>
@@ -18511,7 +18304,7 @@
               <a:t>Noti.sendMessage</a:t>
             </a:r>
             <a:r>
-              <a:rPr lang="en-US" altLang="ko-KR" sz="1600" b="1" dirty="0" smtClean="0">
+              <a:rPr lang="en-US" altLang="ko-KR" sz="1600" b="1" dirty="0">
                 <a:solidFill>
                   <a:schemeClr val="accent2"/>
                 </a:solidFill>
@@ -18519,7 +18312,7 @@
               <a:t>() </a:t>
             </a:r>
             <a:r>
-              <a:rPr lang="ko-KR" altLang="en-US" sz="1600" b="1" dirty="0" smtClean="0">
+              <a:rPr lang="ko-KR" altLang="en-US" sz="1600" b="1" dirty="0">
                 <a:solidFill>
                   <a:schemeClr val="accent2"/>
                 </a:solidFill>
@@ -18535,7 +18328,7 @@
               <a:t> </a:t>
             </a:r>
             <a:r>
-              <a:rPr lang="ko-KR" altLang="en-US" sz="1600" b="1" dirty="0" smtClean="0">
+              <a:rPr lang="ko-KR" altLang="en-US" sz="1600" b="1" dirty="0">
                 <a:solidFill>
                   <a:schemeClr val="accent2"/>
                 </a:solidFill>
@@ -18676,11 +18469,7 @@
             </a:pPr>
             <a:r>
               <a:rPr lang="en-US" altLang="ko-KR" sz="1200" dirty="0"/>
-              <a:t> </a:t>
-            </a:r>
-            <a:r>
-              <a:rPr lang="en-US" altLang="ko-KR" sz="1200" dirty="0" smtClean="0"/>
-              <a:t>25-</a:t>
+              <a:t> 25-</a:t>
             </a:r>
             <a:fld id="{E543E660-5BD7-4DE8-B2D5-3B53773227AF}" type="slidenum">
               <a:rPr lang="en-US" altLang="ko-KR" sz="1200" smtClean="0">
@@ -18960,16 +18749,6 @@
               </a:rPr>
               <a:t>noti</a:t>
             </a:r>
-            <a:r>
-              <a:rPr kumimoji="0" lang="ko-KR" altLang="ko-KR" sz="1400" dirty="0">
-                <a:solidFill>
-                  <a:srgbClr val="000000"/>
-                </a:solidFill>
-                <a:latin typeface="굴림체" panose="020B0609000101010101" pitchFamily="49" charset="-127"/>
-                <a:ea typeface="굴림체" panose="020B0609000101010101" pitchFamily="49" charset="-127"/>
-              </a:rPr>
-              <a:t/>
-            </a:r>
             <a:br>
               <a:rPr kumimoji="0" lang="ko-KR" altLang="ko-KR" sz="1400" dirty="0">
                 <a:solidFill>
@@ -18979,16 +18758,6 @@
                 <a:ea typeface="굴림체" panose="020B0609000101010101" pitchFamily="49" charset="-127"/>
               </a:rPr>
             </a:br>
-            <a:r>
-              <a:rPr kumimoji="0" lang="ko-KR" altLang="ko-KR" sz="1400" dirty="0">
-                <a:solidFill>
-                  <a:srgbClr val="000000"/>
-                </a:solidFill>
-                <a:latin typeface="굴림체" panose="020B0609000101010101" pitchFamily="49" charset="-127"/>
-                <a:ea typeface="굴림체" panose="020B0609000101010101" pitchFamily="49" charset="-127"/>
-              </a:rPr>
-              <a:t/>
-            </a:r>
             <a:br>
               <a:rPr kumimoji="0" lang="ko-KR" altLang="ko-KR" sz="1400" dirty="0">
                 <a:solidFill>
@@ -18999,7 +18768,7 @@
               </a:rPr>
             </a:br>
             <a:r>
-              <a:rPr kumimoji="0" lang="ko-KR" altLang="ko-KR" sz="1400" b="1" dirty="0" err="1" smtClean="0">
+              <a:rPr kumimoji="0" lang="ko-KR" altLang="ko-KR" sz="1400" b="1" dirty="0" err="1">
                 <a:solidFill>
                   <a:srgbClr val="000080"/>
                 </a:solidFill>
@@ -19009,7 +18778,7 @@
               <a:t>def</a:t>
             </a:r>
             <a:r>
-              <a:rPr kumimoji="0" lang="ko-KR" altLang="ko-KR" sz="1400" b="1" dirty="0" smtClean="0">
+              <a:rPr kumimoji="0" lang="ko-KR" altLang="ko-KR" sz="1400" b="1" dirty="0">
                 <a:solidFill>
                   <a:srgbClr val="000080"/>
                 </a:solidFill>
@@ -20442,7 +20211,7 @@
               <a:buNone/>
               <a:tabLst/>
             </a:pPr>
-            <a:endParaRPr kumimoji="0" lang="ko-KR" altLang="ko-KR" sz="1800" b="0" i="0" u="none" strike="noStrike" cap="none" normalizeH="0" baseline="0" dirty="0" smtClean="0">
+            <a:endParaRPr kumimoji="0" lang="ko-KR" altLang="ko-KR" sz="1800" b="0" i="0" u="none" strike="noStrike" cap="none" normalizeH="0" baseline="0" dirty="0">
               <a:ln>
                 <a:noFill/>
               </a:ln>
@@ -20525,7 +20294,7 @@
               <a:buNone/>
               <a:tabLst/>
             </a:pPr>
-            <a:endParaRPr kumimoji="0" lang="ko-KR" altLang="ko-KR" sz="1800" b="0" i="0" u="none" strike="noStrike" cap="none" normalizeH="0" baseline="0" dirty="0" smtClean="0">
+            <a:endParaRPr kumimoji="0" lang="ko-KR" altLang="ko-KR" sz="1800" b="0" i="0" u="none" strike="noStrike" cap="none" normalizeH="0" baseline="0" dirty="0">
               <a:ln>
                 <a:noFill/>
               </a:ln>
@@ -20786,23 +20555,23 @@
               <a:buChar char="§"/>
             </a:pPr>
             <a:r>
-              <a:rPr lang="en-US" altLang="ko-KR" sz="2000" b="1" dirty="0" smtClean="0"/>
+              <a:rPr lang="en-US" altLang="ko-KR" sz="2000" b="1" dirty="0"/>
               <a:t>3</a:t>
             </a:r>
             <a:r>
-              <a:rPr lang="ko-KR" altLang="en-US" sz="2000" b="1" dirty="0" smtClean="0"/>
+              <a:rPr lang="ko-KR" altLang="en-US" sz="2000" b="1" dirty="0"/>
               <a:t>부 </a:t>
             </a:r>
             <a:r>
-              <a:rPr lang="en-US" altLang="ko-KR" sz="2000" b="1" dirty="0" smtClean="0"/>
+              <a:rPr lang="en-US" altLang="ko-KR" sz="2000" b="1" dirty="0"/>
               <a:t>25</a:t>
             </a:r>
             <a:r>
-              <a:rPr lang="ko-KR" altLang="en-US" sz="2000" b="1" dirty="0" smtClean="0"/>
+              <a:rPr lang="ko-KR" altLang="en-US" sz="2000" b="1" dirty="0"/>
               <a:t>장</a:t>
             </a:r>
             <a:r>
-              <a:rPr lang="en-US" altLang="ko-KR" sz="2000" b="1" dirty="0" smtClean="0"/>
+              <a:rPr lang="en-US" altLang="ko-KR" sz="2000" b="1" dirty="0"/>
               <a:t>: noti.py</a:t>
             </a:r>
           </a:p>
@@ -20812,7 +20581,7 @@
               <a:buChar char="§"/>
             </a:pPr>
             <a:r>
-              <a:rPr lang="ko-KR" altLang="en-US" sz="1600" b="1" dirty="0" smtClean="0">
+              <a:rPr lang="ko-KR" altLang="en-US" sz="1600" b="1" dirty="0">
                 <a:solidFill>
                   <a:schemeClr val="accent2"/>
                 </a:solidFill>
@@ -20820,7 +20589,7 @@
               <a:t>공공데이터포털 </a:t>
             </a:r>
             <a:r>
-              <a:rPr lang="en-US" altLang="ko-KR" sz="1600" b="1" dirty="0" smtClean="0">
+              <a:rPr lang="en-US" altLang="ko-KR" sz="1600" b="1" dirty="0">
                 <a:solidFill>
                   <a:schemeClr val="accent2"/>
                 </a:solidFill>
@@ -20828,7 +20597,7 @@
               <a:t>API </a:t>
             </a:r>
             <a:r>
-              <a:rPr lang="ko-KR" altLang="en-US" sz="1600" b="1" dirty="0" smtClean="0">
+              <a:rPr lang="ko-KR" altLang="en-US" sz="1600" b="1" dirty="0">
                 <a:solidFill>
                   <a:schemeClr val="accent2"/>
                 </a:solidFill>
@@ -20836,7 +20605,7 @@
               <a:t>키</a:t>
             </a:r>
             <a:r>
-              <a:rPr lang="en-US" altLang="ko-KR" sz="1600" b="1" dirty="0" smtClean="0">
+              <a:rPr lang="en-US" altLang="ko-KR" sz="1600" b="1" dirty="0">
                 <a:solidFill>
                   <a:schemeClr val="accent2"/>
                 </a:solidFill>
@@ -20844,7 +20613,7 @@
               <a:t>, </a:t>
             </a:r>
             <a:r>
-              <a:rPr lang="ko-KR" altLang="en-US" sz="1600" b="1" dirty="0" err="1" smtClean="0">
+              <a:rPr lang="ko-KR" altLang="en-US" sz="1600" b="1" dirty="0" err="1">
                 <a:solidFill>
                   <a:schemeClr val="accent2"/>
                 </a:solidFill>
@@ -20852,7 +20621,7 @@
               <a:t>텔레그램</a:t>
             </a:r>
             <a:r>
-              <a:rPr lang="ko-KR" altLang="en-US" sz="1600" b="1" dirty="0" smtClean="0">
+              <a:rPr lang="ko-KR" altLang="en-US" sz="1600" b="1" dirty="0">
                 <a:solidFill>
                   <a:schemeClr val="accent2"/>
                 </a:solidFill>
@@ -20860,7 +20629,7 @@
               <a:t> 토큰</a:t>
             </a:r>
             <a:r>
-              <a:rPr lang="en-US" altLang="ko-KR" sz="1600" b="1" dirty="0" smtClean="0">
+              <a:rPr lang="en-US" altLang="ko-KR" sz="1600" b="1" dirty="0">
                 <a:solidFill>
                   <a:schemeClr val="accent2"/>
                 </a:solidFill>
@@ -20868,7 +20637,7 @@
               <a:t>, user </a:t>
             </a:r>
             <a:r>
-              <a:rPr lang="en-US" altLang="ko-KR" sz="1600" b="1" dirty="0" err="1" smtClean="0">
+              <a:rPr lang="en-US" altLang="ko-KR" sz="1600" b="1" dirty="0" err="1">
                 <a:solidFill>
                   <a:schemeClr val="accent2"/>
                 </a:solidFill>
@@ -20876,7 +20645,7 @@
               <a:t>chat_ID</a:t>
             </a:r>
             <a:r>
-              <a:rPr lang="en-US" altLang="ko-KR" sz="1600" b="1" dirty="0" smtClean="0">
+              <a:rPr lang="en-US" altLang="ko-KR" sz="1600" b="1" dirty="0">
                 <a:solidFill>
                   <a:schemeClr val="accent2"/>
                 </a:solidFill>
@@ -20884,14 +20653,14 @@
               <a:t> </a:t>
             </a:r>
             <a:r>
-              <a:rPr lang="ko-KR" altLang="en-US" sz="1600" b="1" dirty="0" smtClean="0">
+              <a:rPr lang="ko-KR" altLang="en-US" sz="1600" b="1" dirty="0">
                 <a:solidFill>
                   <a:schemeClr val="accent2"/>
                 </a:solidFill>
               </a:rPr>
               <a:t>등을 채워 넣어야 함</a:t>
             </a:r>
-            <a:endParaRPr lang="en-US" altLang="ko-KR" sz="1600" b="1" dirty="0" smtClean="0">
+            <a:endParaRPr lang="en-US" altLang="ko-KR" sz="1600" b="1" dirty="0">
               <a:solidFill>
                 <a:schemeClr val="accent2"/>
               </a:solidFill>
@@ -21025,11 +20794,7 @@
             </a:pPr>
             <a:r>
               <a:rPr lang="en-US" altLang="ko-KR" sz="1200" dirty="0"/>
-              <a:t> </a:t>
-            </a:r>
-            <a:r>
-              <a:rPr lang="en-US" altLang="ko-KR" sz="1200" dirty="0" smtClean="0"/>
-              <a:t>25-</a:t>
+              <a:t> 25-</a:t>
             </a:r>
             <a:fld id="{E543E660-5BD7-4DE8-B2D5-3B53773227AF}" type="slidenum">
               <a:rPr lang="en-US" altLang="ko-KR" sz="1200" smtClean="0">
@@ -21308,16 +21073,6 @@
               </a:rPr>
               <a:t>sys</a:t>
             </a:r>
-            <a:r>
-              <a:rPr kumimoji="0" lang="ko-KR" altLang="ko-KR" sz="1600" dirty="0">
-                <a:solidFill>
-                  <a:srgbClr val="000000"/>
-                </a:solidFill>
-                <a:latin typeface="굴림체" panose="020B0609000101010101" pitchFamily="49" charset="-127"/>
-                <a:ea typeface="굴림체" panose="020B0609000101010101" pitchFamily="49" charset="-127"/>
-              </a:rPr>
-              <a:t/>
-            </a:r>
             <a:br>
               <a:rPr kumimoji="0" lang="ko-KR" altLang="ko-KR" sz="1600" dirty="0">
                 <a:solidFill>
@@ -21357,16 +21112,6 @@
               </a:rPr>
               <a:t>time</a:t>
             </a:r>
-            <a:r>
-              <a:rPr kumimoji="0" lang="ko-KR" altLang="ko-KR" sz="1600" dirty="0">
-                <a:solidFill>
-                  <a:srgbClr val="000000"/>
-                </a:solidFill>
-                <a:latin typeface="굴림체" panose="020B0609000101010101" pitchFamily="49" charset="-127"/>
-                <a:ea typeface="굴림체" panose="020B0609000101010101" pitchFamily="49" charset="-127"/>
-              </a:rPr>
-              <a:t/>
-            </a:r>
             <a:br>
               <a:rPr kumimoji="0" lang="ko-KR" altLang="ko-KR" sz="1600" dirty="0">
                 <a:solidFill>
@@ -21445,16 +21190,6 @@
               </a:rPr>
               <a:t>telepot</a:t>
             </a:r>
-            <a:r>
-              <a:rPr kumimoji="0" lang="ko-KR" altLang="ko-KR" sz="1600" dirty="0">
-                <a:solidFill>
-                  <a:srgbClr val="000000"/>
-                </a:solidFill>
-                <a:latin typeface="굴림체" panose="020B0609000101010101" pitchFamily="49" charset="-127"/>
-                <a:ea typeface="굴림체" panose="020B0609000101010101" pitchFamily="49" charset="-127"/>
-              </a:rPr>
-              <a:t/>
-            </a:r>
             <a:br>
               <a:rPr kumimoji="0" lang="ko-KR" altLang="ko-KR" sz="1600" dirty="0">
                 <a:solidFill>
@@ -21534,16 +21269,6 @@
               </a:rPr>
               <a:t>pprint</a:t>
             </a:r>
-            <a:r>
-              <a:rPr kumimoji="0" lang="ko-KR" altLang="ko-KR" sz="1600" dirty="0">
-                <a:solidFill>
-                  <a:srgbClr val="000000"/>
-                </a:solidFill>
-                <a:latin typeface="굴림체" panose="020B0609000101010101" pitchFamily="49" charset="-127"/>
-                <a:ea typeface="굴림체" panose="020B0609000101010101" pitchFamily="49" charset="-127"/>
-              </a:rPr>
-              <a:t/>
-            </a:r>
             <a:br>
               <a:rPr kumimoji="0" lang="ko-KR" altLang="ko-KR" sz="1600" dirty="0">
                 <a:solidFill>
@@ -21623,16 +21348,6 @@
               </a:rPr>
               <a:t>urlopen</a:t>
             </a:r>
-            <a:r>
-              <a:rPr kumimoji="0" lang="ko-KR" altLang="ko-KR" sz="1600" dirty="0">
-                <a:solidFill>
-                  <a:srgbClr val="000000"/>
-                </a:solidFill>
-                <a:latin typeface="굴림체" panose="020B0609000101010101" pitchFamily="49" charset="-127"/>
-                <a:ea typeface="굴림체" panose="020B0609000101010101" pitchFamily="49" charset="-127"/>
-              </a:rPr>
-              <a:t/>
-            </a:r>
             <a:br>
               <a:rPr kumimoji="0" lang="ko-KR" altLang="ko-KR" sz="1600" dirty="0">
                 <a:solidFill>
@@ -21702,16 +21417,6 @@
               </a:rPr>
               <a:t>BeautifulSoup</a:t>
             </a:r>
-            <a:r>
-              <a:rPr kumimoji="0" lang="ko-KR" altLang="ko-KR" sz="1600" dirty="0">
-                <a:solidFill>
-                  <a:srgbClr val="000000"/>
-                </a:solidFill>
-                <a:latin typeface="굴림체" panose="020B0609000101010101" pitchFamily="49" charset="-127"/>
-                <a:ea typeface="굴림체" panose="020B0609000101010101" pitchFamily="49" charset="-127"/>
-              </a:rPr>
-              <a:t/>
-            </a:r>
             <a:br>
               <a:rPr kumimoji="0" lang="ko-KR" altLang="ko-KR" sz="1600" dirty="0">
                 <a:solidFill>
@@ -21751,16 +21456,6 @@
               </a:rPr>
               <a:t>re</a:t>
             </a:r>
-            <a:r>
-              <a:rPr kumimoji="0" lang="ko-KR" altLang="ko-KR" sz="1600" dirty="0">
-                <a:solidFill>
-                  <a:srgbClr val="000000"/>
-                </a:solidFill>
-                <a:latin typeface="굴림체" panose="020B0609000101010101" pitchFamily="49" charset="-127"/>
-                <a:ea typeface="굴림체" panose="020B0609000101010101" pitchFamily="49" charset="-127"/>
-              </a:rPr>
-              <a:t/>
-            </a:r>
             <a:br>
               <a:rPr kumimoji="0" lang="ko-KR" altLang="ko-KR" sz="1600" dirty="0">
                 <a:solidFill>
@@ -21880,16 +21575,6 @@
               </a:rPr>
               <a:t>timedelta</a:t>
             </a:r>
-            <a:r>
-              <a:rPr kumimoji="0" lang="ko-KR" altLang="ko-KR" sz="1600" dirty="0">
-                <a:solidFill>
-                  <a:srgbClr val="000000"/>
-                </a:solidFill>
-                <a:latin typeface="굴림체" panose="020B0609000101010101" pitchFamily="49" charset="-127"/>
-                <a:ea typeface="굴림체" panose="020B0609000101010101" pitchFamily="49" charset="-127"/>
-              </a:rPr>
-              <a:t/>
-            </a:r>
             <a:br>
               <a:rPr kumimoji="0" lang="ko-KR" altLang="ko-KR" sz="1600" dirty="0">
                 <a:solidFill>
@@ -21920,7 +21605,7 @@
               <a:t> </a:t>
             </a:r>
             <a:r>
-              <a:rPr kumimoji="0" lang="ko-KR" altLang="ko-KR" sz="1600" dirty="0" err="1" smtClean="0">
+              <a:rPr kumimoji="0" lang="ko-KR" altLang="ko-KR" sz="1600" dirty="0" err="1">
                 <a:solidFill>
                   <a:srgbClr val="000000"/>
                 </a:solidFill>
@@ -22008,7 +21693,7 @@
               <a:buNone/>
               <a:tabLst/>
             </a:pPr>
-            <a:endParaRPr kumimoji="0" lang="ko-KR" altLang="ko-KR" sz="1800" b="0" i="0" u="none" strike="noStrike" cap="none" normalizeH="0" baseline="0" dirty="0" smtClean="0">
+            <a:endParaRPr kumimoji="0" lang="ko-KR" altLang="ko-KR" sz="1800" b="0" i="0" u="none" strike="noStrike" cap="none" normalizeH="0" baseline="0" dirty="0">
               <a:ln>
                 <a:noFill/>
               </a:ln>
@@ -22091,7 +21776,7 @@
               <a:buNone/>
               <a:tabLst/>
             </a:pPr>
-            <a:endParaRPr kumimoji="0" lang="ko-KR" altLang="ko-KR" sz="1800" b="0" i="0" u="none" strike="noStrike" cap="none" normalizeH="0" baseline="0" dirty="0" smtClean="0">
+            <a:endParaRPr kumimoji="0" lang="ko-KR" altLang="ko-KR" sz="1800" b="0" i="0" u="none" strike="noStrike" cap="none" normalizeH="0" baseline="0" dirty="0">
               <a:ln>
                 <a:noFill/>
               </a:ln>
@@ -22174,7 +21859,7 @@
               <a:buNone/>
               <a:tabLst/>
             </a:pPr>
-            <a:endParaRPr kumimoji="0" lang="ko-KR" altLang="ko-KR" sz="1800" b="0" i="0" u="none" strike="noStrike" cap="none" normalizeH="0" baseline="0" dirty="0" smtClean="0">
+            <a:endParaRPr kumimoji="0" lang="ko-KR" altLang="ko-KR" sz="1800" b="0" i="0" u="none" strike="noStrike" cap="none" normalizeH="0" baseline="0" dirty="0">
               <a:ln>
                 <a:noFill/>
               </a:ln>
@@ -22257,7 +21942,7 @@
               <a:buNone/>
               <a:tabLst/>
             </a:pPr>
-            <a:endParaRPr kumimoji="0" lang="ko-KR" altLang="ko-KR" sz="1800" b="0" i="0" u="none" strike="noStrike" cap="none" normalizeH="0" baseline="0" dirty="0" smtClean="0">
+            <a:endParaRPr kumimoji="0" lang="ko-KR" altLang="ko-KR" sz="1800" b="0" i="0" u="none" strike="noStrike" cap="none" normalizeH="0" baseline="0" dirty="0">
               <a:ln>
                 <a:noFill/>
               </a:ln>
@@ -22315,7 +22000,7 @@
           <a:p>
             <a:pPr lvl="0"/>
             <a:r>
-              <a:rPr kumimoji="0" lang="ko-KR" altLang="ko-KR" sz="1600" dirty="0" err="1" smtClean="0">
+              <a:rPr kumimoji="0" lang="ko-KR" altLang="ko-KR" sz="1600" dirty="0" err="1">
                 <a:solidFill>
                   <a:srgbClr val="000000"/>
                 </a:solidFill>
@@ -22325,16 +22010,6 @@
               <a:t>key</a:t>
             </a:r>
             <a:r>
-              <a:rPr kumimoji="0" lang="ko-KR" altLang="ko-KR" sz="1600" dirty="0" smtClean="0">
-                <a:solidFill>
-                  <a:srgbClr val="000000"/>
-                </a:solidFill>
-                <a:latin typeface="굴림체" panose="020B0609000101010101" pitchFamily="49" charset="-127"/>
-                <a:ea typeface="굴림체" panose="020B0609000101010101" pitchFamily="49" charset="-127"/>
-              </a:rPr>
-              <a:t> </a:t>
-            </a:r>
-            <a:r>
               <a:rPr kumimoji="0" lang="ko-KR" altLang="ko-KR" sz="1600" dirty="0">
                 <a:solidFill>
                   <a:srgbClr val="000000"/>
@@ -22342,7 +22017,7 @@
                 <a:latin typeface="굴림체" panose="020B0609000101010101" pitchFamily="49" charset="-127"/>
                 <a:ea typeface="굴림체" panose="020B0609000101010101" pitchFamily="49" charset="-127"/>
               </a:rPr>
-              <a:t>= </a:t>
+              <a:t> = </a:t>
             </a:r>
             <a:r>
               <a:rPr kumimoji="0" lang="ko-KR" altLang="ko-KR" sz="1600" b="1" dirty="0">
@@ -22393,7 +22068,7 @@
                 <a:ea typeface="굴림체" panose="020B0609000101010101" pitchFamily="49" charset="-127"/>
               </a:rPr>
             </a:br>
-            <a:endParaRPr kumimoji="0" lang="en-US" altLang="ko-KR" sz="1600" i="1" dirty="0" smtClean="0">
+            <a:endParaRPr kumimoji="0" lang="en-US" altLang="ko-KR" sz="1600" i="1" dirty="0">
               <a:solidFill>
                 <a:srgbClr val="808080"/>
               </a:solidFill>
@@ -22404,16 +22079,6 @@
           <a:p>
             <a:pPr lvl="0"/>
             <a:r>
-              <a:rPr kumimoji="0" lang="ko-KR" altLang="ko-KR" sz="1600" dirty="0" smtClean="0">
-                <a:solidFill>
-                  <a:srgbClr val="000000"/>
-                </a:solidFill>
-                <a:latin typeface="굴림체" panose="020B0609000101010101" pitchFamily="49" charset="-127"/>
-                <a:ea typeface="굴림체" panose="020B0609000101010101" pitchFamily="49" charset="-127"/>
-              </a:rPr>
-              <a:t>TOKEN </a:t>
-            </a:r>
-            <a:r>
               <a:rPr kumimoji="0" lang="ko-KR" altLang="ko-KR" sz="1600" dirty="0">
                 <a:solidFill>
                   <a:srgbClr val="000000"/>
@@ -22421,7 +22086,7 @@
                 <a:latin typeface="굴림체" panose="020B0609000101010101" pitchFamily="49" charset="-127"/>
                 <a:ea typeface="굴림체" panose="020B0609000101010101" pitchFamily="49" charset="-127"/>
               </a:rPr>
-              <a:t>= </a:t>
+              <a:t>TOKEN = </a:t>
             </a:r>
             <a:r>
               <a:rPr kumimoji="0" lang="ko-KR" altLang="ko-KR" sz="1600" b="1" dirty="0">
@@ -22472,7 +22137,7 @@
                 <a:ea typeface="굴림체" panose="020B0609000101010101" pitchFamily="49" charset="-127"/>
               </a:rPr>
             </a:br>
-            <a:endParaRPr kumimoji="0" lang="en-US" altLang="ko-KR" sz="1600" i="1" dirty="0" smtClean="0">
+            <a:endParaRPr kumimoji="0" lang="en-US" altLang="ko-KR" sz="1600" i="1" dirty="0">
               <a:solidFill>
                 <a:srgbClr val="808080"/>
               </a:solidFill>
@@ -22483,16 +22148,6 @@
           <a:p>
             <a:pPr lvl="0"/>
             <a:r>
-              <a:rPr kumimoji="0" lang="ko-KR" altLang="ko-KR" sz="1600" dirty="0" smtClean="0">
-                <a:solidFill>
-                  <a:srgbClr val="000000"/>
-                </a:solidFill>
-                <a:latin typeface="굴림체" panose="020B0609000101010101" pitchFamily="49" charset="-127"/>
-                <a:ea typeface="굴림체" panose="020B0609000101010101" pitchFamily="49" charset="-127"/>
-              </a:rPr>
-              <a:t>MAX_MSG_LENGTH </a:t>
-            </a:r>
-            <a:r>
               <a:rPr kumimoji="0" lang="ko-KR" altLang="ko-KR" sz="1600" dirty="0">
                 <a:solidFill>
                   <a:srgbClr val="000000"/>
@@ -22500,7 +22155,7 @@
                 <a:latin typeface="굴림체" panose="020B0609000101010101" pitchFamily="49" charset="-127"/>
                 <a:ea typeface="굴림체" panose="020B0609000101010101" pitchFamily="49" charset="-127"/>
               </a:rPr>
-              <a:t>= </a:t>
+              <a:t>MAX_MSG_LENGTH = </a:t>
             </a:r>
             <a:r>
               <a:rPr kumimoji="0" lang="ko-KR" altLang="ko-KR" sz="1600" dirty="0">
@@ -22521,7 +22176,7 @@
                 <a:ea typeface="굴림체" panose="020B0609000101010101" pitchFamily="49" charset="-127"/>
               </a:rPr>
             </a:br>
-            <a:endParaRPr kumimoji="0" lang="en-US" altLang="ko-KR" sz="1600" dirty="0" smtClean="0">
+            <a:endParaRPr kumimoji="0" lang="en-US" altLang="ko-KR" sz="1600" dirty="0">
               <a:solidFill>
                 <a:srgbClr val="0000FF"/>
               </a:solidFill>
@@ -22532,7 +22187,7 @@
           <a:p>
             <a:pPr lvl="0"/>
             <a:r>
-              <a:rPr kumimoji="0" lang="ko-KR" altLang="ko-KR" sz="1600" dirty="0" err="1" smtClean="0">
+              <a:rPr kumimoji="0" lang="ko-KR" altLang="ko-KR" sz="1600" dirty="0" err="1">
                 <a:solidFill>
                   <a:srgbClr val="000000"/>
                 </a:solidFill>
@@ -22542,16 +22197,6 @@
               <a:t>baseurl</a:t>
             </a:r>
             <a:r>
-              <a:rPr kumimoji="0" lang="ko-KR" altLang="ko-KR" sz="1600" dirty="0" smtClean="0">
-                <a:solidFill>
-                  <a:srgbClr val="000000"/>
-                </a:solidFill>
-                <a:latin typeface="굴림체" panose="020B0609000101010101" pitchFamily="49" charset="-127"/>
-                <a:ea typeface="굴림체" panose="020B0609000101010101" pitchFamily="49" charset="-127"/>
-              </a:rPr>
-              <a:t> </a:t>
-            </a:r>
-            <a:r>
               <a:rPr kumimoji="0" lang="ko-KR" altLang="ko-KR" sz="1600" dirty="0">
                 <a:solidFill>
                   <a:srgbClr val="000000"/>
@@ -22559,7 +22204,7 @@
                 <a:latin typeface="굴림체" panose="020B0609000101010101" pitchFamily="49" charset="-127"/>
                 <a:ea typeface="굴림체" panose="020B0609000101010101" pitchFamily="49" charset="-127"/>
               </a:rPr>
-              <a:t>= </a:t>
+              <a:t> = </a:t>
             </a:r>
             <a:r>
               <a:rPr kumimoji="0" lang="ko-KR" altLang="ko-KR" sz="1600" b="1" dirty="0">
@@ -22590,7 +22235,7 @@
                 <a:ea typeface="굴림체" panose="020B0609000101010101" pitchFamily="49" charset="-127"/>
               </a:rPr>
             </a:br>
-            <a:endParaRPr kumimoji="0" lang="en-US" altLang="ko-KR" sz="1600" dirty="0" smtClean="0">
+            <a:endParaRPr kumimoji="0" lang="en-US" altLang="ko-KR" sz="1600" dirty="0">
               <a:solidFill>
                 <a:srgbClr val="000000"/>
               </a:solidFill>
@@ -22601,7 +22246,7 @@
           <a:p>
             <a:pPr lvl="0"/>
             <a:r>
-              <a:rPr kumimoji="0" lang="ko-KR" altLang="ko-KR" sz="1600" dirty="0" err="1" smtClean="0">
+              <a:rPr kumimoji="0" lang="ko-KR" altLang="ko-KR" sz="1600" dirty="0" err="1">
                 <a:solidFill>
                   <a:srgbClr val="000000"/>
                 </a:solidFill>
@@ -22611,16 +22256,6 @@
               <a:t>bot</a:t>
             </a:r>
             <a:r>
-              <a:rPr kumimoji="0" lang="ko-KR" altLang="ko-KR" sz="1600" dirty="0" smtClean="0">
-                <a:solidFill>
-                  <a:srgbClr val="000000"/>
-                </a:solidFill>
-                <a:latin typeface="굴림체" panose="020B0609000101010101" pitchFamily="49" charset="-127"/>
-                <a:ea typeface="굴림체" panose="020B0609000101010101" pitchFamily="49" charset="-127"/>
-              </a:rPr>
-              <a:t> </a:t>
-            </a:r>
-            <a:r>
               <a:rPr kumimoji="0" lang="ko-KR" altLang="ko-KR" sz="1600" dirty="0">
                 <a:solidFill>
                   <a:srgbClr val="000000"/>
@@ -22628,7 +22263,7 @@
                 <a:latin typeface="굴림체" panose="020B0609000101010101" pitchFamily="49" charset="-127"/>
                 <a:ea typeface="굴림체" panose="020B0609000101010101" pitchFamily="49" charset="-127"/>
               </a:rPr>
-              <a:t>= </a:t>
+              <a:t> = </a:t>
             </a:r>
             <a:r>
               <a:rPr kumimoji="0" lang="ko-KR" altLang="ko-KR" sz="1600" dirty="0" err="1">
@@ -22648,17 +22283,7 @@
                 <a:latin typeface="굴림체" panose="020B0609000101010101" pitchFamily="49" charset="-127"/>
                 <a:ea typeface="굴림체" panose="020B0609000101010101" pitchFamily="49" charset="-127"/>
               </a:rPr>
-              <a:t>(TOKEN</a:t>
-            </a:r>
-            <a:r>
-              <a:rPr kumimoji="0" lang="ko-KR" altLang="ko-KR" sz="1600" dirty="0" smtClean="0">
-                <a:solidFill>
-                  <a:srgbClr val="000000"/>
-                </a:solidFill>
-                <a:latin typeface="굴림체" panose="020B0609000101010101" pitchFamily="49" charset="-127"/>
-                <a:ea typeface="굴림체" panose="020B0609000101010101" pitchFamily="49" charset="-127"/>
-              </a:rPr>
-              <a:t>)</a:t>
+              <a:t>(TOKEN)</a:t>
             </a:r>
             <a:endParaRPr kumimoji="0" lang="ko-KR" altLang="ko-KR" dirty="0">
               <a:solidFill>
@@ -22917,23 +22542,23 @@
               <a:buChar char="§"/>
             </a:pPr>
             <a:r>
-              <a:rPr lang="en-US" altLang="ko-KR" sz="2000" b="1" dirty="0" smtClean="0"/>
+              <a:rPr lang="en-US" altLang="ko-KR" sz="2000" b="1" dirty="0"/>
               <a:t>3</a:t>
             </a:r>
             <a:r>
-              <a:rPr lang="ko-KR" altLang="en-US" sz="2000" b="1" dirty="0" smtClean="0"/>
+              <a:rPr lang="ko-KR" altLang="en-US" sz="2000" b="1" dirty="0"/>
               <a:t>부 </a:t>
             </a:r>
             <a:r>
-              <a:rPr lang="en-US" altLang="ko-KR" sz="2000" b="1" dirty="0" smtClean="0"/>
+              <a:rPr lang="en-US" altLang="ko-KR" sz="2000" b="1" dirty="0"/>
               <a:t>25</a:t>
             </a:r>
             <a:r>
-              <a:rPr lang="ko-KR" altLang="en-US" sz="2000" b="1" dirty="0" smtClean="0"/>
+              <a:rPr lang="ko-KR" altLang="en-US" sz="2000" b="1" dirty="0"/>
               <a:t>장</a:t>
             </a:r>
             <a:r>
-              <a:rPr lang="en-US" altLang="ko-KR" sz="2000" b="1" dirty="0" smtClean="0"/>
+              <a:rPr lang="en-US" altLang="ko-KR" sz="2000" b="1" dirty="0"/>
               <a:t>: noti.py</a:t>
             </a:r>
           </a:p>
@@ -22943,7 +22568,7 @@
               <a:buChar char="§"/>
             </a:pPr>
             <a:r>
-              <a:rPr lang="en-US" altLang="ko-KR" sz="1600" b="1" dirty="0" err="1" smtClean="0">
+              <a:rPr lang="en-US" altLang="ko-KR" sz="1600" b="1" dirty="0" err="1">
                 <a:solidFill>
                   <a:schemeClr val="accent2"/>
                 </a:solidFill>
@@ -22951,7 +22576,7 @@
               <a:t>noti.getData</a:t>
             </a:r>
             <a:r>
-              <a:rPr lang="en-US" altLang="ko-KR" sz="1600" b="1" dirty="0" smtClean="0">
+              <a:rPr lang="en-US" altLang="ko-KR" sz="1600" b="1" dirty="0">
                 <a:solidFill>
                   <a:schemeClr val="accent2"/>
                 </a:solidFill>
@@ -22959,7 +22584,7 @@
               <a:t>() REST API </a:t>
             </a:r>
             <a:r>
-              <a:rPr lang="ko-KR" altLang="en-US" sz="1600" b="1" dirty="0" smtClean="0">
+              <a:rPr lang="ko-KR" altLang="en-US" sz="1600" b="1" dirty="0">
                 <a:solidFill>
                   <a:schemeClr val="accent2"/>
                 </a:solidFill>
@@ -22967,7 +22592,7 @@
               <a:t>결과 데이터를 </a:t>
             </a:r>
             <a:r>
-              <a:rPr lang="en-US" altLang="ko-KR" sz="1600" b="1" dirty="0" err="1" smtClean="0">
+              <a:rPr lang="en-US" altLang="ko-KR" sz="1600" b="1" dirty="0" err="1">
                 <a:solidFill>
                   <a:schemeClr val="accent2"/>
                 </a:solidFill>
@@ -22975,7 +22600,7 @@
               <a:t>BeautifulSoup</a:t>
             </a:r>
             <a:r>
-              <a:rPr lang="ko-KR" altLang="en-US" sz="1600" b="1" dirty="0" smtClean="0">
+              <a:rPr lang="ko-KR" altLang="en-US" sz="1600" b="1" dirty="0">
                 <a:solidFill>
                   <a:schemeClr val="accent2"/>
                 </a:solidFill>
@@ -22983,7 +22608,7 @@
               <a:t>을 이용해 </a:t>
             </a:r>
             <a:r>
-              <a:rPr lang="ko-KR" altLang="en-US" sz="1600" b="1" dirty="0" err="1" smtClean="0">
+              <a:rPr lang="ko-KR" altLang="en-US" sz="1600" b="1" dirty="0" err="1">
                 <a:solidFill>
                   <a:schemeClr val="accent2"/>
                 </a:solidFill>
@@ -22991,14 +22616,14 @@
               <a:t>파싱하고</a:t>
             </a:r>
             <a:r>
-              <a:rPr lang="ko-KR" altLang="en-US" sz="1600" b="1" dirty="0" smtClean="0">
+              <a:rPr lang="ko-KR" altLang="en-US" sz="1600" b="1" dirty="0">
                 <a:solidFill>
                   <a:schemeClr val="accent2"/>
                 </a:solidFill>
               </a:rPr>
               <a:t> 원하는 부분 추출</a:t>
             </a:r>
-            <a:endParaRPr lang="en-US" altLang="ko-KR" sz="1600" b="1" dirty="0" smtClean="0">
+            <a:endParaRPr lang="en-US" altLang="ko-KR" sz="1600" b="1" dirty="0">
               <a:solidFill>
                 <a:schemeClr val="accent2"/>
               </a:solidFill>
@@ -23010,79 +22635,79 @@
               <a:buChar char="§"/>
             </a:pPr>
             <a:r>
-              <a:rPr lang="en-US" altLang="ko-KR" sz="1400" b="1" dirty="0" smtClean="0"/>
+              <a:rPr lang="en-US" altLang="ko-KR" sz="1400" b="1" dirty="0"/>
               <a:t>Item</a:t>
             </a:r>
             <a:r>
-              <a:rPr lang="ko-KR" altLang="en-US" sz="1400" b="1" dirty="0" smtClean="0"/>
+              <a:rPr lang="ko-KR" altLang="en-US" sz="1400" b="1" dirty="0"/>
               <a:t>에 해당하는 항목에 대해서만 처리하며</a:t>
             </a:r>
             <a:r>
-              <a:rPr lang="en-US" altLang="ko-KR" sz="1400" b="1" dirty="0" smtClean="0"/>
+              <a:rPr lang="en-US" altLang="ko-KR" sz="1400" b="1" dirty="0"/>
               <a:t>, </a:t>
             </a:r>
             <a:r>
-              <a:rPr lang="ko-KR" altLang="en-US" sz="1400" b="1" dirty="0" smtClean="0"/>
+              <a:rPr lang="ko-KR" altLang="en-US" sz="1400" b="1" dirty="0"/>
               <a:t>각 아이템 안에서 </a:t>
             </a:r>
             <a:r>
-              <a:rPr lang="en-US" altLang="ko-KR" sz="1400" b="1" dirty="0" smtClean="0"/>
+              <a:rPr lang="en-US" altLang="ko-KR" sz="1400" b="1" dirty="0"/>
               <a:t>&lt;</a:t>
             </a:r>
             <a:r>
-              <a:rPr lang="ko-KR" altLang="en-US" sz="1400" b="1" dirty="0" smtClean="0"/>
+              <a:rPr lang="ko-KR" altLang="en-US" sz="1400" b="1" dirty="0"/>
               <a:t>로 시작해서 </a:t>
             </a:r>
             <a:r>
-              <a:rPr lang="en-US" altLang="ko-KR" sz="1400" b="1" dirty="0" smtClean="0"/>
+              <a:rPr lang="en-US" altLang="ko-KR" sz="1400" b="1" dirty="0"/>
               <a:t>&gt;</a:t>
             </a:r>
             <a:r>
-              <a:rPr lang="ko-KR" altLang="en-US" sz="1400" b="1" dirty="0" smtClean="0"/>
+              <a:rPr lang="ko-KR" altLang="en-US" sz="1400" b="1" dirty="0"/>
               <a:t>로</a:t>
             </a:r>
             <a:r>
-              <a:rPr lang="en-US" altLang="ko-KR" sz="1400" b="1" dirty="0" smtClean="0"/>
+              <a:rPr lang="en-US" altLang="ko-KR" sz="1400" b="1" dirty="0"/>
               <a:t> </a:t>
             </a:r>
             <a:r>
-              <a:rPr lang="ko-KR" altLang="en-US" sz="1400" b="1" dirty="0" smtClean="0"/>
+              <a:rPr lang="ko-KR" altLang="en-US" sz="1400" b="1" dirty="0"/>
               <a:t>끝나는 부분을 정규식을 이용해 선택한 다음 </a:t>
             </a:r>
             <a:r>
-              <a:rPr lang="en-US" altLang="ko-KR" sz="1400" b="1" dirty="0" smtClean="0"/>
+              <a:rPr lang="en-US" altLang="ko-KR" sz="1400" b="1" dirty="0"/>
               <a:t>|</a:t>
             </a:r>
             <a:r>
-              <a:rPr lang="ko-KR" altLang="en-US" sz="1400" b="1" dirty="0" smtClean="0"/>
+              <a:rPr lang="ko-KR" altLang="en-US" sz="1400" b="1" dirty="0"/>
               <a:t>로 치환하고</a:t>
             </a:r>
             <a:r>
-              <a:rPr lang="en-US" altLang="ko-KR" sz="1400" b="1" dirty="0" smtClean="0"/>
+              <a:rPr lang="en-US" altLang="ko-KR" sz="1400" b="1" dirty="0"/>
               <a:t>, |</a:t>
             </a:r>
             <a:r>
-              <a:rPr lang="ko-KR" altLang="en-US" sz="1400" b="1" dirty="0" smtClean="0"/>
+              <a:rPr lang="ko-KR" altLang="en-US" sz="1400" b="1" dirty="0"/>
               <a:t>을 </a:t>
             </a:r>
             <a:r>
-              <a:rPr lang="ko-KR" altLang="en-US" sz="1400" b="1" dirty="0" err="1" smtClean="0"/>
+              <a:rPr lang="ko-KR" altLang="en-US" sz="1400" b="1" dirty="0" err="1"/>
               <a:t>구분자로</a:t>
             </a:r>
             <a:r>
-              <a:rPr lang="ko-KR" altLang="en-US" sz="1400" b="1" dirty="0" smtClean="0"/>
+              <a:rPr lang="ko-KR" altLang="en-US" sz="1400" b="1" dirty="0"/>
               <a:t> </a:t>
             </a:r>
             <a:r>
-              <a:rPr lang="en-US" altLang="ko-KR" sz="1400" b="1" dirty="0" smtClean="0"/>
+              <a:rPr lang="en-US" altLang="ko-KR" sz="1400" b="1" dirty="0"/>
               <a:t>split</a:t>
             </a:r>
             <a:r>
-              <a:rPr lang="ko-KR" altLang="en-US" sz="1400" b="1" dirty="0" smtClean="0"/>
+              <a:rPr lang="ko-KR" altLang="en-US" sz="1400" b="1" dirty="0"/>
               <a:t>하여 데이터를 정제한다</a:t>
             </a:r>
             <a:r>
-              <a:rPr lang="en-US" altLang="ko-KR" sz="1400" b="1" dirty="0" smtClean="0"/>
+              <a:rPr lang="en-US" altLang="ko-KR" sz="1400" b="1" dirty="0"/>
               <a:t>.</a:t>
             </a:r>
           </a:p>
@@ -23092,15 +22717,15 @@
               <a:buChar char="§"/>
             </a:pPr>
             <a:r>
-              <a:rPr lang="ko-KR" altLang="en-US" sz="1400" b="1" dirty="0" smtClean="0"/>
+              <a:rPr lang="ko-KR" altLang="en-US" sz="1400" b="1" dirty="0"/>
               <a:t>마지막으로 </a:t>
             </a:r>
             <a:r>
-              <a:rPr lang="ko-KR" altLang="en-US" sz="1400" b="1" dirty="0" err="1" smtClean="0"/>
+              <a:rPr lang="ko-KR" altLang="en-US" sz="1400" b="1" dirty="0" err="1"/>
               <a:t>파싱된</a:t>
             </a:r>
             <a:r>
-              <a:rPr lang="ko-KR" altLang="en-US" sz="1400" b="1" dirty="0" smtClean="0"/>
+              <a:rPr lang="ko-KR" altLang="en-US" sz="1400" b="1" dirty="0"/>
               <a:t> 부분을 적당한 문자열로 가공</a:t>
             </a:r>
             <a:endParaRPr lang="en-US" altLang="ko-KR" sz="1400" b="1" dirty="0"/>
@@ -23233,11 +22858,7 @@
             </a:pPr>
             <a:r>
               <a:rPr lang="en-US" altLang="ko-KR" sz="1200" dirty="0"/>
-              <a:t> </a:t>
-            </a:r>
-            <a:r>
-              <a:rPr lang="en-US" altLang="ko-KR" sz="1200" dirty="0" smtClean="0"/>
-              <a:t>25-</a:t>
+              <a:t> 25-</a:t>
             </a:r>
             <a:fld id="{E543E660-5BD7-4DE8-B2D5-3B53773227AF}" type="slidenum">
               <a:rPr lang="en-US" altLang="ko-KR" sz="1200" smtClean="0">
@@ -23487,16 +23108,6 @@
           <a:lstStyle/>
           <a:p>
             <a:pPr lvl="0"/>
-            <a:r>
-              <a:rPr kumimoji="0" lang="ko-KR" altLang="ko-KR" sz="1400" dirty="0">
-                <a:solidFill>
-                  <a:srgbClr val="000000"/>
-                </a:solidFill>
-                <a:latin typeface="굴림체" panose="020B0609000101010101" pitchFamily="49" charset="-127"/>
-                <a:ea typeface="굴림체" panose="020B0609000101010101" pitchFamily="49" charset="-127"/>
-              </a:rPr>
-              <a:t/>
-            </a:r>
             <a:br>
               <a:rPr kumimoji="0" lang="ko-KR" altLang="ko-KR" sz="1400" dirty="0">
                 <a:solidFill>
@@ -23507,7 +23118,7 @@
               </a:rPr>
             </a:br>
             <a:r>
-              <a:rPr kumimoji="0" lang="ko-KR" altLang="ko-KR" sz="1400" b="1" dirty="0" err="1" smtClean="0">
+              <a:rPr kumimoji="0" lang="ko-KR" altLang="ko-KR" sz="1400" b="1" dirty="0" err="1">
                 <a:solidFill>
                   <a:srgbClr val="000080"/>
                 </a:solidFill>
@@ -23517,7 +23128,7 @@
               <a:t>def</a:t>
             </a:r>
             <a:r>
-              <a:rPr kumimoji="0" lang="ko-KR" altLang="ko-KR" sz="1400" b="1" dirty="0" smtClean="0">
+              <a:rPr kumimoji="0" lang="ko-KR" altLang="ko-KR" sz="1400" b="1" dirty="0">
                 <a:solidFill>
                   <a:srgbClr val="000080"/>
                 </a:solidFill>
@@ -23754,16 +23365,6 @@
               </a:rPr>
               <a:t>date_param</a:t>
             </a:r>
-            <a:r>
-              <a:rPr kumimoji="0" lang="ko-KR" altLang="ko-KR" sz="1400" dirty="0">
-                <a:solidFill>
-                  <a:srgbClr val="000000"/>
-                </a:solidFill>
-                <a:latin typeface="굴림체" panose="020B0609000101010101" pitchFamily="49" charset="-127"/>
-                <a:ea typeface="굴림체" panose="020B0609000101010101" pitchFamily="49" charset="-127"/>
-              </a:rPr>
-              <a:t/>
-            </a:r>
             <a:br>
               <a:rPr kumimoji="0" lang="ko-KR" altLang="ko-KR" sz="1400" dirty="0">
                 <a:solidFill>
@@ -25301,16 +24902,6 @@
                 <a:ea typeface="굴림체" panose="020B0609000101010101" pitchFamily="49" charset="-127"/>
               </a:rPr>
             </a:br>
-            <a:r>
-              <a:rPr kumimoji="0" lang="ko-KR" altLang="ko-KR" sz="1400" dirty="0">
-                <a:solidFill>
-                  <a:srgbClr val="000000"/>
-                </a:solidFill>
-                <a:latin typeface="굴림체" panose="020B0609000101010101" pitchFamily="49" charset="-127"/>
-                <a:ea typeface="굴림체" panose="020B0609000101010101" pitchFamily="49" charset="-127"/>
-              </a:rPr>
-              <a:t/>
-            </a:r>
             <a:br>
               <a:rPr kumimoji="0" lang="ko-KR" altLang="ko-KR" sz="1400" dirty="0">
                 <a:solidFill>
@@ -25477,16 +25068,6 @@
                 <a:ea typeface="굴림체" panose="020B0609000101010101" pitchFamily="49" charset="-127"/>
               </a:rPr>
               <a:t>res_list</a:t>
-            </a:r>
-            <a:r>
-              <a:rPr kumimoji="0" lang="ko-KR" altLang="ko-KR" sz="1400" dirty="0">
-                <a:solidFill>
-                  <a:srgbClr val="000000"/>
-                </a:solidFill>
-                <a:latin typeface="굴림체" panose="020B0609000101010101" pitchFamily="49" charset="-127"/>
-                <a:ea typeface="굴림체" panose="020B0609000101010101" pitchFamily="49" charset="-127"/>
-              </a:rPr>
-              <a:t/>
             </a:r>
             <a:br>
               <a:rPr kumimoji="0" lang="ko-KR" altLang="ko-KR" sz="1400" dirty="0">
@@ -25576,7 +25157,7 @@
               <a:buNone/>
               <a:tabLst/>
             </a:pPr>
-            <a:endParaRPr kumimoji="0" lang="ko-KR" altLang="ko-KR" sz="1800" b="0" i="0" u="none" strike="noStrike" cap="none" normalizeH="0" baseline="0" dirty="0" smtClean="0">
+            <a:endParaRPr kumimoji="0" lang="ko-KR" altLang="ko-KR" sz="1800" b="0" i="0" u="none" strike="noStrike" cap="none" normalizeH="0" baseline="0" dirty="0">
               <a:ln>
                 <a:noFill/>
               </a:ln>
@@ -25659,7 +25240,7 @@
               <a:buNone/>
               <a:tabLst/>
             </a:pPr>
-            <a:endParaRPr kumimoji="0" lang="ko-KR" altLang="ko-KR" sz="1800" b="0" i="0" u="none" strike="noStrike" cap="none" normalizeH="0" baseline="0" dirty="0" smtClean="0">
+            <a:endParaRPr kumimoji="0" lang="ko-KR" altLang="ko-KR" sz="1800" b="0" i="0" u="none" strike="noStrike" cap="none" normalizeH="0" baseline="0" dirty="0">
               <a:ln>
                 <a:noFill/>
               </a:ln>
@@ -25742,7 +25323,7 @@
               <a:buNone/>
               <a:tabLst/>
             </a:pPr>
-            <a:endParaRPr kumimoji="0" lang="ko-KR" altLang="ko-KR" sz="1800" b="0" i="0" u="none" strike="noStrike" cap="none" normalizeH="0" baseline="0" dirty="0" smtClean="0">
+            <a:endParaRPr kumimoji="0" lang="ko-KR" altLang="ko-KR" sz="1800" b="0" i="0" u="none" strike="noStrike" cap="none" normalizeH="0" baseline="0" dirty="0">
               <a:ln>
                 <a:noFill/>
               </a:ln>
@@ -25995,30 +25576,30 @@
               <a:buChar char="§"/>
             </a:pPr>
             <a:r>
-              <a:rPr lang="ko-KR" altLang="en-US" sz="2000" dirty="0" err="1" smtClean="0"/>
+              <a:rPr lang="ko-KR" altLang="en-US" sz="2000" dirty="0" err="1"/>
               <a:t>텔레그램</a:t>
             </a:r>
             <a:r>
-              <a:rPr lang="ko-KR" altLang="en-US" sz="2000" dirty="0" smtClean="0"/>
+              <a:rPr lang="ko-KR" altLang="en-US" sz="2000" dirty="0"/>
               <a:t> </a:t>
             </a:r>
             <a:r>
-              <a:rPr lang="ko-KR" altLang="en-US" sz="2000" dirty="0" err="1" smtClean="0"/>
+              <a:rPr lang="ko-KR" altLang="en-US" sz="2000" dirty="0" err="1"/>
               <a:t>챗</a:t>
             </a:r>
             <a:r>
-              <a:rPr lang="ko-KR" altLang="en-US" sz="2000" dirty="0" smtClean="0"/>
+              <a:rPr lang="ko-KR" altLang="en-US" sz="2000" dirty="0"/>
               <a:t> 봇</a:t>
             </a:r>
             <a:r>
-              <a:rPr lang="en-US" altLang="ko-KR" sz="2000" dirty="0" smtClean="0"/>
+              <a:rPr lang="en-US" altLang="ko-KR" sz="2000" dirty="0"/>
               <a:t>: </a:t>
             </a:r>
             <a:r>
-              <a:rPr lang="en-US" altLang="ko-KR" sz="2000" dirty="0" err="1" smtClean="0"/>
+              <a:rPr lang="en-US" altLang="ko-KR" sz="2000" dirty="0" err="1"/>
               <a:t>telepot</a:t>
             </a:r>
-            <a:endParaRPr lang="en-US" altLang="ko-KR" sz="2000" dirty="0" smtClean="0"/>
+            <a:endParaRPr lang="en-US" altLang="ko-KR" sz="2000" dirty="0"/>
           </a:p>
           <a:p>
             <a:pPr eaLnBrk="1" hangingPunct="1">
@@ -26026,26 +25607,26 @@
               <a:buChar char="§"/>
             </a:pPr>
             <a:r>
-              <a:rPr lang="ko-KR" altLang="en-US" sz="2000" dirty="0" err="1" smtClean="0"/>
+              <a:rPr lang="ko-KR" altLang="en-US" sz="2000" dirty="0" err="1"/>
               <a:t>공공데이터</a:t>
             </a:r>
             <a:r>
-              <a:rPr lang="ko-KR" altLang="en-US" sz="2000" dirty="0" smtClean="0"/>
+              <a:rPr lang="ko-KR" altLang="en-US" sz="2000" dirty="0"/>
               <a:t> </a:t>
             </a:r>
             <a:r>
-              <a:rPr lang="en-US" altLang="ko-KR" sz="2000" dirty="0" smtClean="0"/>
+              <a:rPr lang="en-US" altLang="ko-KR" sz="2000" dirty="0"/>
               <a:t>(data.go.kr) </a:t>
             </a:r>
             <a:r>
-              <a:rPr lang="ko-KR" altLang="en-US" sz="2000" dirty="0" smtClean="0"/>
+              <a:rPr lang="ko-KR" altLang="en-US" sz="2000" dirty="0"/>
               <a:t>아파트매매 </a:t>
             </a:r>
             <a:r>
-              <a:rPr lang="ko-KR" altLang="en-US" sz="2000" dirty="0" err="1" smtClean="0"/>
+              <a:rPr lang="ko-KR" altLang="en-US" sz="2000" dirty="0" err="1"/>
               <a:t>실거래자료</a:t>
             </a:r>
-            <a:endParaRPr lang="en-US" altLang="ko-KR" sz="2000" dirty="0" smtClean="0"/>
+            <a:endParaRPr lang="en-US" altLang="ko-KR" sz="2000" dirty="0"/>
           </a:p>
           <a:p>
             <a:pPr eaLnBrk="1" hangingPunct="1">
@@ -26053,26 +25634,26 @@
               <a:buChar char="§"/>
             </a:pPr>
             <a:r>
-              <a:rPr lang="en-US" altLang="ko-KR" sz="2000" dirty="0" err="1" smtClean="0"/>
+              <a:rPr lang="en-US" altLang="ko-KR" sz="2000" dirty="0" err="1"/>
               <a:t>BeautifulSoup</a:t>
             </a:r>
             <a:r>
-              <a:rPr lang="en-US" altLang="ko-KR" sz="2000" dirty="0" smtClean="0"/>
+              <a:rPr lang="en-US" altLang="ko-KR" sz="2000" dirty="0"/>
               <a:t>: HTML </a:t>
             </a:r>
             <a:r>
-              <a:rPr lang="ko-KR" altLang="en-US" sz="2000" dirty="0" smtClean="0"/>
+              <a:rPr lang="ko-KR" altLang="en-US" sz="2000" dirty="0"/>
               <a:t>혹은 </a:t>
             </a:r>
             <a:r>
-              <a:rPr lang="en-US" altLang="ko-KR" sz="2000" dirty="0" smtClean="0"/>
+              <a:rPr lang="en-US" altLang="ko-KR" sz="2000" dirty="0"/>
               <a:t>XML </a:t>
             </a:r>
             <a:r>
-              <a:rPr lang="ko-KR" altLang="en-US" sz="2000" dirty="0" err="1" smtClean="0"/>
+              <a:rPr lang="ko-KR" altLang="en-US" sz="2000" dirty="0" err="1"/>
               <a:t>파싱</a:t>
             </a:r>
-            <a:endParaRPr lang="en-US" altLang="ko-KR" sz="2000" dirty="0" smtClean="0"/>
+            <a:endParaRPr lang="en-US" altLang="ko-KR" sz="2000" dirty="0"/>
           </a:p>
           <a:p>
             <a:pPr eaLnBrk="1" hangingPunct="1">
@@ -26080,14 +25661,14 @@
               <a:buChar char="§"/>
             </a:pPr>
             <a:r>
-              <a:rPr lang="en-US" altLang="ko-KR" sz="2000" dirty="0" smtClean="0"/>
+              <a:rPr lang="en-US" altLang="ko-KR" sz="2000" dirty="0"/>
               <a:t>sqlite3 </a:t>
             </a:r>
             <a:r>
-              <a:rPr lang="ko-KR" altLang="en-US" sz="2000" dirty="0" smtClean="0"/>
+              <a:rPr lang="ko-KR" altLang="en-US" sz="2000" dirty="0"/>
               <a:t>데이터베이스</a:t>
             </a:r>
-            <a:endParaRPr lang="en-US" altLang="ko-KR" sz="2000" dirty="0" smtClean="0"/>
+            <a:endParaRPr lang="en-US" altLang="ko-KR" sz="2000" dirty="0"/>
           </a:p>
           <a:p>
             <a:pPr eaLnBrk="1" hangingPunct="1">
@@ -26095,14 +25676,14 @@
               <a:buChar char="§"/>
             </a:pPr>
             <a:r>
-              <a:rPr lang="en-US" altLang="ko-KR" sz="2000" dirty="0" smtClean="0"/>
+              <a:rPr lang="en-US" altLang="ko-KR" sz="2000" dirty="0"/>
               <a:t>html5lib : HTML </a:t>
             </a:r>
             <a:r>
-              <a:rPr lang="ko-KR" altLang="en-US" sz="2000" dirty="0" smtClean="0"/>
+              <a:rPr lang="ko-KR" altLang="en-US" sz="2000" dirty="0"/>
               <a:t>파서</a:t>
             </a:r>
-            <a:endParaRPr lang="en-US" altLang="ko-KR" sz="2000" dirty="0" smtClean="0"/>
+            <a:endParaRPr lang="en-US" altLang="ko-KR" sz="2000" dirty="0"/>
           </a:p>
           <a:p>
             <a:pPr eaLnBrk="1" hangingPunct="1">
@@ -26239,11 +25820,7 @@
             </a:pPr>
             <a:r>
               <a:rPr lang="en-US" altLang="ko-KR" sz="1200" dirty="0"/>
-              <a:t> </a:t>
-            </a:r>
-            <a:r>
-              <a:rPr lang="en-US" altLang="ko-KR" sz="1200" dirty="0" smtClean="0"/>
-              <a:t>25-</a:t>
+              <a:t> 25-</a:t>
             </a:r>
             <a:fld id="{3E4DFC2C-2F6B-47AF-B0FF-2D91E1CBA2C7}" type="slidenum">
               <a:rPr lang="en-US" altLang="ko-KR" sz="1200" smtClean="0">
@@ -26505,23 +26082,23 @@
               <a:buChar char="§"/>
             </a:pPr>
             <a:r>
-              <a:rPr lang="en-US" altLang="ko-KR" sz="2000" b="1" dirty="0" smtClean="0"/>
+              <a:rPr lang="en-US" altLang="ko-KR" sz="2000" b="1" dirty="0"/>
               <a:t>3</a:t>
             </a:r>
             <a:r>
-              <a:rPr lang="ko-KR" altLang="en-US" sz="2000" b="1" dirty="0" smtClean="0"/>
+              <a:rPr lang="ko-KR" altLang="en-US" sz="2000" b="1" dirty="0"/>
               <a:t>부 </a:t>
             </a:r>
             <a:r>
-              <a:rPr lang="en-US" altLang="ko-KR" sz="2000" b="1" dirty="0" smtClean="0"/>
+              <a:rPr lang="en-US" altLang="ko-KR" sz="2000" b="1" dirty="0"/>
               <a:t>25</a:t>
             </a:r>
             <a:r>
-              <a:rPr lang="ko-KR" altLang="en-US" sz="2000" b="1" dirty="0" smtClean="0"/>
+              <a:rPr lang="ko-KR" altLang="en-US" sz="2000" b="1" dirty="0"/>
               <a:t>장</a:t>
             </a:r>
             <a:r>
-              <a:rPr lang="en-US" altLang="ko-KR" sz="2000" b="1" dirty="0" smtClean="0"/>
+              <a:rPr lang="en-US" altLang="ko-KR" sz="2000" b="1" dirty="0"/>
               <a:t>: noti.py</a:t>
             </a:r>
           </a:p>
@@ -26532,21 +26109,17 @@
             </a:pPr>
             <a:r>
               <a:rPr lang="en-US" altLang="ko-KR" sz="1800" dirty="0" err="1"/>
-              <a:t>n</a:t>
-            </a:r>
-            <a:r>
-              <a:rPr lang="en-US" altLang="ko-KR" sz="1800" dirty="0" err="1" smtClean="0"/>
-              <a:t>oti.run</a:t>
-            </a:r>
-            <a:r>
-              <a:rPr lang="en-US" altLang="ko-KR" sz="1800" dirty="0" smtClean="0"/>
+              <a:t>noti.run</a:t>
+            </a:r>
+            <a:r>
+              <a:rPr lang="en-US" altLang="ko-KR" sz="1800" dirty="0"/>
               <a:t>() </a:t>
             </a:r>
             <a:r>
-              <a:rPr lang="ko-KR" altLang="en-US" sz="1800" dirty="0" smtClean="0"/>
+              <a:rPr lang="ko-KR" altLang="en-US" sz="1800" dirty="0"/>
               <a:t>함수</a:t>
             </a:r>
-            <a:endParaRPr lang="en-US" altLang="ko-KR" sz="1800" dirty="0" smtClean="0"/>
+            <a:endParaRPr lang="en-US" altLang="ko-KR" sz="1800" dirty="0"/>
           </a:p>
           <a:p>
             <a:pPr lvl="1" eaLnBrk="1" hangingPunct="1">
@@ -26554,7 +26127,7 @@
               <a:buChar char="§"/>
             </a:pPr>
             <a:r>
-              <a:rPr lang="en-US" altLang="ko-KR" sz="1600" dirty="0" err="1" smtClean="0">
+              <a:rPr lang="en-US" altLang="ko-KR" sz="1600" dirty="0" err="1">
                 <a:solidFill>
                   <a:schemeClr val="accent2"/>
                 </a:solidFill>
@@ -26562,7 +26135,7 @@
               <a:t>logs.db</a:t>
             </a:r>
             <a:r>
-              <a:rPr lang="en-US" altLang="ko-KR" sz="1600" dirty="0" smtClean="0">
+              <a:rPr lang="en-US" altLang="ko-KR" sz="1600" dirty="0">
                 <a:solidFill>
                   <a:schemeClr val="accent2"/>
                 </a:solidFill>
@@ -26570,7 +26143,7 @@
               <a:t> </a:t>
             </a:r>
             <a:r>
-              <a:rPr lang="ko-KR" altLang="en-US" sz="1600" dirty="0" smtClean="0">
+              <a:rPr lang="ko-KR" altLang="en-US" sz="1600" dirty="0">
                 <a:solidFill>
                   <a:schemeClr val="accent2"/>
                 </a:solidFill>
@@ -26578,7 +26151,7 @@
               <a:t>라는 데이터베이스 파일을 생성하고</a:t>
             </a:r>
             <a:r>
-              <a:rPr lang="en-US" altLang="ko-KR" sz="1600" dirty="0" smtClean="0">
+              <a:rPr lang="en-US" altLang="ko-KR" sz="1600" dirty="0">
                 <a:solidFill>
                   <a:schemeClr val="accent2"/>
                 </a:solidFill>
@@ -26586,7 +26159,7 @@
               <a:t>, </a:t>
             </a:r>
             <a:r>
-              <a:rPr lang="ko-KR" altLang="en-US" sz="1600" dirty="0" err="1" smtClean="0">
+              <a:rPr lang="ko-KR" altLang="en-US" sz="1600" dirty="0" err="1">
                 <a:solidFill>
                   <a:schemeClr val="accent2"/>
                 </a:solidFill>
@@ -26594,7 +26167,7 @@
               <a:t>유저별로</a:t>
             </a:r>
             <a:r>
-              <a:rPr lang="ko-KR" altLang="en-US" sz="1600" dirty="0" smtClean="0">
+              <a:rPr lang="ko-KR" altLang="en-US" sz="1600" dirty="0">
                 <a:solidFill>
                   <a:schemeClr val="accent2"/>
                 </a:solidFill>
@@ -26735,11 +26308,7 @@
             </a:pPr>
             <a:r>
               <a:rPr lang="en-US" altLang="ko-KR" sz="1200" dirty="0"/>
-              <a:t> </a:t>
-            </a:r>
-            <a:r>
-              <a:rPr lang="en-US" altLang="ko-KR" sz="1200" dirty="0" smtClean="0"/>
-              <a:t>25-</a:t>
+              <a:t> 25-</a:t>
             </a:r>
             <a:fld id="{E543E660-5BD7-4DE8-B2D5-3B53773227AF}" type="slidenum">
               <a:rPr lang="en-US" altLang="ko-KR" sz="1200" smtClean="0">
@@ -27434,16 +27003,6 @@
                 <a:ea typeface="굴림체" panose="020B0609000101010101" pitchFamily="49" charset="-127"/>
               </a:rPr>
             </a:br>
-            <a:r>
-              <a:rPr kumimoji="0" lang="ko-KR" altLang="ko-KR" sz="1400" dirty="0">
-                <a:solidFill>
-                  <a:srgbClr val="000000"/>
-                </a:solidFill>
-                <a:latin typeface="굴림체" panose="020B0609000101010101" pitchFamily="49" charset="-127"/>
-                <a:ea typeface="굴림체" panose="020B0609000101010101" pitchFamily="49" charset="-127"/>
-              </a:rPr>
-              <a:t/>
-            </a:r>
             <a:br>
               <a:rPr kumimoji="0" lang="ko-KR" altLang="ko-KR" sz="1400" dirty="0">
                 <a:solidFill>
@@ -27810,16 +27369,6 @@
                 <a:ea typeface="굴림체" panose="020B0609000101010101" pitchFamily="49" charset="-127"/>
               </a:rPr>
             </a:br>
-            <a:r>
-              <a:rPr kumimoji="0" lang="ko-KR" altLang="ko-KR" sz="1400" dirty="0">
-                <a:solidFill>
-                  <a:srgbClr val="000000"/>
-                </a:solidFill>
-                <a:latin typeface="굴림체" panose="020B0609000101010101" pitchFamily="49" charset="-127"/>
-                <a:ea typeface="굴림체" panose="020B0609000101010101" pitchFamily="49" charset="-127"/>
-              </a:rPr>
-              <a:t/>
-            </a:r>
             <a:br>
               <a:rPr kumimoji="0" lang="ko-KR" altLang="ko-KR" sz="1400" dirty="0">
                 <a:solidFill>
@@ -27998,7 +27547,7 @@
               <a:buNone/>
               <a:tabLst/>
             </a:pPr>
-            <a:endParaRPr kumimoji="0" lang="ko-KR" altLang="ko-KR" sz="1800" b="0" i="0" u="none" strike="noStrike" cap="none" normalizeH="0" baseline="0" dirty="0" smtClean="0">
+            <a:endParaRPr kumimoji="0" lang="ko-KR" altLang="ko-KR" sz="1800" b="0" i="0" u="none" strike="noStrike" cap="none" normalizeH="0" baseline="0" dirty="0">
               <a:ln>
                 <a:noFill/>
               </a:ln>
@@ -28081,7 +27630,7 @@
               <a:buNone/>
               <a:tabLst/>
             </a:pPr>
-            <a:endParaRPr kumimoji="0" lang="ko-KR" altLang="ko-KR" sz="1800" b="0" i="0" u="none" strike="noStrike" cap="none" normalizeH="0" baseline="0" dirty="0" smtClean="0">
+            <a:endParaRPr kumimoji="0" lang="ko-KR" altLang="ko-KR" sz="1800" b="0" i="0" u="none" strike="noStrike" cap="none" normalizeH="0" baseline="0" dirty="0">
               <a:ln>
                 <a:noFill/>
               </a:ln>
@@ -28164,7 +27713,7 @@
               <a:buNone/>
               <a:tabLst/>
             </a:pPr>
-            <a:endParaRPr kumimoji="0" lang="ko-KR" altLang="ko-KR" sz="1800" b="0" i="0" u="none" strike="noStrike" cap="none" normalizeH="0" baseline="0" dirty="0" smtClean="0">
+            <a:endParaRPr kumimoji="0" lang="ko-KR" altLang="ko-KR" sz="1800" b="0" i="0" u="none" strike="noStrike" cap="none" normalizeH="0" baseline="0" dirty="0">
               <a:ln>
                 <a:noFill/>
               </a:ln>
@@ -28425,28 +27974,24 @@
               <a:buChar char="§"/>
             </a:pPr>
             <a:r>
-              <a:rPr lang="en-US" altLang="ko-KR" sz="2000" b="1" dirty="0" smtClean="0"/>
-              <a:t>3</a:t>
-            </a:r>
-            <a:r>
-              <a:rPr lang="ko-KR" altLang="en-US" sz="2000" b="1" dirty="0" smtClean="0"/>
-              <a:t>부 </a:t>
-            </a:r>
-            <a:r>
-              <a:rPr lang="en-US" altLang="ko-KR" sz="2000" b="1" dirty="0" smtClean="0"/>
-              <a:t>25</a:t>
-            </a:r>
-            <a:r>
-              <a:rPr lang="ko-KR" altLang="en-US" sz="2000" b="1" dirty="0" smtClean="0"/>
-              <a:t>장</a:t>
-            </a:r>
-            <a:r>
-              <a:rPr lang="en-US" altLang="ko-KR" sz="2000" b="1" dirty="0" smtClean="0"/>
-              <a:t>: </a:t>
-            </a:r>
-            <a:r>
               <a:rPr lang="en-US" altLang="ko-KR" sz="2000" b="1" dirty="0"/>
               <a:t>3</a:t>
+            </a:r>
+            <a:r>
+              <a:rPr lang="ko-KR" altLang="en-US" sz="2000" b="1" dirty="0"/>
+              <a:t>부 </a:t>
+            </a:r>
+            <a:r>
+              <a:rPr lang="en-US" altLang="ko-KR" sz="2000" b="1" dirty="0"/>
+              <a:t>25</a:t>
+            </a:r>
+            <a:r>
+              <a:rPr lang="ko-KR" altLang="en-US" sz="2000" b="1" dirty="0"/>
+              <a:t>장</a:t>
+            </a:r>
+            <a:r>
+              <a:rPr lang="en-US" altLang="ko-KR" sz="2000" b="1" dirty="0"/>
+              <a:t>: 3</a:t>
             </a:r>
             <a:r>
               <a:rPr lang="ko-KR" altLang="en-US" sz="2000" b="1" dirty="0"/>
@@ -28484,7 +28029,7 @@
               <a:buChar char="§"/>
             </a:pPr>
             <a:r>
-              <a:rPr lang="ko-KR" altLang="en-US" sz="1600" dirty="0" smtClean="0">
+              <a:rPr lang="ko-KR" altLang="en-US" sz="1600" dirty="0">
                 <a:solidFill>
                   <a:schemeClr val="accent2"/>
                 </a:solidFill>
@@ -28492,7 +28037,7 @@
               <a:t>거래 </a:t>
             </a:r>
             <a:r>
-              <a:rPr lang="en-US" altLang="ko-KR" sz="1600" dirty="0" smtClean="0">
+              <a:rPr lang="en-US" altLang="ko-KR" sz="1600" dirty="0">
                 <a:solidFill>
                   <a:schemeClr val="accent2"/>
                 </a:solidFill>
@@ -28500,7 +28045,7 @@
               <a:t>[YYYYMM] [</a:t>
             </a:r>
             <a:r>
-              <a:rPr lang="ko-KR" altLang="en-US" sz="1600" dirty="0" smtClean="0">
+              <a:rPr lang="ko-KR" altLang="en-US" sz="1600" dirty="0">
                 <a:solidFill>
                   <a:schemeClr val="accent2"/>
                 </a:solidFill>
@@ -28508,7 +28053,7 @@
               <a:t>지역번호</a:t>
             </a:r>
             <a:r>
-              <a:rPr lang="en-US" altLang="ko-KR" sz="1600" dirty="0" smtClean="0">
+              <a:rPr lang="en-US" altLang="ko-KR" sz="1600" dirty="0">
                 <a:solidFill>
                   <a:schemeClr val="accent2"/>
                 </a:solidFill>
@@ -28516,7 +28061,7 @@
               <a:t>] </a:t>
             </a:r>
             <a:r>
-              <a:rPr lang="ko-KR" altLang="en-US" sz="1600" dirty="0" smtClean="0">
+              <a:rPr lang="ko-KR" altLang="en-US" sz="1600" dirty="0">
                 <a:solidFill>
                   <a:schemeClr val="accent2"/>
                 </a:solidFill>
@@ -28524,7 +28069,7 @@
               <a:t>입력하면 부동산 </a:t>
             </a:r>
             <a:r>
-              <a:rPr lang="ko-KR" altLang="en-US" sz="1600" dirty="0" err="1" smtClean="0">
+              <a:rPr lang="ko-KR" altLang="en-US" sz="1600" dirty="0" err="1">
                 <a:solidFill>
                   <a:schemeClr val="accent2"/>
                 </a:solidFill>
@@ -28532,7 +28077,7 @@
               <a:t>텔레그램</a:t>
             </a:r>
             <a:r>
-              <a:rPr lang="ko-KR" altLang="en-US" sz="1600" dirty="0" smtClean="0">
+              <a:rPr lang="ko-KR" altLang="en-US" sz="1600" dirty="0">
                 <a:solidFill>
                   <a:schemeClr val="accent2"/>
                 </a:solidFill>
@@ -28540,7 +28085,7 @@
               <a:t> 봇이 해당 지역 해당 </a:t>
             </a:r>
             <a:r>
-              <a:rPr lang="ko-KR" altLang="en-US" sz="1600" dirty="0" err="1" smtClean="0">
+              <a:rPr lang="ko-KR" altLang="en-US" sz="1600" dirty="0" err="1">
                 <a:solidFill>
                   <a:schemeClr val="accent2"/>
                 </a:solidFill>
@@ -28548,7 +28093,7 @@
               <a:t>년월</a:t>
             </a:r>
             <a:r>
-              <a:rPr lang="ko-KR" altLang="en-US" sz="1600" dirty="0" smtClean="0">
+              <a:rPr lang="ko-KR" altLang="en-US" sz="1600" dirty="0">
                 <a:solidFill>
                   <a:schemeClr val="accent2"/>
                 </a:solidFill>
@@ -28689,11 +28234,7 @@
             </a:pPr>
             <a:r>
               <a:rPr lang="en-US" altLang="ko-KR" sz="1200" dirty="0"/>
-              <a:t> </a:t>
-            </a:r>
-            <a:r>
-              <a:rPr lang="en-US" altLang="ko-KR" sz="1200" dirty="0" smtClean="0"/>
-              <a:t>25-</a:t>
+              <a:t> 25-</a:t>
             </a:r>
             <a:fld id="{E543E660-5BD7-4DE8-B2D5-3B53773227AF}" type="slidenum">
               <a:rPr lang="en-US" altLang="ko-KR" sz="1200" smtClean="0">
@@ -30460,16 +30001,6 @@
               </a:rPr>
               <a:t>n</a:t>
             </a:r>
-            <a:r>
-              <a:rPr kumimoji="0" lang="ko-KR" altLang="ko-KR" sz="1400" b="1" dirty="0">
-                <a:solidFill>
-                  <a:srgbClr val="FF0000"/>
-                </a:solidFill>
-                <a:latin typeface="굴림체" panose="020B0609000101010101" pitchFamily="49" charset="-127"/>
-                <a:ea typeface="굴림체" panose="020B0609000101010101" pitchFamily="49" charset="-127"/>
-              </a:rPr>
-              <a:t/>
-            </a:r>
             <a:br>
               <a:rPr kumimoji="0" lang="ko-KR" altLang="ko-KR" sz="1400" b="1" dirty="0">
                 <a:solidFill>
@@ -30525,20 +30056,10 @@
                 <a:latin typeface="굴림체" panose="020B0609000101010101" pitchFamily="49" charset="-127"/>
                 <a:ea typeface="굴림체" panose="020B0609000101010101" pitchFamily="49" charset="-127"/>
               </a:rPr>
-              <a:t>    "영등포구 11560", "동작구 11590", "관악구 11620", "서초구 11650", "강남구 11680", "송파구 11710", "강동구 11740"] </a:t>
-            </a:r>
-            <a:r>
-              <a:rPr kumimoji="0" lang="ko-KR" altLang="ko-KR" sz="1400" b="1" dirty="0" smtClean="0">
-                <a:solidFill>
-                  <a:srgbClr val="FF0000"/>
-                </a:solidFill>
-                <a:latin typeface="굴림체" panose="020B0609000101010101" pitchFamily="49" charset="-127"/>
-                <a:ea typeface="굴림체" panose="020B0609000101010101" pitchFamily="49" charset="-127"/>
-              </a:rPr>
-              <a:t>"""</a:t>
-            </a:r>
-            <a:r>
-              <a:rPr kumimoji="0" lang="ko-KR" altLang="ko-KR" sz="1400" dirty="0" smtClean="0">
+              <a:t>    "영등포구 11560", "동작구 11590", "관악구 11620", "서초구 11650", "강남구 11680", "송파구 11710", "강동구 11740"] """</a:t>
+            </a:r>
+            <a:r>
+              <a:rPr kumimoji="0" lang="ko-KR" altLang="ko-KR" sz="1400" dirty="0">
                 <a:solidFill>
                   <a:srgbClr val="FF0000"/>
                 </a:solidFill>
@@ -30626,7 +30147,7 @@
               <a:buNone/>
               <a:tabLst/>
             </a:pPr>
-            <a:endParaRPr kumimoji="0" lang="ko-KR" altLang="ko-KR" sz="1800" b="0" i="0" u="none" strike="noStrike" cap="none" normalizeH="0" baseline="0" dirty="0" smtClean="0">
+            <a:endParaRPr kumimoji="0" lang="ko-KR" altLang="ko-KR" sz="1800" b="0" i="0" u="none" strike="noStrike" cap="none" normalizeH="0" baseline="0" dirty="0">
               <a:ln>
                 <a:noFill/>
               </a:ln>
@@ -30709,7 +30230,7 @@
               <a:buNone/>
               <a:tabLst/>
             </a:pPr>
-            <a:endParaRPr kumimoji="0" lang="ko-KR" altLang="ko-KR" sz="1800" b="0" i="0" u="none" strike="noStrike" cap="none" normalizeH="0" baseline="0" dirty="0" smtClean="0">
+            <a:endParaRPr kumimoji="0" lang="ko-KR" altLang="ko-KR" sz="1800" b="0" i="0" u="none" strike="noStrike" cap="none" normalizeH="0" baseline="0" dirty="0">
               <a:ln>
                 <a:noFill/>
               </a:ln>
@@ -30792,7 +30313,7 @@
               <a:buNone/>
               <a:tabLst/>
             </a:pPr>
-            <a:endParaRPr kumimoji="0" lang="ko-KR" altLang="ko-KR" sz="1800" b="0" i="0" u="none" strike="noStrike" cap="none" normalizeH="0" baseline="0" dirty="0" smtClean="0">
+            <a:endParaRPr kumimoji="0" lang="ko-KR" altLang="ko-KR" sz="1800" b="0" i="0" u="none" strike="noStrike" cap="none" normalizeH="0" baseline="0" dirty="0">
               <a:ln>
                 <a:noFill/>
               </a:ln>
@@ -30875,7 +30396,7 @@
               <a:buNone/>
               <a:tabLst/>
             </a:pPr>
-            <a:endParaRPr kumimoji="0" lang="ko-KR" altLang="ko-KR" sz="1800" b="0" i="0" u="none" strike="noStrike" cap="none" normalizeH="0" baseline="0" dirty="0" smtClean="0">
+            <a:endParaRPr kumimoji="0" lang="ko-KR" altLang="ko-KR" sz="1800" b="0" i="0" u="none" strike="noStrike" cap="none" normalizeH="0" baseline="0" dirty="0">
               <a:ln>
                 <a:noFill/>
               </a:ln>
@@ -31136,46 +30657,38 @@
               <a:buChar char="§"/>
             </a:pPr>
             <a:r>
-              <a:rPr lang="en-US" altLang="ko-KR" sz="2000" b="1" dirty="0" smtClean="0"/>
+              <a:rPr lang="en-US" altLang="ko-KR" sz="2000" b="1" dirty="0"/>
               <a:t>3</a:t>
             </a:r>
             <a:r>
-              <a:rPr lang="ko-KR" altLang="en-US" sz="2000" b="1" dirty="0" smtClean="0"/>
+              <a:rPr lang="ko-KR" altLang="en-US" sz="2000" b="1" dirty="0"/>
               <a:t>부 </a:t>
             </a:r>
             <a:r>
-              <a:rPr lang="en-US" altLang="ko-KR" sz="2000" b="1" dirty="0" smtClean="0"/>
+              <a:rPr lang="en-US" altLang="ko-KR" sz="2000" b="1" dirty="0"/>
               <a:t>25</a:t>
             </a:r>
             <a:r>
-              <a:rPr lang="ko-KR" altLang="en-US" sz="2000" b="1" dirty="0" smtClean="0"/>
+              <a:rPr lang="ko-KR" altLang="en-US" sz="2000" b="1" dirty="0"/>
               <a:t>장</a:t>
             </a:r>
             <a:r>
-              <a:rPr lang="en-US" altLang="ko-KR" sz="2000" b="1" dirty="0" smtClean="0"/>
+              <a:rPr lang="en-US" altLang="ko-KR" sz="2000" b="1" dirty="0"/>
               <a:t>: </a:t>
             </a:r>
             <a:r>
-              <a:rPr lang="en-US" altLang="ko-KR" sz="2000" b="1" dirty="0" err="1" smtClean="0"/>
-              <a:t>teller</a:t>
-            </a:r>
-            <a:r>
-              <a:rPr lang="en-US" altLang="ko-KR" sz="2000" b="1" dirty="0" err="1" smtClean="0"/>
-              <a:t>.</a:t>
-            </a:r>
-            <a:r>
-              <a:rPr lang="en-US" altLang="ko-KR" sz="2000" b="1" dirty="0" err="1" smtClean="0"/>
-              <a:t>handle</a:t>
-            </a:r>
-            <a:r>
-              <a:rPr lang="en-US" altLang="ko-KR" sz="2000" b="1" dirty="0" smtClean="0"/>
+              <a:rPr lang="en-US" altLang="ko-KR" sz="2000" b="1" dirty="0" err="1"/>
+              <a:t>teller.handle</a:t>
+            </a:r>
+            <a:r>
+              <a:rPr lang="en-US" altLang="ko-KR" sz="2000" b="1" dirty="0"/>
               <a:t>() </a:t>
             </a:r>
             <a:r>
-              <a:rPr lang="ko-KR" altLang="en-US" sz="2000" b="1" dirty="0" smtClean="0"/>
+              <a:rPr lang="ko-KR" altLang="en-US" sz="2000" b="1" dirty="0"/>
               <a:t>함수 수정</a:t>
             </a:r>
-            <a:endParaRPr lang="en-US" altLang="ko-KR" sz="2000" b="1" dirty="0" smtClean="0"/>
+            <a:endParaRPr lang="en-US" altLang="ko-KR" sz="2000" b="1" dirty="0"/>
           </a:p>
           <a:p>
             <a:pPr lvl="1" eaLnBrk="1" hangingPunct="1">
@@ -31183,7 +30696,7 @@
               <a:buChar char="§"/>
             </a:pPr>
             <a:r>
-              <a:rPr lang="ko-KR" altLang="en-US" sz="1600" dirty="0" smtClean="0">
+              <a:rPr lang="ko-KR" altLang="en-US" sz="1600" dirty="0">
                 <a:solidFill>
                   <a:schemeClr val="accent2"/>
                 </a:solidFill>
@@ -31191,7 +30704,7 @@
               <a:t>거래 </a:t>
             </a:r>
             <a:r>
-              <a:rPr lang="en-US" altLang="ko-KR" sz="1600" dirty="0" smtClean="0">
+              <a:rPr lang="en-US" altLang="ko-KR" sz="1600" dirty="0">
                 <a:solidFill>
                   <a:schemeClr val="accent2"/>
                 </a:solidFill>
@@ -31199,7 +30712,7 @@
               <a:t>[YYYYMM] [</a:t>
             </a:r>
             <a:r>
-              <a:rPr lang="ko-KR" altLang="en-US" sz="1600" dirty="0" smtClean="0">
+              <a:rPr lang="ko-KR" altLang="en-US" sz="1600" dirty="0">
                 <a:solidFill>
                   <a:schemeClr val="accent2"/>
                 </a:solidFill>
@@ -31207,7 +30720,7 @@
               <a:t>지역번호</a:t>
             </a:r>
             <a:r>
-              <a:rPr lang="en-US" altLang="ko-KR" sz="1600" dirty="0" smtClean="0">
+              <a:rPr lang="en-US" altLang="ko-KR" sz="1600" dirty="0">
                 <a:solidFill>
                   <a:schemeClr val="accent2"/>
                 </a:solidFill>
@@ -31215,7 +30728,7 @@
               <a:t>] </a:t>
             </a:r>
             <a:r>
-              <a:rPr lang="ko-KR" altLang="en-US" sz="1600" dirty="0" smtClean="0">
+              <a:rPr lang="ko-KR" altLang="en-US" sz="1600" dirty="0">
                 <a:solidFill>
                   <a:schemeClr val="accent2"/>
                 </a:solidFill>
@@ -31223,7 +30736,7 @@
               <a:t>입력하면 부동산 </a:t>
             </a:r>
             <a:r>
-              <a:rPr lang="ko-KR" altLang="en-US" sz="1600" dirty="0" err="1" smtClean="0">
+              <a:rPr lang="ko-KR" altLang="en-US" sz="1600" dirty="0" err="1">
                 <a:solidFill>
                   <a:schemeClr val="accent2"/>
                 </a:solidFill>
@@ -31231,7 +30744,7 @@
               <a:t>텔레그램</a:t>
             </a:r>
             <a:r>
-              <a:rPr lang="ko-KR" altLang="en-US" sz="1600" dirty="0" smtClean="0">
+              <a:rPr lang="ko-KR" altLang="en-US" sz="1600" dirty="0">
                 <a:solidFill>
                   <a:schemeClr val="accent2"/>
                 </a:solidFill>
@@ -31239,7 +30752,7 @@
               <a:t> 봇이 해당 지역 해당 </a:t>
             </a:r>
             <a:r>
-              <a:rPr lang="ko-KR" altLang="en-US" sz="1600" dirty="0" err="1" smtClean="0">
+              <a:rPr lang="ko-KR" altLang="en-US" sz="1600" dirty="0" err="1">
                 <a:solidFill>
                   <a:schemeClr val="accent2"/>
                 </a:solidFill>
@@ -31247,7 +30760,7 @@
               <a:t>년월</a:t>
             </a:r>
             <a:r>
-              <a:rPr lang="ko-KR" altLang="en-US" sz="1600" dirty="0" smtClean="0">
+              <a:rPr lang="ko-KR" altLang="en-US" sz="1600" dirty="0">
                 <a:solidFill>
                   <a:schemeClr val="accent2"/>
                 </a:solidFill>
@@ -31388,11 +30901,7 @@
             </a:pPr>
             <a:r>
               <a:rPr lang="en-US" altLang="ko-KR" sz="1200" dirty="0"/>
-              <a:t> </a:t>
-            </a:r>
-            <a:r>
-              <a:rPr lang="en-US" altLang="ko-KR" sz="1200" dirty="0" smtClean="0"/>
-              <a:t>25-</a:t>
+              <a:t> 25-</a:t>
             </a:r>
             <a:fld id="{E543E660-5BD7-4DE8-B2D5-3B53773227AF}" type="slidenum">
               <a:rPr lang="en-US" altLang="ko-KR" sz="1200" smtClean="0">
@@ -31668,7 +31177,7 @@
               <a:buNone/>
               <a:tabLst/>
             </a:pPr>
-            <a:endParaRPr kumimoji="0" lang="ko-KR" altLang="ko-KR" sz="1800" b="0" i="0" u="none" strike="noStrike" cap="none" normalizeH="0" baseline="0" dirty="0" smtClean="0">
+            <a:endParaRPr kumimoji="0" lang="ko-KR" altLang="ko-KR" sz="1800" b="0" i="0" u="none" strike="noStrike" cap="none" normalizeH="0" baseline="0" dirty="0">
               <a:ln>
                 <a:noFill/>
               </a:ln>
@@ -31751,7 +31260,7 @@
               <a:buNone/>
               <a:tabLst/>
             </a:pPr>
-            <a:endParaRPr kumimoji="0" lang="ko-KR" altLang="ko-KR" sz="1800" b="0" i="0" u="none" strike="noStrike" cap="none" normalizeH="0" baseline="0" dirty="0" smtClean="0">
+            <a:endParaRPr kumimoji="0" lang="ko-KR" altLang="ko-KR" sz="1800" b="0" i="0" u="none" strike="noStrike" cap="none" normalizeH="0" baseline="0" dirty="0">
               <a:ln>
                 <a:noFill/>
               </a:ln>
@@ -31834,7 +31343,7 @@
               <a:buNone/>
               <a:tabLst/>
             </a:pPr>
-            <a:endParaRPr kumimoji="0" lang="ko-KR" altLang="ko-KR" sz="1800" b="0" i="0" u="none" strike="noStrike" cap="none" normalizeH="0" baseline="0" dirty="0" smtClean="0">
+            <a:endParaRPr kumimoji="0" lang="ko-KR" altLang="ko-KR" sz="1800" b="0" i="0" u="none" strike="noStrike" cap="none" normalizeH="0" baseline="0" dirty="0">
               <a:ln>
                 <a:noFill/>
               </a:ln>
@@ -31917,7 +31426,7 @@
               <a:buNone/>
               <a:tabLst/>
             </a:pPr>
-            <a:endParaRPr kumimoji="0" lang="ko-KR" altLang="ko-KR" sz="1800" b="0" i="0" u="none" strike="noStrike" cap="none" normalizeH="0" baseline="0" dirty="0" smtClean="0">
+            <a:endParaRPr kumimoji="0" lang="ko-KR" altLang="ko-KR" sz="1800" b="0" i="0" u="none" strike="noStrike" cap="none" normalizeH="0" baseline="0" dirty="0">
               <a:ln>
                 <a:noFill/>
               </a:ln>
@@ -32006,18 +31515,17 @@
           <a:lstStyle/>
           <a:p>
             <a:r>
-              <a:rPr lang="ko-KR" altLang="en-US" dirty="0" smtClean="0"/>
+              <a:rPr lang="ko-KR" altLang="en-US" dirty="0"/>
               <a:t>일반적인 </a:t>
             </a:r>
             <a:r>
-              <a:rPr lang="ko-KR" altLang="en-US" dirty="0" err="1" smtClean="0"/>
+              <a:rPr lang="ko-KR" altLang="en-US" dirty="0" err="1"/>
               <a:t>챗</a:t>
             </a:r>
             <a:r>
-              <a:rPr lang="ko-KR" altLang="en-US" dirty="0" smtClean="0"/>
+              <a:rPr lang="ko-KR" altLang="en-US" dirty="0"/>
               <a:t> 봇</a:t>
             </a:r>
-            <a:endParaRPr lang="ko-KR" altLang="en-US" dirty="0"/>
           </a:p>
         </p:txBody>
       </p:sp>
@@ -32041,11 +31549,7 @@
             </a:pPr>
             <a:r>
               <a:rPr lang="en-US" altLang="ko-KR" dirty="0"/>
-              <a:t> </a:t>
-            </a:r>
-            <a:r>
-              <a:rPr lang="en-US" altLang="ko-KR" dirty="0" smtClean="0"/>
-              <a:t>25-</a:t>
+              <a:t> 25-</a:t>
             </a:r>
             <a:fld id="{5D7D1AE4-0F99-49E6-8B3C-A806C21BA98E}" type="slidenum">
               <a:rPr lang="en-US" altLang="ko-KR" smtClean="0">
@@ -32090,13 +31594,13 @@
               <a:buChar char="•"/>
             </a:pPr>
             <a:r>
-              <a:rPr lang="ko-KR" altLang="en-US" b="1" dirty="0" smtClean="0">
+              <a:rPr lang="ko-KR" altLang="en-US" b="1" dirty="0">
                 <a:latin typeface="gulimche" panose="020B0609000101010101" pitchFamily="49" charset="-127"/>
                 <a:ea typeface="gulimche" panose="020B0609000101010101" pitchFamily="49" charset="-127"/>
               </a:rPr>
               <a:t>채팅 클라이언트를 통해서 사용자로부터 입력을 받고</a:t>
             </a:r>
-            <a:endParaRPr lang="en-US" altLang="ko-KR" b="1" dirty="0" smtClean="0">
+            <a:endParaRPr lang="en-US" altLang="ko-KR" b="1" dirty="0">
               <a:latin typeface="gulimche" panose="020B0609000101010101" pitchFamily="49" charset="-127"/>
               <a:ea typeface="gulimche" panose="020B0609000101010101" pitchFamily="49" charset="-127"/>
             </a:endParaRPr>
@@ -32107,27 +31611,27 @@
               <a:buChar char="•"/>
             </a:pPr>
             <a:r>
-              <a:rPr lang="ko-KR" altLang="en-US" b="1" dirty="0" smtClean="0">
+              <a:rPr lang="ko-KR" altLang="en-US" b="1" dirty="0">
                 <a:latin typeface="gulimche" panose="020B0609000101010101" pitchFamily="49" charset="-127"/>
                 <a:ea typeface="gulimche" panose="020B0609000101010101" pitchFamily="49" charset="-127"/>
               </a:rPr>
               <a:t>자연어 처리를 한 다음 컴퓨터가 가공할 수 있는 형태로 </a:t>
             </a:r>
             <a:r>
-              <a:rPr lang="ko-KR" altLang="en-US" b="1" dirty="0" err="1" smtClean="0">
+              <a:rPr lang="ko-KR" altLang="en-US" b="1" dirty="0" err="1">
                 <a:latin typeface="gulimche" panose="020B0609000101010101" pitchFamily="49" charset="-127"/>
                 <a:ea typeface="gulimche" panose="020B0609000101010101" pitchFamily="49" charset="-127"/>
               </a:rPr>
               <a:t>파싱한</a:t>
             </a:r>
             <a:r>
-              <a:rPr lang="ko-KR" altLang="en-US" b="1" dirty="0" smtClean="0">
+              <a:rPr lang="ko-KR" altLang="en-US" b="1" dirty="0">
                 <a:latin typeface="gulimche" panose="020B0609000101010101" pitchFamily="49" charset="-127"/>
                 <a:ea typeface="gulimche" panose="020B0609000101010101" pitchFamily="49" charset="-127"/>
               </a:rPr>
               <a:t> 후</a:t>
             </a:r>
-            <a:endParaRPr lang="en-US" altLang="ko-KR" b="1" dirty="0" smtClean="0">
+            <a:endParaRPr lang="en-US" altLang="ko-KR" b="1" dirty="0">
               <a:latin typeface="gulimche" panose="020B0609000101010101" pitchFamily="49" charset="-127"/>
               <a:ea typeface="gulimche" panose="020B0609000101010101" pitchFamily="49" charset="-127"/>
             </a:endParaRPr>
@@ -32138,10 +31642,9 @@
               <a:buChar char="•"/>
             </a:pPr>
             <a:r>
-              <a:rPr lang="ko-KR" altLang="en-US" b="1" dirty="0" smtClean="0"/>
+              <a:rPr lang="ko-KR" altLang="en-US" b="1" dirty="0"/>
               <a:t>다이얼로그 매니저에서 정보를 처리</a:t>
             </a:r>
-            <a:endParaRPr lang="ko-KR" altLang="en-US" b="1" dirty="0"/>
           </a:p>
         </p:txBody>
       </p:sp>
@@ -32182,7 +31685,7 @@
           <a:p>
             <a:pPr algn="ctr"/>
             <a:r>
-              <a:rPr lang="en-US" altLang="ko-KR" dirty="0" smtClean="0"/>
+              <a:rPr lang="en-US" altLang="ko-KR" dirty="0"/>
               <a:t>Chatting Client</a:t>
             </a:r>
             <a:endParaRPr lang="ko-KR" altLang="en-US" dirty="0"/>
@@ -32226,7 +31729,7 @@
           <a:p>
             <a:pPr algn="ctr"/>
             <a:r>
-              <a:rPr lang="en-US" altLang="ko-KR" dirty="0" smtClean="0"/>
+              <a:rPr lang="en-US" altLang="ko-KR" dirty="0"/>
               <a:t>NLP</a:t>
             </a:r>
             <a:endParaRPr lang="ko-KR" altLang="en-US" dirty="0"/>
@@ -32270,7 +31773,7 @@
           <a:p>
             <a:pPr algn="ctr"/>
             <a:r>
-              <a:rPr lang="en-US" altLang="ko-KR" dirty="0" smtClean="0"/>
+              <a:rPr lang="en-US" altLang="ko-KR" dirty="0"/>
               <a:t>Dialog Manager</a:t>
             </a:r>
             <a:endParaRPr lang="ko-KR" altLang="en-US" dirty="0"/>
@@ -32303,7 +31806,7 @@
               <a:buChar char="•"/>
             </a:pPr>
             <a:r>
-              <a:rPr lang="ko-KR" altLang="en-US" b="1" dirty="0" smtClean="0">
+              <a:rPr lang="ko-KR" altLang="en-US" b="1" dirty="0">
                 <a:solidFill>
                   <a:schemeClr val="accent2"/>
                 </a:solidFill>
@@ -32311,7 +31814,7 @@
               <a:t>이 장에서는 </a:t>
             </a:r>
             <a:r>
-              <a:rPr lang="en-US" altLang="ko-KR" b="1" dirty="0" smtClean="0">
+              <a:rPr lang="en-US" altLang="ko-KR" b="1" dirty="0">
                 <a:solidFill>
                   <a:schemeClr val="accent2"/>
                 </a:solidFill>
@@ -32319,18 +31822,13 @@
               <a:t>NLP </a:t>
             </a:r>
             <a:r>
-              <a:rPr lang="ko-KR" altLang="en-US" b="1" dirty="0" smtClean="0">
+              <a:rPr lang="ko-KR" altLang="en-US" b="1" dirty="0">
                 <a:solidFill>
                   <a:schemeClr val="accent2"/>
                 </a:solidFill>
               </a:rPr>
               <a:t>가 방대하므로 제거</a:t>
             </a:r>
-            <a:endParaRPr lang="ko-KR" altLang="en-US" b="1" dirty="0">
-              <a:solidFill>
-                <a:schemeClr val="accent2"/>
-              </a:solidFill>
-            </a:endParaRPr>
           </a:p>
         </p:txBody>
       </p:sp>
@@ -32459,11 +31957,11 @@
               <a:defRPr/>
             </a:pPr>
             <a:r>
-              <a:rPr lang="ko-KR" altLang="en-US" dirty="0" err="1" smtClean="0"/>
+              <a:rPr lang="ko-KR" altLang="en-US" dirty="0" err="1"/>
               <a:t>챗봇</a:t>
             </a:r>
             <a:r>
-              <a:rPr lang="ko-KR" altLang="en-US" dirty="0" smtClean="0"/>
+              <a:rPr lang="ko-KR" altLang="en-US" dirty="0"/>
               <a:t> 준비</a:t>
             </a:r>
             <a:endParaRPr lang="en-US" altLang="ko-KR" dirty="0"/>
@@ -32649,14 +32147,14 @@
               <a:buChar char="§"/>
             </a:pPr>
             <a:r>
-              <a:rPr lang="ko-KR" altLang="en-US" sz="2000" b="1" dirty="0" err="1" smtClean="0">
+              <a:rPr lang="ko-KR" altLang="en-US" sz="2000" b="1" dirty="0" err="1">
                 <a:solidFill>
                   <a:schemeClr val="accent2"/>
                 </a:solidFill>
               </a:rPr>
               <a:t>텔레그램</a:t>
             </a:r>
-            <a:endParaRPr lang="en-US" altLang="ko-KR" sz="2000" b="1" dirty="0" smtClean="0">
+            <a:endParaRPr lang="en-US" altLang="ko-KR" sz="2000" b="1" dirty="0">
               <a:solidFill>
                 <a:schemeClr val="accent2"/>
               </a:solidFill>
@@ -32668,38 +32166,38 @@
               <a:buChar char="§"/>
             </a:pPr>
             <a:r>
-              <a:rPr lang="ko-KR" altLang="en-US" sz="1600" dirty="0" smtClean="0"/>
+              <a:rPr lang="ko-KR" altLang="en-US" sz="1600" dirty="0"/>
               <a:t>사용자에게 정보 전달</a:t>
             </a:r>
             <a:r>
-              <a:rPr lang="en-US" altLang="ko-KR" sz="1600" dirty="0" smtClean="0"/>
+              <a:rPr lang="en-US" altLang="ko-KR" sz="1600" dirty="0"/>
               <a:t>: </a:t>
             </a:r>
             <a:r>
-              <a:rPr lang="ko-KR" altLang="en-US" sz="1600" dirty="0" err="1" smtClean="0"/>
+              <a:rPr lang="ko-KR" altLang="en-US" sz="1600" dirty="0" err="1"/>
               <a:t>웹페이지</a:t>
             </a:r>
             <a:r>
-              <a:rPr lang="ko-KR" altLang="en-US" sz="1600" dirty="0" smtClean="0"/>
+              <a:rPr lang="ko-KR" altLang="en-US" sz="1600" dirty="0"/>
               <a:t> 업데이트</a:t>
             </a:r>
             <a:r>
-              <a:rPr lang="en-US" altLang="ko-KR" sz="1600" dirty="0" smtClean="0"/>
+              <a:rPr lang="en-US" altLang="ko-KR" sz="1600" dirty="0"/>
               <a:t>, </a:t>
             </a:r>
             <a:r>
-              <a:rPr lang="ko-KR" altLang="en-US" sz="1600" dirty="0" smtClean="0"/>
+              <a:rPr lang="ko-KR" altLang="en-US" sz="1600" dirty="0"/>
               <a:t>푸시 메시지</a:t>
             </a:r>
             <a:r>
-              <a:rPr lang="en-US" altLang="ko-KR" sz="1600" dirty="0" smtClean="0"/>
+              <a:rPr lang="en-US" altLang="ko-KR" sz="1600" dirty="0"/>
               <a:t>, </a:t>
             </a:r>
             <a:r>
-              <a:rPr lang="ko-KR" altLang="en-US" sz="1600" dirty="0" smtClean="0"/>
+              <a:rPr lang="ko-KR" altLang="en-US" sz="1600" dirty="0"/>
               <a:t>메신저 등</a:t>
             </a:r>
-            <a:endParaRPr lang="en-US" altLang="ko-KR" sz="1600" dirty="0" smtClean="0"/>
+            <a:endParaRPr lang="en-US" altLang="ko-KR" sz="1600" dirty="0"/>
           </a:p>
           <a:p>
             <a:pPr lvl="1" eaLnBrk="1" hangingPunct="1">
@@ -32707,19 +32205,19 @@
               <a:buChar char="§"/>
             </a:pPr>
             <a:r>
-              <a:rPr lang="ko-KR" altLang="en-US" sz="1600" dirty="0" err="1" smtClean="0"/>
+              <a:rPr lang="ko-KR" altLang="en-US" sz="1600" dirty="0" err="1"/>
               <a:t>텔레그램</a:t>
             </a:r>
             <a:r>
-              <a:rPr lang="ko-KR" altLang="en-US" sz="1600" dirty="0" smtClean="0"/>
+              <a:rPr lang="ko-KR" altLang="en-US" sz="1600" dirty="0"/>
               <a:t> </a:t>
             </a:r>
             <a:r>
-              <a:rPr lang="en-US" altLang="ko-KR" sz="1600" dirty="0" smtClean="0"/>
+              <a:rPr lang="en-US" altLang="ko-KR" sz="1600" dirty="0"/>
               <a:t>Bot API </a:t>
             </a:r>
             <a:r>
-              <a:rPr lang="ko-KR" altLang="en-US" sz="1600" dirty="0" smtClean="0"/>
+              <a:rPr lang="ko-KR" altLang="en-US" sz="1600" dirty="0"/>
               <a:t>가 잘 정리되어 있음</a:t>
             </a:r>
             <a:endParaRPr lang="en-US" altLang="ko-KR" sz="1600" dirty="0"/>
@@ -32730,11 +32228,11 @@
               <a:buChar char="§"/>
             </a:pPr>
             <a:r>
-              <a:rPr lang="ko-KR" altLang="en-US" sz="2000" dirty="0" err="1" smtClean="0"/>
+              <a:rPr lang="ko-KR" altLang="en-US" sz="2000" dirty="0" err="1"/>
               <a:t>텔레그램</a:t>
             </a:r>
             <a:r>
-              <a:rPr lang="ko-KR" altLang="en-US" sz="2000" dirty="0" smtClean="0"/>
+              <a:rPr lang="ko-KR" altLang="en-US" sz="2000" dirty="0"/>
               <a:t> 봇 계정 만들기</a:t>
             </a:r>
             <a:endParaRPr lang="en-US" altLang="ko-KR" sz="2000" dirty="0"/>
@@ -32745,27 +32243,27 @@
               <a:buChar char="§"/>
             </a:pPr>
             <a:r>
-              <a:rPr lang="ko-KR" altLang="en-US" sz="1600" dirty="0" err="1" smtClean="0"/>
+              <a:rPr lang="ko-KR" altLang="en-US" sz="1600" dirty="0" err="1"/>
               <a:t>텔레그램</a:t>
             </a:r>
             <a:r>
-              <a:rPr lang="ko-KR" altLang="en-US" sz="1600" dirty="0" smtClean="0"/>
+              <a:rPr lang="ko-KR" altLang="en-US" sz="1600" dirty="0"/>
               <a:t> 앱에서 </a:t>
             </a:r>
             <a:r>
-              <a:rPr lang="ko-KR" altLang="en-US" sz="1600" dirty="0" err="1" smtClean="0"/>
+              <a:rPr lang="ko-KR" altLang="en-US" sz="1600" dirty="0" err="1"/>
               <a:t>계정찾기</a:t>
             </a:r>
             <a:r>
-              <a:rPr lang="ko-KR" altLang="en-US" sz="1600" dirty="0" smtClean="0"/>
+              <a:rPr lang="ko-KR" altLang="en-US" sz="1600" dirty="0"/>
               <a:t> </a:t>
             </a:r>
             <a:r>
-              <a:rPr lang="en-US" altLang="ko-KR" sz="1600" dirty="0" smtClean="0"/>
+              <a:rPr lang="en-US" altLang="ko-KR" sz="1600" dirty="0"/>
               <a:t>-&gt; </a:t>
             </a:r>
             <a:r>
-              <a:rPr lang="en-US" altLang="ko-KR" sz="1600" dirty="0" err="1" smtClean="0">
+              <a:rPr lang="en-US" altLang="ko-KR" sz="1600" dirty="0" err="1">
                 <a:solidFill>
                   <a:schemeClr val="accent2"/>
                 </a:solidFill>
@@ -32784,27 +32282,27 @@
               <a:buChar char="§"/>
             </a:pPr>
             <a:r>
-              <a:rPr lang="en-US" altLang="ko-KR" sz="1600" dirty="0" err="1" smtClean="0"/>
+              <a:rPr lang="en-US" altLang="ko-KR" sz="1600" dirty="0" err="1"/>
               <a:t>BotFather</a:t>
             </a:r>
             <a:r>
-              <a:rPr lang="en-US" altLang="ko-KR" sz="1600" dirty="0" smtClean="0"/>
+              <a:rPr lang="en-US" altLang="ko-KR" sz="1600" dirty="0"/>
               <a:t> </a:t>
             </a:r>
             <a:r>
-              <a:rPr lang="ko-KR" altLang="en-US" sz="1600" dirty="0" err="1" smtClean="0"/>
+              <a:rPr lang="ko-KR" altLang="en-US" sz="1600" dirty="0" err="1"/>
               <a:t>계정에게</a:t>
             </a:r>
             <a:r>
-              <a:rPr lang="ko-KR" altLang="en-US" sz="1600" dirty="0" smtClean="0"/>
+              <a:rPr lang="ko-KR" altLang="en-US" sz="1600" dirty="0"/>
               <a:t> 말하기 </a:t>
             </a:r>
             <a:r>
-              <a:rPr lang="en-US" altLang="ko-KR" sz="1600" dirty="0" smtClean="0"/>
+              <a:rPr lang="en-US" altLang="ko-KR" sz="1600" dirty="0"/>
               <a:t>-&gt; </a:t>
             </a:r>
             <a:r>
-              <a:rPr lang="en-US" altLang="ko-KR" sz="1600" dirty="0" smtClean="0">
+              <a:rPr lang="en-US" altLang="ko-KR" sz="1600" dirty="0">
                 <a:solidFill>
                   <a:schemeClr val="accent2"/>
                 </a:solidFill>
@@ -32812,14 +32310,14 @@
               <a:t>/</a:t>
             </a:r>
             <a:r>
-              <a:rPr lang="en-US" altLang="ko-KR" sz="1600" dirty="0" err="1" smtClean="0">
+              <a:rPr lang="en-US" altLang="ko-KR" sz="1600" dirty="0" err="1">
                 <a:solidFill>
                   <a:schemeClr val="accent2"/>
                 </a:solidFill>
               </a:rPr>
               <a:t>newbot</a:t>
             </a:r>
-            <a:endParaRPr lang="en-US" altLang="ko-KR" sz="1600" dirty="0" smtClean="0">
+            <a:endParaRPr lang="en-US" altLang="ko-KR" sz="1600" dirty="0">
               <a:solidFill>
                 <a:schemeClr val="accent2"/>
               </a:solidFill>
@@ -32831,15 +32329,15 @@
               <a:buChar char="§"/>
             </a:pPr>
             <a:r>
-              <a:rPr lang="ko-KR" altLang="en-US" sz="1600" dirty="0" smtClean="0"/>
+              <a:rPr lang="ko-KR" altLang="en-US" sz="1600" dirty="0"/>
               <a:t>원하는 이름</a:t>
             </a:r>
             <a:r>
-              <a:rPr lang="en-US" altLang="ko-KR" sz="1600" dirty="0" smtClean="0"/>
+              <a:rPr lang="en-US" altLang="ko-KR" sz="1600" dirty="0"/>
               <a:t>-&gt; </a:t>
             </a:r>
             <a:r>
-              <a:rPr lang="ko-KR" altLang="en-US" sz="1600" dirty="0" smtClean="0">
+              <a:rPr lang="ko-KR" altLang="en-US" sz="1600" dirty="0">
                 <a:solidFill>
                   <a:schemeClr val="accent2"/>
                 </a:solidFill>
@@ -32847,7 +32345,7 @@
               <a:t>부동산 </a:t>
             </a:r>
             <a:r>
-              <a:rPr lang="ko-KR" altLang="en-US" sz="1600" dirty="0" err="1" smtClean="0">
+              <a:rPr lang="ko-KR" altLang="en-US" sz="1600" dirty="0" err="1">
                 <a:solidFill>
                   <a:schemeClr val="accent2"/>
                 </a:solidFill>
@@ -32855,14 +32353,14 @@
               <a:t>텔레그램</a:t>
             </a:r>
             <a:r>
-              <a:rPr lang="ko-KR" altLang="en-US" sz="1600" dirty="0" smtClean="0">
+              <a:rPr lang="ko-KR" altLang="en-US" sz="1600" dirty="0">
                 <a:solidFill>
                   <a:schemeClr val="accent2"/>
                 </a:solidFill>
               </a:rPr>
               <a:t> 봇</a:t>
             </a:r>
-            <a:endParaRPr lang="en-US" altLang="ko-KR" sz="1600" dirty="0" smtClean="0">
+            <a:endParaRPr lang="en-US" altLang="ko-KR" sz="1600" dirty="0">
               <a:solidFill>
                 <a:schemeClr val="accent2"/>
               </a:solidFill>
@@ -32874,11 +32372,11 @@
               <a:buChar char="§"/>
             </a:pPr>
             <a:r>
-              <a:rPr lang="en-US" altLang="ko-KR" sz="1600" dirty="0" smtClean="0"/>
+              <a:rPr lang="en-US" altLang="ko-KR" sz="1600" dirty="0"/>
               <a:t>Username-&gt; </a:t>
             </a:r>
             <a:r>
-              <a:rPr lang="en-US" altLang="ko-KR" sz="1600" dirty="0" err="1" smtClean="0">
+              <a:rPr lang="en-US" altLang="ko-KR" sz="1600" dirty="0" err="1">
                 <a:solidFill>
                   <a:schemeClr val="accent2"/>
                 </a:solidFill>
@@ -32886,15 +32384,15 @@
               <a:t>realestate_prof_youngsik_bot</a:t>
             </a:r>
             <a:r>
-              <a:rPr lang="en-US" altLang="ko-KR" sz="1600" dirty="0" smtClean="0"/>
+              <a:rPr lang="en-US" altLang="ko-KR" sz="1600" dirty="0"/>
               <a:t> (</a:t>
             </a:r>
             <a:r>
-              <a:rPr lang="ko-KR" altLang="en-US" sz="1600" dirty="0" smtClean="0"/>
+              <a:rPr lang="ko-KR" altLang="en-US" sz="1600" dirty="0"/>
               <a:t>중복 허용 않으므로 사용자마다 다르게 입력</a:t>
             </a:r>
             <a:r>
-              <a:rPr lang="en-US" altLang="ko-KR" sz="1600" dirty="0" smtClean="0"/>
+              <a:rPr lang="en-US" altLang="ko-KR" sz="1600" dirty="0"/>
               <a:t>)</a:t>
             </a:r>
           </a:p>
@@ -32904,7 +32402,7 @@
               <a:buChar char="§"/>
             </a:pPr>
             <a:r>
-              <a:rPr lang="ko-KR" altLang="en-US" sz="1600" dirty="0" smtClean="0">
+              <a:rPr lang="ko-KR" altLang="en-US" sz="1600" dirty="0">
                 <a:solidFill>
                   <a:srgbClr val="C00000"/>
                 </a:solidFill>
@@ -32912,7 +32410,7 @@
               <a:t>토큰 </a:t>
             </a:r>
             <a:r>
-              <a:rPr lang="ko-KR" altLang="en-US" sz="1600" dirty="0" smtClean="0"/>
+              <a:rPr lang="ko-KR" altLang="en-US" sz="1600" dirty="0"/>
               <a:t>생성됨 </a:t>
             </a:r>
             <a:endParaRPr lang="en-US" altLang="ko-KR" sz="1600" dirty="0"/>
@@ -33052,11 +32550,7 @@
             </a:pPr>
             <a:r>
               <a:rPr lang="en-US" altLang="ko-KR" sz="1200" dirty="0"/>
-              <a:t> </a:t>
-            </a:r>
-            <a:r>
-              <a:rPr lang="en-US" altLang="ko-KR" sz="1200" dirty="0" smtClean="0"/>
-              <a:t>25-</a:t>
+              <a:t> 25-</a:t>
             </a:r>
             <a:fld id="{E543E660-5BD7-4DE8-B2D5-3B53773227AF}" type="slidenum">
               <a:rPr lang="en-US" altLang="ko-KR" sz="1200" smtClean="0">
@@ -33316,27 +32810,27 @@
               <a:defRPr/>
             </a:pPr>
             <a:r>
-              <a:rPr lang="ko-KR" altLang="en-US" dirty="0" err="1" smtClean="0"/>
+              <a:rPr lang="ko-KR" altLang="en-US" dirty="0" err="1"/>
               <a:t>텔레그램</a:t>
             </a:r>
             <a:r>
-              <a:rPr lang="ko-KR" altLang="en-US" dirty="0" smtClean="0"/>
+              <a:rPr lang="ko-KR" altLang="en-US" dirty="0"/>
               <a:t> </a:t>
             </a:r>
             <a:r>
-              <a:rPr lang="en-US" altLang="ko-KR" dirty="0" err="1" smtClean="0"/>
+              <a:rPr lang="en-US" altLang="ko-KR" dirty="0" err="1"/>
               <a:t>BotFather</a:t>
             </a:r>
             <a:r>
-              <a:rPr lang="en-US" altLang="ko-KR" dirty="0" smtClean="0"/>
+              <a:rPr lang="en-US" altLang="ko-KR" dirty="0"/>
               <a:t> </a:t>
             </a:r>
             <a:r>
-              <a:rPr lang="ko-KR" altLang="en-US" dirty="0" smtClean="0"/>
+              <a:rPr lang="ko-KR" altLang="en-US" dirty="0"/>
               <a:t>봇 </a:t>
             </a:r>
             <a:r>
-              <a:rPr lang="ko-KR" altLang="en-US" dirty="0" err="1" smtClean="0"/>
+              <a:rPr lang="ko-KR" altLang="en-US" dirty="0" err="1"/>
               <a:t>계정만들기</a:t>
             </a:r>
             <a:endParaRPr lang="en-US" altLang="ko-KR" dirty="0"/>
@@ -33469,11 +32963,7 @@
             </a:pPr>
             <a:r>
               <a:rPr lang="en-US" altLang="ko-KR" sz="1200" dirty="0"/>
-              <a:t> </a:t>
-            </a:r>
-            <a:r>
-              <a:rPr lang="en-US" altLang="ko-KR" sz="1200" dirty="0" smtClean="0"/>
-              <a:t>25-</a:t>
+              <a:t> 25-</a:t>
             </a:r>
             <a:fld id="{E543E660-5BD7-4DE8-B2D5-3B53773227AF}" type="slidenum">
               <a:rPr lang="en-US" altLang="ko-KR" sz="1200" smtClean="0">
@@ -34007,23 +33497,23 @@
               <a:defRPr/>
             </a:pPr>
             <a:r>
-              <a:rPr lang="ko-KR" altLang="en-US" dirty="0" err="1" smtClean="0"/>
+              <a:rPr lang="ko-KR" altLang="en-US" dirty="0" err="1"/>
               <a:t>텔레그램</a:t>
             </a:r>
             <a:r>
-              <a:rPr lang="ko-KR" altLang="en-US" dirty="0" smtClean="0"/>
+              <a:rPr lang="ko-KR" altLang="en-US" dirty="0"/>
               <a:t> </a:t>
             </a:r>
             <a:r>
-              <a:rPr lang="en-US" altLang="ko-KR" dirty="0" err="1" smtClean="0"/>
+              <a:rPr lang="en-US" altLang="ko-KR" dirty="0" err="1"/>
               <a:t>Telepot</a:t>
             </a:r>
             <a:r>
-              <a:rPr lang="en-US" altLang="ko-KR" dirty="0" smtClean="0"/>
+              <a:rPr lang="en-US" altLang="ko-KR" dirty="0"/>
               <a:t> </a:t>
             </a:r>
             <a:r>
-              <a:rPr lang="ko-KR" altLang="en-US" dirty="0" smtClean="0"/>
+              <a:rPr lang="ko-KR" altLang="en-US" dirty="0"/>
               <a:t>모듈</a:t>
             </a:r>
             <a:endParaRPr lang="en-US" altLang="ko-KR" dirty="0"/>
@@ -34209,7 +33699,7 @@
               <a:buChar char="§"/>
             </a:pPr>
             <a:r>
-              <a:rPr lang="ko-KR" altLang="en-US" sz="2000" b="1" dirty="0" err="1" smtClean="0">
+              <a:rPr lang="ko-KR" altLang="en-US" sz="2000" b="1" dirty="0" err="1">
                 <a:solidFill>
                   <a:schemeClr val="accent2"/>
                 </a:solidFill>
@@ -34217,7 +33707,7 @@
               <a:t>텔레그램</a:t>
             </a:r>
             <a:r>
-              <a:rPr lang="ko-KR" altLang="en-US" sz="2000" b="1" dirty="0" smtClean="0">
+              <a:rPr lang="ko-KR" altLang="en-US" sz="2000" b="1" dirty="0">
                 <a:solidFill>
                   <a:schemeClr val="accent2"/>
                 </a:solidFill>
@@ -34225,7 +33715,7 @@
               <a:t> </a:t>
             </a:r>
             <a:r>
-              <a:rPr lang="en-US" altLang="ko-KR" sz="2000" b="1" dirty="0" smtClean="0">
+              <a:rPr lang="en-US" altLang="ko-KR" sz="2000" b="1" dirty="0">
                 <a:solidFill>
                   <a:schemeClr val="accent2"/>
                 </a:solidFill>
@@ -34239,7 +33729,7 @@
               <a:buChar char="§"/>
             </a:pPr>
             <a:r>
-              <a:rPr lang="en-US" altLang="ko-KR" sz="2000" b="1" dirty="0" smtClean="0">
+              <a:rPr lang="en-US" altLang="ko-KR" sz="2000" b="1" dirty="0">
                 <a:solidFill>
                   <a:schemeClr val="accent2"/>
                 </a:solidFill>
@@ -34247,7 +33737,7 @@
               <a:t> </a:t>
             </a:r>
             <a:r>
-              <a:rPr lang="en-US" altLang="ko-KR" sz="2000" b="1" dirty="0" err="1" smtClean="0">
+              <a:rPr lang="en-US" altLang="ko-KR" sz="2000" b="1" dirty="0" err="1">
                 <a:solidFill>
                   <a:schemeClr val="accent2"/>
                 </a:solidFill>
@@ -34255,7 +33745,7 @@
               <a:t>Telepot</a:t>
             </a:r>
             <a:r>
-              <a:rPr lang="en-US" altLang="ko-KR" sz="2000" b="1" dirty="0" smtClean="0">
+              <a:rPr lang="en-US" altLang="ko-KR" sz="2000" b="1" dirty="0">
                 <a:solidFill>
                   <a:schemeClr val="accent2"/>
                 </a:solidFill>
@@ -34263,7 +33753,7 @@
               <a:t> </a:t>
             </a:r>
             <a:r>
-              <a:rPr lang="ko-KR" altLang="en-US" sz="2000" b="1" dirty="0" smtClean="0">
+              <a:rPr lang="ko-KR" altLang="en-US" sz="2000" b="1" dirty="0">
                 <a:solidFill>
                   <a:schemeClr val="accent2"/>
                 </a:solidFill>
@@ -34271,7 +33761,7 @@
               <a:t>모듈 </a:t>
             </a:r>
             <a:r>
-              <a:rPr lang="en-US" altLang="ko-KR" sz="2000" b="1" dirty="0" smtClean="0">
+              <a:rPr lang="en-US" altLang="ko-KR" sz="2000" b="1" dirty="0">
                 <a:solidFill>
                   <a:schemeClr val="accent2"/>
                 </a:solidFill>
@@ -34285,7 +33775,7 @@
               <a:buChar char="§"/>
             </a:pPr>
             <a:r>
-              <a:rPr lang="en-US" altLang="ko-KR" sz="1600" b="1" dirty="0" smtClean="0">
+              <a:rPr lang="en-US" altLang="ko-KR" sz="1600" b="1" dirty="0">
                 <a:solidFill>
                   <a:schemeClr val="accent2"/>
                 </a:solidFill>
@@ -34293,14 +33783,14 @@
               <a:t>$ pip install </a:t>
             </a:r>
             <a:r>
-              <a:rPr lang="en-US" altLang="ko-KR" sz="1600" b="1" dirty="0" err="1" smtClean="0">
+              <a:rPr lang="en-US" altLang="ko-KR" sz="1600" b="1" dirty="0" err="1">
                 <a:solidFill>
                   <a:schemeClr val="accent2"/>
                 </a:solidFill>
               </a:rPr>
               <a:t>telepot</a:t>
             </a:r>
-            <a:endParaRPr lang="en-US" altLang="ko-KR" sz="1600" b="1" dirty="0" smtClean="0">
+            <a:endParaRPr lang="en-US" altLang="ko-KR" sz="1600" b="1" dirty="0">
               <a:solidFill>
                 <a:schemeClr val="accent2"/>
               </a:solidFill>
@@ -34441,11 +33931,7 @@
             </a:pPr>
             <a:r>
               <a:rPr lang="en-US" altLang="ko-KR" sz="1200" dirty="0"/>
-              <a:t> </a:t>
-            </a:r>
-            <a:r>
-              <a:rPr lang="en-US" altLang="ko-KR" sz="1200" dirty="0" smtClean="0"/>
-              <a:t>25-</a:t>
+              <a:t> 25-</a:t>
             </a:r>
             <a:fld id="{E543E660-5BD7-4DE8-B2D5-3B53773227AF}" type="slidenum">
               <a:rPr lang="en-US" altLang="ko-KR" sz="1200" smtClean="0">
@@ -34826,23 +34312,23 @@
               <a:defRPr/>
             </a:pPr>
             <a:r>
-              <a:rPr lang="ko-KR" altLang="en-US" dirty="0" err="1" smtClean="0"/>
+              <a:rPr lang="ko-KR" altLang="en-US" dirty="0" err="1"/>
               <a:t>텔레그램</a:t>
             </a:r>
             <a:r>
-              <a:rPr lang="ko-KR" altLang="en-US" dirty="0" smtClean="0"/>
+              <a:rPr lang="ko-KR" altLang="en-US" dirty="0"/>
               <a:t> </a:t>
             </a:r>
             <a:r>
-              <a:rPr lang="en-US" altLang="ko-KR" dirty="0" err="1" smtClean="0"/>
+              <a:rPr lang="en-US" altLang="ko-KR" dirty="0" err="1"/>
               <a:t>Telepot</a:t>
             </a:r>
             <a:r>
-              <a:rPr lang="en-US" altLang="ko-KR" dirty="0" smtClean="0"/>
+              <a:rPr lang="en-US" altLang="ko-KR" dirty="0"/>
               <a:t> </a:t>
             </a:r>
             <a:r>
-              <a:rPr lang="ko-KR" altLang="en-US" dirty="0" smtClean="0"/>
+              <a:rPr lang="ko-KR" altLang="en-US" dirty="0"/>
               <a:t>모듈</a:t>
             </a:r>
             <a:endParaRPr lang="en-US" altLang="ko-KR" dirty="0"/>
@@ -35028,27 +34514,27 @@
               <a:buChar char="§"/>
             </a:pPr>
             <a:r>
-              <a:rPr lang="en-US" altLang="ko-KR" sz="2000" b="1" dirty="0" err="1" smtClean="0"/>
+              <a:rPr lang="en-US" altLang="ko-KR" sz="2000" b="1" dirty="0" err="1"/>
               <a:t>Telepot</a:t>
             </a:r>
             <a:r>
-              <a:rPr lang="en-US" altLang="ko-KR" sz="2000" b="1" dirty="0" smtClean="0"/>
+              <a:rPr lang="en-US" altLang="ko-KR" sz="2000" b="1" dirty="0"/>
               <a:t> </a:t>
             </a:r>
             <a:r>
-              <a:rPr lang="ko-KR" altLang="en-US" sz="2000" b="1" dirty="0" smtClean="0"/>
+              <a:rPr lang="ko-KR" altLang="en-US" sz="2000" b="1" dirty="0"/>
               <a:t>모듈을 </a:t>
             </a:r>
             <a:r>
-              <a:rPr lang="ko-KR" altLang="en-US" sz="2000" b="1" dirty="0" err="1" smtClean="0"/>
+              <a:rPr lang="ko-KR" altLang="en-US" sz="2000" b="1" dirty="0" err="1"/>
               <a:t>임포트하고</a:t>
             </a:r>
             <a:r>
-              <a:rPr lang="ko-KR" altLang="en-US" sz="2000" b="1" dirty="0" smtClean="0"/>
+              <a:rPr lang="ko-KR" altLang="en-US" sz="2000" b="1" dirty="0"/>
               <a:t> 앞에서 생성한 </a:t>
             </a:r>
             <a:r>
-              <a:rPr lang="ko-KR" altLang="en-US" sz="2000" b="1" dirty="0" smtClean="0">
+              <a:rPr lang="ko-KR" altLang="en-US" sz="2000" b="1" dirty="0">
                 <a:solidFill>
                   <a:srgbClr val="FF0000"/>
                 </a:solidFill>
@@ -35056,18 +34542,18 @@
               <a:t>토큰</a:t>
             </a:r>
             <a:r>
-              <a:rPr lang="ko-KR" altLang="en-US" sz="2000" b="1" dirty="0" smtClean="0"/>
+              <a:rPr lang="ko-KR" altLang="en-US" sz="2000" b="1" dirty="0"/>
               <a:t>을 이용해 </a:t>
             </a:r>
             <a:r>
-              <a:rPr lang="en-US" altLang="ko-KR" sz="2000" b="1" dirty="0" smtClean="0"/>
+              <a:rPr lang="en-US" altLang="ko-KR" sz="2000" b="1" dirty="0"/>
               <a:t>bot </a:t>
             </a:r>
             <a:r>
-              <a:rPr lang="ko-KR" altLang="en-US" sz="2000" b="1" dirty="0" smtClean="0"/>
+              <a:rPr lang="ko-KR" altLang="en-US" sz="2000" b="1" dirty="0"/>
               <a:t>객체를 생성</a:t>
             </a:r>
-            <a:endParaRPr lang="en-US" altLang="ko-KR" sz="2000" b="1" dirty="0" smtClean="0"/>
+            <a:endParaRPr lang="en-US" altLang="ko-KR" sz="2000" b="1" dirty="0"/>
           </a:p>
           <a:p>
             <a:pPr eaLnBrk="1" hangingPunct="1">
@@ -35075,18 +34561,18 @@
               <a:buChar char="§"/>
             </a:pPr>
             <a:r>
-              <a:rPr lang="ko-KR" altLang="en-US" sz="2000" b="1" dirty="0" smtClean="0"/>
+              <a:rPr lang="ko-KR" altLang="en-US" sz="2000" b="1" dirty="0"/>
               <a:t>부동산 </a:t>
             </a:r>
             <a:r>
-              <a:rPr lang="ko-KR" altLang="en-US" sz="2000" b="1" dirty="0" err="1" smtClean="0"/>
+              <a:rPr lang="ko-KR" altLang="en-US" sz="2000" b="1" dirty="0" err="1"/>
               <a:t>텔레그램</a:t>
             </a:r>
             <a:r>
-              <a:rPr lang="ko-KR" altLang="en-US" sz="2000" b="1" dirty="0" smtClean="0"/>
+              <a:rPr lang="ko-KR" altLang="en-US" sz="2000" b="1" dirty="0"/>
               <a:t> 봇에서 사용자에게 메시지 전달</a:t>
             </a:r>
-            <a:endParaRPr lang="en-US" altLang="ko-KR" sz="2000" b="1" dirty="0" smtClean="0"/>
+            <a:endParaRPr lang="en-US" altLang="ko-KR" sz="2000" b="1" dirty="0"/>
           </a:p>
           <a:p>
             <a:pPr lvl="1" eaLnBrk="1" hangingPunct="1">
@@ -35094,7 +34580,7 @@
               <a:buChar char="§"/>
             </a:pPr>
             <a:r>
-              <a:rPr lang="ko-KR" altLang="en-US" sz="1600" b="1" dirty="0" smtClean="0">
+              <a:rPr lang="ko-KR" altLang="en-US" sz="1600" b="1" dirty="0">
                 <a:solidFill>
                   <a:schemeClr val="accent2"/>
                 </a:solidFill>
@@ -35102,7 +34588,7 @@
               <a:t>사용자 </a:t>
             </a:r>
             <a:r>
-              <a:rPr lang="en-US" altLang="ko-KR" sz="1600" b="1" dirty="0" err="1" smtClean="0">
+              <a:rPr lang="en-US" altLang="ko-KR" sz="1600" b="1" dirty="0" err="1">
                 <a:solidFill>
                   <a:schemeClr val="accent2"/>
                 </a:solidFill>
@@ -35110,7 +34596,7 @@
               <a:t>chat_ID</a:t>
             </a:r>
             <a:r>
-              <a:rPr lang="en-US" altLang="ko-KR" sz="1600" b="1" dirty="0" smtClean="0">
+              <a:rPr lang="en-US" altLang="ko-KR" sz="1600" b="1" dirty="0">
                 <a:solidFill>
                   <a:schemeClr val="accent2"/>
                 </a:solidFill>
@@ -35118,14 +34604,14 @@
               <a:t> </a:t>
             </a:r>
             <a:r>
-              <a:rPr lang="ko-KR" altLang="en-US" sz="1600" b="1" dirty="0" smtClean="0">
+              <a:rPr lang="ko-KR" altLang="en-US" sz="1600" b="1" dirty="0">
                 <a:solidFill>
                   <a:schemeClr val="accent2"/>
                 </a:solidFill>
               </a:rPr>
               <a:t>필요</a:t>
             </a:r>
-            <a:endParaRPr lang="en-US" altLang="ko-KR" sz="1600" b="1" dirty="0" smtClean="0">
+            <a:endParaRPr lang="en-US" altLang="ko-KR" sz="1600" b="1" dirty="0">
               <a:solidFill>
                 <a:schemeClr val="accent2"/>
               </a:solidFill>
@@ -35266,11 +34752,7 @@
             </a:pPr>
             <a:r>
               <a:rPr lang="en-US" altLang="ko-KR" sz="1200" dirty="0"/>
-              <a:t> </a:t>
-            </a:r>
-            <a:r>
-              <a:rPr lang="en-US" altLang="ko-KR" sz="1200" dirty="0" smtClean="0"/>
-              <a:t>25-</a:t>
+              <a:t> 25-</a:t>
             </a:r>
             <a:fld id="{E543E660-5BD7-4DE8-B2D5-3B53773227AF}" type="slidenum">
               <a:rPr lang="en-US" altLang="ko-KR" sz="1200" smtClean="0">
@@ -35484,7 +34966,7 @@
         </p:nvSpPr>
         <p:spPr>
           <a:xfrm>
-            <a:off x="52923" y="2250040"/>
+            <a:off x="266700" y="2000711"/>
             <a:ext cx="8700659" cy="3334732"/>
           </a:xfrm>
           <a:prstGeom prst="rect">
@@ -35520,7 +35002,7 @@
           <a:lstStyle/>
           <a:p>
             <a:r>
-              <a:rPr lang="en-US" altLang="ko-KR" sz="1800" b="1" dirty="0" smtClean="0">
+              <a:rPr lang="en-US" altLang="ko-KR" sz="1800" b="1" dirty="0">
                 <a:solidFill>
                   <a:schemeClr val="tx1"/>
                 </a:solidFill>
@@ -35528,7 +35010,7 @@
               <a:t>&gt;&gt; </a:t>
             </a:r>
             <a:r>
-              <a:rPr lang="en-US" altLang="ko-KR" sz="1800" b="1" dirty="0" smtClean="0">
+              <a:rPr lang="en-US" altLang="ko-KR" sz="1800" b="1" dirty="0">
                 <a:solidFill>
                   <a:schemeClr val="accent2"/>
                 </a:solidFill>
@@ -35551,7 +35033,7 @@
           </a:p>
           <a:p>
             <a:r>
-              <a:rPr lang="en-US" altLang="ko-KR" sz="1800" b="1" dirty="0" smtClean="0">
+              <a:rPr lang="en-US" altLang="ko-KR" sz="1800" b="1" dirty="0">
                 <a:solidFill>
                   <a:schemeClr val="tx1"/>
                 </a:solidFill>
@@ -35559,20 +35041,12 @@
               <a:t>&gt;&gt; </a:t>
             </a:r>
             <a:r>
-              <a:rPr lang="en-US" altLang="ko-KR" sz="1800" b="1" dirty="0" smtClean="0">
+              <a:rPr lang="en-US" altLang="ko-KR" sz="1800" b="1" dirty="0">
                 <a:solidFill>
                   <a:schemeClr val="accent2"/>
                 </a:solidFill>
               </a:rPr>
-              <a:t>bot </a:t>
-            </a:r>
-            <a:r>
-              <a:rPr lang="en-US" altLang="ko-KR" sz="1800" b="1" dirty="0">
-                <a:solidFill>
-                  <a:schemeClr val="accent2"/>
-                </a:solidFill>
-              </a:rPr>
-              <a:t>= </a:t>
+              <a:t>bot = </a:t>
             </a:r>
             <a:r>
               <a:rPr lang="en-US" altLang="ko-KR" sz="1800" b="1" dirty="0" err="1">
@@ -35609,7 +35083,7 @@
           </a:p>
           <a:p>
             <a:r>
-              <a:rPr lang="en-US" altLang="ko-KR" sz="1800" b="1" dirty="0" smtClean="0">
+              <a:rPr lang="en-US" altLang="ko-KR" sz="1800" b="1" dirty="0">
                 <a:solidFill>
                   <a:schemeClr val="tx1"/>
                 </a:solidFill>
@@ -35617,7 +35091,7 @@
               <a:t>&gt;&gt; </a:t>
             </a:r>
             <a:r>
-              <a:rPr lang="en-US" altLang="ko-KR" sz="1800" b="1" dirty="0" err="1" smtClean="0">
+              <a:rPr lang="en-US" altLang="ko-KR" sz="1800" b="1" dirty="0" err="1">
                 <a:solidFill>
                   <a:schemeClr val="accent2"/>
                 </a:solidFill>
@@ -35725,7 +35199,7 @@
           </a:p>
           <a:p>
             <a:r>
-              <a:rPr lang="en-US" altLang="ko-KR" sz="1800" b="1" dirty="0" smtClean="0">
+              <a:rPr lang="en-US" altLang="ko-KR" sz="1800" b="1" dirty="0">
                 <a:solidFill>
                   <a:schemeClr val="tx1"/>
                 </a:solidFill>
@@ -36023,23 +35497,23 @@
               <a:defRPr/>
             </a:pPr>
             <a:r>
-              <a:rPr lang="ko-KR" altLang="en-US" dirty="0" err="1" smtClean="0"/>
+              <a:rPr lang="ko-KR" altLang="en-US" dirty="0" err="1"/>
               <a:t>텔레그램</a:t>
             </a:r>
             <a:r>
-              <a:rPr lang="ko-KR" altLang="en-US" dirty="0" smtClean="0"/>
+              <a:rPr lang="ko-KR" altLang="en-US" dirty="0"/>
               <a:t> </a:t>
             </a:r>
             <a:r>
-              <a:rPr lang="en-US" altLang="ko-KR" dirty="0" err="1" smtClean="0"/>
+              <a:rPr lang="en-US" altLang="ko-KR" dirty="0" err="1"/>
               <a:t>Telepot</a:t>
             </a:r>
             <a:r>
-              <a:rPr lang="en-US" altLang="ko-KR" dirty="0" smtClean="0"/>
+              <a:rPr lang="en-US" altLang="ko-KR" dirty="0"/>
               <a:t> </a:t>
             </a:r>
             <a:r>
-              <a:rPr lang="ko-KR" altLang="en-US" dirty="0" smtClean="0"/>
+              <a:rPr lang="ko-KR" altLang="en-US" dirty="0"/>
               <a:t>모듈</a:t>
             </a:r>
             <a:endParaRPr lang="en-US" altLang="ko-KR" dirty="0"/>
@@ -36230,73 +35704,65 @@
                   <a:schemeClr val="accent2"/>
                 </a:solidFill>
               </a:rPr>
-              <a:t>텔</a:t>
-            </a:r>
-            <a:r>
-              <a:rPr lang="ko-KR" altLang="en-US" sz="2000" b="1" dirty="0" err="1" smtClean="0">
+              <a:t>텔레그램에서</a:t>
+            </a:r>
+            <a:r>
+              <a:rPr lang="ko-KR" altLang="en-US" sz="2000" b="1" dirty="0">
                 <a:solidFill>
                   <a:schemeClr val="accent2"/>
                 </a:solidFill>
               </a:rPr>
-              <a:t>레그램에서</a:t>
-            </a:r>
-            <a:r>
-              <a:rPr lang="ko-KR" altLang="en-US" sz="2000" b="1" dirty="0" smtClean="0">
+              <a:t> </a:t>
+            </a:r>
+            <a:r>
+              <a:rPr lang="en-US" altLang="ko-KR" sz="2000" b="1" dirty="0">
                 <a:solidFill>
                   <a:schemeClr val="accent2"/>
                 </a:solidFill>
               </a:rPr>
+              <a:t>@</a:t>
+            </a:r>
+            <a:r>
+              <a:rPr lang="en-US" altLang="ko-KR" sz="2000" b="1" dirty="0" err="1">
+                <a:solidFill>
+                  <a:schemeClr val="accent2"/>
+                </a:solidFill>
+              </a:rPr>
+              <a:t>get_id_bot</a:t>
+            </a:r>
+            <a:r>
+              <a:rPr lang="en-US" altLang="ko-KR" sz="2000" b="1" dirty="0">
+                <a:solidFill>
+                  <a:schemeClr val="accent2"/>
+                </a:solidFill>
+              </a:rPr>
               <a:t> </a:t>
             </a:r>
             <a:r>
-              <a:rPr lang="en-US" altLang="ko-KR" sz="2000" b="1" dirty="0" smtClean="0">
+              <a:rPr lang="ko-KR" altLang="en-US" sz="2000" b="1" dirty="0">
                 <a:solidFill>
                   <a:schemeClr val="accent2"/>
                 </a:solidFill>
               </a:rPr>
-              <a:t>@</a:t>
-            </a:r>
-            <a:r>
-              <a:rPr lang="en-US" altLang="ko-KR" sz="2000" b="1" dirty="0" err="1" smtClean="0">
+              <a:t>을 찾으면 사용자 </a:t>
+            </a:r>
+            <a:r>
+              <a:rPr lang="en-US" altLang="ko-KR" sz="2000" b="1" dirty="0" err="1">
                 <a:solidFill>
                   <a:schemeClr val="accent2"/>
                 </a:solidFill>
               </a:rPr>
-              <a:t>get_id_bot</a:t>
-            </a:r>
-            <a:r>
-              <a:rPr lang="en-US" altLang="ko-KR" sz="2000" b="1" dirty="0" smtClean="0">
+              <a:t>chat_ID</a:t>
+            </a:r>
+            <a:r>
+              <a:rPr lang="ko-KR" altLang="en-US" sz="2000" b="1" dirty="0">
                 <a:solidFill>
                   <a:schemeClr val="accent2"/>
                 </a:solidFill>
               </a:rPr>
-              <a:t> </a:t>
-            </a:r>
-            <a:r>
-              <a:rPr lang="ko-KR" altLang="en-US" sz="2000" b="1" dirty="0" smtClean="0">
-                <a:solidFill>
-                  <a:schemeClr val="accent2"/>
-                </a:solidFill>
-              </a:rPr>
-              <a:t>을 찾으면 사용자 </a:t>
-            </a:r>
-            <a:r>
-              <a:rPr lang="en-US" altLang="ko-KR" sz="2000" b="1" dirty="0" err="1" smtClean="0">
-                <a:solidFill>
-                  <a:schemeClr val="accent2"/>
-                </a:solidFill>
-              </a:rPr>
-              <a:t>chat_ID</a:t>
-            </a:r>
-            <a:r>
-              <a:rPr lang="ko-KR" altLang="en-US" sz="2000" b="1" dirty="0" smtClean="0">
-                <a:solidFill>
-                  <a:schemeClr val="accent2"/>
-                </a:solidFill>
-              </a:rPr>
               <a:t>를 구할 수 있음</a:t>
             </a:r>
-            <a:endParaRPr lang="en-US" altLang="ko-KR" sz="1600" b="1" dirty="0" smtClean="0">
+            <a:endParaRPr lang="en-US" altLang="ko-KR" sz="1600" b="1" dirty="0">
               <a:solidFill>
                 <a:schemeClr val="accent2"/>
               </a:solidFill>
@@ -36437,11 +35903,7 @@
             </a:pPr>
             <a:r>
               <a:rPr lang="en-US" altLang="ko-KR" sz="1200" dirty="0"/>
-              <a:t> </a:t>
-            </a:r>
-            <a:r>
-              <a:rPr lang="en-US" altLang="ko-KR" sz="1200" dirty="0" smtClean="0"/>
-              <a:t>25-</a:t>
+              <a:t> 25-</a:t>
             </a:r>
             <a:fld id="{E543E660-5BD7-4DE8-B2D5-3B53773227AF}" type="slidenum">
               <a:rPr lang="en-US" altLang="ko-KR" sz="1200" smtClean="0">
@@ -36761,19 +36223,19 @@
               <a:defRPr/>
             </a:pPr>
             <a:r>
-              <a:rPr lang="ko-KR" altLang="en-US" dirty="0" err="1" smtClean="0"/>
+              <a:rPr lang="ko-KR" altLang="en-US" dirty="0" err="1"/>
               <a:t>공공데이터</a:t>
             </a:r>
             <a:r>
-              <a:rPr lang="ko-KR" altLang="en-US" dirty="0" smtClean="0"/>
+              <a:rPr lang="ko-KR" altLang="en-US" dirty="0"/>
               <a:t> 포털 </a:t>
             </a:r>
             <a:r>
-              <a:rPr lang="en-US" altLang="ko-KR" dirty="0" smtClean="0"/>
+              <a:rPr lang="en-US" altLang="ko-KR" dirty="0"/>
               <a:t>(data.go.kr) </a:t>
             </a:r>
             <a:r>
-              <a:rPr lang="ko-KR" altLang="en-US" dirty="0" smtClean="0"/>
+              <a:rPr lang="ko-KR" altLang="en-US" dirty="0"/>
               <a:t>부동산 정보</a:t>
             </a:r>
             <a:endParaRPr lang="en-US" altLang="ko-KR" dirty="0"/>
@@ -36959,7 +36421,7 @@
               <a:buChar char="§"/>
             </a:pPr>
             <a:r>
-              <a:rPr lang="ko-KR" altLang="en-US" sz="2000" b="1" dirty="0" smtClean="0">
+              <a:rPr lang="ko-KR" altLang="en-US" sz="2000" b="1" dirty="0">
                 <a:solidFill>
                   <a:schemeClr val="accent2"/>
                 </a:solidFill>
@@ -36967,7 +36429,7 @@
               <a:t>아파트 매매 </a:t>
             </a:r>
             <a:r>
-              <a:rPr lang="ko-KR" altLang="en-US" sz="2000" b="1" dirty="0" err="1" smtClean="0">
+              <a:rPr lang="ko-KR" altLang="en-US" sz="2000" b="1" dirty="0" err="1">
                 <a:solidFill>
                   <a:schemeClr val="accent2"/>
                 </a:solidFill>
@@ -37111,11 +36573,7 @@
             </a:pPr>
             <a:r>
               <a:rPr lang="en-US" altLang="ko-KR" sz="1200" dirty="0"/>
-              <a:t> </a:t>
-            </a:r>
-            <a:r>
-              <a:rPr lang="en-US" altLang="ko-KR" sz="1200" dirty="0" smtClean="0"/>
-              <a:t>25-</a:t>
+              <a:t> 25-</a:t>
             </a:r>
             <a:fld id="{E543E660-5BD7-4DE8-B2D5-3B53773227AF}" type="slidenum">
               <a:rPr lang="en-US" altLang="ko-KR" sz="1200" smtClean="0">
@@ -37344,17 +36802,12 @@
           <a:p>
             <a:r>
               <a:rPr lang="en-US" altLang="ko-KR" sz="1800" dirty="0"/>
-              <a:t>http://openapi.molit.go.kr:8081/OpenAPI_ToolInstallPackage/service/rest/RTMSOBJSvc/getRTMSDataSvcAptTrade</a:t>
-            </a:r>
-            <a:r>
-              <a:rPr lang="en-US" altLang="ko-KR" sz="1800" dirty="0" smtClean="0"/>
-              <a:t>?</a:t>
-            </a:r>
-            <a:r>
-              <a:rPr lang="ko-KR" altLang="en-US" sz="1800" dirty="0" smtClean="0"/>
+              <a:t>http://openapi.molit.go.kr:8081/OpenAPI_ToolInstallPackage/service/rest/RTMSOBJSvc/getRTMSDataSvcAptTrade?</a:t>
+            </a:r>
+            <a:r>
+              <a:rPr lang="ko-KR" altLang="en-US" sz="1800" dirty="0"/>
               <a:t> </a:t>
             </a:r>
-            <a:endParaRPr lang="ko-KR" altLang="en-US" sz="1800" dirty="0"/>
           </a:p>
         </p:txBody>
       </p:sp>
